--- a/src/docs/Entity Resolution Short Brief.pptx
+++ b/src/docs/Entity Resolution Short Brief.pptx
@@ -314,7 +314,7 @@
           <a:p>
             <a:fld id="{F94EE1FC-EA73-5A44-AB65-C9498AC6B9A0}" type="datetimeFigureOut">
               <a:rPr lang="en-US" smtClean="0"/>
-              <a:t>5/17/2014</a:t>
+              <a:t>5/18/2014</a:t>
             </a:fld>
             <a:endParaRPr lang="en-US"/>
           </a:p>
@@ -671,7 +671,7 @@
           <a:p>
             <a:fld id="{F94EE1FC-EA73-5A44-AB65-C9498AC6B9A0}" type="datetimeFigureOut">
               <a:rPr lang="en-US" smtClean="0"/>
-              <a:t>5/17/2014</a:t>
+              <a:t>5/18/2014</a:t>
             </a:fld>
             <a:endParaRPr lang="en-US"/>
           </a:p>
@@ -840,7 +840,7 @@
           <a:p>
             <a:fld id="{F94EE1FC-EA73-5A44-AB65-C9498AC6B9A0}" type="datetimeFigureOut">
               <a:rPr lang="en-US" smtClean="0"/>
-              <a:t>5/17/2014</a:t>
+              <a:t>5/18/2014</a:t>
             </a:fld>
             <a:endParaRPr lang="en-US"/>
           </a:p>
@@ -1019,7 +1019,7 @@
           <a:p>
             <a:fld id="{F94EE1FC-EA73-5A44-AB65-C9498AC6B9A0}" type="datetimeFigureOut">
               <a:rPr lang="en-US" smtClean="0"/>
-              <a:t>5/17/2014</a:t>
+              <a:t>5/18/2014</a:t>
             </a:fld>
             <a:endParaRPr lang="en-US"/>
           </a:p>
@@ -1188,7 +1188,7 @@
           <a:p>
             <a:fld id="{F94EE1FC-EA73-5A44-AB65-C9498AC6B9A0}" type="datetimeFigureOut">
               <a:rPr lang="en-US" smtClean="0"/>
-              <a:t>5/17/2014</a:t>
+              <a:t>5/18/2014</a:t>
             </a:fld>
             <a:endParaRPr lang="en-US"/>
           </a:p>
@@ -1465,7 +1465,7 @@
           <a:p>
             <a:fld id="{F94EE1FC-EA73-5A44-AB65-C9498AC6B9A0}" type="datetimeFigureOut">
               <a:rPr lang="en-US" smtClean="0"/>
-              <a:t>5/17/2014</a:t>
+              <a:t>5/18/2014</a:t>
             </a:fld>
             <a:endParaRPr lang="en-US"/>
           </a:p>
@@ -1757,7 +1757,7 @@
           <a:p>
             <a:fld id="{F94EE1FC-EA73-5A44-AB65-C9498AC6B9A0}" type="datetimeFigureOut">
               <a:rPr lang="en-US" smtClean="0"/>
-              <a:t>5/17/2014</a:t>
+              <a:t>5/18/2014</a:t>
             </a:fld>
             <a:endParaRPr lang="en-US"/>
           </a:p>
@@ -2193,7 +2193,7 @@
           <a:p>
             <a:fld id="{F94EE1FC-EA73-5A44-AB65-C9498AC6B9A0}" type="datetimeFigureOut">
               <a:rPr lang="en-US" smtClean="0"/>
-              <a:t>5/17/2014</a:t>
+              <a:t>5/18/2014</a:t>
             </a:fld>
             <a:endParaRPr lang="en-US"/>
           </a:p>
@@ -2315,7 +2315,7 @@
           <a:p>
             <a:fld id="{F94EE1FC-EA73-5A44-AB65-C9498AC6B9A0}" type="datetimeFigureOut">
               <a:rPr lang="en-US" smtClean="0"/>
-              <a:t>5/17/2014</a:t>
+              <a:t>5/18/2014</a:t>
             </a:fld>
             <a:endParaRPr lang="en-US"/>
           </a:p>
@@ -2405,7 +2405,7 @@
           <a:p>
             <a:fld id="{F94EE1FC-EA73-5A44-AB65-C9498AC6B9A0}" type="datetimeFigureOut">
               <a:rPr lang="en-US" smtClean="0"/>
-              <a:t>5/17/2014</a:t>
+              <a:t>5/18/2014</a:t>
             </a:fld>
             <a:endParaRPr lang="en-US"/>
           </a:p>
@@ -2742,7 +2742,7 @@
           <a:p>
             <a:fld id="{F94EE1FC-EA73-5A44-AB65-C9498AC6B9A0}" type="datetimeFigureOut">
               <a:rPr lang="en-US" smtClean="0"/>
-              <a:t>5/17/2014</a:t>
+              <a:t>5/18/2014</a:t>
             </a:fld>
             <a:endParaRPr lang="en-US"/>
           </a:p>
@@ -3057,7 +3057,7 @@
           <a:p>
             <a:fld id="{F94EE1FC-EA73-5A44-AB65-C9498AC6B9A0}" type="datetimeFigureOut">
               <a:rPr lang="en-US" smtClean="0"/>
-              <a:t>5/17/2014</a:t>
+              <a:t>5/18/2014</a:t>
             </a:fld>
             <a:endParaRPr lang="en-US"/>
           </a:p>
@@ -3303,7 +3303,7 @@
           <a:p>
             <a:fld id="{F94EE1FC-EA73-5A44-AB65-C9498AC6B9A0}" type="datetimeFigureOut">
               <a:rPr lang="en-US" smtClean="0"/>
-              <a:t>5/17/2014</a:t>
+              <a:t>5/18/2014</a:t>
             </a:fld>
             <a:endParaRPr lang="en-US"/>
           </a:p>
@@ -6251,6 +6251,11 @@
             <a:prstGeom prst="flowChartDocument">
               <a:avLst/>
             </a:prstGeom>
+            <a:ln>
+              <a:solidFill>
+                <a:srgbClr val="851212"/>
+              </a:solidFill>
+            </a:ln>
           </p:spPr>
           <p:style>
             <a:lnRef idx="1">
@@ -6272,10 +6277,10 @@
             <a:p>
               <a:pPr algn="ctr"/>
               <a:r>
-                <a:rPr lang="en-US" sz="800" dirty="0" smtClean="0"/>
+                <a:rPr lang="en-US" sz="600" dirty="0" smtClean="0"/>
                 <a:t>Semi-Structured Financial Report</a:t>
               </a:r>
-              <a:endParaRPr lang="en-US" sz="800" dirty="0"/>
+              <a:endParaRPr lang="en-US" sz="600" dirty="0"/>
             </a:p>
           </p:txBody>
         </p:sp>
@@ -6293,6 +6298,11 @@
             <a:prstGeom prst="rightArrow">
               <a:avLst/>
             </a:prstGeom>
+            <a:ln>
+              <a:solidFill>
+                <a:srgbClr val="851212"/>
+              </a:solidFill>
+            </a:ln>
           </p:spPr>
           <p:style>
             <a:lnRef idx="1">
@@ -6313,7 +6323,7 @@
             <a:lstStyle/>
             <a:p>
               <a:pPr algn="ctr"/>
-              <a:endParaRPr lang="en-US" sz="800"/>
+              <a:endParaRPr lang="en-US" sz="600"/>
             </a:p>
           </p:txBody>
         </p:sp>
@@ -6331,6 +6341,11 @@
             <a:prstGeom prst="rightArrow">
               <a:avLst/>
             </a:prstGeom>
+            <a:ln>
+              <a:solidFill>
+                <a:srgbClr val="851212"/>
+              </a:solidFill>
+            </a:ln>
           </p:spPr>
           <p:style>
             <a:lnRef idx="1">
@@ -6351,7 +6366,7 @@
             <a:lstStyle/>
             <a:p>
               <a:pPr algn="ctr"/>
-              <a:endParaRPr lang="en-US" sz="800"/>
+              <a:endParaRPr lang="en-US" sz="600"/>
             </a:p>
           </p:txBody>
         </p:sp>
@@ -6383,6 +6398,11 @@
               <a:prstGeom prst="flowChartAlternateProcess">
                 <a:avLst/>
               </a:prstGeom>
+              <a:ln>
+                <a:solidFill>
+                  <a:srgbClr val="851212"/>
+                </a:solidFill>
+              </a:ln>
             </p:spPr>
             <p:style>
               <a:lnRef idx="1">
@@ -6404,10 +6424,10 @@
               <a:p>
                 <a:pPr algn="ctr"/>
                 <a:r>
-                  <a:rPr lang="en-US" sz="800" dirty="0" smtClean="0"/>
+                  <a:rPr lang="en-US" sz="600" dirty="0"/>
                   <a:t>Name(s)</a:t>
                 </a:r>
-                <a:endParaRPr lang="en-US" sz="800" dirty="0"/>
+                <a:endParaRPr lang="en-US" sz="600" dirty="0"/>
               </a:p>
             </p:txBody>
           </p:sp>
@@ -6425,6 +6445,11 @@
               <a:prstGeom prst="flowChartAlternateProcess">
                 <a:avLst/>
               </a:prstGeom>
+              <a:ln>
+                <a:solidFill>
+                  <a:srgbClr val="851212"/>
+                </a:solidFill>
+              </a:ln>
             </p:spPr>
             <p:style>
               <a:lnRef idx="1">
@@ -6446,10 +6471,10 @@
               <a:p>
                 <a:pPr algn="ctr"/>
                 <a:r>
-                  <a:rPr lang="en-US" sz="800" dirty="0" smtClean="0"/>
+                  <a:rPr lang="en-US" sz="600" dirty="0"/>
                   <a:t>Address(s)</a:t>
                 </a:r>
-                <a:endParaRPr lang="en-US" sz="800" dirty="0"/>
+                <a:endParaRPr lang="en-US" sz="600" dirty="0"/>
               </a:p>
             </p:txBody>
           </p:sp>
@@ -6467,6 +6492,11 @@
               <a:prstGeom prst="flowChartAlternateProcess">
                 <a:avLst/>
               </a:prstGeom>
+              <a:ln>
+                <a:solidFill>
+                  <a:srgbClr val="851212"/>
+                </a:solidFill>
+              </a:ln>
             </p:spPr>
             <p:style>
               <a:lnRef idx="1">
@@ -6488,10 +6518,10 @@
               <a:p>
                 <a:pPr algn="ctr"/>
                 <a:r>
-                  <a:rPr lang="en-US" sz="800" dirty="0" smtClean="0"/>
+                  <a:rPr lang="en-US" sz="600" dirty="0"/>
                   <a:t>Account(s)</a:t>
                 </a:r>
-                <a:endParaRPr lang="en-US" sz="800" dirty="0"/>
+                <a:endParaRPr lang="en-US" sz="600" dirty="0"/>
               </a:p>
             </p:txBody>
           </p:sp>
@@ -6509,6 +6539,11 @@
               <a:prstGeom prst="flowChartAlternateProcess">
                 <a:avLst/>
               </a:prstGeom>
+              <a:ln>
+                <a:solidFill>
+                  <a:srgbClr val="851212"/>
+                </a:solidFill>
+              </a:ln>
             </p:spPr>
             <p:style>
               <a:lnRef idx="1">
@@ -6530,10 +6565,10 @@
               <a:p>
                 <a:pPr algn="ctr"/>
                 <a:r>
-                  <a:rPr lang="en-US" sz="800" dirty="0" smtClean="0"/>
+                  <a:rPr lang="en-US" sz="600" dirty="0"/>
                   <a:t>Institution(s)</a:t>
                 </a:r>
-                <a:endParaRPr lang="en-US" sz="800" dirty="0"/>
+                <a:endParaRPr lang="en-US" sz="600" dirty="0"/>
               </a:p>
             </p:txBody>
           </p:sp>
@@ -6580,6 +6615,11 @@
                 <a:prstGeom prst="ellipse">
                   <a:avLst/>
                 </a:prstGeom>
+                <a:ln>
+                  <a:solidFill>
+                    <a:srgbClr val="851212"/>
+                  </a:solidFill>
+                </a:ln>
               </p:spPr>
               <p:style>
                 <a:lnRef idx="1">
@@ -6601,10 +6641,10 @@
                 <a:p>
                   <a:pPr algn="ctr"/>
                   <a:r>
-                    <a:rPr lang="en-US" sz="800" dirty="0" smtClean="0"/>
+                    <a:rPr lang="en-US" sz="600" dirty="0"/>
                     <a:t>Name</a:t>
                   </a:r>
-                  <a:endParaRPr lang="en-US" sz="800" dirty="0"/>
+                  <a:endParaRPr lang="en-US" sz="600" dirty="0"/>
                 </a:p>
               </p:txBody>
             </p:sp>
@@ -6622,6 +6662,11 @@
                 <a:prstGeom prst="ellipse">
                   <a:avLst/>
                 </a:prstGeom>
+                <a:ln>
+                  <a:solidFill>
+                    <a:srgbClr val="851212"/>
+                  </a:solidFill>
+                </a:ln>
               </p:spPr>
               <p:style>
                 <a:lnRef idx="1">
@@ -6643,10 +6688,10 @@
                 <a:p>
                   <a:pPr algn="ctr"/>
                   <a:r>
-                    <a:rPr lang="en-US" sz="800" dirty="0" smtClean="0"/>
+                    <a:rPr lang="en-US" sz="600" dirty="0"/>
                     <a:t>Name</a:t>
                   </a:r>
-                  <a:endParaRPr lang="en-US" sz="800" dirty="0"/>
+                  <a:endParaRPr lang="en-US" sz="600" dirty="0"/>
                 </a:p>
               </p:txBody>
             </p:sp>
@@ -6664,6 +6709,11 @@
                 <a:prstGeom prst="ellipse">
                   <a:avLst/>
                 </a:prstGeom>
+                <a:ln>
+                  <a:solidFill>
+                    <a:srgbClr val="851212"/>
+                  </a:solidFill>
+                </a:ln>
               </p:spPr>
               <p:style>
                 <a:lnRef idx="1">
@@ -6685,10 +6735,10 @@
                 <a:p>
                   <a:pPr algn="ctr"/>
                   <a:r>
-                    <a:rPr lang="en-US" sz="800" dirty="0" smtClean="0"/>
+                    <a:rPr lang="en-US" sz="600" dirty="0"/>
                     <a:t>Name</a:t>
                   </a:r>
-                  <a:endParaRPr lang="en-US" sz="800" dirty="0"/>
+                  <a:endParaRPr lang="en-US" sz="600" dirty="0"/>
                 </a:p>
               </p:txBody>
             </p:sp>
@@ -6721,6 +6771,11 @@
                 <a:prstGeom prst="ellipse">
                   <a:avLst/>
                 </a:prstGeom>
+                <a:ln>
+                  <a:solidFill>
+                    <a:srgbClr val="851212"/>
+                  </a:solidFill>
+                </a:ln>
               </p:spPr>
               <p:style>
                 <a:lnRef idx="1">
@@ -6742,10 +6797,10 @@
                 <a:p>
                   <a:pPr algn="ctr"/>
                   <a:r>
-                    <a:rPr lang="en-US" sz="800" dirty="0" smtClean="0"/>
+                    <a:rPr lang="en-US" sz="600" dirty="0"/>
                     <a:t>Address</a:t>
                   </a:r>
-                  <a:endParaRPr lang="en-US" sz="800" dirty="0"/>
+                  <a:endParaRPr lang="en-US" sz="600" dirty="0"/>
                 </a:p>
               </p:txBody>
             </p:sp>
@@ -6763,6 +6818,11 @@
                 <a:prstGeom prst="ellipse">
                   <a:avLst/>
                 </a:prstGeom>
+                <a:ln>
+                  <a:solidFill>
+                    <a:srgbClr val="851212"/>
+                  </a:solidFill>
+                </a:ln>
               </p:spPr>
               <p:style>
                 <a:lnRef idx="1">
@@ -6784,10 +6844,10 @@
                 <a:p>
                   <a:pPr algn="ctr"/>
                   <a:r>
-                    <a:rPr lang="en-US" sz="800" dirty="0" smtClean="0"/>
+                    <a:rPr lang="en-US" sz="600" dirty="0"/>
                     <a:t>Address</a:t>
                   </a:r>
-                  <a:endParaRPr lang="en-US" sz="800" dirty="0"/>
+                  <a:endParaRPr lang="en-US" sz="600" dirty="0"/>
                 </a:p>
               </p:txBody>
             </p:sp>
@@ -6805,6 +6865,11 @@
                 <a:prstGeom prst="ellipse">
                   <a:avLst/>
                 </a:prstGeom>
+                <a:ln>
+                  <a:solidFill>
+                    <a:srgbClr val="851212"/>
+                  </a:solidFill>
+                </a:ln>
               </p:spPr>
               <p:style>
                 <a:lnRef idx="1">
@@ -6826,10 +6891,10 @@
                 <a:p>
                   <a:pPr algn="ctr"/>
                   <a:r>
-                    <a:rPr lang="en-US" sz="800" dirty="0" smtClean="0"/>
+                    <a:rPr lang="en-US" sz="600" dirty="0"/>
                     <a:t>Address</a:t>
                   </a:r>
-                  <a:endParaRPr lang="en-US" sz="800" dirty="0"/>
+                  <a:endParaRPr lang="en-US" sz="600" dirty="0"/>
                 </a:p>
               </p:txBody>
             </p:sp>
@@ -6862,6 +6927,11 @@
                 <a:prstGeom prst="ellipse">
                   <a:avLst/>
                 </a:prstGeom>
+                <a:ln>
+                  <a:solidFill>
+                    <a:srgbClr val="851212"/>
+                  </a:solidFill>
+                </a:ln>
               </p:spPr>
               <p:style>
                 <a:lnRef idx="1">
@@ -6883,10 +6953,10 @@
                 <a:p>
                   <a:pPr algn="ctr"/>
                   <a:r>
-                    <a:rPr lang="en-US" sz="800" dirty="0" smtClean="0"/>
+                    <a:rPr lang="en-US" sz="600" dirty="0"/>
                     <a:t>Account</a:t>
                   </a:r>
-                  <a:endParaRPr lang="en-US" sz="800" dirty="0"/>
+                  <a:endParaRPr lang="en-US" sz="600" dirty="0"/>
                 </a:p>
               </p:txBody>
             </p:sp>
@@ -6904,6 +6974,11 @@
                 <a:prstGeom prst="ellipse">
                   <a:avLst/>
                 </a:prstGeom>
+                <a:ln>
+                  <a:solidFill>
+                    <a:srgbClr val="851212"/>
+                  </a:solidFill>
+                </a:ln>
               </p:spPr>
               <p:style>
                 <a:lnRef idx="1">
@@ -6925,10 +7000,10 @@
                 <a:p>
                   <a:pPr algn="ctr"/>
                   <a:r>
-                    <a:rPr lang="en-US" sz="800" dirty="0" smtClean="0"/>
+                    <a:rPr lang="en-US" sz="600" dirty="0"/>
                     <a:t>Account</a:t>
                   </a:r>
-                  <a:endParaRPr lang="en-US" sz="800" dirty="0"/>
+                  <a:endParaRPr lang="en-US" sz="600" dirty="0"/>
                 </a:p>
               </p:txBody>
             </p:sp>
@@ -6946,6 +7021,11 @@
                 <a:prstGeom prst="ellipse">
                   <a:avLst/>
                 </a:prstGeom>
+                <a:ln>
+                  <a:solidFill>
+                    <a:srgbClr val="851212"/>
+                  </a:solidFill>
+                </a:ln>
               </p:spPr>
               <p:style>
                 <a:lnRef idx="1">
@@ -6967,10 +7047,10 @@
                 <a:p>
                   <a:pPr algn="ctr"/>
                   <a:r>
-                    <a:rPr lang="en-US" sz="800" dirty="0" smtClean="0"/>
+                    <a:rPr lang="en-US" sz="600" dirty="0"/>
                     <a:t>Account</a:t>
                   </a:r>
-                  <a:endParaRPr lang="en-US" sz="800" dirty="0"/>
+                  <a:endParaRPr lang="en-US" sz="600" dirty="0"/>
                 </a:p>
               </p:txBody>
             </p:sp>
@@ -7003,6 +7083,11 @@
                 <a:prstGeom prst="ellipse">
                   <a:avLst/>
                 </a:prstGeom>
+                <a:ln>
+                  <a:solidFill>
+                    <a:srgbClr val="851212"/>
+                  </a:solidFill>
+                </a:ln>
               </p:spPr>
               <p:style>
                 <a:lnRef idx="1">
@@ -7024,10 +7109,10 @@
                 <a:p>
                   <a:pPr algn="ctr"/>
                   <a:r>
-                    <a:rPr lang="en-US" sz="800" dirty="0" smtClean="0"/>
+                    <a:rPr lang="en-US" sz="600" dirty="0"/>
                     <a:t>Institution</a:t>
                   </a:r>
-                  <a:endParaRPr lang="en-US" sz="800" dirty="0"/>
+                  <a:endParaRPr lang="en-US" sz="600" dirty="0"/>
                 </a:p>
               </p:txBody>
             </p:sp>
@@ -7045,6 +7130,11 @@
                 <a:prstGeom prst="ellipse">
                   <a:avLst/>
                 </a:prstGeom>
+                <a:ln>
+                  <a:solidFill>
+                    <a:srgbClr val="851212"/>
+                  </a:solidFill>
+                </a:ln>
               </p:spPr>
               <p:style>
                 <a:lnRef idx="1">
@@ -7066,10 +7156,10 @@
                 <a:p>
                   <a:pPr algn="ctr"/>
                   <a:r>
-                    <a:rPr lang="en-US" sz="800" dirty="0" smtClean="0"/>
+                    <a:rPr lang="en-US" sz="600" dirty="0"/>
                     <a:t>Institution</a:t>
                   </a:r>
-                  <a:endParaRPr lang="en-US" sz="800" dirty="0"/>
+                  <a:endParaRPr lang="en-US" sz="600" dirty="0"/>
                 </a:p>
               </p:txBody>
             </p:sp>
@@ -7087,6 +7177,11 @@
                 <a:prstGeom prst="ellipse">
                   <a:avLst/>
                 </a:prstGeom>
+                <a:ln>
+                  <a:solidFill>
+                    <a:srgbClr val="851212"/>
+                  </a:solidFill>
+                </a:ln>
               </p:spPr>
               <p:style>
                 <a:lnRef idx="1">
@@ -7108,10 +7203,10 @@
                 <a:p>
                   <a:pPr algn="ctr"/>
                   <a:r>
-                    <a:rPr lang="en-US" sz="800" dirty="0" smtClean="0"/>
+                    <a:rPr lang="en-US" sz="600" dirty="0"/>
                     <a:t>Institution</a:t>
                   </a:r>
-                  <a:endParaRPr lang="en-US" sz="800" dirty="0"/>
+                  <a:endParaRPr lang="en-US" sz="600" dirty="0"/>
                 </a:p>
               </p:txBody>
             </p:sp>
@@ -7125,9 +7220,9 @@
             <p:grpSpPr>
               <a:xfrm>
                 <a:off x="7777210" y="2877908"/>
-                <a:ext cx="652681" cy="551935"/>
+                <a:ext cx="743815" cy="492917"/>
                 <a:chOff x="7777210" y="2877908"/>
-                <a:chExt cx="652681" cy="551935"/>
+                <a:chExt cx="743815" cy="492917"/>
               </a:xfrm>
             </p:grpSpPr>
             <p:cxnSp>
@@ -7174,8 +7269,8 @@
               </p:nvSpPr>
               <p:spPr>
                 <a:xfrm>
-                  <a:off x="7861614" y="2899604"/>
-                  <a:ext cx="568277" cy="530239"/>
+                  <a:off x="7861613" y="2899603"/>
+                  <a:ext cx="659412" cy="274430"/>
                 </a:xfrm>
                 <a:prstGeom prst="rect">
                   <a:avLst/>
@@ -7189,10 +7284,10 @@
                 <a:lstStyle/>
                 <a:p>
                   <a:r>
-                    <a:rPr lang="en-US" sz="800" dirty="0" smtClean="0"/>
+                    <a:rPr lang="en-US" sz="600" dirty="0" smtClean="0"/>
                     <a:t>Has</a:t>
                   </a:r>
-                  <a:endParaRPr lang="en-US" sz="800" dirty="0"/>
+                  <a:endParaRPr lang="en-US" sz="600" dirty="0"/>
                 </a:p>
               </p:txBody>
             </p:sp>
@@ -7239,8 +7334,8 @@
             </p:nvSpPr>
             <p:spPr>
               <a:xfrm>
-                <a:off x="7893100" y="4378064"/>
-                <a:ext cx="568276" cy="530239"/>
+                <a:off x="7893100" y="4378065"/>
+                <a:ext cx="617515" cy="274431"/>
               </a:xfrm>
               <a:prstGeom prst="rect">
                 <a:avLst/>
@@ -7254,10 +7349,10 @@
               <a:lstStyle/>
               <a:p>
                 <a:r>
-                  <a:rPr lang="en-US" sz="800" dirty="0" smtClean="0"/>
+                  <a:rPr lang="en-US" sz="600" dirty="0" smtClean="0"/>
                   <a:t>Has</a:t>
                 </a:r>
-                <a:endParaRPr lang="en-US" sz="800" dirty="0"/>
+                <a:endParaRPr lang="en-US" sz="600" dirty="0"/>
               </a:p>
             </p:txBody>
           </p:sp>
@@ -7303,8 +7398,8 @@
             </p:nvSpPr>
             <p:spPr>
               <a:xfrm>
-                <a:off x="6476555" y="4702628"/>
-                <a:ext cx="568276" cy="530239"/>
+                <a:off x="6415727" y="4702628"/>
+                <a:ext cx="629105" cy="274431"/>
               </a:xfrm>
               <a:prstGeom prst="rect">
                 <a:avLst/>
@@ -7318,10 +7413,10 @@
               <a:lstStyle/>
               <a:p>
                 <a:r>
-                  <a:rPr lang="en-US" sz="800" dirty="0" smtClean="0"/>
+                  <a:rPr lang="en-US" sz="600" dirty="0" smtClean="0"/>
                   <a:t>Has</a:t>
                 </a:r>
-                <a:endParaRPr lang="en-US" sz="800" dirty="0"/>
+                <a:endParaRPr lang="en-US" sz="600" dirty="0"/>
               </a:p>
             </p:txBody>
           </p:sp>
@@ -7370,7 +7465,7 @@
             <p:spPr>
               <a:xfrm>
                 <a:off x="6441033" y="3165053"/>
-                <a:ext cx="568276" cy="530239"/>
+                <a:ext cx="639369" cy="274431"/>
               </a:xfrm>
               <a:prstGeom prst="rect">
                 <a:avLst/>
@@ -7384,10 +7479,10 @@
               <a:lstStyle/>
               <a:p>
                 <a:r>
-                  <a:rPr lang="en-US" sz="800" dirty="0" smtClean="0"/>
+                  <a:rPr lang="en-US" sz="600" dirty="0" smtClean="0"/>
                   <a:t>Has</a:t>
                 </a:r>
-                <a:endParaRPr lang="en-US" sz="800" dirty="0"/>
+                <a:endParaRPr lang="en-US" sz="600" dirty="0"/>
               </a:p>
             </p:txBody>
           </p:sp>
@@ -7401,7 +7496,7 @@
           <p:spPr>
             <a:xfrm>
               <a:off x="472303" y="1563944"/>
-              <a:ext cx="4061651" cy="530239"/>
+              <a:ext cx="4061651" cy="594600"/>
             </a:xfrm>
             <a:prstGeom prst="rect">
               <a:avLst/>
@@ -7415,10 +7510,14 @@
             <a:lstStyle/>
             <a:p>
               <a:r>
-                <a:rPr lang="en-US" sz="800" dirty="0" smtClean="0"/>
-                <a:t>Phase 1, Initial Ingest, Extraction and Load (No Data Protection Considered)</a:t>
+                <a:rPr lang="en-US" sz="1000" dirty="0" smtClean="0"/>
+                <a:t>Phase 1, Initial Ingest, Extraction and </a:t>
               </a:r>
-              <a:endParaRPr lang="en-US" sz="800" dirty="0"/>
+              <a:r>
+                <a:rPr lang="en-US" sz="1000" dirty="0" smtClean="0"/>
+                <a:t>Load</a:t>
+              </a:r>
+              <a:endParaRPr lang="en-US" sz="1000" dirty="0"/>
             </a:p>
           </p:txBody>
         </p:sp>
@@ -7451,12 +7550,29 @@
             <a:prstGeom prst="flowChartDocument">
               <a:avLst/>
             </a:prstGeom>
-            <a:solidFill>
-              <a:schemeClr val="accent2">
-                <a:lumMod val="60000"/>
-                <a:lumOff val="40000"/>
-              </a:schemeClr>
-            </a:solidFill>
+            <a:gradFill flip="none" rotWithShape="1">
+              <a:gsLst>
+                <a:gs pos="0">
+                  <a:schemeClr val="accent4">
+                    <a:lumMod val="67000"/>
+                  </a:schemeClr>
+                </a:gs>
+                <a:gs pos="48000">
+                  <a:schemeClr val="accent4">
+                    <a:lumMod val="97000"/>
+                    <a:lumOff val="3000"/>
+                  </a:schemeClr>
+                </a:gs>
+                <a:gs pos="100000">
+                  <a:schemeClr val="accent4">
+                    <a:lumMod val="60000"/>
+                    <a:lumOff val="40000"/>
+                  </a:schemeClr>
+                </a:gs>
+              </a:gsLst>
+              <a:lin ang="16200000" scaled="1"/>
+              <a:tileRect/>
+            </a:gradFill>
           </p:spPr>
           <p:style>
             <a:lnRef idx="1">
@@ -7478,10 +7594,10 @@
             <a:p>
               <a:pPr algn="ctr"/>
               <a:r>
-                <a:rPr lang="en-US" sz="800" dirty="0" smtClean="0"/>
+                <a:rPr lang="en-US" sz="600" dirty="0" smtClean="0"/>
                 <a:t>Highly Structured Intelligence Report</a:t>
               </a:r>
-              <a:endParaRPr lang="en-US" sz="800" dirty="0"/>
+              <a:endParaRPr lang="en-US" sz="600" dirty="0"/>
             </a:p>
           </p:txBody>
         </p:sp>
@@ -7499,6 +7615,29 @@
             <a:prstGeom prst="rightArrow">
               <a:avLst/>
             </a:prstGeom>
+            <a:gradFill flip="none" rotWithShape="1">
+              <a:gsLst>
+                <a:gs pos="0">
+                  <a:schemeClr val="accent4">
+                    <a:lumMod val="67000"/>
+                  </a:schemeClr>
+                </a:gs>
+                <a:gs pos="48000">
+                  <a:schemeClr val="accent4">
+                    <a:lumMod val="97000"/>
+                    <a:lumOff val="3000"/>
+                  </a:schemeClr>
+                </a:gs>
+                <a:gs pos="100000">
+                  <a:schemeClr val="accent4">
+                    <a:lumMod val="60000"/>
+                    <a:lumOff val="40000"/>
+                  </a:schemeClr>
+                </a:gs>
+              </a:gsLst>
+              <a:lin ang="16200000" scaled="1"/>
+              <a:tileRect/>
+            </a:gradFill>
           </p:spPr>
           <p:style>
             <a:lnRef idx="1">
@@ -7519,7 +7658,7 @@
             <a:lstStyle/>
             <a:p>
               <a:pPr algn="ctr"/>
-              <a:endParaRPr lang="en-US" sz="800"/>
+              <a:endParaRPr lang="en-US" sz="600"/>
             </a:p>
           </p:txBody>
         </p:sp>
@@ -7537,6 +7676,29 @@
             <a:prstGeom prst="rightArrow">
               <a:avLst/>
             </a:prstGeom>
+            <a:gradFill flip="none" rotWithShape="1">
+              <a:gsLst>
+                <a:gs pos="0">
+                  <a:schemeClr val="accent4">
+                    <a:lumMod val="67000"/>
+                  </a:schemeClr>
+                </a:gs>
+                <a:gs pos="48000">
+                  <a:schemeClr val="accent4">
+                    <a:lumMod val="97000"/>
+                    <a:lumOff val="3000"/>
+                  </a:schemeClr>
+                </a:gs>
+                <a:gs pos="100000">
+                  <a:schemeClr val="accent4">
+                    <a:lumMod val="60000"/>
+                    <a:lumOff val="40000"/>
+                  </a:schemeClr>
+                </a:gs>
+              </a:gsLst>
+              <a:lin ang="16200000" scaled="1"/>
+              <a:tileRect/>
+            </a:gradFill>
           </p:spPr>
           <p:style>
             <a:lnRef idx="1">
@@ -7557,7 +7719,7 @@
             <a:lstStyle/>
             <a:p>
               <a:pPr algn="ctr"/>
-              <a:endParaRPr lang="en-US" sz="800"/>
+              <a:endParaRPr lang="en-US" sz="600"/>
             </a:p>
           </p:txBody>
         </p:sp>
@@ -7595,7 +7757,29 @@
               <a:prstGeom prst="flowChartAlternateProcess">
                 <a:avLst/>
               </a:prstGeom>
-              <a:grpFill/>
+              <a:gradFill flip="none" rotWithShape="1">
+                <a:gsLst>
+                  <a:gs pos="0">
+                    <a:schemeClr val="accent4">
+                      <a:lumMod val="67000"/>
+                    </a:schemeClr>
+                  </a:gs>
+                  <a:gs pos="48000">
+                    <a:schemeClr val="accent4">
+                      <a:lumMod val="97000"/>
+                      <a:lumOff val="3000"/>
+                    </a:schemeClr>
+                  </a:gs>
+                  <a:gs pos="100000">
+                    <a:schemeClr val="accent4">
+                      <a:lumMod val="60000"/>
+                      <a:lumOff val="40000"/>
+                    </a:schemeClr>
+                  </a:gs>
+                </a:gsLst>
+                <a:lin ang="16200000" scaled="1"/>
+                <a:tileRect/>
+              </a:gradFill>
             </p:spPr>
             <p:style>
               <a:lnRef idx="1">
@@ -7617,10 +7801,10 @@
               <a:p>
                 <a:pPr algn="ctr"/>
                 <a:r>
-                  <a:rPr lang="en-US" sz="800" dirty="0" smtClean="0"/>
+                  <a:rPr lang="en-US" sz="600" dirty="0"/>
                   <a:t>Name(s)</a:t>
                 </a:r>
-                <a:endParaRPr lang="en-US" sz="800" dirty="0"/>
+                <a:endParaRPr lang="en-US" sz="600" dirty="0"/>
               </a:p>
             </p:txBody>
           </p:sp>
@@ -7638,7 +7822,29 @@
               <a:prstGeom prst="flowChartAlternateProcess">
                 <a:avLst/>
               </a:prstGeom>
-              <a:grpFill/>
+              <a:gradFill flip="none" rotWithShape="1">
+                <a:gsLst>
+                  <a:gs pos="0">
+                    <a:schemeClr val="accent4">
+                      <a:lumMod val="67000"/>
+                    </a:schemeClr>
+                  </a:gs>
+                  <a:gs pos="48000">
+                    <a:schemeClr val="accent4">
+                      <a:lumMod val="97000"/>
+                      <a:lumOff val="3000"/>
+                    </a:schemeClr>
+                  </a:gs>
+                  <a:gs pos="100000">
+                    <a:schemeClr val="accent4">
+                      <a:lumMod val="60000"/>
+                      <a:lumOff val="40000"/>
+                    </a:schemeClr>
+                  </a:gs>
+                </a:gsLst>
+                <a:lin ang="16200000" scaled="1"/>
+                <a:tileRect/>
+              </a:gradFill>
             </p:spPr>
             <p:style>
               <a:lnRef idx="1">
@@ -7660,10 +7866,10 @@
               <a:p>
                 <a:pPr algn="ctr"/>
                 <a:r>
-                  <a:rPr lang="en-US" sz="800" dirty="0" smtClean="0"/>
+                  <a:rPr lang="en-US" sz="600" dirty="0"/>
                   <a:t>Address(s)</a:t>
                 </a:r>
-                <a:endParaRPr lang="en-US" sz="800" dirty="0"/>
+                <a:endParaRPr lang="en-US" sz="600" dirty="0"/>
               </a:p>
             </p:txBody>
           </p:sp>
@@ -7681,7 +7887,29 @@
               <a:prstGeom prst="flowChartAlternateProcess">
                 <a:avLst/>
               </a:prstGeom>
-              <a:grpFill/>
+              <a:gradFill flip="none" rotWithShape="1">
+                <a:gsLst>
+                  <a:gs pos="0">
+                    <a:schemeClr val="accent4">
+                      <a:lumMod val="67000"/>
+                    </a:schemeClr>
+                  </a:gs>
+                  <a:gs pos="48000">
+                    <a:schemeClr val="accent4">
+                      <a:lumMod val="97000"/>
+                      <a:lumOff val="3000"/>
+                    </a:schemeClr>
+                  </a:gs>
+                  <a:gs pos="100000">
+                    <a:schemeClr val="accent4">
+                      <a:lumMod val="60000"/>
+                      <a:lumOff val="40000"/>
+                    </a:schemeClr>
+                  </a:gs>
+                </a:gsLst>
+                <a:lin ang="16200000" scaled="1"/>
+                <a:tileRect/>
+              </a:gradFill>
             </p:spPr>
             <p:style>
               <a:lnRef idx="1">
@@ -7703,10 +7931,10 @@
               <a:p>
                 <a:pPr algn="ctr"/>
                 <a:r>
-                  <a:rPr lang="en-US" sz="800" dirty="0" smtClean="0"/>
+                  <a:rPr lang="en-US" sz="600" dirty="0"/>
                   <a:t>Affiliate(s)</a:t>
                 </a:r>
-                <a:endParaRPr lang="en-US" sz="800" dirty="0"/>
+                <a:endParaRPr lang="en-US" sz="600" dirty="0"/>
               </a:p>
             </p:txBody>
           </p:sp>
@@ -7724,7 +7952,29 @@
               <a:prstGeom prst="flowChartAlternateProcess">
                 <a:avLst/>
               </a:prstGeom>
-              <a:grpFill/>
+              <a:gradFill flip="none" rotWithShape="1">
+                <a:gsLst>
+                  <a:gs pos="0">
+                    <a:schemeClr val="accent4">
+                      <a:lumMod val="67000"/>
+                    </a:schemeClr>
+                  </a:gs>
+                  <a:gs pos="48000">
+                    <a:schemeClr val="accent4">
+                      <a:lumMod val="97000"/>
+                      <a:lumOff val="3000"/>
+                    </a:schemeClr>
+                  </a:gs>
+                  <a:gs pos="100000">
+                    <a:schemeClr val="accent4">
+                      <a:lumMod val="60000"/>
+                      <a:lumOff val="40000"/>
+                    </a:schemeClr>
+                  </a:gs>
+                </a:gsLst>
+                <a:lin ang="16200000" scaled="1"/>
+                <a:tileRect/>
+              </a:gradFill>
             </p:spPr>
             <p:style>
               <a:lnRef idx="1">
@@ -7746,10 +7996,10 @@
               <a:p>
                 <a:pPr algn="ctr"/>
                 <a:r>
-                  <a:rPr lang="en-US" sz="800" dirty="0" smtClean="0"/>
+                  <a:rPr lang="en-US" sz="600" dirty="0"/>
                   <a:t>Organization(s)</a:t>
                 </a:r>
-                <a:endParaRPr lang="en-US" sz="800" dirty="0"/>
+                <a:endParaRPr lang="en-US" sz="600" dirty="0"/>
               </a:p>
             </p:txBody>
           </p:sp>
@@ -7803,7 +8053,29 @@
                 <a:prstGeom prst="ellipse">
                   <a:avLst/>
                 </a:prstGeom>
-                <a:grpFill/>
+                <a:gradFill flip="none" rotWithShape="1">
+                  <a:gsLst>
+                    <a:gs pos="0">
+                      <a:schemeClr val="accent4">
+                        <a:lumMod val="67000"/>
+                      </a:schemeClr>
+                    </a:gs>
+                    <a:gs pos="48000">
+                      <a:schemeClr val="accent4">
+                        <a:lumMod val="97000"/>
+                        <a:lumOff val="3000"/>
+                      </a:schemeClr>
+                    </a:gs>
+                    <a:gs pos="100000">
+                      <a:schemeClr val="accent4">
+                        <a:lumMod val="60000"/>
+                        <a:lumOff val="40000"/>
+                      </a:schemeClr>
+                    </a:gs>
+                  </a:gsLst>
+                  <a:lin ang="16200000" scaled="1"/>
+                  <a:tileRect/>
+                </a:gradFill>
               </p:spPr>
               <p:style>
                 <a:lnRef idx="1">
@@ -7825,10 +8097,10 @@
                 <a:p>
                   <a:pPr algn="ctr"/>
                   <a:r>
-                    <a:rPr lang="en-US" sz="800" dirty="0" smtClean="0"/>
+                    <a:rPr lang="en-US" sz="600" dirty="0"/>
                     <a:t>Name</a:t>
                   </a:r>
-                  <a:endParaRPr lang="en-US" sz="800" dirty="0"/>
+                  <a:endParaRPr lang="en-US" sz="600" dirty="0"/>
                 </a:p>
               </p:txBody>
             </p:sp>
@@ -7846,7 +8118,29 @@
                 <a:prstGeom prst="ellipse">
                   <a:avLst/>
                 </a:prstGeom>
-                <a:grpFill/>
+                <a:gradFill flip="none" rotWithShape="1">
+                  <a:gsLst>
+                    <a:gs pos="0">
+                      <a:schemeClr val="accent4">
+                        <a:lumMod val="67000"/>
+                      </a:schemeClr>
+                    </a:gs>
+                    <a:gs pos="48000">
+                      <a:schemeClr val="accent4">
+                        <a:lumMod val="97000"/>
+                        <a:lumOff val="3000"/>
+                      </a:schemeClr>
+                    </a:gs>
+                    <a:gs pos="100000">
+                      <a:schemeClr val="accent4">
+                        <a:lumMod val="60000"/>
+                        <a:lumOff val="40000"/>
+                      </a:schemeClr>
+                    </a:gs>
+                  </a:gsLst>
+                  <a:lin ang="16200000" scaled="1"/>
+                  <a:tileRect/>
+                </a:gradFill>
               </p:spPr>
               <p:style>
                 <a:lnRef idx="1">
@@ -7868,10 +8162,10 @@
                 <a:p>
                   <a:pPr algn="ctr"/>
                   <a:r>
-                    <a:rPr lang="en-US" sz="800" dirty="0" smtClean="0"/>
+                    <a:rPr lang="en-US" sz="600" dirty="0"/>
                     <a:t>Name</a:t>
                   </a:r>
-                  <a:endParaRPr lang="en-US" sz="800" dirty="0"/>
+                  <a:endParaRPr lang="en-US" sz="600" dirty="0"/>
                 </a:p>
               </p:txBody>
             </p:sp>
@@ -7889,7 +8183,29 @@
                 <a:prstGeom prst="ellipse">
                   <a:avLst/>
                 </a:prstGeom>
-                <a:grpFill/>
+                <a:gradFill flip="none" rotWithShape="1">
+                  <a:gsLst>
+                    <a:gs pos="0">
+                      <a:schemeClr val="accent4">
+                        <a:lumMod val="67000"/>
+                      </a:schemeClr>
+                    </a:gs>
+                    <a:gs pos="48000">
+                      <a:schemeClr val="accent4">
+                        <a:lumMod val="97000"/>
+                        <a:lumOff val="3000"/>
+                      </a:schemeClr>
+                    </a:gs>
+                    <a:gs pos="100000">
+                      <a:schemeClr val="accent4">
+                        <a:lumMod val="60000"/>
+                        <a:lumOff val="40000"/>
+                      </a:schemeClr>
+                    </a:gs>
+                  </a:gsLst>
+                  <a:lin ang="16200000" scaled="1"/>
+                  <a:tileRect/>
+                </a:gradFill>
               </p:spPr>
               <p:style>
                 <a:lnRef idx="1">
@@ -7911,10 +8227,10 @@
                 <a:p>
                   <a:pPr algn="ctr"/>
                   <a:r>
-                    <a:rPr lang="en-US" sz="800" dirty="0" smtClean="0"/>
+                    <a:rPr lang="en-US" sz="600" dirty="0"/>
                     <a:t>Name</a:t>
                   </a:r>
-                  <a:endParaRPr lang="en-US" sz="800" dirty="0"/>
+                  <a:endParaRPr lang="en-US" sz="600" dirty="0"/>
                 </a:p>
               </p:txBody>
             </p:sp>
@@ -7948,7 +8264,29 @@
                 <a:prstGeom prst="ellipse">
                   <a:avLst/>
                 </a:prstGeom>
-                <a:grpFill/>
+                <a:gradFill flip="none" rotWithShape="1">
+                  <a:gsLst>
+                    <a:gs pos="0">
+                      <a:schemeClr val="accent4">
+                        <a:lumMod val="67000"/>
+                      </a:schemeClr>
+                    </a:gs>
+                    <a:gs pos="48000">
+                      <a:schemeClr val="accent4">
+                        <a:lumMod val="97000"/>
+                        <a:lumOff val="3000"/>
+                      </a:schemeClr>
+                    </a:gs>
+                    <a:gs pos="100000">
+                      <a:schemeClr val="accent4">
+                        <a:lumMod val="60000"/>
+                        <a:lumOff val="40000"/>
+                      </a:schemeClr>
+                    </a:gs>
+                  </a:gsLst>
+                  <a:lin ang="16200000" scaled="1"/>
+                  <a:tileRect/>
+                </a:gradFill>
               </p:spPr>
               <p:style>
                 <a:lnRef idx="1">
@@ -7970,10 +8308,10 @@
                 <a:p>
                   <a:pPr algn="ctr"/>
                   <a:r>
-                    <a:rPr lang="en-US" sz="800" dirty="0" smtClean="0"/>
+                    <a:rPr lang="en-US" sz="600" dirty="0"/>
                     <a:t>Address</a:t>
                   </a:r>
-                  <a:endParaRPr lang="en-US" sz="800" dirty="0"/>
+                  <a:endParaRPr lang="en-US" sz="600" dirty="0"/>
                 </a:p>
               </p:txBody>
             </p:sp>
@@ -7991,7 +8329,29 @@
                 <a:prstGeom prst="ellipse">
                   <a:avLst/>
                 </a:prstGeom>
-                <a:grpFill/>
+                <a:gradFill flip="none" rotWithShape="1">
+                  <a:gsLst>
+                    <a:gs pos="0">
+                      <a:schemeClr val="accent4">
+                        <a:lumMod val="67000"/>
+                      </a:schemeClr>
+                    </a:gs>
+                    <a:gs pos="48000">
+                      <a:schemeClr val="accent4">
+                        <a:lumMod val="97000"/>
+                        <a:lumOff val="3000"/>
+                      </a:schemeClr>
+                    </a:gs>
+                    <a:gs pos="100000">
+                      <a:schemeClr val="accent4">
+                        <a:lumMod val="60000"/>
+                        <a:lumOff val="40000"/>
+                      </a:schemeClr>
+                    </a:gs>
+                  </a:gsLst>
+                  <a:lin ang="16200000" scaled="1"/>
+                  <a:tileRect/>
+                </a:gradFill>
               </p:spPr>
               <p:style>
                 <a:lnRef idx="1">
@@ -8013,10 +8373,10 @@
                 <a:p>
                   <a:pPr algn="ctr"/>
                   <a:r>
-                    <a:rPr lang="en-US" sz="800" dirty="0" smtClean="0"/>
+                    <a:rPr lang="en-US" sz="600" dirty="0"/>
                     <a:t>Address</a:t>
                   </a:r>
-                  <a:endParaRPr lang="en-US" sz="800" dirty="0"/>
+                  <a:endParaRPr lang="en-US" sz="600" dirty="0"/>
                 </a:p>
               </p:txBody>
             </p:sp>
@@ -8034,7 +8394,29 @@
                 <a:prstGeom prst="ellipse">
                   <a:avLst/>
                 </a:prstGeom>
-                <a:grpFill/>
+                <a:gradFill flip="none" rotWithShape="1">
+                  <a:gsLst>
+                    <a:gs pos="0">
+                      <a:schemeClr val="accent4">
+                        <a:lumMod val="67000"/>
+                      </a:schemeClr>
+                    </a:gs>
+                    <a:gs pos="48000">
+                      <a:schemeClr val="accent4">
+                        <a:lumMod val="97000"/>
+                        <a:lumOff val="3000"/>
+                      </a:schemeClr>
+                    </a:gs>
+                    <a:gs pos="100000">
+                      <a:schemeClr val="accent4">
+                        <a:lumMod val="60000"/>
+                        <a:lumOff val="40000"/>
+                      </a:schemeClr>
+                    </a:gs>
+                  </a:gsLst>
+                  <a:lin ang="16200000" scaled="1"/>
+                  <a:tileRect/>
+                </a:gradFill>
               </p:spPr>
               <p:style>
                 <a:lnRef idx="1">
@@ -8056,10 +8438,10 @@
                 <a:p>
                   <a:pPr algn="ctr"/>
                   <a:r>
-                    <a:rPr lang="en-US" sz="800" dirty="0" smtClean="0"/>
+                    <a:rPr lang="en-US" sz="600" dirty="0"/>
                     <a:t>Address</a:t>
                   </a:r>
-                  <a:endParaRPr lang="en-US" sz="800" dirty="0"/>
+                  <a:endParaRPr lang="en-US" sz="600" dirty="0"/>
                 </a:p>
               </p:txBody>
             </p:sp>
@@ -8093,7 +8475,29 @@
                 <a:prstGeom prst="ellipse">
                   <a:avLst/>
                 </a:prstGeom>
-                <a:grpFill/>
+                <a:gradFill flip="none" rotWithShape="1">
+                  <a:gsLst>
+                    <a:gs pos="0">
+                      <a:schemeClr val="accent4">
+                        <a:lumMod val="67000"/>
+                      </a:schemeClr>
+                    </a:gs>
+                    <a:gs pos="48000">
+                      <a:schemeClr val="accent4">
+                        <a:lumMod val="97000"/>
+                        <a:lumOff val="3000"/>
+                      </a:schemeClr>
+                    </a:gs>
+                    <a:gs pos="100000">
+                      <a:schemeClr val="accent4">
+                        <a:lumMod val="60000"/>
+                        <a:lumOff val="40000"/>
+                      </a:schemeClr>
+                    </a:gs>
+                  </a:gsLst>
+                  <a:lin ang="16200000" scaled="1"/>
+                  <a:tileRect/>
+                </a:gradFill>
               </p:spPr>
               <p:style>
                 <a:lnRef idx="1">
@@ -8115,10 +8519,10 @@
                 <a:p>
                   <a:pPr algn="ctr"/>
                   <a:r>
-                    <a:rPr lang="en-US" sz="800" dirty="0" smtClean="0"/>
+                    <a:rPr lang="en-US" sz="600" dirty="0"/>
                     <a:t>Affiliate</a:t>
                   </a:r>
-                  <a:endParaRPr lang="en-US" sz="800" dirty="0"/>
+                  <a:endParaRPr lang="en-US" sz="600" dirty="0"/>
                 </a:p>
               </p:txBody>
             </p:sp>
@@ -8136,7 +8540,29 @@
                 <a:prstGeom prst="ellipse">
                   <a:avLst/>
                 </a:prstGeom>
-                <a:grpFill/>
+                <a:gradFill flip="none" rotWithShape="1">
+                  <a:gsLst>
+                    <a:gs pos="0">
+                      <a:schemeClr val="accent4">
+                        <a:lumMod val="67000"/>
+                      </a:schemeClr>
+                    </a:gs>
+                    <a:gs pos="48000">
+                      <a:schemeClr val="accent4">
+                        <a:lumMod val="97000"/>
+                        <a:lumOff val="3000"/>
+                      </a:schemeClr>
+                    </a:gs>
+                    <a:gs pos="100000">
+                      <a:schemeClr val="accent4">
+                        <a:lumMod val="60000"/>
+                        <a:lumOff val="40000"/>
+                      </a:schemeClr>
+                    </a:gs>
+                  </a:gsLst>
+                  <a:lin ang="16200000" scaled="1"/>
+                  <a:tileRect/>
+                </a:gradFill>
               </p:spPr>
               <p:style>
                 <a:lnRef idx="1">
@@ -8158,10 +8584,10 @@
                 <a:p>
                   <a:pPr algn="ctr"/>
                   <a:r>
-                    <a:rPr lang="en-US" sz="800" dirty="0" smtClean="0"/>
+                    <a:rPr lang="en-US" sz="600" dirty="0"/>
                     <a:t>Affiliate</a:t>
                   </a:r>
-                  <a:endParaRPr lang="en-US" sz="800" dirty="0"/>
+                  <a:endParaRPr lang="en-US" sz="600" dirty="0"/>
                 </a:p>
               </p:txBody>
             </p:sp>
@@ -8179,7 +8605,29 @@
                 <a:prstGeom prst="ellipse">
                   <a:avLst/>
                 </a:prstGeom>
-                <a:grpFill/>
+                <a:gradFill flip="none" rotWithShape="1">
+                  <a:gsLst>
+                    <a:gs pos="0">
+                      <a:schemeClr val="accent4">
+                        <a:lumMod val="67000"/>
+                      </a:schemeClr>
+                    </a:gs>
+                    <a:gs pos="48000">
+                      <a:schemeClr val="accent4">
+                        <a:lumMod val="97000"/>
+                        <a:lumOff val="3000"/>
+                      </a:schemeClr>
+                    </a:gs>
+                    <a:gs pos="100000">
+                      <a:schemeClr val="accent4">
+                        <a:lumMod val="60000"/>
+                        <a:lumOff val="40000"/>
+                      </a:schemeClr>
+                    </a:gs>
+                  </a:gsLst>
+                  <a:lin ang="16200000" scaled="1"/>
+                  <a:tileRect/>
+                </a:gradFill>
               </p:spPr>
               <p:style>
                 <a:lnRef idx="1">
@@ -8201,10 +8649,10 @@
                 <a:p>
                   <a:pPr algn="ctr"/>
                   <a:r>
-                    <a:rPr lang="en-US" sz="800" dirty="0" smtClean="0"/>
+                    <a:rPr lang="en-US" sz="600" dirty="0"/>
                     <a:t>Affiliate</a:t>
                   </a:r>
-                  <a:endParaRPr lang="en-US" sz="800" dirty="0"/>
+                  <a:endParaRPr lang="en-US" sz="600" dirty="0"/>
                 </a:p>
               </p:txBody>
             </p:sp>
@@ -8223,7 +8671,29 @@
               <a:prstGeom prst="ellipse">
                 <a:avLst/>
               </a:prstGeom>
-              <a:grpFill/>
+              <a:gradFill flip="none" rotWithShape="1">
+                <a:gsLst>
+                  <a:gs pos="0">
+                    <a:schemeClr val="accent4">
+                      <a:lumMod val="67000"/>
+                    </a:schemeClr>
+                  </a:gs>
+                  <a:gs pos="48000">
+                    <a:schemeClr val="accent4">
+                      <a:lumMod val="97000"/>
+                      <a:lumOff val="3000"/>
+                    </a:schemeClr>
+                  </a:gs>
+                  <a:gs pos="100000">
+                    <a:schemeClr val="accent4">
+                      <a:lumMod val="60000"/>
+                      <a:lumOff val="40000"/>
+                    </a:schemeClr>
+                  </a:gs>
+                </a:gsLst>
+                <a:lin ang="16200000" scaled="1"/>
+                <a:tileRect/>
+              </a:gradFill>
             </p:spPr>
             <p:style>
               <a:lnRef idx="1">
@@ -8245,10 +8715,10 @@
               <a:p>
                 <a:pPr algn="ctr"/>
                 <a:r>
-                  <a:rPr lang="en-US" sz="800" dirty="0" smtClean="0"/>
+                  <a:rPr lang="en-US" sz="600" dirty="0"/>
                   <a:t>Organization</a:t>
                 </a:r>
-                <a:endParaRPr lang="en-US" sz="800" dirty="0"/>
+                <a:endParaRPr lang="en-US" sz="600" dirty="0"/>
               </a:p>
             </p:txBody>
           </p:sp>
@@ -8261,9 +8731,9 @@
             <p:grpSpPr>
               <a:xfrm>
                 <a:off x="7777210" y="2877908"/>
-                <a:ext cx="652681" cy="525021"/>
+                <a:ext cx="835285" cy="492917"/>
                 <a:chOff x="7777210" y="2877908"/>
-                <a:chExt cx="652681" cy="525021"/>
+                <a:chExt cx="835285" cy="492917"/>
               </a:xfrm>
               <a:grpFill/>
             </p:grpSpPr>
@@ -8313,7 +8783,7 @@
               <p:spPr>
                 <a:xfrm>
                   <a:off x="7861615" y="2899605"/>
-                  <a:ext cx="568276" cy="503324"/>
+                  <a:ext cx="750880" cy="274541"/>
                 </a:xfrm>
                 <a:prstGeom prst="rect">
                   <a:avLst/>
@@ -8327,10 +8797,10 @@
                 <a:lstStyle/>
                 <a:p>
                   <a:r>
-                    <a:rPr lang="en-US" sz="800" dirty="0" smtClean="0"/>
+                    <a:rPr lang="en-US" sz="600" dirty="0" smtClean="0"/>
                     <a:t>Has</a:t>
                   </a:r>
-                  <a:endParaRPr lang="en-US" sz="800" dirty="0"/>
+                  <a:endParaRPr lang="en-US" sz="600" dirty="0"/>
                 </a:p>
               </p:txBody>
             </p:sp>
@@ -8379,7 +8849,7 @@
             <p:spPr>
               <a:xfrm>
                 <a:off x="7893101" y="4378064"/>
-                <a:ext cx="568277" cy="503323"/>
+                <a:ext cx="693555" cy="274540"/>
               </a:xfrm>
               <a:prstGeom prst="rect">
                 <a:avLst/>
@@ -8393,10 +8863,10 @@
               <a:lstStyle/>
               <a:p>
                 <a:r>
-                  <a:rPr lang="en-US" sz="800" dirty="0" smtClean="0"/>
+                  <a:rPr lang="en-US" sz="600" dirty="0" smtClean="0"/>
                   <a:t>Has</a:t>
                 </a:r>
-                <a:endParaRPr lang="en-US" sz="800" dirty="0"/>
+                <a:endParaRPr lang="en-US" sz="600" dirty="0"/>
               </a:p>
             </p:txBody>
           </p:sp>
@@ -8443,8 +8913,8 @@
             </p:nvSpPr>
             <p:spPr>
               <a:xfrm>
-                <a:off x="6476556" y="4702628"/>
-                <a:ext cx="568277" cy="503323"/>
+                <a:off x="6378171" y="4702628"/>
+                <a:ext cx="666663" cy="274540"/>
               </a:xfrm>
               <a:prstGeom prst="rect">
                 <a:avLst/>
@@ -8458,10 +8928,10 @@
               <a:lstStyle/>
               <a:p>
                 <a:r>
-                  <a:rPr lang="en-US" sz="800" dirty="0" smtClean="0"/>
+                  <a:rPr lang="en-US" sz="600" dirty="0" smtClean="0"/>
                   <a:t>Has</a:t>
                 </a:r>
-                <a:endParaRPr lang="en-US" sz="800" dirty="0"/>
+                <a:endParaRPr lang="en-US" sz="600" dirty="0"/>
               </a:p>
             </p:txBody>
           </p:sp>
@@ -8510,8 +8980,8 @@
             </p:nvSpPr>
             <p:spPr>
               <a:xfrm>
-                <a:off x="6441033" y="3165053"/>
-                <a:ext cx="568277" cy="503323"/>
+                <a:off x="6299230" y="3165053"/>
+                <a:ext cx="710081" cy="274540"/>
               </a:xfrm>
               <a:prstGeom prst="rect">
                 <a:avLst/>
@@ -8525,10 +8995,10 @@
               <a:lstStyle/>
               <a:p>
                 <a:r>
-                  <a:rPr lang="en-US" sz="800" dirty="0" smtClean="0"/>
+                  <a:rPr lang="en-US" sz="600" dirty="0" smtClean="0"/>
                   <a:t>Has</a:t>
                 </a:r>
-                <a:endParaRPr lang="en-US" sz="800" dirty="0"/>
+                <a:endParaRPr lang="en-US" sz="600" dirty="0"/>
               </a:p>
             </p:txBody>
           </p:sp>
@@ -8542,7 +9012,7 @@
           <p:spPr>
             <a:xfrm>
               <a:off x="472303" y="1563944"/>
-              <a:ext cx="4061650" cy="503323"/>
+              <a:ext cx="4401881" cy="594838"/>
             </a:xfrm>
             <a:prstGeom prst="rect">
               <a:avLst/>
@@ -8556,10 +9026,14 @@
             <a:lstStyle/>
             <a:p>
               <a:r>
-                <a:rPr lang="en-US" sz="800" dirty="0" smtClean="0"/>
-                <a:t>Phase 2, Subsequent Ingest, Extraction and Load (No Data Protection Considered)</a:t>
+                <a:rPr lang="en-US" sz="1000" dirty="0" smtClean="0"/>
+                <a:t>Phase 2, Subsequent Ingest, Extraction and </a:t>
               </a:r>
-              <a:endParaRPr lang="en-US" sz="800" dirty="0"/>
+              <a:r>
+                <a:rPr lang="en-US" sz="1000" dirty="0" smtClean="0"/>
+                <a:t>Load</a:t>
+              </a:r>
+              <a:endParaRPr lang="en-US" sz="1000" dirty="0"/>
             </a:p>
           </p:txBody>
         </p:sp>
@@ -8577,12 +9051,29 @@
             <a:prstGeom prst="ellipse">
               <a:avLst/>
             </a:prstGeom>
-            <a:solidFill>
-              <a:schemeClr val="accent2">
-                <a:lumMod val="60000"/>
-                <a:lumOff val="40000"/>
-              </a:schemeClr>
-            </a:solidFill>
+            <a:gradFill flip="none" rotWithShape="1">
+              <a:gsLst>
+                <a:gs pos="0">
+                  <a:schemeClr val="accent4">
+                    <a:lumMod val="67000"/>
+                  </a:schemeClr>
+                </a:gs>
+                <a:gs pos="48000">
+                  <a:schemeClr val="accent4">
+                    <a:lumMod val="97000"/>
+                    <a:lumOff val="3000"/>
+                  </a:schemeClr>
+                </a:gs>
+                <a:gs pos="100000">
+                  <a:schemeClr val="accent4">
+                    <a:lumMod val="60000"/>
+                    <a:lumOff val="40000"/>
+                  </a:schemeClr>
+                </a:gs>
+              </a:gsLst>
+              <a:lin ang="16200000" scaled="1"/>
+              <a:tileRect/>
+            </a:gradFill>
           </p:spPr>
           <p:style>
             <a:lnRef idx="1">
@@ -8604,10 +9095,10 @@
             <a:p>
               <a:pPr algn="ctr"/>
               <a:r>
-                <a:rPr lang="en-US" sz="800" dirty="0" smtClean="0"/>
+                <a:rPr lang="en-US" sz="600" dirty="0"/>
                 <a:t>Organization</a:t>
               </a:r>
-              <a:endParaRPr lang="en-US" sz="800" dirty="0"/>
+              <a:endParaRPr lang="en-US" sz="600" dirty="0"/>
             </a:p>
           </p:txBody>
         </p:sp>
@@ -8625,12 +9116,29 @@
             <a:prstGeom prst="ellipse">
               <a:avLst/>
             </a:prstGeom>
-            <a:solidFill>
-              <a:schemeClr val="accent2">
-                <a:lumMod val="60000"/>
-                <a:lumOff val="40000"/>
-              </a:schemeClr>
-            </a:solidFill>
+            <a:gradFill flip="none" rotWithShape="1">
+              <a:gsLst>
+                <a:gs pos="0">
+                  <a:schemeClr val="accent4">
+                    <a:lumMod val="67000"/>
+                  </a:schemeClr>
+                </a:gs>
+                <a:gs pos="48000">
+                  <a:schemeClr val="accent4">
+                    <a:lumMod val="97000"/>
+                    <a:lumOff val="3000"/>
+                  </a:schemeClr>
+                </a:gs>
+                <a:gs pos="100000">
+                  <a:schemeClr val="accent4">
+                    <a:lumMod val="60000"/>
+                    <a:lumOff val="40000"/>
+                  </a:schemeClr>
+                </a:gs>
+              </a:gsLst>
+              <a:lin ang="16200000" scaled="1"/>
+              <a:tileRect/>
+            </a:gradFill>
           </p:spPr>
           <p:style>
             <a:lnRef idx="1">
@@ -8652,26 +9160,26 @@
             <a:p>
               <a:pPr algn="ctr"/>
               <a:r>
-                <a:rPr lang="en-US" sz="800" dirty="0" smtClean="0"/>
+                <a:rPr lang="en-US" sz="600" dirty="0"/>
                 <a:t>Organization</a:t>
               </a:r>
-              <a:endParaRPr lang="en-US" sz="800" dirty="0"/>
+              <a:endParaRPr lang="en-US" sz="600" dirty="0"/>
             </a:p>
           </p:txBody>
         </p:sp>
       </p:grpSp>
       <p:grpSp>
         <p:nvGrpSpPr>
-          <p:cNvPr id="192" name="Group 191"/>
+          <p:cNvPr id="3" name="Group 2"/>
           <p:cNvGrpSpPr/>
           <p:nvPr/>
         </p:nvGrpSpPr>
         <p:grpSpPr>
           <a:xfrm>
             <a:off x="236116" y="3727644"/>
-            <a:ext cx="4224528" cy="2631841"/>
-            <a:chOff x="241391" y="1165096"/>
-            <a:chExt cx="8774042" cy="5438918"/>
+            <a:ext cx="4224528" cy="2693397"/>
+            <a:chOff x="236116" y="3727644"/>
+            <a:chExt cx="4224528" cy="2693397"/>
           </a:xfrm>
         </p:grpSpPr>
         <p:sp>
@@ -8682,8 +9190,8 @@
           </p:nvSpPr>
           <p:spPr>
             <a:xfrm>
-              <a:off x="241391" y="1165096"/>
-              <a:ext cx="8774042" cy="445233"/>
+              <a:off x="236116" y="3727644"/>
+              <a:ext cx="4224528" cy="400110"/>
             </a:xfrm>
             <a:prstGeom prst="rect">
               <a:avLst/>
@@ -8697,10 +9205,10 @@
             <a:lstStyle/>
             <a:p>
               <a:r>
-                <a:rPr lang="en-US" sz="800" dirty="0" smtClean="0"/>
+                <a:rPr lang="en-US" sz="1000" dirty="0" smtClean="0"/>
                 <a:t>Phase 3, Entity Resolution, through Node and Vertex Reification (concept to meta concept)</a:t>
               </a:r>
-              <a:endParaRPr lang="en-US" sz="800" dirty="0"/>
+              <a:endParaRPr lang="en-US" sz="1000" dirty="0"/>
             </a:p>
           </p:txBody>
         </p:sp>
@@ -8712,10 +9220,10 @@
           </p:nvGrpSpPr>
           <p:grpSpPr>
             <a:xfrm>
-              <a:off x="303275" y="1936601"/>
-              <a:ext cx="8544233" cy="4667413"/>
+              <a:off x="265912" y="4100968"/>
+              <a:ext cx="4113880" cy="2320073"/>
               <a:chOff x="303275" y="1936601"/>
-              <a:chExt cx="8544233" cy="4667413"/>
+              <a:chExt cx="8544233" cy="4794623"/>
             </a:xfrm>
           </p:grpSpPr>
           <p:grpSp>
@@ -8727,910 +9235,11 @@
             <p:grpSpPr>
               <a:xfrm>
                 <a:off x="303275" y="1936601"/>
-                <a:ext cx="8441911" cy="3613079"/>
+                <a:ext cx="6765510" cy="3560468"/>
                 <a:chOff x="303275" y="2167513"/>
-                <a:chExt cx="8441911" cy="3613079"/>
+                <a:chExt cx="6765510" cy="3560468"/>
               </a:xfrm>
             </p:grpSpPr>
-            <p:grpSp>
-              <p:nvGrpSpPr>
-                <p:cNvPr id="197" name="Group 196"/>
-                <p:cNvGrpSpPr/>
-                <p:nvPr/>
-              </p:nvGrpSpPr>
-              <p:grpSpPr>
-                <a:xfrm>
-                  <a:off x="5634870" y="2204961"/>
-                  <a:ext cx="3110316" cy="3427341"/>
-                  <a:chOff x="5844770" y="2229356"/>
-                  <a:chExt cx="3110316" cy="3427341"/>
-                </a:xfrm>
-                <a:solidFill>
-                  <a:schemeClr val="accent2">
-                    <a:lumMod val="60000"/>
-                    <a:lumOff val="40000"/>
-                  </a:schemeClr>
-                </a:solidFill>
-              </p:grpSpPr>
-              <p:grpSp>
-                <p:nvGrpSpPr>
-                  <p:cNvPr id="242" name="Group 241"/>
-                  <p:cNvGrpSpPr/>
-                  <p:nvPr/>
-                </p:nvGrpSpPr>
-                <p:grpSpPr>
-                  <a:xfrm>
-                    <a:off x="6612236" y="2229356"/>
-                    <a:ext cx="1469774" cy="648552"/>
-                    <a:chOff x="6917036" y="2458752"/>
-                    <a:chExt cx="1469774" cy="648552"/>
-                  </a:xfrm>
-                  <a:grpFill/>
-                </p:grpSpPr>
-                <p:sp>
-                  <p:nvSpPr>
-                    <p:cNvPr id="261" name="Oval 260"/>
-                    <p:cNvSpPr/>
-                    <p:nvPr/>
-                  </p:nvSpPr>
-                  <p:spPr>
-                    <a:xfrm>
-                      <a:off x="6917036" y="2458752"/>
-                      <a:ext cx="1164974" cy="343752"/>
-                    </a:xfrm>
-                    <a:prstGeom prst="ellipse">
-                      <a:avLst/>
-                    </a:prstGeom>
-                    <a:grpFill/>
-                  </p:spPr>
-                  <p:style>
-                    <a:lnRef idx="1">
-                      <a:schemeClr val="accent1"/>
-                    </a:lnRef>
-                    <a:fillRef idx="3">
-                      <a:schemeClr val="accent1"/>
-                    </a:fillRef>
-                    <a:effectRef idx="2">
-                      <a:schemeClr val="accent1"/>
-                    </a:effectRef>
-                    <a:fontRef idx="minor">
-                      <a:schemeClr val="lt1"/>
-                    </a:fontRef>
-                  </p:style>
-                  <p:txBody>
-                    <a:bodyPr rtlCol="0" anchor="ctr"/>
-                    <a:lstStyle/>
-                    <a:p>
-                      <a:pPr algn="ctr"/>
-                      <a:r>
-                        <a:rPr lang="en-US" sz="800" dirty="0" smtClean="0"/>
-                        <a:t>Name</a:t>
-                      </a:r>
-                      <a:endParaRPr lang="en-US" sz="800" dirty="0"/>
-                    </a:p>
-                  </p:txBody>
-                </p:sp>
-                <p:sp>
-                  <p:nvSpPr>
-                    <p:cNvPr id="262" name="Oval 261"/>
-                    <p:cNvSpPr/>
-                    <p:nvPr/>
-                  </p:nvSpPr>
-                  <p:spPr>
-                    <a:xfrm>
-                      <a:off x="7069436" y="2611152"/>
-                      <a:ext cx="1164974" cy="343752"/>
-                    </a:xfrm>
-                    <a:prstGeom prst="ellipse">
-                      <a:avLst/>
-                    </a:prstGeom>
-                    <a:grpFill/>
-                  </p:spPr>
-                  <p:style>
-                    <a:lnRef idx="1">
-                      <a:schemeClr val="accent1"/>
-                    </a:lnRef>
-                    <a:fillRef idx="3">
-                      <a:schemeClr val="accent1"/>
-                    </a:fillRef>
-                    <a:effectRef idx="2">
-                      <a:schemeClr val="accent1"/>
-                    </a:effectRef>
-                    <a:fontRef idx="minor">
-                      <a:schemeClr val="lt1"/>
-                    </a:fontRef>
-                  </p:style>
-                  <p:txBody>
-                    <a:bodyPr rtlCol="0" anchor="ctr"/>
-                    <a:lstStyle/>
-                    <a:p>
-                      <a:pPr algn="ctr"/>
-                      <a:r>
-                        <a:rPr lang="en-US" sz="800" dirty="0" smtClean="0"/>
-                        <a:t>Name</a:t>
-                      </a:r>
-                      <a:endParaRPr lang="en-US" sz="800" dirty="0"/>
-                    </a:p>
-                  </p:txBody>
-                </p:sp>
-                <p:sp>
-                  <p:nvSpPr>
-                    <p:cNvPr id="263" name="Oval 262"/>
-                    <p:cNvSpPr/>
-                    <p:nvPr/>
-                  </p:nvSpPr>
-                  <p:spPr>
-                    <a:xfrm>
-                      <a:off x="7221836" y="2763552"/>
-                      <a:ext cx="1164974" cy="343752"/>
-                    </a:xfrm>
-                    <a:prstGeom prst="ellipse">
-                      <a:avLst/>
-                    </a:prstGeom>
-                    <a:grpFill/>
-                  </p:spPr>
-                  <p:style>
-                    <a:lnRef idx="1">
-                      <a:schemeClr val="accent1"/>
-                    </a:lnRef>
-                    <a:fillRef idx="3">
-                      <a:schemeClr val="accent1"/>
-                    </a:fillRef>
-                    <a:effectRef idx="2">
-                      <a:schemeClr val="accent1"/>
-                    </a:effectRef>
-                    <a:fontRef idx="minor">
-                      <a:schemeClr val="lt1"/>
-                    </a:fontRef>
-                  </p:style>
-                  <p:txBody>
-                    <a:bodyPr rtlCol="0" anchor="ctr"/>
-                    <a:lstStyle/>
-                    <a:p>
-                      <a:pPr algn="ctr"/>
-                      <a:r>
-                        <a:rPr lang="en-US" sz="800" dirty="0" smtClean="0"/>
-                        <a:t>Name</a:t>
-                      </a:r>
-                      <a:endParaRPr lang="en-US" sz="800" dirty="0"/>
-                    </a:p>
-                  </p:txBody>
-                </p:sp>
-              </p:grpSp>
-              <p:grpSp>
-                <p:nvGrpSpPr>
-                  <p:cNvPr id="243" name="Group 242"/>
-                  <p:cNvGrpSpPr/>
-                  <p:nvPr/>
-                </p:nvGrpSpPr>
-                <p:grpSpPr>
-                  <a:xfrm>
-                    <a:off x="7278686" y="3370825"/>
-                    <a:ext cx="1676400" cy="648552"/>
-                    <a:chOff x="7583486" y="3600221"/>
-                    <a:chExt cx="1676400" cy="648552"/>
-                  </a:xfrm>
-                  <a:grpFill/>
-                </p:grpSpPr>
-                <p:sp>
-                  <p:nvSpPr>
-                    <p:cNvPr id="258" name="Oval 257"/>
-                    <p:cNvSpPr/>
-                    <p:nvPr/>
-                  </p:nvSpPr>
-                  <p:spPr>
-                    <a:xfrm>
-                      <a:off x="7583486" y="3600221"/>
-                      <a:ext cx="1371600" cy="343752"/>
-                    </a:xfrm>
-                    <a:prstGeom prst="ellipse">
-                      <a:avLst/>
-                    </a:prstGeom>
-                    <a:grpFill/>
-                  </p:spPr>
-                  <p:style>
-                    <a:lnRef idx="1">
-                      <a:schemeClr val="accent1"/>
-                    </a:lnRef>
-                    <a:fillRef idx="3">
-                      <a:schemeClr val="accent1"/>
-                    </a:fillRef>
-                    <a:effectRef idx="2">
-                      <a:schemeClr val="accent1"/>
-                    </a:effectRef>
-                    <a:fontRef idx="minor">
-                      <a:schemeClr val="lt1"/>
-                    </a:fontRef>
-                  </p:style>
-                  <p:txBody>
-                    <a:bodyPr rtlCol="0" anchor="ctr"/>
-                    <a:lstStyle/>
-                    <a:p>
-                      <a:pPr algn="ctr"/>
-                      <a:r>
-                        <a:rPr lang="en-US" sz="800" dirty="0" smtClean="0"/>
-                        <a:t>Address</a:t>
-                      </a:r>
-                      <a:endParaRPr lang="en-US" sz="800" dirty="0"/>
-                    </a:p>
-                  </p:txBody>
-                </p:sp>
-                <p:sp>
-                  <p:nvSpPr>
-                    <p:cNvPr id="259" name="Oval 258"/>
-                    <p:cNvSpPr/>
-                    <p:nvPr/>
-                  </p:nvSpPr>
-                  <p:spPr>
-                    <a:xfrm>
-                      <a:off x="7735886" y="3752621"/>
-                      <a:ext cx="1371600" cy="343752"/>
-                    </a:xfrm>
-                    <a:prstGeom prst="ellipse">
-                      <a:avLst/>
-                    </a:prstGeom>
-                    <a:grpFill/>
-                  </p:spPr>
-                  <p:style>
-                    <a:lnRef idx="1">
-                      <a:schemeClr val="accent1"/>
-                    </a:lnRef>
-                    <a:fillRef idx="3">
-                      <a:schemeClr val="accent1"/>
-                    </a:fillRef>
-                    <a:effectRef idx="2">
-                      <a:schemeClr val="accent1"/>
-                    </a:effectRef>
-                    <a:fontRef idx="minor">
-                      <a:schemeClr val="lt1"/>
-                    </a:fontRef>
-                  </p:style>
-                  <p:txBody>
-                    <a:bodyPr rtlCol="0" anchor="ctr"/>
-                    <a:lstStyle/>
-                    <a:p>
-                      <a:pPr algn="ctr"/>
-                      <a:r>
-                        <a:rPr lang="en-US" sz="800" dirty="0" smtClean="0"/>
-                        <a:t>Address</a:t>
-                      </a:r>
-                      <a:endParaRPr lang="en-US" sz="800" dirty="0"/>
-                    </a:p>
-                  </p:txBody>
-                </p:sp>
-                <p:sp>
-                  <p:nvSpPr>
-                    <p:cNvPr id="260" name="Oval 259"/>
-                    <p:cNvSpPr/>
-                    <p:nvPr/>
-                  </p:nvSpPr>
-                  <p:spPr>
-                    <a:xfrm>
-                      <a:off x="7888286" y="3905021"/>
-                      <a:ext cx="1371600" cy="343752"/>
-                    </a:xfrm>
-                    <a:prstGeom prst="ellipse">
-                      <a:avLst/>
-                    </a:prstGeom>
-                    <a:grpFill/>
-                  </p:spPr>
-                  <p:style>
-                    <a:lnRef idx="1">
-                      <a:schemeClr val="accent1"/>
-                    </a:lnRef>
-                    <a:fillRef idx="3">
-                      <a:schemeClr val="accent1"/>
-                    </a:fillRef>
-                    <a:effectRef idx="2">
-                      <a:schemeClr val="accent1"/>
-                    </a:effectRef>
-                    <a:fontRef idx="minor">
-                      <a:schemeClr val="lt1"/>
-                    </a:fontRef>
-                  </p:style>
-                  <p:txBody>
-                    <a:bodyPr rtlCol="0" anchor="ctr"/>
-                    <a:lstStyle/>
-                    <a:p>
-                      <a:pPr algn="ctr"/>
-                      <a:r>
-                        <a:rPr lang="en-US" sz="800" dirty="0" smtClean="0"/>
-                        <a:t>Address</a:t>
-                      </a:r>
-                      <a:endParaRPr lang="en-US" sz="800" dirty="0"/>
-                    </a:p>
-                  </p:txBody>
-                </p:sp>
-              </p:grpSp>
-              <p:grpSp>
-                <p:nvGrpSpPr>
-                  <p:cNvPr id="244" name="Group 243"/>
-                  <p:cNvGrpSpPr/>
-                  <p:nvPr/>
-                </p:nvGrpSpPr>
-                <p:grpSpPr>
-                  <a:xfrm>
-                    <a:off x="5844770" y="3975672"/>
-                    <a:ext cx="1676400" cy="648552"/>
-                    <a:chOff x="6149570" y="4205068"/>
-                    <a:chExt cx="1676400" cy="648552"/>
-                  </a:xfrm>
-                  <a:grpFill/>
-                </p:grpSpPr>
-                <p:sp>
-                  <p:nvSpPr>
-                    <p:cNvPr id="255" name="Oval 254"/>
-                    <p:cNvSpPr/>
-                    <p:nvPr/>
-                  </p:nvSpPr>
-                  <p:spPr>
-                    <a:xfrm>
-                      <a:off x="6149570" y="4205068"/>
-                      <a:ext cx="1371600" cy="343752"/>
-                    </a:xfrm>
-                    <a:prstGeom prst="ellipse">
-                      <a:avLst/>
-                    </a:prstGeom>
-                    <a:grpFill/>
-                  </p:spPr>
-                  <p:style>
-                    <a:lnRef idx="1">
-                      <a:schemeClr val="accent1"/>
-                    </a:lnRef>
-                    <a:fillRef idx="3">
-                      <a:schemeClr val="accent1"/>
-                    </a:fillRef>
-                    <a:effectRef idx="2">
-                      <a:schemeClr val="accent1"/>
-                    </a:effectRef>
-                    <a:fontRef idx="minor">
-                      <a:schemeClr val="lt1"/>
-                    </a:fontRef>
-                  </p:style>
-                  <p:txBody>
-                    <a:bodyPr rtlCol="0" anchor="ctr"/>
-                    <a:lstStyle/>
-                    <a:p>
-                      <a:pPr algn="ctr"/>
-                      <a:r>
-                        <a:rPr lang="en-US" sz="800" dirty="0" smtClean="0"/>
-                        <a:t>Affiliate</a:t>
-                      </a:r>
-                      <a:endParaRPr lang="en-US" sz="800" dirty="0"/>
-                    </a:p>
-                  </p:txBody>
-                </p:sp>
-                <p:sp>
-                  <p:nvSpPr>
-                    <p:cNvPr id="256" name="Oval 255"/>
-                    <p:cNvSpPr/>
-                    <p:nvPr/>
-                  </p:nvSpPr>
-                  <p:spPr>
-                    <a:xfrm>
-                      <a:off x="6301970" y="4357468"/>
-                      <a:ext cx="1371600" cy="343752"/>
-                    </a:xfrm>
-                    <a:prstGeom prst="ellipse">
-                      <a:avLst/>
-                    </a:prstGeom>
-                    <a:grpFill/>
-                  </p:spPr>
-                  <p:style>
-                    <a:lnRef idx="1">
-                      <a:schemeClr val="accent1"/>
-                    </a:lnRef>
-                    <a:fillRef idx="3">
-                      <a:schemeClr val="accent1"/>
-                    </a:fillRef>
-                    <a:effectRef idx="2">
-                      <a:schemeClr val="accent1"/>
-                    </a:effectRef>
-                    <a:fontRef idx="minor">
-                      <a:schemeClr val="lt1"/>
-                    </a:fontRef>
-                  </p:style>
-                  <p:txBody>
-                    <a:bodyPr rtlCol="0" anchor="ctr"/>
-                    <a:lstStyle/>
-                    <a:p>
-                      <a:pPr algn="ctr"/>
-                      <a:r>
-                        <a:rPr lang="en-US" sz="800" dirty="0" smtClean="0"/>
-                        <a:t>Affiliate</a:t>
-                      </a:r>
-                      <a:endParaRPr lang="en-US" sz="800" dirty="0"/>
-                    </a:p>
-                  </p:txBody>
-                </p:sp>
-                <p:sp>
-                  <p:nvSpPr>
-                    <p:cNvPr id="257" name="Oval 256"/>
-                    <p:cNvSpPr/>
-                    <p:nvPr/>
-                  </p:nvSpPr>
-                  <p:spPr>
-                    <a:xfrm>
-                      <a:off x="6454370" y="4509868"/>
-                      <a:ext cx="1371600" cy="343752"/>
-                    </a:xfrm>
-                    <a:prstGeom prst="ellipse">
-                      <a:avLst/>
-                    </a:prstGeom>
-                    <a:grpFill/>
-                  </p:spPr>
-                  <p:style>
-                    <a:lnRef idx="1">
-                      <a:schemeClr val="accent1"/>
-                    </a:lnRef>
-                    <a:fillRef idx="3">
-                      <a:schemeClr val="accent1"/>
-                    </a:fillRef>
-                    <a:effectRef idx="2">
-                      <a:schemeClr val="accent1"/>
-                    </a:effectRef>
-                    <a:fontRef idx="minor">
-                      <a:schemeClr val="lt1"/>
-                    </a:fontRef>
-                  </p:style>
-                  <p:txBody>
-                    <a:bodyPr rtlCol="0" anchor="ctr"/>
-                    <a:lstStyle/>
-                    <a:p>
-                      <a:pPr algn="ctr"/>
-                      <a:r>
-                        <a:rPr lang="en-US" sz="800" dirty="0" smtClean="0"/>
-                        <a:t>Affiliate</a:t>
-                      </a:r>
-                      <a:endParaRPr lang="en-US" sz="800" dirty="0"/>
-                    </a:p>
-                  </p:txBody>
-                </p:sp>
-              </p:grpSp>
-              <p:sp>
-                <p:nvSpPr>
-                  <p:cNvPr id="245" name="Oval 244"/>
-                  <p:cNvSpPr/>
-                  <p:nvPr/>
-                </p:nvSpPr>
-                <p:spPr>
-                  <a:xfrm>
-                    <a:off x="6530568" y="5094137"/>
-                    <a:ext cx="2023067" cy="343752"/>
-                  </a:xfrm>
-                  <a:prstGeom prst="ellipse">
-                    <a:avLst/>
-                  </a:prstGeom>
-                  <a:grpFill/>
-                </p:spPr>
-                <p:style>
-                  <a:lnRef idx="1">
-                    <a:schemeClr val="accent1"/>
-                  </a:lnRef>
-                  <a:fillRef idx="3">
-                    <a:schemeClr val="accent1"/>
-                  </a:fillRef>
-                  <a:effectRef idx="2">
-                    <a:schemeClr val="accent1"/>
-                  </a:effectRef>
-                  <a:fontRef idx="minor">
-                    <a:schemeClr val="lt1"/>
-                  </a:fontRef>
-                </p:style>
-                <p:txBody>
-                  <a:bodyPr rtlCol="0" anchor="ctr"/>
-                  <a:lstStyle/>
-                  <a:p>
-                    <a:pPr algn="ctr"/>
-                    <a:r>
-                      <a:rPr lang="en-US" sz="800" dirty="0" smtClean="0"/>
-                      <a:t>Organization</a:t>
-                    </a:r>
-                    <a:endParaRPr lang="en-US" sz="800" dirty="0"/>
-                  </a:p>
-                </p:txBody>
-              </p:sp>
-              <p:grpSp>
-                <p:nvGrpSpPr>
-                  <p:cNvPr id="246" name="Group 245"/>
-                  <p:cNvGrpSpPr/>
-                  <p:nvPr/>
-                </p:nvGrpSpPr>
-                <p:grpSpPr>
-                  <a:xfrm>
-                    <a:off x="7641220" y="2877908"/>
-                    <a:ext cx="568276" cy="975764"/>
-                    <a:chOff x="7641220" y="2877908"/>
-                    <a:chExt cx="568276" cy="975764"/>
-                  </a:xfrm>
-                  <a:grpFill/>
-                </p:grpSpPr>
-                <p:cxnSp>
-                  <p:nvCxnSpPr>
-                    <p:cNvPr id="253" name="Straight Arrow Connector 252"/>
-                    <p:cNvCxnSpPr>
-                      <a:endCxn id="258" idx="0"/>
-                    </p:cNvCxnSpPr>
-                    <p:nvPr/>
-                  </p:nvCxnSpPr>
-                  <p:spPr>
-                    <a:xfrm>
-                      <a:off x="7777210" y="2877908"/>
-                      <a:ext cx="187276" cy="492917"/>
-                    </a:xfrm>
-                    <a:prstGeom prst="straightConnector1">
-                      <a:avLst/>
-                    </a:prstGeom>
-                    <a:grpFill/>
-                    <a:ln>
-                      <a:solidFill>
-                        <a:schemeClr val="accent2">
-                          <a:lumMod val="60000"/>
-                          <a:lumOff val="40000"/>
-                        </a:schemeClr>
-                      </a:solidFill>
-                      <a:headEnd type="arrow"/>
-                      <a:tailEnd type="arrow"/>
-                    </a:ln>
-                  </p:spPr>
-                  <p:style>
-                    <a:lnRef idx="2">
-                      <a:schemeClr val="accent1"/>
-                    </a:lnRef>
-                    <a:fillRef idx="0">
-                      <a:schemeClr val="accent1"/>
-                    </a:fillRef>
-                    <a:effectRef idx="1">
-                      <a:schemeClr val="accent1"/>
-                    </a:effectRef>
-                    <a:fontRef idx="minor">
-                      <a:schemeClr val="tx1"/>
-                    </a:fontRef>
-                  </p:style>
-                </p:cxnSp>
-                <p:sp>
-                  <p:nvSpPr>
-                    <p:cNvPr id="254" name="TextBox 253"/>
-                    <p:cNvSpPr txBox="1"/>
-                    <p:nvPr/>
-                  </p:nvSpPr>
-                  <p:spPr>
-                    <a:xfrm>
-                      <a:off x="7641220" y="2899603"/>
-                      <a:ext cx="568276" cy="954069"/>
-                    </a:xfrm>
-                    <a:prstGeom prst="rect">
-                      <a:avLst/>
-                    </a:prstGeom>
-                    <a:noFill/>
-                  </p:spPr>
-                  <p:txBody>
-                    <a:bodyPr wrap="square" rtlCol="0">
-                      <a:spAutoFit/>
-                    </a:bodyPr>
-                    <a:lstStyle/>
-                    <a:p>
-                      <a:r>
-                        <a:rPr lang="en-US" sz="800" dirty="0" smtClean="0"/>
-                        <a:t>Has</a:t>
-                      </a:r>
-                      <a:endParaRPr lang="en-US" sz="800" dirty="0"/>
-                    </a:p>
-                  </p:txBody>
-                </p:sp>
-              </p:grpSp>
-              <p:cxnSp>
-                <p:nvCxnSpPr>
-                  <p:cNvPr id="247" name="Straight Arrow Connector 246"/>
-                  <p:cNvCxnSpPr/>
-                  <p:nvPr/>
-                </p:nvCxnSpPr>
-                <p:spPr>
-                  <a:xfrm flipH="1">
-                    <a:off x="7777210" y="4019377"/>
-                    <a:ext cx="304800" cy="1074760"/>
-                  </a:xfrm>
-                  <a:prstGeom prst="straightConnector1">
-                    <a:avLst/>
-                  </a:prstGeom>
-                  <a:grpFill/>
-                  <a:ln>
-                    <a:solidFill>
-                      <a:schemeClr val="accent2">
-                        <a:lumMod val="60000"/>
-                        <a:lumOff val="40000"/>
-                      </a:schemeClr>
-                    </a:solidFill>
-                    <a:headEnd type="arrow"/>
-                    <a:tailEnd type="arrow"/>
-                  </a:ln>
-                </p:spPr>
-                <p:style>
-                  <a:lnRef idx="2">
-                    <a:schemeClr val="accent1"/>
-                  </a:lnRef>
-                  <a:fillRef idx="0">
-                    <a:schemeClr val="accent1"/>
-                  </a:fillRef>
-                  <a:effectRef idx="1">
-                    <a:schemeClr val="accent1"/>
-                  </a:effectRef>
-                  <a:fontRef idx="minor">
-                    <a:schemeClr val="tx1"/>
-                  </a:fontRef>
-                </p:style>
-              </p:cxnSp>
-              <p:sp>
-                <p:nvSpPr>
-                  <p:cNvPr id="248" name="TextBox 247"/>
-                  <p:cNvSpPr txBox="1"/>
-                  <p:nvPr/>
-                </p:nvSpPr>
-                <p:spPr>
-                  <a:xfrm>
-                    <a:off x="7662211" y="4378065"/>
-                    <a:ext cx="568277" cy="954069"/>
-                  </a:xfrm>
-                  <a:prstGeom prst="rect">
-                    <a:avLst/>
-                  </a:prstGeom>
-                  <a:noFill/>
-                </p:spPr>
-                <p:txBody>
-                  <a:bodyPr wrap="square" rtlCol="0">
-                    <a:spAutoFit/>
-                  </a:bodyPr>
-                  <a:lstStyle/>
-                  <a:p>
-                    <a:r>
-                      <a:rPr lang="en-US" sz="800" dirty="0" smtClean="0"/>
-                      <a:t>Has</a:t>
-                    </a:r>
-                    <a:endParaRPr lang="en-US" sz="800" dirty="0"/>
-                  </a:p>
-                </p:txBody>
-              </p:sp>
-              <p:cxnSp>
-                <p:nvCxnSpPr>
-                  <p:cNvPr id="249" name="Straight Arrow Connector 248"/>
-                  <p:cNvCxnSpPr/>
-                  <p:nvPr/>
-                </p:nvCxnSpPr>
-                <p:spPr>
-                  <a:xfrm>
-                    <a:off x="6855922" y="4656490"/>
-                    <a:ext cx="280420" cy="469913"/>
-                  </a:xfrm>
-                  <a:prstGeom prst="straightConnector1">
-                    <a:avLst/>
-                  </a:prstGeom>
-                  <a:grpFill/>
-                  <a:ln>
-                    <a:solidFill>
-                      <a:schemeClr val="accent2">
-                        <a:lumMod val="60000"/>
-                        <a:lumOff val="40000"/>
-                      </a:schemeClr>
-                    </a:solidFill>
-                    <a:headEnd type="arrow"/>
-                    <a:tailEnd type="arrow"/>
-                  </a:ln>
-                </p:spPr>
-                <p:style>
-                  <a:lnRef idx="2">
-                    <a:schemeClr val="accent1"/>
-                  </a:lnRef>
-                  <a:fillRef idx="0">
-                    <a:schemeClr val="accent1"/>
-                  </a:fillRef>
-                  <a:effectRef idx="1">
-                    <a:schemeClr val="accent1"/>
-                  </a:effectRef>
-                  <a:fontRef idx="minor">
-                    <a:schemeClr val="tx1"/>
-                  </a:fontRef>
-                </p:style>
-              </p:cxnSp>
-              <p:sp>
-                <p:nvSpPr>
-                  <p:cNvPr id="250" name="TextBox 249"/>
-                  <p:cNvSpPr txBox="1"/>
-                  <p:nvPr/>
-                </p:nvSpPr>
-                <p:spPr>
-                  <a:xfrm>
-                    <a:off x="6707447" y="4702628"/>
-                    <a:ext cx="568277" cy="954069"/>
-                  </a:xfrm>
-                  <a:prstGeom prst="rect">
-                    <a:avLst/>
-                  </a:prstGeom>
-                  <a:noFill/>
-                </p:spPr>
-                <p:txBody>
-                  <a:bodyPr wrap="square" rtlCol="0">
-                    <a:spAutoFit/>
-                  </a:bodyPr>
-                  <a:lstStyle/>
-                  <a:p>
-                    <a:r>
-                      <a:rPr lang="en-US" sz="800" dirty="0" smtClean="0"/>
-                      <a:t>Has</a:t>
-                    </a:r>
-                    <a:endParaRPr lang="en-US" sz="800" dirty="0"/>
-                  </a:p>
-                </p:txBody>
-              </p:sp>
-              <p:cxnSp>
-                <p:nvCxnSpPr>
-                  <p:cNvPr id="251" name="Straight Arrow Connector 250"/>
-                  <p:cNvCxnSpPr>
-                    <a:stCxn id="263" idx="3"/>
-                  </p:cNvCxnSpPr>
-                  <p:nvPr/>
-                </p:nvCxnSpPr>
-                <p:spPr>
-                  <a:xfrm flipH="1">
-                    <a:off x="6764636" y="2827567"/>
-                    <a:ext cx="323006" cy="1148105"/>
-                  </a:xfrm>
-                  <a:prstGeom prst="straightConnector1">
-                    <a:avLst/>
-                  </a:prstGeom>
-                  <a:grpFill/>
-                  <a:ln>
-                    <a:solidFill>
-                      <a:schemeClr val="accent2">
-                        <a:lumMod val="60000"/>
-                        <a:lumOff val="40000"/>
-                      </a:schemeClr>
-                    </a:solidFill>
-                    <a:headEnd type="arrow"/>
-                    <a:tailEnd type="arrow"/>
-                  </a:ln>
-                </p:spPr>
-                <p:style>
-                  <a:lnRef idx="2">
-                    <a:schemeClr val="accent1"/>
-                  </a:lnRef>
-                  <a:fillRef idx="0">
-                    <a:schemeClr val="accent1"/>
-                  </a:fillRef>
-                  <a:effectRef idx="1">
-                    <a:schemeClr val="accent1"/>
-                  </a:effectRef>
-                  <a:fontRef idx="minor">
-                    <a:schemeClr val="tx1"/>
-                  </a:fontRef>
-                </p:style>
-              </p:cxnSp>
-              <p:sp>
-                <p:nvSpPr>
-                  <p:cNvPr id="252" name="TextBox 251"/>
-                  <p:cNvSpPr txBox="1"/>
-                  <p:nvPr/>
-                </p:nvSpPr>
-                <p:spPr>
-                  <a:xfrm>
-                    <a:off x="6682418" y="3039101"/>
-                    <a:ext cx="568277" cy="954069"/>
-                  </a:xfrm>
-                  <a:prstGeom prst="rect">
-                    <a:avLst/>
-                  </a:prstGeom>
-                  <a:noFill/>
-                </p:spPr>
-                <p:txBody>
-                  <a:bodyPr wrap="square" rtlCol="0">
-                    <a:spAutoFit/>
-                  </a:bodyPr>
-                  <a:lstStyle/>
-                  <a:p>
-                    <a:r>
-                      <a:rPr lang="en-US" sz="800" dirty="0" smtClean="0"/>
-                      <a:t>Has</a:t>
-                    </a:r>
-                    <a:endParaRPr lang="en-US" sz="800" dirty="0"/>
-                  </a:p>
-                </p:txBody>
-              </p:sp>
-            </p:grpSp>
-            <p:sp>
-              <p:nvSpPr>
-                <p:cNvPr id="198" name="Oval 197"/>
-                <p:cNvSpPr/>
-                <p:nvPr/>
-              </p:nvSpPr>
-              <p:spPr>
-                <a:xfrm>
-                  <a:off x="6473068" y="5230585"/>
-                  <a:ext cx="2023067" cy="343752"/>
-                </a:xfrm>
-                <a:prstGeom prst="ellipse">
-                  <a:avLst/>
-                </a:prstGeom>
-                <a:solidFill>
-                  <a:schemeClr val="accent2">
-                    <a:lumMod val="60000"/>
-                    <a:lumOff val="40000"/>
-                  </a:schemeClr>
-                </a:solidFill>
-              </p:spPr>
-              <p:style>
-                <a:lnRef idx="1">
-                  <a:schemeClr val="accent1"/>
-                </a:lnRef>
-                <a:fillRef idx="3">
-                  <a:schemeClr val="accent1"/>
-                </a:fillRef>
-                <a:effectRef idx="2">
-                  <a:schemeClr val="accent1"/>
-                </a:effectRef>
-                <a:fontRef idx="minor">
-                  <a:schemeClr val="lt1"/>
-                </a:fontRef>
-              </p:style>
-              <p:txBody>
-                <a:bodyPr rtlCol="0" anchor="ctr"/>
-                <a:lstStyle/>
-                <a:p>
-                  <a:pPr algn="ctr"/>
-                  <a:r>
-                    <a:rPr lang="en-US" sz="800" dirty="0" smtClean="0"/>
-                    <a:t>Organization</a:t>
-                  </a:r>
-                  <a:endParaRPr lang="en-US" sz="800" dirty="0"/>
-                </a:p>
-              </p:txBody>
-            </p:sp>
-            <p:sp>
-              <p:nvSpPr>
-                <p:cNvPr id="199" name="Oval 198"/>
-                <p:cNvSpPr/>
-                <p:nvPr/>
-              </p:nvSpPr>
-              <p:spPr>
-                <a:xfrm>
-                  <a:off x="6625468" y="5382985"/>
-                  <a:ext cx="2023067" cy="343752"/>
-                </a:xfrm>
-                <a:prstGeom prst="ellipse">
-                  <a:avLst/>
-                </a:prstGeom>
-                <a:solidFill>
-                  <a:schemeClr val="accent2">
-                    <a:lumMod val="60000"/>
-                    <a:lumOff val="40000"/>
-                  </a:schemeClr>
-                </a:solidFill>
-              </p:spPr>
-              <p:style>
-                <a:lnRef idx="1">
-                  <a:schemeClr val="accent1"/>
-                </a:lnRef>
-                <a:fillRef idx="3">
-                  <a:schemeClr val="accent1"/>
-                </a:fillRef>
-                <a:effectRef idx="2">
-                  <a:schemeClr val="accent1"/>
-                </a:effectRef>
-                <a:fontRef idx="minor">
-                  <a:schemeClr val="lt1"/>
-                </a:fontRef>
-              </p:style>
-              <p:txBody>
-                <a:bodyPr rtlCol="0" anchor="ctr"/>
-                <a:lstStyle/>
-                <a:p>
-                  <a:pPr algn="ctr"/>
-                  <a:r>
-                    <a:rPr lang="en-US" sz="800" dirty="0" smtClean="0"/>
-                    <a:t>Organization</a:t>
-                  </a:r>
-                  <a:endParaRPr lang="en-US" sz="800" dirty="0"/>
-                </a:p>
-              </p:txBody>
-            </p:sp>
             <p:grpSp>
               <p:nvGrpSpPr>
                 <p:cNvPr id="200" name="Group 199"/>
@@ -9673,6 +9282,11 @@
                     <a:prstGeom prst="ellipse">
                       <a:avLst/>
                     </a:prstGeom>
+                    <a:ln>
+                      <a:solidFill>
+                        <a:srgbClr val="851212"/>
+                      </a:solidFill>
+                    </a:ln>
                   </p:spPr>
                   <p:style>
                     <a:lnRef idx="1">
@@ -9694,10 +9308,10 @@
                     <a:p>
                       <a:pPr algn="ctr"/>
                       <a:r>
-                        <a:rPr lang="en-US" sz="800" dirty="0" smtClean="0"/>
+                        <a:rPr lang="en-US" sz="600" dirty="0"/>
                         <a:t>Name</a:t>
                       </a:r>
-                      <a:endParaRPr lang="en-US" sz="800" dirty="0"/>
+                      <a:endParaRPr lang="en-US" sz="600" dirty="0"/>
                     </a:p>
                   </p:txBody>
                 </p:sp>
@@ -9715,6 +9329,11 @@
                     <a:prstGeom prst="ellipse">
                       <a:avLst/>
                     </a:prstGeom>
+                    <a:ln>
+                      <a:solidFill>
+                        <a:srgbClr val="851212"/>
+                      </a:solidFill>
+                    </a:ln>
                   </p:spPr>
                   <p:style>
                     <a:lnRef idx="1">
@@ -9736,10 +9355,10 @@
                     <a:p>
                       <a:pPr algn="ctr"/>
                       <a:r>
-                        <a:rPr lang="en-US" sz="800" dirty="0" smtClean="0"/>
+                        <a:rPr lang="en-US" sz="600" dirty="0"/>
                         <a:t>Name</a:t>
                       </a:r>
-                      <a:endParaRPr lang="en-US" sz="800" dirty="0"/>
+                      <a:endParaRPr lang="en-US" sz="600" dirty="0"/>
                     </a:p>
                   </p:txBody>
                 </p:sp>
@@ -9757,6 +9376,11 @@
                     <a:prstGeom prst="ellipse">
                       <a:avLst/>
                     </a:prstGeom>
+                    <a:ln>
+                      <a:solidFill>
+                        <a:srgbClr val="851212"/>
+                      </a:solidFill>
+                    </a:ln>
                   </p:spPr>
                   <p:style>
                     <a:lnRef idx="1">
@@ -9778,10 +9402,10 @@
                     <a:p>
                       <a:pPr algn="ctr"/>
                       <a:r>
-                        <a:rPr lang="en-US" sz="800" dirty="0" smtClean="0"/>
+                        <a:rPr lang="en-US" sz="600" dirty="0" smtClean="0"/>
                         <a:t>Name</a:t>
                       </a:r>
-                      <a:endParaRPr lang="en-US" sz="800" dirty="0"/>
+                      <a:endParaRPr lang="en-US" sz="600" dirty="0"/>
                     </a:p>
                   </p:txBody>
                 </p:sp>
@@ -9814,6 +9438,11 @@
                     <a:prstGeom prst="ellipse">
                       <a:avLst/>
                     </a:prstGeom>
+                    <a:ln>
+                      <a:solidFill>
+                        <a:srgbClr val="851212"/>
+                      </a:solidFill>
+                    </a:ln>
                   </p:spPr>
                   <p:style>
                     <a:lnRef idx="1">
@@ -9835,10 +9464,10 @@
                     <a:p>
                       <a:pPr algn="ctr"/>
                       <a:r>
-                        <a:rPr lang="en-US" sz="800" dirty="0" smtClean="0"/>
+                        <a:rPr lang="en-US" sz="600" dirty="0"/>
                         <a:t>Address</a:t>
                       </a:r>
-                      <a:endParaRPr lang="en-US" sz="800" dirty="0"/>
+                      <a:endParaRPr lang="en-US" sz="600" dirty="0"/>
                     </a:p>
                   </p:txBody>
                 </p:sp>
@@ -9856,6 +9485,11 @@
                     <a:prstGeom prst="ellipse">
                       <a:avLst/>
                     </a:prstGeom>
+                    <a:ln>
+                      <a:solidFill>
+                        <a:srgbClr val="851212"/>
+                      </a:solidFill>
+                    </a:ln>
                   </p:spPr>
                   <p:style>
                     <a:lnRef idx="1">
@@ -9877,10 +9511,10 @@
                     <a:p>
                       <a:pPr algn="ctr"/>
                       <a:r>
-                        <a:rPr lang="en-US" sz="800" dirty="0" smtClean="0"/>
+                        <a:rPr lang="en-US" sz="600" dirty="0"/>
                         <a:t>Address</a:t>
                       </a:r>
-                      <a:endParaRPr lang="en-US" sz="800" dirty="0"/>
+                      <a:endParaRPr lang="en-US" sz="600" dirty="0"/>
                     </a:p>
                   </p:txBody>
                 </p:sp>
@@ -9898,6 +9532,11 @@
                     <a:prstGeom prst="ellipse">
                       <a:avLst/>
                     </a:prstGeom>
+                    <a:ln>
+                      <a:solidFill>
+                        <a:srgbClr val="851212"/>
+                      </a:solidFill>
+                    </a:ln>
                   </p:spPr>
                   <p:style>
                     <a:lnRef idx="1">
@@ -9919,10 +9558,10 @@
                     <a:p>
                       <a:pPr algn="ctr"/>
                       <a:r>
-                        <a:rPr lang="en-US" sz="800" dirty="0" smtClean="0"/>
+                        <a:rPr lang="en-US" sz="600" dirty="0"/>
                         <a:t>Address</a:t>
                       </a:r>
-                      <a:endParaRPr lang="en-US" sz="800" dirty="0"/>
+                      <a:endParaRPr lang="en-US" sz="600" dirty="0"/>
                     </a:p>
                   </p:txBody>
                 </p:sp>
@@ -9955,6 +9594,11 @@
                     <a:prstGeom prst="ellipse">
                       <a:avLst/>
                     </a:prstGeom>
+                    <a:ln>
+                      <a:solidFill>
+                        <a:srgbClr val="851212"/>
+                      </a:solidFill>
+                    </a:ln>
                   </p:spPr>
                   <p:style>
                     <a:lnRef idx="1">
@@ -9976,10 +9620,10 @@
                     <a:p>
                       <a:pPr algn="ctr"/>
                       <a:r>
-                        <a:rPr lang="en-US" sz="800" dirty="0" smtClean="0"/>
+                        <a:rPr lang="en-US" sz="600" dirty="0"/>
                         <a:t>Account</a:t>
                       </a:r>
-                      <a:endParaRPr lang="en-US" sz="800" dirty="0"/>
+                      <a:endParaRPr lang="en-US" sz="600" dirty="0"/>
                     </a:p>
                   </p:txBody>
                 </p:sp>
@@ -9997,6 +9641,11 @@
                     <a:prstGeom prst="ellipse">
                       <a:avLst/>
                     </a:prstGeom>
+                    <a:ln>
+                      <a:solidFill>
+                        <a:srgbClr val="851212"/>
+                      </a:solidFill>
+                    </a:ln>
                   </p:spPr>
                   <p:style>
                     <a:lnRef idx="1">
@@ -10018,10 +9667,10 @@
                     <a:p>
                       <a:pPr algn="ctr"/>
                       <a:r>
-                        <a:rPr lang="en-US" sz="800" dirty="0" smtClean="0"/>
+                        <a:rPr lang="en-US" sz="600" dirty="0"/>
                         <a:t>Account</a:t>
                       </a:r>
-                      <a:endParaRPr lang="en-US" sz="800" dirty="0"/>
+                      <a:endParaRPr lang="en-US" sz="600" dirty="0"/>
                     </a:p>
                   </p:txBody>
                 </p:sp>
@@ -10039,6 +9688,11 @@
                     <a:prstGeom prst="ellipse">
                       <a:avLst/>
                     </a:prstGeom>
+                    <a:ln>
+                      <a:solidFill>
+                        <a:srgbClr val="851212"/>
+                      </a:solidFill>
+                    </a:ln>
                   </p:spPr>
                   <p:style>
                     <a:lnRef idx="1">
@@ -10060,10 +9714,10 @@
                     <a:p>
                       <a:pPr algn="ctr"/>
                       <a:r>
-                        <a:rPr lang="en-US" sz="800" dirty="0" smtClean="0"/>
+                        <a:rPr lang="en-US" sz="600" dirty="0"/>
                         <a:t>Account</a:t>
                       </a:r>
-                      <a:endParaRPr lang="en-US" sz="800" dirty="0"/>
+                      <a:endParaRPr lang="en-US" sz="600" dirty="0"/>
                     </a:p>
                   </p:txBody>
                 </p:sp>
@@ -10096,6 +9750,11 @@
                     <a:prstGeom prst="ellipse">
                       <a:avLst/>
                     </a:prstGeom>
+                    <a:ln>
+                      <a:solidFill>
+                        <a:srgbClr val="851212"/>
+                      </a:solidFill>
+                    </a:ln>
                   </p:spPr>
                   <p:style>
                     <a:lnRef idx="1">
@@ -10117,10 +9776,10 @@
                     <a:p>
                       <a:pPr algn="ctr"/>
                       <a:r>
-                        <a:rPr lang="en-US" sz="800" dirty="0" smtClean="0"/>
+                        <a:rPr lang="en-US" sz="600" dirty="0"/>
                         <a:t>Institution</a:t>
                       </a:r>
-                      <a:endParaRPr lang="en-US" sz="800" dirty="0"/>
+                      <a:endParaRPr lang="en-US" sz="600" dirty="0"/>
                     </a:p>
                   </p:txBody>
                 </p:sp>
@@ -10138,6 +9797,11 @@
                     <a:prstGeom prst="ellipse">
                       <a:avLst/>
                     </a:prstGeom>
+                    <a:ln>
+                      <a:solidFill>
+                        <a:srgbClr val="851212"/>
+                      </a:solidFill>
+                    </a:ln>
                   </p:spPr>
                   <p:style>
                     <a:lnRef idx="1">
@@ -10159,10 +9823,10 @@
                     <a:p>
                       <a:pPr algn="ctr"/>
                       <a:r>
-                        <a:rPr lang="en-US" sz="800" dirty="0" smtClean="0"/>
+                        <a:rPr lang="en-US" sz="600" dirty="0"/>
                         <a:t>Institution</a:t>
                       </a:r>
-                      <a:endParaRPr lang="en-US" sz="800" dirty="0"/>
+                      <a:endParaRPr lang="en-US" sz="600" dirty="0"/>
                     </a:p>
                   </p:txBody>
                 </p:sp>
@@ -10180,6 +9844,11 @@
                     <a:prstGeom prst="ellipse">
                       <a:avLst/>
                     </a:prstGeom>
+                    <a:ln>
+                      <a:solidFill>
+                        <a:srgbClr val="851212"/>
+                      </a:solidFill>
+                    </a:ln>
                   </p:spPr>
                   <p:style>
                     <a:lnRef idx="1">
@@ -10201,10 +9870,10 @@
                     <a:p>
                       <a:pPr algn="ctr"/>
                       <a:r>
-                        <a:rPr lang="en-US" sz="800" dirty="0" smtClean="0"/>
+                        <a:rPr lang="en-US" sz="600" dirty="0"/>
                         <a:t>Institution</a:t>
                       </a:r>
-                      <a:endParaRPr lang="en-US" sz="800" dirty="0"/>
+                      <a:endParaRPr lang="en-US" sz="600" dirty="0"/>
                     </a:p>
                   </p:txBody>
                 </p:sp>
@@ -10218,9 +9887,9 @@
                 <p:grpSpPr>
                   <a:xfrm>
                     <a:off x="7777210" y="2877908"/>
-                    <a:ext cx="652681" cy="975764"/>
+                    <a:ext cx="771024" cy="492917"/>
                     <a:chOff x="7777210" y="2877908"/>
-                    <a:chExt cx="652681" cy="975764"/>
+                    <a:chExt cx="771024" cy="492917"/>
                   </a:xfrm>
                 </p:grpSpPr>
                 <p:cxnSp>
@@ -10239,7 +9908,7 @@
                     <a:prstGeom prst="straightConnector1">
                       <a:avLst/>
                     </a:prstGeom>
-                    <a:ln>
+                    <a:ln w="12700">
                       <a:headEnd type="arrow"/>
                       <a:tailEnd type="arrow"/>
                     </a:ln>
@@ -10267,8 +9936,8 @@
                   </p:nvSpPr>
                   <p:spPr>
                     <a:xfrm>
-                      <a:off x="7861614" y="2899603"/>
-                      <a:ext cx="568277" cy="954069"/>
+                      <a:off x="7861612" y="2899603"/>
+                      <a:ext cx="686622" cy="381627"/>
                     </a:xfrm>
                     <a:prstGeom prst="rect">
                       <a:avLst/>
@@ -10282,10 +9951,10 @@
                     <a:lstStyle/>
                     <a:p>
                       <a:r>
-                        <a:rPr lang="en-US" sz="800" dirty="0" smtClean="0"/>
+                        <a:rPr lang="en-US" sz="600" dirty="0" smtClean="0"/>
                         <a:t>Has</a:t>
                       </a:r>
-                      <a:endParaRPr lang="en-US" sz="800" dirty="0"/>
+                      <a:endParaRPr lang="en-US" sz="600" dirty="0"/>
                     </a:p>
                   </p:txBody>
                 </p:sp>
@@ -10304,7 +9973,7 @@
                   <a:prstGeom prst="straightConnector1">
                     <a:avLst/>
                   </a:prstGeom>
-                  <a:ln>
+                  <a:ln w="12700">
                     <a:headEnd type="arrow"/>
                     <a:tailEnd type="arrow"/>
                   </a:ln>
@@ -10333,7 +10002,7 @@
                 <p:spPr>
                   <a:xfrm>
                     <a:off x="7893101" y="4378065"/>
-                    <a:ext cx="568277" cy="954069"/>
+                    <a:ext cx="710571" cy="381628"/>
                   </a:xfrm>
                   <a:prstGeom prst="rect">
                     <a:avLst/>
@@ -10347,10 +10016,10 @@
                   <a:lstStyle/>
                   <a:p>
                     <a:r>
-                      <a:rPr lang="en-US" sz="800" dirty="0" smtClean="0"/>
+                      <a:rPr lang="en-US" sz="600" dirty="0" smtClean="0"/>
                       <a:t>Has</a:t>
                     </a:r>
-                    <a:endParaRPr lang="en-US" sz="800" dirty="0"/>
+                    <a:endParaRPr lang="en-US" sz="600" dirty="0"/>
                   </a:p>
                 </p:txBody>
               </p:sp>
@@ -10368,7 +10037,7 @@
                   <a:prstGeom prst="straightConnector1">
                     <a:avLst/>
                   </a:prstGeom>
-                  <a:ln>
+                  <a:ln w="12700">
                     <a:headEnd type="arrow"/>
                     <a:tailEnd type="arrow"/>
                   </a:ln>
@@ -10396,14 +10065,32 @@
                 </p:nvSpPr>
                 <p:spPr>
                   <a:xfrm>
-                    <a:off x="6476557" y="4702628"/>
-                    <a:ext cx="568277" cy="954069"/>
+                    <a:off x="6380804" y="4702628"/>
+                    <a:ext cx="664029" cy="381628"/>
                   </a:xfrm>
                   <a:prstGeom prst="rect">
                     <a:avLst/>
                   </a:prstGeom>
-                  <a:noFill/>
+                  <a:ln w="12700">
+                    <a:noFill/>
+                    <a:headEnd type="arrow"/>
+                    <a:tailEnd type="arrow"/>
+                  </a:ln>
                 </p:spPr>
+                <p:style>
+                  <a:lnRef idx="2">
+                    <a:schemeClr val="accent1"/>
+                  </a:lnRef>
+                  <a:fillRef idx="0">
+                    <a:schemeClr val="accent1"/>
+                  </a:fillRef>
+                  <a:effectRef idx="1">
+                    <a:schemeClr val="accent1"/>
+                  </a:effectRef>
+                  <a:fontRef idx="minor">
+                    <a:schemeClr val="tx1"/>
+                  </a:fontRef>
+                </p:style>
                 <p:txBody>
                   <a:bodyPr wrap="square" rtlCol="0">
                     <a:spAutoFit/>
@@ -10411,10 +10098,10 @@
                   <a:lstStyle/>
                   <a:p>
                     <a:r>
-                      <a:rPr lang="en-US" sz="800" dirty="0" smtClean="0"/>
+                      <a:rPr lang="en-US" sz="600" dirty="0" smtClean="0"/>
                       <a:t>Has</a:t>
                     </a:r>
-                    <a:endParaRPr lang="en-US" sz="800" dirty="0"/>
+                    <a:endParaRPr lang="en-US" sz="600" dirty="0"/>
                   </a:p>
                 </p:txBody>
               </p:sp>
@@ -10434,7 +10121,7 @@
                   <a:prstGeom prst="straightConnector1">
                     <a:avLst/>
                   </a:prstGeom>
-                  <a:ln>
+                  <a:ln w="12700">
                     <a:headEnd type="arrow"/>
                     <a:tailEnd type="arrow"/>
                   </a:ln>
@@ -10462,8 +10149,8 @@
                 </p:nvSpPr>
                 <p:spPr>
                   <a:xfrm>
-                    <a:off x="6441033" y="3165053"/>
-                    <a:ext cx="568277" cy="954069"/>
+                    <a:off x="6346057" y="3165053"/>
+                    <a:ext cx="663252" cy="381628"/>
                   </a:xfrm>
                   <a:prstGeom prst="rect">
                     <a:avLst/>
@@ -10477,10 +10164,10 @@
                   <a:lstStyle/>
                   <a:p>
                     <a:r>
-                      <a:rPr lang="en-US" sz="800" dirty="0" smtClean="0"/>
+                      <a:rPr lang="en-US" sz="600" dirty="0" smtClean="0"/>
                       <a:t>Has</a:t>
                     </a:r>
-                    <a:endParaRPr lang="en-US" sz="800" dirty="0"/>
+                    <a:endParaRPr lang="en-US" sz="600" dirty="0"/>
                   </a:p>
                 </p:txBody>
               </p:sp>
@@ -10499,11 +10186,27 @@
                 <a:prstGeom prst="ellipse">
                   <a:avLst/>
                 </a:prstGeom>
-                <a:solidFill>
-                  <a:schemeClr val="bg2">
-                    <a:lumMod val="50000"/>
-                  </a:schemeClr>
-                </a:solidFill>
+                <a:gradFill flip="none" rotWithShape="1">
+                  <a:gsLst>
+                    <a:gs pos="26000">
+                      <a:schemeClr val="accent4"/>
+                    </a:gs>
+                    <a:gs pos="71000">
+                      <a:schemeClr val="accent1">
+                        <a:lumMod val="97000"/>
+                        <a:lumOff val="3000"/>
+                      </a:schemeClr>
+                    </a:gs>
+                    <a:gs pos="100000">
+                      <a:schemeClr val="accent1">
+                        <a:lumMod val="60000"/>
+                        <a:lumOff val="40000"/>
+                      </a:schemeClr>
+                    </a:gs>
+                  </a:gsLst>
+                  <a:lin ang="16200000" scaled="1"/>
+                  <a:tileRect/>
+                </a:gradFill>
               </p:spPr>
               <p:style>
                 <a:lnRef idx="1">
@@ -10525,10 +10228,10 @@
                 <a:p>
                   <a:pPr algn="ctr"/>
                   <a:r>
-                    <a:rPr lang="en-US" sz="800" dirty="0" smtClean="0"/>
+                    <a:rPr lang="en-US" sz="600" dirty="0"/>
                     <a:t>Name</a:t>
                   </a:r>
-                  <a:endParaRPr lang="en-US" sz="800" dirty="0"/>
+                  <a:endParaRPr lang="en-US" sz="600" dirty="0"/>
                 </a:p>
               </p:txBody>
             </p:sp>
@@ -10540,10 +10243,10 @@
               </p:nvGrpSpPr>
               <p:grpSpPr>
                 <a:xfrm>
-                  <a:off x="2540515" y="2355872"/>
-                  <a:ext cx="1285010" cy="699648"/>
-                  <a:chOff x="2540515" y="2355872"/>
-                  <a:chExt cx="1285010" cy="699648"/>
+                  <a:off x="2540515" y="2394128"/>
+                  <a:ext cx="1504163" cy="560659"/>
+                  <a:chOff x="2540515" y="2394128"/>
+                  <a:chExt cx="1504163" cy="560659"/>
                 </a:xfrm>
               </p:grpSpPr>
               <p:cxnSp>
@@ -10563,28 +10266,40 @@
                   <a:prstGeom prst="straightConnector1">
                     <a:avLst/>
                   </a:prstGeom>
-                  <a:ln>
-                    <a:solidFill>
-                      <a:schemeClr val="accent3">
-                        <a:lumMod val="75000"/>
-                      </a:schemeClr>
-                    </a:solidFill>
-                    <a:headEnd type="arrow"/>
-                    <a:tailEnd type="arrow"/>
-                  </a:ln>
+                  <a:gradFill flip="none" rotWithShape="1">
+                    <a:gsLst>
+                      <a:gs pos="26000">
+                        <a:schemeClr val="accent4"/>
+                      </a:gs>
+                      <a:gs pos="71000">
+                        <a:schemeClr val="accent1">
+                          <a:lumMod val="97000"/>
+                          <a:lumOff val="3000"/>
+                        </a:schemeClr>
+                      </a:gs>
+                      <a:gs pos="100000">
+                        <a:schemeClr val="accent1">
+                          <a:lumMod val="60000"/>
+                          <a:lumOff val="40000"/>
+                        </a:schemeClr>
+                      </a:gs>
+                    </a:gsLst>
+                    <a:lin ang="16200000" scaled="1"/>
+                    <a:tileRect/>
+                  </a:gradFill>
                 </p:spPr>
                 <p:style>
-                  <a:lnRef idx="2">
+                  <a:lnRef idx="1">
                     <a:schemeClr val="accent1"/>
                   </a:lnRef>
-                  <a:fillRef idx="0">
+                  <a:fillRef idx="3">
                     <a:schemeClr val="accent1"/>
                   </a:fillRef>
-                  <a:effectRef idx="1">
+                  <a:effectRef idx="2">
                     <a:schemeClr val="accent1"/>
                   </a:effectRef>
                   <a:fontRef idx="minor">
-                    <a:schemeClr val="tx1"/>
+                    <a:schemeClr val="lt1"/>
                   </a:fontRef>
                 </p:style>
               </p:cxnSp>
@@ -10596,8 +10311,8 @@
                 </p:nvSpPr>
                 <p:spPr>
                   <a:xfrm>
-                    <a:off x="2645464" y="2355872"/>
-                    <a:ext cx="1164313" cy="699648"/>
+                    <a:off x="2767203" y="2573159"/>
+                    <a:ext cx="1277475" cy="381628"/>
                   </a:xfrm>
                   <a:prstGeom prst="rect">
                     <a:avLst/>
@@ -10611,10 +10326,10 @@
                   <a:lstStyle/>
                   <a:p>
                     <a:r>
-                      <a:rPr lang="en-US" sz="800" dirty="0" err="1" smtClean="0"/>
+                      <a:rPr lang="en-US" sz="600" dirty="0" err="1" smtClean="0"/>
                       <a:t>DerivedFrom</a:t>
                     </a:r>
-                    <a:endParaRPr lang="en-US" sz="800" dirty="0"/>
+                    <a:endParaRPr lang="en-US" sz="600" dirty="0"/>
                   </a:p>
                 </p:txBody>
               </p:sp>
@@ -10623,7 +10338,6 @@
               <p:nvCxnSpPr>
                 <p:cNvPr id="203" name="Straight Arrow Connector 202"/>
                 <p:cNvCxnSpPr>
-                  <a:stCxn id="261" idx="2"/>
                   <a:endCxn id="201" idx="6"/>
                 </p:cNvCxnSpPr>
                 <p:nvPr/>
@@ -10636,28 +10350,40 @@
                 <a:prstGeom prst="straightConnector1">
                   <a:avLst/>
                 </a:prstGeom>
-                <a:ln>
-                  <a:solidFill>
-                    <a:schemeClr val="accent3">
-                      <a:lumMod val="75000"/>
-                    </a:schemeClr>
-                  </a:solidFill>
-                  <a:headEnd type="arrow"/>
-                  <a:tailEnd type="arrow"/>
-                </a:ln>
+                <a:gradFill flip="none" rotWithShape="1">
+                  <a:gsLst>
+                    <a:gs pos="26000">
+                      <a:schemeClr val="accent4"/>
+                    </a:gs>
+                    <a:gs pos="71000">
+                      <a:schemeClr val="accent1">
+                        <a:lumMod val="97000"/>
+                        <a:lumOff val="3000"/>
+                      </a:schemeClr>
+                    </a:gs>
+                    <a:gs pos="100000">
+                      <a:schemeClr val="accent1">
+                        <a:lumMod val="60000"/>
+                        <a:lumOff val="40000"/>
+                      </a:schemeClr>
+                    </a:gs>
+                  </a:gsLst>
+                  <a:lin ang="16200000" scaled="1"/>
+                  <a:tileRect/>
+                </a:gradFill>
               </p:spPr>
               <p:style>
-                <a:lnRef idx="2">
+                <a:lnRef idx="1">
                   <a:schemeClr val="accent1"/>
                 </a:lnRef>
-                <a:fillRef idx="0">
+                <a:fillRef idx="3">
                   <a:schemeClr val="accent1"/>
                 </a:fillRef>
-                <a:effectRef idx="1">
+                <a:effectRef idx="2">
                   <a:schemeClr val="accent1"/>
                 </a:effectRef>
                 <a:fontRef idx="minor">
-                  <a:schemeClr val="tx1"/>
+                  <a:schemeClr val="lt1"/>
                 </a:fontRef>
               </p:style>
             </p:cxnSp>
@@ -10669,8 +10395,8 @@
               </p:nvSpPr>
               <p:spPr>
                 <a:xfrm>
-                  <a:off x="5140609" y="2167513"/>
-                  <a:ext cx="1164313" cy="699650"/>
+                  <a:off x="5140607" y="2167513"/>
+                  <a:ext cx="1397960" cy="381628"/>
                 </a:xfrm>
                 <a:prstGeom prst="rect">
                   <a:avLst/>
@@ -10684,10 +10410,10 @@
                 <a:lstStyle/>
                 <a:p>
                   <a:r>
-                    <a:rPr lang="en-US" sz="800" dirty="0" err="1" smtClean="0"/>
+                    <a:rPr lang="en-US" sz="600" dirty="0" err="1" smtClean="0"/>
                     <a:t>DerivedFrom</a:t>
                   </a:r>
-                  <a:endParaRPr lang="en-US" sz="800" dirty="0"/>
+                  <a:endParaRPr lang="en-US" sz="600" dirty="0"/>
                 </a:p>
               </p:txBody>
             </p:sp>
@@ -10695,41 +10421,52 @@
               <p:nvCxnSpPr>
                 <p:cNvPr id="205" name="Straight Arrow Connector 204"/>
                 <p:cNvCxnSpPr>
-                  <a:stCxn id="260" idx="2"/>
                   <a:endCxn id="207" idx="6"/>
                 </p:cNvCxnSpPr>
                 <p:nvPr/>
               </p:nvCxnSpPr>
               <p:spPr>
                 <a:xfrm flipH="1" flipV="1">
-                  <a:off x="5634870" y="3479354"/>
-                  <a:ext cx="1738716" cy="343752"/>
+                  <a:off x="5634870" y="3479353"/>
+                  <a:ext cx="1433915" cy="38953"/>
                 </a:xfrm>
                 <a:prstGeom prst="straightConnector1">
                   <a:avLst/>
                 </a:prstGeom>
-                <a:ln>
-                  <a:solidFill>
-                    <a:schemeClr val="accent3">
-                      <a:lumMod val="75000"/>
-                    </a:schemeClr>
-                  </a:solidFill>
-                  <a:headEnd type="arrow"/>
-                  <a:tailEnd type="arrow"/>
-                </a:ln>
+                <a:gradFill flip="none" rotWithShape="1">
+                  <a:gsLst>
+                    <a:gs pos="26000">
+                      <a:schemeClr val="accent4"/>
+                    </a:gs>
+                    <a:gs pos="71000">
+                      <a:schemeClr val="accent1">
+                        <a:lumMod val="97000"/>
+                        <a:lumOff val="3000"/>
+                      </a:schemeClr>
+                    </a:gs>
+                    <a:gs pos="100000">
+                      <a:schemeClr val="accent1">
+                        <a:lumMod val="60000"/>
+                        <a:lumOff val="40000"/>
+                      </a:schemeClr>
+                    </a:gs>
+                  </a:gsLst>
+                  <a:lin ang="16200000" scaled="1"/>
+                  <a:tileRect/>
+                </a:gradFill>
               </p:spPr>
               <p:style>
-                <a:lnRef idx="2">
+                <a:lnRef idx="1">
                   <a:schemeClr val="accent1"/>
                 </a:lnRef>
-                <a:fillRef idx="0">
+                <a:fillRef idx="3">
                   <a:schemeClr val="accent1"/>
                 </a:fillRef>
-                <a:effectRef idx="1">
+                <a:effectRef idx="2">
                   <a:schemeClr val="accent1"/>
                 </a:effectRef>
                 <a:fontRef idx="minor">
-                  <a:schemeClr val="tx1"/>
+                  <a:schemeClr val="lt1"/>
                 </a:fontRef>
               </p:style>
             </p:cxnSp>
@@ -10742,7 +10479,7 @@
               <p:spPr>
                 <a:xfrm>
                   <a:off x="5809122" y="3478654"/>
-                  <a:ext cx="1164313" cy="699650"/>
+                  <a:ext cx="1164313" cy="572441"/>
                 </a:xfrm>
                 <a:prstGeom prst="rect">
                   <a:avLst/>
@@ -10756,10 +10493,10 @@
                 <a:lstStyle/>
                 <a:p>
                   <a:r>
-                    <a:rPr lang="en-US" sz="800" dirty="0" smtClean="0"/>
+                    <a:rPr lang="en-US" sz="600" dirty="0" smtClean="0"/>
                     <a:t>Derived From</a:t>
                   </a:r>
-                  <a:endParaRPr lang="en-US" sz="800" dirty="0"/>
+                  <a:endParaRPr lang="en-US" sz="600" dirty="0"/>
                 </a:p>
               </p:txBody>
             </p:sp>
@@ -10777,11 +10514,27 @@
                 <a:prstGeom prst="ellipse">
                   <a:avLst/>
                 </a:prstGeom>
-                <a:solidFill>
-                  <a:schemeClr val="bg2">
-                    <a:lumMod val="50000"/>
-                  </a:schemeClr>
-                </a:solidFill>
+                <a:gradFill flip="none" rotWithShape="1">
+                  <a:gsLst>
+                    <a:gs pos="26000">
+                      <a:schemeClr val="accent4"/>
+                    </a:gs>
+                    <a:gs pos="71000">
+                      <a:schemeClr val="accent1">
+                        <a:lumMod val="97000"/>
+                        <a:lumOff val="3000"/>
+                      </a:schemeClr>
+                    </a:gs>
+                    <a:gs pos="100000">
+                      <a:schemeClr val="accent1">
+                        <a:lumMod val="60000"/>
+                        <a:lumOff val="40000"/>
+                      </a:schemeClr>
+                    </a:gs>
+                  </a:gsLst>
+                  <a:lin ang="16200000" scaled="1"/>
+                  <a:tileRect/>
+                </a:gradFill>
               </p:spPr>
               <p:style>
                 <a:lnRef idx="1">
@@ -10803,10 +10556,10 @@
                 <a:p>
                   <a:pPr algn="ctr"/>
                   <a:r>
-                    <a:rPr lang="en-US" sz="800" dirty="0" smtClean="0"/>
+                    <a:rPr lang="en-US" sz="600" dirty="0"/>
                     <a:t>Address</a:t>
                   </a:r>
-                  <a:endParaRPr lang="en-US" sz="800" dirty="0"/>
+                  <a:endParaRPr lang="en-US" sz="600" dirty="0"/>
                 </a:p>
               </p:txBody>
             </p:sp>
@@ -10818,8 +10571,8 @@
               </p:nvSpPr>
               <p:spPr>
                 <a:xfrm>
-                  <a:off x="3227623" y="3384038"/>
-                  <a:ext cx="1164313" cy="699650"/>
+                  <a:off x="3454999" y="3598365"/>
+                  <a:ext cx="1164313" cy="572441"/>
                 </a:xfrm>
                 <a:prstGeom prst="rect">
                   <a:avLst/>
@@ -10833,10 +10586,10 @@
                 <a:lstStyle/>
                 <a:p>
                   <a:r>
-                    <a:rPr lang="en-US" sz="800" dirty="0" smtClean="0"/>
+                    <a:rPr lang="en-US" sz="600" dirty="0" smtClean="0"/>
                     <a:t>Derived From</a:t>
                   </a:r>
-                  <a:endParaRPr lang="en-US" sz="800" dirty="0"/>
+                  <a:endParaRPr lang="en-US" sz="600" dirty="0"/>
                 </a:p>
               </p:txBody>
             </p:sp>
@@ -10857,28 +10610,40 @@
                 <a:prstGeom prst="straightConnector1">
                   <a:avLst/>
                 </a:prstGeom>
-                <a:ln>
-                  <a:solidFill>
-                    <a:schemeClr val="accent3">
-                      <a:lumMod val="75000"/>
-                    </a:schemeClr>
-                  </a:solidFill>
-                  <a:headEnd type="arrow"/>
-                  <a:tailEnd type="arrow"/>
-                </a:ln>
+                <a:gradFill flip="none" rotWithShape="1">
+                  <a:gsLst>
+                    <a:gs pos="26000">
+                      <a:schemeClr val="accent4"/>
+                    </a:gs>
+                    <a:gs pos="71000">
+                      <a:schemeClr val="accent1">
+                        <a:lumMod val="97000"/>
+                        <a:lumOff val="3000"/>
+                      </a:schemeClr>
+                    </a:gs>
+                    <a:gs pos="100000">
+                      <a:schemeClr val="accent1">
+                        <a:lumMod val="60000"/>
+                        <a:lumOff val="40000"/>
+                      </a:schemeClr>
+                    </a:gs>
+                  </a:gsLst>
+                  <a:lin ang="16200000" scaled="1"/>
+                  <a:tileRect/>
+                </a:gradFill>
               </p:spPr>
               <p:style>
-                <a:lnRef idx="2">
+                <a:lnRef idx="1">
                   <a:schemeClr val="accent1"/>
                 </a:lnRef>
-                <a:fillRef idx="0">
+                <a:fillRef idx="3">
                   <a:schemeClr val="accent1"/>
                 </a:fillRef>
-                <a:effectRef idx="1">
+                <a:effectRef idx="2">
                   <a:schemeClr val="accent1"/>
                 </a:effectRef>
                 <a:fontRef idx="minor">
-                  <a:schemeClr val="tx1"/>
+                  <a:schemeClr val="lt1"/>
                 </a:fontRef>
               </p:style>
             </p:cxnSp>
@@ -10896,11 +10661,27 @@
                 <a:prstGeom prst="ellipse">
                   <a:avLst/>
                 </a:prstGeom>
-                <a:solidFill>
-                  <a:schemeClr val="bg2">
-                    <a:lumMod val="50000"/>
-                  </a:schemeClr>
-                </a:solidFill>
+                <a:gradFill flip="none" rotWithShape="1">
+                  <a:gsLst>
+                    <a:gs pos="26000">
+                      <a:schemeClr val="accent4"/>
+                    </a:gs>
+                    <a:gs pos="71000">
+                      <a:schemeClr val="accent1">
+                        <a:lumMod val="97000"/>
+                        <a:lumOff val="3000"/>
+                      </a:schemeClr>
+                    </a:gs>
+                    <a:gs pos="100000">
+                      <a:schemeClr val="accent1">
+                        <a:lumMod val="60000"/>
+                        <a:lumOff val="40000"/>
+                      </a:schemeClr>
+                    </a:gs>
+                  </a:gsLst>
+                  <a:lin ang="16200000" scaled="1"/>
+                  <a:tileRect/>
+                </a:gradFill>
               </p:spPr>
               <p:style>
                 <a:lnRef idx="1">
@@ -10922,10 +10703,10 @@
                 <a:p>
                   <a:pPr algn="ctr"/>
                   <a:r>
-                    <a:rPr lang="en-US" sz="800" dirty="0" smtClean="0"/>
+                    <a:rPr lang="en-US" sz="600" dirty="0" smtClean="0"/>
                     <a:t>Organization</a:t>
                   </a:r>
-                  <a:endParaRPr lang="en-US" sz="800" dirty="0"/>
+                  <a:endParaRPr lang="en-US" sz="600" dirty="0"/>
                 </a:p>
               </p:txBody>
             </p:sp>
@@ -10937,8 +10718,8 @@
               </p:nvSpPr>
               <p:spPr>
                 <a:xfrm>
-                  <a:off x="5107197" y="4950367"/>
-                  <a:ext cx="1164313" cy="699650"/>
+                  <a:off x="5069192" y="5119548"/>
+                  <a:ext cx="1164313" cy="572441"/>
                 </a:xfrm>
                 <a:prstGeom prst="rect">
                   <a:avLst/>
@@ -10952,10 +10733,10 @@
                 <a:lstStyle/>
                 <a:p>
                   <a:r>
-                    <a:rPr lang="en-US" sz="800" dirty="0" smtClean="0"/>
+                    <a:rPr lang="en-US" sz="600" dirty="0" smtClean="0"/>
                     <a:t>Derived From</a:t>
                   </a:r>
-                  <a:endParaRPr lang="en-US" sz="800" dirty="0"/>
+                  <a:endParaRPr lang="en-US" sz="600" dirty="0"/>
                 </a:p>
               </p:txBody>
             </p:sp>
@@ -10963,7 +10744,6 @@
               <p:nvCxnSpPr>
                 <p:cNvPr id="212" name="Straight Arrow Connector 211"/>
                 <p:cNvCxnSpPr>
-                  <a:stCxn id="198" idx="2"/>
                   <a:endCxn id="210" idx="5"/>
                 </p:cNvCxnSpPr>
                 <p:nvPr/>
@@ -10976,28 +10756,40 @@
                 <a:prstGeom prst="straightConnector1">
                   <a:avLst/>
                 </a:prstGeom>
-                <a:ln>
-                  <a:solidFill>
-                    <a:schemeClr val="accent3">
-                      <a:lumMod val="75000"/>
-                    </a:schemeClr>
-                  </a:solidFill>
-                  <a:headEnd type="arrow"/>
-                  <a:tailEnd type="arrow"/>
-                </a:ln>
+                <a:gradFill flip="none" rotWithShape="1">
+                  <a:gsLst>
+                    <a:gs pos="26000">
+                      <a:schemeClr val="accent4"/>
+                    </a:gs>
+                    <a:gs pos="71000">
+                      <a:schemeClr val="accent1">
+                        <a:lumMod val="97000"/>
+                        <a:lumOff val="3000"/>
+                      </a:schemeClr>
+                    </a:gs>
+                    <a:gs pos="100000">
+                      <a:schemeClr val="accent1">
+                        <a:lumMod val="60000"/>
+                        <a:lumOff val="40000"/>
+                      </a:schemeClr>
+                    </a:gs>
+                  </a:gsLst>
+                  <a:lin ang="16200000" scaled="1"/>
+                  <a:tileRect/>
+                </a:gradFill>
               </p:spPr>
               <p:style>
-                <a:lnRef idx="2">
+                <a:lnRef idx="1">
                   <a:schemeClr val="accent1"/>
                 </a:lnRef>
-                <a:fillRef idx="0">
+                <a:fillRef idx="3">
                   <a:schemeClr val="accent1"/>
                 </a:fillRef>
-                <a:effectRef idx="1">
+                <a:effectRef idx="2">
                   <a:schemeClr val="accent1"/>
                 </a:effectRef>
                 <a:fontRef idx="minor">
-                  <a:schemeClr val="tx1"/>
+                  <a:schemeClr val="lt1"/>
                 </a:fontRef>
               </p:style>
             </p:cxnSp>
@@ -11009,8 +10801,8 @@
               </p:nvSpPr>
               <p:spPr>
                 <a:xfrm>
-                  <a:off x="2788907" y="5080942"/>
-                  <a:ext cx="1164313" cy="699650"/>
+                  <a:off x="3195132" y="5155540"/>
+                  <a:ext cx="1164313" cy="572441"/>
                 </a:xfrm>
                 <a:prstGeom prst="rect">
                   <a:avLst/>
@@ -11024,10 +10816,10 @@
                 <a:lstStyle/>
                 <a:p>
                   <a:r>
-                    <a:rPr lang="en-US" sz="800" dirty="0" smtClean="0"/>
+                    <a:rPr lang="en-US" sz="600" dirty="0" smtClean="0"/>
                     <a:t>Derived From</a:t>
                   </a:r>
-                  <a:endParaRPr lang="en-US" sz="800" dirty="0"/>
+                  <a:endParaRPr lang="en-US" sz="600" dirty="0"/>
                 </a:p>
               </p:txBody>
             </p:sp>
@@ -11047,28 +10839,40 @@
                 <a:prstGeom prst="straightConnector1">
                   <a:avLst/>
                 </a:prstGeom>
-                <a:ln>
-                  <a:solidFill>
-                    <a:schemeClr val="accent3">
-                      <a:lumMod val="75000"/>
-                    </a:schemeClr>
-                  </a:solidFill>
-                  <a:headEnd type="arrow"/>
-                  <a:tailEnd type="arrow"/>
-                </a:ln>
+                <a:gradFill flip="none" rotWithShape="1">
+                  <a:gsLst>
+                    <a:gs pos="26000">
+                      <a:schemeClr val="accent4"/>
+                    </a:gs>
+                    <a:gs pos="71000">
+                      <a:schemeClr val="accent1">
+                        <a:lumMod val="97000"/>
+                        <a:lumOff val="3000"/>
+                      </a:schemeClr>
+                    </a:gs>
+                    <a:gs pos="100000">
+                      <a:schemeClr val="accent1">
+                        <a:lumMod val="60000"/>
+                        <a:lumOff val="40000"/>
+                      </a:schemeClr>
+                    </a:gs>
+                  </a:gsLst>
+                  <a:lin ang="16200000" scaled="1"/>
+                  <a:tileRect/>
+                </a:gradFill>
               </p:spPr>
               <p:style>
-                <a:lnRef idx="2">
+                <a:lnRef idx="1">
                   <a:schemeClr val="accent1"/>
                 </a:lnRef>
-                <a:fillRef idx="0">
+                <a:fillRef idx="3">
                   <a:schemeClr val="accent1"/>
                 </a:fillRef>
-                <a:effectRef idx="1">
+                <a:effectRef idx="2">
                   <a:schemeClr val="accent1"/>
                 </a:effectRef>
                 <a:fontRef idx="minor">
-                  <a:schemeClr val="tx1"/>
+                  <a:schemeClr val="lt1"/>
                 </a:fontRef>
               </p:style>
             </p:cxnSp>
@@ -11082,7 +10886,7 @@
             <p:spPr>
               <a:xfrm>
                 <a:off x="303275" y="5904364"/>
-                <a:ext cx="8544233" cy="699650"/>
+                <a:ext cx="8544233" cy="826860"/>
               </a:xfrm>
               <a:prstGeom prst="rect">
                 <a:avLst/>
@@ -11096,10 +10900,10 @@
               <a:lstStyle/>
               <a:p>
                 <a:r>
-                  <a:rPr lang="en-US" sz="800" dirty="0" smtClean="0"/>
+                  <a:rPr lang="en-US" sz="1000" dirty="0" smtClean="0"/>
                   <a:t>Complete traceability and basis for reification is retained as attributes on each vertex Reified Nodes can also retain discrete attributes as well</a:t>
                 </a:r>
-                <a:endParaRPr lang="en-US" sz="800" dirty="0"/>
+                <a:endParaRPr lang="en-US" sz="1000" dirty="0"/>
               </a:p>
             </p:txBody>
           </p:sp>
@@ -13745,6 +13549,1074 @@
           </p:txBody>
         </p:sp>
       </p:grpSp>
+      <p:sp>
+        <p:nvSpPr>
+          <p:cNvPr id="342" name="Oval 341"/>
+          <p:cNvSpPr/>
+          <p:nvPr/>
+        </p:nvSpPr>
+        <p:spPr>
+          <a:xfrm>
+            <a:off x="3214314" y="4032044"/>
+            <a:ext cx="594891" cy="231220"/>
+          </a:xfrm>
+          <a:prstGeom prst="ellipse">
+            <a:avLst/>
+          </a:prstGeom>
+          <a:gradFill flip="none" rotWithShape="1">
+            <a:gsLst>
+              <a:gs pos="0">
+                <a:schemeClr val="accent4">
+                  <a:lumMod val="67000"/>
+                </a:schemeClr>
+              </a:gs>
+              <a:gs pos="48000">
+                <a:schemeClr val="accent4">
+                  <a:lumMod val="97000"/>
+                  <a:lumOff val="3000"/>
+                </a:schemeClr>
+              </a:gs>
+              <a:gs pos="100000">
+                <a:schemeClr val="accent4">
+                  <a:lumMod val="60000"/>
+                  <a:lumOff val="40000"/>
+                </a:schemeClr>
+              </a:gs>
+            </a:gsLst>
+            <a:lin ang="16200000" scaled="1"/>
+            <a:tileRect/>
+          </a:gradFill>
+        </p:spPr>
+        <p:style>
+          <a:lnRef idx="1">
+            <a:schemeClr val="accent1"/>
+          </a:lnRef>
+          <a:fillRef idx="3">
+            <a:schemeClr val="accent1"/>
+          </a:fillRef>
+          <a:effectRef idx="2">
+            <a:schemeClr val="accent1"/>
+          </a:effectRef>
+          <a:fontRef idx="minor">
+            <a:schemeClr val="lt1"/>
+          </a:fontRef>
+        </p:style>
+        <p:txBody>
+          <a:bodyPr rtlCol="0" anchor="ctr"/>
+          <a:lstStyle/>
+          <a:p>
+            <a:pPr algn="ctr"/>
+            <a:r>
+              <a:rPr lang="en-US" sz="600" dirty="0"/>
+              <a:t>Name</a:t>
+            </a:r>
+            <a:endParaRPr lang="en-US" sz="600" dirty="0"/>
+          </a:p>
+        </p:txBody>
+      </p:sp>
+      <p:sp>
+        <p:nvSpPr>
+          <p:cNvPr id="343" name="Oval 342"/>
+          <p:cNvSpPr/>
+          <p:nvPr/>
+        </p:nvSpPr>
+        <p:spPr>
+          <a:xfrm>
+            <a:off x="3292137" y="4084314"/>
+            <a:ext cx="594891" cy="231220"/>
+          </a:xfrm>
+          <a:prstGeom prst="ellipse">
+            <a:avLst/>
+          </a:prstGeom>
+          <a:gradFill flip="none" rotWithShape="1">
+            <a:gsLst>
+              <a:gs pos="0">
+                <a:schemeClr val="accent4">
+                  <a:lumMod val="67000"/>
+                </a:schemeClr>
+              </a:gs>
+              <a:gs pos="48000">
+                <a:schemeClr val="accent4">
+                  <a:lumMod val="97000"/>
+                  <a:lumOff val="3000"/>
+                </a:schemeClr>
+              </a:gs>
+              <a:gs pos="100000">
+                <a:schemeClr val="accent4">
+                  <a:lumMod val="60000"/>
+                  <a:lumOff val="40000"/>
+                </a:schemeClr>
+              </a:gs>
+            </a:gsLst>
+            <a:lin ang="16200000" scaled="1"/>
+            <a:tileRect/>
+          </a:gradFill>
+        </p:spPr>
+        <p:style>
+          <a:lnRef idx="1">
+            <a:schemeClr val="accent1"/>
+          </a:lnRef>
+          <a:fillRef idx="3">
+            <a:schemeClr val="accent1"/>
+          </a:fillRef>
+          <a:effectRef idx="2">
+            <a:schemeClr val="accent1"/>
+          </a:effectRef>
+          <a:fontRef idx="minor">
+            <a:schemeClr val="lt1"/>
+          </a:fontRef>
+        </p:style>
+        <p:txBody>
+          <a:bodyPr rtlCol="0" anchor="ctr"/>
+          <a:lstStyle/>
+          <a:p>
+            <a:pPr algn="ctr"/>
+            <a:r>
+              <a:rPr lang="en-US" sz="600" dirty="0"/>
+              <a:t>Name</a:t>
+            </a:r>
+            <a:endParaRPr lang="en-US" sz="600" dirty="0"/>
+          </a:p>
+        </p:txBody>
+      </p:sp>
+      <p:sp>
+        <p:nvSpPr>
+          <p:cNvPr id="344" name="Oval 343"/>
+          <p:cNvSpPr/>
+          <p:nvPr/>
+        </p:nvSpPr>
+        <p:spPr>
+          <a:xfrm>
+            <a:off x="3369959" y="4156680"/>
+            <a:ext cx="594891" cy="231220"/>
+          </a:xfrm>
+          <a:prstGeom prst="ellipse">
+            <a:avLst/>
+          </a:prstGeom>
+          <a:gradFill flip="none" rotWithShape="1">
+            <a:gsLst>
+              <a:gs pos="0">
+                <a:schemeClr val="accent4">
+                  <a:lumMod val="67000"/>
+                </a:schemeClr>
+              </a:gs>
+              <a:gs pos="48000">
+                <a:schemeClr val="accent4">
+                  <a:lumMod val="97000"/>
+                  <a:lumOff val="3000"/>
+                </a:schemeClr>
+              </a:gs>
+              <a:gs pos="100000">
+                <a:schemeClr val="accent4">
+                  <a:lumMod val="60000"/>
+                  <a:lumOff val="40000"/>
+                </a:schemeClr>
+              </a:gs>
+            </a:gsLst>
+            <a:lin ang="16200000" scaled="1"/>
+            <a:tileRect/>
+          </a:gradFill>
+        </p:spPr>
+        <p:style>
+          <a:lnRef idx="1">
+            <a:schemeClr val="accent1"/>
+          </a:lnRef>
+          <a:fillRef idx="3">
+            <a:schemeClr val="accent1"/>
+          </a:fillRef>
+          <a:effectRef idx="2">
+            <a:schemeClr val="accent1"/>
+          </a:effectRef>
+          <a:fontRef idx="minor">
+            <a:schemeClr val="lt1"/>
+          </a:fontRef>
+        </p:style>
+        <p:txBody>
+          <a:bodyPr rtlCol="0" anchor="ctr"/>
+          <a:lstStyle/>
+          <a:p>
+            <a:pPr algn="ctr"/>
+            <a:r>
+              <a:rPr lang="en-US" sz="600" dirty="0"/>
+              <a:t>Name</a:t>
+            </a:r>
+            <a:endParaRPr lang="en-US" sz="600" dirty="0"/>
+          </a:p>
+        </p:txBody>
+      </p:sp>
+      <p:sp>
+        <p:nvSpPr>
+          <p:cNvPr id="345" name="Oval 344"/>
+          <p:cNvSpPr/>
+          <p:nvPr/>
+        </p:nvSpPr>
+        <p:spPr>
+          <a:xfrm>
+            <a:off x="3554635" y="4719455"/>
+            <a:ext cx="700404" cy="231220"/>
+          </a:xfrm>
+          <a:prstGeom prst="ellipse">
+            <a:avLst/>
+          </a:prstGeom>
+          <a:gradFill flip="none" rotWithShape="1">
+            <a:gsLst>
+              <a:gs pos="0">
+                <a:schemeClr val="accent4">
+                  <a:lumMod val="67000"/>
+                </a:schemeClr>
+              </a:gs>
+              <a:gs pos="48000">
+                <a:schemeClr val="accent4">
+                  <a:lumMod val="97000"/>
+                  <a:lumOff val="3000"/>
+                </a:schemeClr>
+              </a:gs>
+              <a:gs pos="100000">
+                <a:schemeClr val="accent4">
+                  <a:lumMod val="60000"/>
+                  <a:lumOff val="40000"/>
+                </a:schemeClr>
+              </a:gs>
+            </a:gsLst>
+            <a:lin ang="16200000" scaled="1"/>
+            <a:tileRect/>
+          </a:gradFill>
+        </p:spPr>
+        <p:style>
+          <a:lnRef idx="1">
+            <a:schemeClr val="accent1"/>
+          </a:lnRef>
+          <a:fillRef idx="3">
+            <a:schemeClr val="accent1"/>
+          </a:fillRef>
+          <a:effectRef idx="2">
+            <a:schemeClr val="accent1"/>
+          </a:effectRef>
+          <a:fontRef idx="minor">
+            <a:schemeClr val="lt1"/>
+          </a:fontRef>
+        </p:style>
+        <p:txBody>
+          <a:bodyPr rtlCol="0" anchor="ctr"/>
+          <a:lstStyle/>
+          <a:p>
+            <a:pPr algn="ctr"/>
+            <a:r>
+              <a:rPr lang="en-US" sz="600" dirty="0"/>
+              <a:t>Address</a:t>
+            </a:r>
+            <a:endParaRPr lang="en-US" sz="600" dirty="0"/>
+          </a:p>
+        </p:txBody>
+      </p:sp>
+      <p:sp>
+        <p:nvSpPr>
+          <p:cNvPr id="346" name="Oval 345"/>
+          <p:cNvSpPr/>
+          <p:nvPr/>
+        </p:nvSpPr>
+        <p:spPr>
+          <a:xfrm>
+            <a:off x="3632458" y="4796845"/>
+            <a:ext cx="700404" cy="231220"/>
+          </a:xfrm>
+          <a:prstGeom prst="ellipse">
+            <a:avLst/>
+          </a:prstGeom>
+          <a:gradFill flip="none" rotWithShape="1">
+            <a:gsLst>
+              <a:gs pos="0">
+                <a:schemeClr val="accent4">
+                  <a:lumMod val="67000"/>
+                </a:schemeClr>
+              </a:gs>
+              <a:gs pos="48000">
+                <a:schemeClr val="accent4">
+                  <a:lumMod val="97000"/>
+                  <a:lumOff val="3000"/>
+                </a:schemeClr>
+              </a:gs>
+              <a:gs pos="100000">
+                <a:schemeClr val="accent4">
+                  <a:lumMod val="60000"/>
+                  <a:lumOff val="40000"/>
+                </a:schemeClr>
+              </a:gs>
+            </a:gsLst>
+            <a:lin ang="16200000" scaled="1"/>
+            <a:tileRect/>
+          </a:gradFill>
+        </p:spPr>
+        <p:style>
+          <a:lnRef idx="1">
+            <a:schemeClr val="accent1"/>
+          </a:lnRef>
+          <a:fillRef idx="3">
+            <a:schemeClr val="accent1"/>
+          </a:fillRef>
+          <a:effectRef idx="2">
+            <a:schemeClr val="accent1"/>
+          </a:effectRef>
+          <a:fontRef idx="minor">
+            <a:schemeClr val="lt1"/>
+          </a:fontRef>
+        </p:style>
+        <p:txBody>
+          <a:bodyPr rtlCol="0" anchor="ctr"/>
+          <a:lstStyle/>
+          <a:p>
+            <a:pPr algn="ctr"/>
+            <a:r>
+              <a:rPr lang="en-US" sz="600" dirty="0"/>
+              <a:t>Address</a:t>
+            </a:r>
+            <a:endParaRPr lang="en-US" sz="600" dirty="0"/>
+          </a:p>
+        </p:txBody>
+      </p:sp>
+      <p:sp>
+        <p:nvSpPr>
+          <p:cNvPr id="347" name="Oval 346"/>
+          <p:cNvSpPr/>
+          <p:nvPr/>
+        </p:nvSpPr>
+        <p:spPr>
+          <a:xfrm>
+            <a:off x="3710280" y="4874235"/>
+            <a:ext cx="700404" cy="231220"/>
+          </a:xfrm>
+          <a:prstGeom prst="ellipse">
+            <a:avLst/>
+          </a:prstGeom>
+          <a:gradFill flip="none" rotWithShape="1">
+            <a:gsLst>
+              <a:gs pos="0">
+                <a:schemeClr val="accent4">
+                  <a:lumMod val="67000"/>
+                </a:schemeClr>
+              </a:gs>
+              <a:gs pos="48000">
+                <a:schemeClr val="accent4">
+                  <a:lumMod val="97000"/>
+                  <a:lumOff val="3000"/>
+                </a:schemeClr>
+              </a:gs>
+              <a:gs pos="100000">
+                <a:schemeClr val="accent4">
+                  <a:lumMod val="60000"/>
+                  <a:lumOff val="40000"/>
+                </a:schemeClr>
+              </a:gs>
+            </a:gsLst>
+            <a:lin ang="16200000" scaled="1"/>
+            <a:tileRect/>
+          </a:gradFill>
+        </p:spPr>
+        <p:style>
+          <a:lnRef idx="1">
+            <a:schemeClr val="accent1"/>
+          </a:lnRef>
+          <a:fillRef idx="3">
+            <a:schemeClr val="accent1"/>
+          </a:fillRef>
+          <a:effectRef idx="2">
+            <a:schemeClr val="accent1"/>
+          </a:effectRef>
+          <a:fontRef idx="minor">
+            <a:schemeClr val="lt1"/>
+          </a:fontRef>
+        </p:style>
+        <p:txBody>
+          <a:bodyPr rtlCol="0" anchor="ctr"/>
+          <a:lstStyle/>
+          <a:p>
+            <a:pPr algn="ctr"/>
+            <a:r>
+              <a:rPr lang="en-US" sz="600" dirty="0"/>
+              <a:t>Address</a:t>
+            </a:r>
+            <a:endParaRPr lang="en-US" sz="600" dirty="0"/>
+          </a:p>
+        </p:txBody>
+      </p:sp>
+      <p:sp>
+        <p:nvSpPr>
+          <p:cNvPr id="348" name="Oval 347"/>
+          <p:cNvSpPr/>
+          <p:nvPr/>
+        </p:nvSpPr>
+        <p:spPr>
+          <a:xfrm>
+            <a:off x="2822409" y="5020793"/>
+            <a:ext cx="700404" cy="231220"/>
+          </a:xfrm>
+          <a:prstGeom prst="ellipse">
+            <a:avLst/>
+          </a:prstGeom>
+          <a:gradFill flip="none" rotWithShape="1">
+            <a:gsLst>
+              <a:gs pos="0">
+                <a:schemeClr val="accent4">
+                  <a:lumMod val="67000"/>
+                </a:schemeClr>
+              </a:gs>
+              <a:gs pos="48000">
+                <a:schemeClr val="accent4">
+                  <a:lumMod val="97000"/>
+                  <a:lumOff val="3000"/>
+                </a:schemeClr>
+              </a:gs>
+              <a:gs pos="100000">
+                <a:schemeClr val="accent4">
+                  <a:lumMod val="60000"/>
+                  <a:lumOff val="40000"/>
+                </a:schemeClr>
+              </a:gs>
+            </a:gsLst>
+            <a:lin ang="16200000" scaled="1"/>
+            <a:tileRect/>
+          </a:gradFill>
+        </p:spPr>
+        <p:style>
+          <a:lnRef idx="1">
+            <a:schemeClr val="accent1"/>
+          </a:lnRef>
+          <a:fillRef idx="3">
+            <a:schemeClr val="accent1"/>
+          </a:fillRef>
+          <a:effectRef idx="2">
+            <a:schemeClr val="accent1"/>
+          </a:effectRef>
+          <a:fontRef idx="minor">
+            <a:schemeClr val="lt1"/>
+          </a:fontRef>
+        </p:style>
+        <p:txBody>
+          <a:bodyPr rtlCol="0" anchor="ctr"/>
+          <a:lstStyle/>
+          <a:p>
+            <a:pPr algn="ctr"/>
+            <a:r>
+              <a:rPr lang="en-US" sz="600" dirty="0"/>
+              <a:t>Affiliate</a:t>
+            </a:r>
+            <a:endParaRPr lang="en-US" sz="600" dirty="0"/>
+          </a:p>
+        </p:txBody>
+      </p:sp>
+      <p:sp>
+        <p:nvSpPr>
+          <p:cNvPr id="349" name="Oval 348"/>
+          <p:cNvSpPr/>
+          <p:nvPr/>
+        </p:nvSpPr>
+        <p:spPr>
+          <a:xfrm>
+            <a:off x="2900232" y="5095671"/>
+            <a:ext cx="700404" cy="231220"/>
+          </a:xfrm>
+          <a:prstGeom prst="ellipse">
+            <a:avLst/>
+          </a:prstGeom>
+          <a:gradFill flip="none" rotWithShape="1">
+            <a:gsLst>
+              <a:gs pos="0">
+                <a:schemeClr val="accent4">
+                  <a:lumMod val="67000"/>
+                </a:schemeClr>
+              </a:gs>
+              <a:gs pos="48000">
+                <a:schemeClr val="accent4">
+                  <a:lumMod val="97000"/>
+                  <a:lumOff val="3000"/>
+                </a:schemeClr>
+              </a:gs>
+              <a:gs pos="100000">
+                <a:schemeClr val="accent4">
+                  <a:lumMod val="60000"/>
+                  <a:lumOff val="40000"/>
+                </a:schemeClr>
+              </a:gs>
+            </a:gsLst>
+            <a:lin ang="16200000" scaled="1"/>
+            <a:tileRect/>
+          </a:gradFill>
+        </p:spPr>
+        <p:style>
+          <a:lnRef idx="1">
+            <a:schemeClr val="accent1"/>
+          </a:lnRef>
+          <a:fillRef idx="3">
+            <a:schemeClr val="accent1"/>
+          </a:fillRef>
+          <a:effectRef idx="2">
+            <a:schemeClr val="accent1"/>
+          </a:effectRef>
+          <a:fontRef idx="minor">
+            <a:schemeClr val="lt1"/>
+          </a:fontRef>
+        </p:style>
+        <p:txBody>
+          <a:bodyPr rtlCol="0" anchor="ctr"/>
+          <a:lstStyle/>
+          <a:p>
+            <a:pPr algn="ctr"/>
+            <a:r>
+              <a:rPr lang="en-US" sz="600" dirty="0"/>
+              <a:t>Affiliate</a:t>
+            </a:r>
+            <a:endParaRPr lang="en-US" sz="600" dirty="0"/>
+          </a:p>
+        </p:txBody>
+      </p:sp>
+      <p:sp>
+        <p:nvSpPr>
+          <p:cNvPr id="350" name="Oval 349"/>
+          <p:cNvSpPr/>
+          <p:nvPr/>
+        </p:nvSpPr>
+        <p:spPr>
+          <a:xfrm>
+            <a:off x="2978054" y="5170549"/>
+            <a:ext cx="700404" cy="231220"/>
+          </a:xfrm>
+          <a:prstGeom prst="ellipse">
+            <a:avLst/>
+          </a:prstGeom>
+          <a:gradFill flip="none" rotWithShape="1">
+            <a:gsLst>
+              <a:gs pos="0">
+                <a:schemeClr val="accent4">
+                  <a:lumMod val="67000"/>
+                </a:schemeClr>
+              </a:gs>
+              <a:gs pos="48000">
+                <a:schemeClr val="accent4">
+                  <a:lumMod val="97000"/>
+                  <a:lumOff val="3000"/>
+                </a:schemeClr>
+              </a:gs>
+              <a:gs pos="100000">
+                <a:schemeClr val="accent4">
+                  <a:lumMod val="60000"/>
+                  <a:lumOff val="40000"/>
+                </a:schemeClr>
+              </a:gs>
+            </a:gsLst>
+            <a:lin ang="16200000" scaled="1"/>
+            <a:tileRect/>
+          </a:gradFill>
+        </p:spPr>
+        <p:style>
+          <a:lnRef idx="1">
+            <a:schemeClr val="accent1"/>
+          </a:lnRef>
+          <a:fillRef idx="3">
+            <a:schemeClr val="accent1"/>
+          </a:fillRef>
+          <a:effectRef idx="2">
+            <a:schemeClr val="accent1"/>
+          </a:effectRef>
+          <a:fontRef idx="minor">
+            <a:schemeClr val="lt1"/>
+          </a:fontRef>
+        </p:style>
+        <p:txBody>
+          <a:bodyPr rtlCol="0" anchor="ctr"/>
+          <a:lstStyle/>
+          <a:p>
+            <a:pPr algn="ctr"/>
+            <a:r>
+              <a:rPr lang="en-US" sz="600" dirty="0"/>
+              <a:t>Affiliate</a:t>
+            </a:r>
+            <a:endParaRPr lang="en-US" sz="600" dirty="0"/>
+          </a:p>
+        </p:txBody>
+      </p:sp>
+      <p:sp>
+        <p:nvSpPr>
+          <p:cNvPr id="351" name="Oval 350"/>
+          <p:cNvSpPr/>
+          <p:nvPr/>
+        </p:nvSpPr>
+        <p:spPr>
+          <a:xfrm>
+            <a:off x="3348450" y="5622385"/>
+            <a:ext cx="1033074" cy="231220"/>
+          </a:xfrm>
+          <a:prstGeom prst="ellipse">
+            <a:avLst/>
+          </a:prstGeom>
+          <a:gradFill flip="none" rotWithShape="1">
+            <a:gsLst>
+              <a:gs pos="0">
+                <a:schemeClr val="accent4">
+                  <a:lumMod val="67000"/>
+                </a:schemeClr>
+              </a:gs>
+              <a:gs pos="48000">
+                <a:schemeClr val="accent4">
+                  <a:lumMod val="97000"/>
+                  <a:lumOff val="3000"/>
+                </a:schemeClr>
+              </a:gs>
+              <a:gs pos="100000">
+                <a:schemeClr val="accent4">
+                  <a:lumMod val="60000"/>
+                  <a:lumOff val="40000"/>
+                </a:schemeClr>
+              </a:gs>
+            </a:gsLst>
+            <a:lin ang="16200000" scaled="1"/>
+            <a:tileRect/>
+          </a:gradFill>
+        </p:spPr>
+        <p:style>
+          <a:lnRef idx="1">
+            <a:schemeClr val="accent1"/>
+          </a:lnRef>
+          <a:fillRef idx="3">
+            <a:schemeClr val="accent1"/>
+          </a:fillRef>
+          <a:effectRef idx="2">
+            <a:schemeClr val="accent1"/>
+          </a:effectRef>
+          <a:fontRef idx="minor">
+            <a:schemeClr val="lt1"/>
+          </a:fontRef>
+        </p:style>
+        <p:txBody>
+          <a:bodyPr rtlCol="0" anchor="ctr"/>
+          <a:lstStyle/>
+          <a:p>
+            <a:pPr algn="ctr"/>
+            <a:r>
+              <a:rPr lang="en-US" sz="600" dirty="0"/>
+              <a:t>Organization</a:t>
+            </a:r>
+            <a:endParaRPr lang="en-US" sz="600" dirty="0"/>
+          </a:p>
+        </p:txBody>
+      </p:sp>
+      <p:cxnSp>
+        <p:nvCxnSpPr>
+          <p:cNvPr id="352" name="Straight Arrow Connector 351"/>
+          <p:cNvCxnSpPr>
+            <a:endCxn id="345" idx="0"/>
+          </p:cNvCxnSpPr>
+          <p:nvPr/>
+        </p:nvCxnSpPr>
+        <p:spPr>
+          <a:xfrm>
+            <a:off x="3809205" y="4387900"/>
+            <a:ext cx="95632" cy="331554"/>
+          </a:xfrm>
+          <a:prstGeom prst="straightConnector1">
+            <a:avLst/>
+          </a:prstGeom>
+          <a:solidFill>
+            <a:schemeClr val="accent2">
+              <a:lumMod val="60000"/>
+              <a:lumOff val="40000"/>
+            </a:schemeClr>
+          </a:solidFill>
+          <a:ln w="12700">
+            <a:headEnd type="arrow"/>
+            <a:tailEnd type="arrow"/>
+          </a:ln>
+        </p:spPr>
+        <p:style>
+          <a:lnRef idx="2">
+            <a:schemeClr val="accent1"/>
+          </a:lnRef>
+          <a:fillRef idx="0">
+            <a:schemeClr val="accent1"/>
+          </a:fillRef>
+          <a:effectRef idx="1">
+            <a:schemeClr val="accent1"/>
+          </a:effectRef>
+          <a:fontRef idx="minor">
+            <a:schemeClr val="tx1"/>
+          </a:fontRef>
+        </p:style>
+      </p:cxnSp>
+      <p:sp>
+        <p:nvSpPr>
+          <p:cNvPr id="353" name="TextBox 352"/>
+          <p:cNvSpPr txBox="1"/>
+          <p:nvPr/>
+        </p:nvSpPr>
+        <p:spPr>
+          <a:xfrm>
+            <a:off x="3852306" y="4402494"/>
+            <a:ext cx="383435" cy="184666"/>
+          </a:xfrm>
+          <a:prstGeom prst="rect">
+            <a:avLst/>
+          </a:prstGeom>
+          <a:noFill/>
+        </p:spPr>
+        <p:txBody>
+          <a:bodyPr wrap="square" rtlCol="0">
+            <a:spAutoFit/>
+          </a:bodyPr>
+          <a:lstStyle/>
+          <a:p>
+            <a:r>
+              <a:rPr lang="en-US" sz="600" dirty="0" smtClean="0"/>
+              <a:t>Has</a:t>
+            </a:r>
+            <a:endParaRPr lang="en-US" sz="600" dirty="0"/>
+          </a:p>
+        </p:txBody>
+      </p:sp>
+      <p:cxnSp>
+        <p:nvCxnSpPr>
+          <p:cNvPr id="354" name="Straight Arrow Connector 353"/>
+          <p:cNvCxnSpPr>
+            <a:endCxn id="351" idx="0"/>
+          </p:cNvCxnSpPr>
+          <p:nvPr/>
+        </p:nvCxnSpPr>
+        <p:spPr>
+          <a:xfrm flipH="1">
+            <a:off x="3864987" y="5155695"/>
+            <a:ext cx="99864" cy="466690"/>
+          </a:xfrm>
+          <a:prstGeom prst="straightConnector1">
+            <a:avLst/>
+          </a:prstGeom>
+          <a:solidFill>
+            <a:schemeClr val="accent2">
+              <a:lumMod val="60000"/>
+              <a:lumOff val="40000"/>
+            </a:schemeClr>
+          </a:solidFill>
+          <a:ln w="12700">
+            <a:headEnd type="arrow"/>
+            <a:tailEnd type="arrow"/>
+          </a:ln>
+        </p:spPr>
+        <p:style>
+          <a:lnRef idx="2">
+            <a:schemeClr val="accent1"/>
+          </a:lnRef>
+          <a:fillRef idx="0">
+            <a:schemeClr val="accent1"/>
+          </a:fillRef>
+          <a:effectRef idx="1">
+            <a:schemeClr val="accent1"/>
+          </a:effectRef>
+          <a:fontRef idx="minor">
+            <a:schemeClr val="tx1"/>
+          </a:fontRef>
+        </p:style>
+      </p:cxnSp>
+      <p:sp>
+        <p:nvSpPr>
+          <p:cNvPr id="355" name="TextBox 354"/>
+          <p:cNvSpPr txBox="1"/>
+          <p:nvPr/>
+        </p:nvSpPr>
+        <p:spPr>
+          <a:xfrm>
+            <a:off x="3868384" y="5396961"/>
+            <a:ext cx="354162" cy="184666"/>
+          </a:xfrm>
+          <a:prstGeom prst="rect">
+            <a:avLst/>
+          </a:prstGeom>
+          <a:noFill/>
+        </p:spPr>
+        <p:txBody>
+          <a:bodyPr wrap="square" rtlCol="0">
+            <a:spAutoFit/>
+          </a:bodyPr>
+          <a:lstStyle/>
+          <a:p>
+            <a:r>
+              <a:rPr lang="en-US" sz="600" dirty="0" smtClean="0"/>
+              <a:t>Has</a:t>
+            </a:r>
+            <a:endParaRPr lang="en-US" sz="600" dirty="0"/>
+          </a:p>
+        </p:txBody>
+      </p:sp>
+      <p:cxnSp>
+        <p:nvCxnSpPr>
+          <p:cNvPr id="357" name="Straight Arrow Connector 356"/>
+          <p:cNvCxnSpPr>
+            <a:stCxn id="344" idx="3"/>
+          </p:cNvCxnSpPr>
+          <p:nvPr/>
+        </p:nvCxnSpPr>
+        <p:spPr>
+          <a:xfrm flipH="1">
+            <a:off x="3292136" y="4354039"/>
+            <a:ext cx="164943" cy="665610"/>
+          </a:xfrm>
+          <a:prstGeom prst="straightConnector1">
+            <a:avLst/>
+          </a:prstGeom>
+          <a:solidFill>
+            <a:schemeClr val="accent2">
+              <a:lumMod val="60000"/>
+              <a:lumOff val="40000"/>
+            </a:schemeClr>
+          </a:solidFill>
+          <a:ln w="12700">
+            <a:headEnd type="arrow"/>
+            <a:tailEnd type="arrow"/>
+          </a:ln>
+        </p:spPr>
+        <p:style>
+          <a:lnRef idx="2">
+            <a:schemeClr val="accent1"/>
+          </a:lnRef>
+          <a:fillRef idx="0">
+            <a:schemeClr val="accent1"/>
+          </a:fillRef>
+          <a:effectRef idx="1">
+            <a:schemeClr val="accent1"/>
+          </a:effectRef>
+          <a:fontRef idx="minor">
+            <a:schemeClr val="tx1"/>
+          </a:fontRef>
+        </p:style>
+      </p:cxnSp>
+      <p:sp>
+        <p:nvSpPr>
+          <p:cNvPr id="358" name="TextBox 357"/>
+          <p:cNvSpPr txBox="1"/>
+          <p:nvPr/>
+        </p:nvSpPr>
+        <p:spPr>
+          <a:xfrm>
+            <a:off x="3149932" y="4471630"/>
+            <a:ext cx="362601" cy="184666"/>
+          </a:xfrm>
+          <a:prstGeom prst="rect">
+            <a:avLst/>
+          </a:prstGeom>
+          <a:noFill/>
+        </p:spPr>
+        <p:txBody>
+          <a:bodyPr wrap="square" rtlCol="0">
+            <a:spAutoFit/>
+          </a:bodyPr>
+          <a:lstStyle/>
+          <a:p>
+            <a:r>
+              <a:rPr lang="en-US" sz="600" dirty="0" smtClean="0"/>
+              <a:t>Has</a:t>
+            </a:r>
+            <a:endParaRPr lang="en-US" sz="600" dirty="0"/>
+          </a:p>
+        </p:txBody>
+      </p:sp>
+      <p:sp>
+        <p:nvSpPr>
+          <p:cNvPr id="359" name="Oval 358"/>
+          <p:cNvSpPr/>
+          <p:nvPr/>
+        </p:nvSpPr>
+        <p:spPr>
+          <a:xfrm>
+            <a:off x="3426272" y="5699775"/>
+            <a:ext cx="1033074" cy="231220"/>
+          </a:xfrm>
+          <a:prstGeom prst="ellipse">
+            <a:avLst/>
+          </a:prstGeom>
+          <a:gradFill flip="none" rotWithShape="1">
+            <a:gsLst>
+              <a:gs pos="0">
+                <a:schemeClr val="accent4">
+                  <a:lumMod val="67000"/>
+                </a:schemeClr>
+              </a:gs>
+              <a:gs pos="48000">
+                <a:schemeClr val="accent4">
+                  <a:lumMod val="97000"/>
+                  <a:lumOff val="3000"/>
+                </a:schemeClr>
+              </a:gs>
+              <a:gs pos="100000">
+                <a:schemeClr val="accent4">
+                  <a:lumMod val="60000"/>
+                  <a:lumOff val="40000"/>
+                </a:schemeClr>
+              </a:gs>
+            </a:gsLst>
+            <a:lin ang="16200000" scaled="1"/>
+            <a:tileRect/>
+          </a:gradFill>
+        </p:spPr>
+        <p:style>
+          <a:lnRef idx="1">
+            <a:schemeClr val="accent1"/>
+          </a:lnRef>
+          <a:fillRef idx="3">
+            <a:schemeClr val="accent1"/>
+          </a:fillRef>
+          <a:effectRef idx="2">
+            <a:schemeClr val="accent1"/>
+          </a:effectRef>
+          <a:fontRef idx="minor">
+            <a:schemeClr val="lt1"/>
+          </a:fontRef>
+        </p:style>
+        <p:txBody>
+          <a:bodyPr rtlCol="0" anchor="ctr"/>
+          <a:lstStyle/>
+          <a:p>
+            <a:pPr algn="ctr"/>
+            <a:r>
+              <a:rPr lang="en-US" sz="600" dirty="0"/>
+              <a:t>Organization</a:t>
+            </a:r>
+            <a:endParaRPr lang="en-US" sz="600" dirty="0"/>
+          </a:p>
+        </p:txBody>
+      </p:sp>
+      <p:sp>
+        <p:nvSpPr>
+          <p:cNvPr id="360" name="Oval 359"/>
+          <p:cNvSpPr/>
+          <p:nvPr/>
+        </p:nvSpPr>
+        <p:spPr>
+          <a:xfrm>
+            <a:off x="3504095" y="5777165"/>
+            <a:ext cx="1033074" cy="231220"/>
+          </a:xfrm>
+          <a:prstGeom prst="ellipse">
+            <a:avLst/>
+          </a:prstGeom>
+          <a:gradFill flip="none" rotWithShape="1">
+            <a:gsLst>
+              <a:gs pos="0">
+                <a:schemeClr val="accent4">
+                  <a:lumMod val="67000"/>
+                </a:schemeClr>
+              </a:gs>
+              <a:gs pos="48000">
+                <a:schemeClr val="accent4">
+                  <a:lumMod val="97000"/>
+                  <a:lumOff val="3000"/>
+                </a:schemeClr>
+              </a:gs>
+              <a:gs pos="100000">
+                <a:schemeClr val="accent4">
+                  <a:lumMod val="60000"/>
+                  <a:lumOff val="40000"/>
+                </a:schemeClr>
+              </a:gs>
+            </a:gsLst>
+            <a:lin ang="16200000" scaled="1"/>
+            <a:tileRect/>
+          </a:gradFill>
+        </p:spPr>
+        <p:style>
+          <a:lnRef idx="1">
+            <a:schemeClr val="accent1"/>
+          </a:lnRef>
+          <a:fillRef idx="3">
+            <a:schemeClr val="accent1"/>
+          </a:fillRef>
+          <a:effectRef idx="2">
+            <a:schemeClr val="accent1"/>
+          </a:effectRef>
+          <a:fontRef idx="minor">
+            <a:schemeClr val="lt1"/>
+          </a:fontRef>
+        </p:style>
+        <p:txBody>
+          <a:bodyPr rtlCol="0" anchor="ctr"/>
+          <a:lstStyle/>
+          <a:p>
+            <a:pPr algn="ctr"/>
+            <a:r>
+              <a:rPr lang="en-US" sz="600" dirty="0"/>
+              <a:t>Organization</a:t>
+            </a:r>
+            <a:endParaRPr lang="en-US" sz="600" dirty="0"/>
+          </a:p>
+        </p:txBody>
+      </p:sp>
+      <p:cxnSp>
+        <p:nvCxnSpPr>
+          <p:cNvPr id="361" name="Straight Arrow Connector 360"/>
+          <p:cNvCxnSpPr>
+            <a:endCxn id="351" idx="1"/>
+          </p:cNvCxnSpPr>
+          <p:nvPr/>
+        </p:nvCxnSpPr>
+        <p:spPr>
+          <a:xfrm>
+            <a:off x="3353681" y="5474798"/>
+            <a:ext cx="146059" cy="181448"/>
+          </a:xfrm>
+          <a:prstGeom prst="straightConnector1">
+            <a:avLst/>
+          </a:prstGeom>
+          <a:solidFill>
+            <a:schemeClr val="accent2">
+              <a:lumMod val="60000"/>
+              <a:lumOff val="40000"/>
+            </a:schemeClr>
+          </a:solidFill>
+          <a:ln w="12700">
+            <a:headEnd type="arrow"/>
+            <a:tailEnd type="arrow"/>
+          </a:ln>
+        </p:spPr>
+        <p:style>
+          <a:lnRef idx="2">
+            <a:schemeClr val="accent1"/>
+          </a:lnRef>
+          <a:fillRef idx="0">
+            <a:schemeClr val="accent1"/>
+          </a:fillRef>
+          <a:effectRef idx="1">
+            <a:schemeClr val="accent1"/>
+          </a:effectRef>
+          <a:fontRef idx="minor">
+            <a:schemeClr val="tx1"/>
+          </a:fontRef>
+        </p:style>
+      </p:cxnSp>
+      <p:sp>
+        <p:nvSpPr>
+          <p:cNvPr id="362" name="TextBox 361"/>
+          <p:cNvSpPr txBox="1"/>
+          <p:nvPr/>
+        </p:nvSpPr>
+        <p:spPr>
+          <a:xfrm>
+            <a:off x="3416878" y="5444176"/>
+            <a:ext cx="383435" cy="184666"/>
+          </a:xfrm>
+          <a:prstGeom prst="rect">
+            <a:avLst/>
+          </a:prstGeom>
+          <a:noFill/>
+        </p:spPr>
+        <p:txBody>
+          <a:bodyPr wrap="square" rtlCol="0">
+            <a:spAutoFit/>
+          </a:bodyPr>
+          <a:lstStyle/>
+          <a:p>
+            <a:r>
+              <a:rPr lang="en-US" sz="600" dirty="0" smtClean="0"/>
+              <a:t>Has</a:t>
+            </a:r>
+            <a:endParaRPr lang="en-US" sz="600" dirty="0"/>
+          </a:p>
+        </p:txBody>
+      </p:sp>
     </p:spTree>
     <p:extLst>
       <p:ext uri="{BB962C8B-B14F-4D97-AF65-F5344CB8AC3E}">
@@ -13808,7 +14680,6 @@
               <a:rPr lang="en-US" altLang="en-US" sz="2400" dirty="0" smtClean="0"/>
               <a:t>Open Source Entity Resolution Architecture Framework (OSERAF)</a:t>
             </a:r>
-            <a:endParaRPr lang="en-US" altLang="en-US" sz="2400" dirty="0" smtClean="0"/>
           </a:p>
         </p:txBody>
       </p:sp>
@@ -13904,8 +14775,8 @@
         </p:nvSpPr>
         <p:spPr bwMode="auto">
           <a:xfrm>
-            <a:off x="5590393" y="914400"/>
-            <a:ext cx="2466188" cy="400110"/>
+            <a:off x="5197326" y="914400"/>
+            <a:ext cx="3173305" cy="400110"/>
           </a:xfrm>
           <a:prstGeom prst="rect">
             <a:avLst/>
@@ -14049,7 +14920,7 @@
             <a:pPr eaLnBrk="1" hangingPunct="1"/>
             <a:r>
               <a:rPr lang="en-US" altLang="en-US" sz="2000" u="sng" dirty="0" smtClean="0"/>
-              <a:t>Technical Overview</a:t>
+              <a:t>Current Technology Focus</a:t>
             </a:r>
             <a:endParaRPr lang="en-US" altLang="en-US" sz="2000" u="sng" dirty="0"/>
           </a:p>
@@ -14065,7 +14936,7 @@
         </p:nvSpPr>
         <p:spPr bwMode="auto">
           <a:xfrm>
-            <a:off x="5547208" y="3924300"/>
+            <a:off x="5507699" y="3924300"/>
             <a:ext cx="2552558" cy="400110"/>
           </a:xfrm>
           <a:prstGeom prst="rect">
@@ -14547,7 +15418,7 @@
         <p:spPr bwMode="auto">
           <a:xfrm>
             <a:off x="152400" y="4495800"/>
-            <a:ext cx="4371975" cy="2308324"/>
+            <a:ext cx="4371975" cy="1631216"/>
           </a:xfrm>
           <a:prstGeom prst="rect">
             <a:avLst/>
@@ -14688,22 +15559,37 @@
             </a:lvl9pPr>
           </a:lstStyle>
           <a:p>
+            <a:pPr eaLnBrk="1" hangingPunct="1"/>
+            <a:r>
+              <a:rPr lang="en-US" altLang="en-US" sz="1400" dirty="0" smtClean="0"/>
+              <a:t>Consortium members (currently) include:</a:t>
+            </a:r>
+          </a:p>
+          <a:p>
+            <a:pPr eaLnBrk="1" hangingPunct="1"/>
+            <a:endParaRPr lang="en-US" altLang="en-US" sz="1400" dirty="0"/>
+          </a:p>
+          <a:p>
             <a:pPr marL="285750" indent="-285750" eaLnBrk="1" hangingPunct="1">
               <a:buFont typeface="Arial" panose="020B0604020202020204" pitchFamily="34" charset="0"/>
               <a:buChar char="•"/>
             </a:pPr>
             <a:r>
-              <a:rPr lang="en-US" altLang="en-US" dirty="0" smtClean="0"/>
-              <a:t>Qbase, LLC (</a:t>
-            </a:r>
-            <a:r>
-              <a:rPr lang="en-US" altLang="en-US" dirty="0" smtClean="0">
+              <a:rPr lang="en-US" altLang="en-US" sz="1200" dirty="0" smtClean="0"/>
+              <a:t>Qbase</a:t>
+            </a:r>
+            <a:r>
+              <a:rPr lang="en-US" altLang="en-US" sz="1200" dirty="0" smtClean="0"/>
+              <a:t>, LLC (</a:t>
+            </a:r>
+            <a:r>
+              <a:rPr lang="en-US" altLang="en-US" sz="1200" dirty="0" smtClean="0">
                 <a:hlinkClick r:id="rId2"/>
               </a:rPr>
               <a:t>www.4qbase.com</a:t>
             </a:r>
             <a:r>
-              <a:rPr lang="en-US" altLang="en-US" dirty="0" smtClean="0"/>
+              <a:rPr lang="en-US" altLang="en-US" sz="1200" dirty="0" smtClean="0"/>
               <a:t>)</a:t>
             </a:r>
           </a:p>
@@ -14713,19 +15599,20 @@
               <a:buChar char="•"/>
             </a:pPr>
             <a:r>
-              <a:rPr lang="en-US" altLang="en-US" dirty="0" smtClean="0"/>
-              <a:t>Commonwealth Computer Research, Inc. (</a:t>
-            </a:r>
-            <a:r>
-              <a:rPr lang="en-US" altLang="en-US" dirty="0" smtClean="0">
+              <a:rPr lang="en-US" altLang="en-US" sz="1200" dirty="0"/>
+              <a:t>Commonwealth Computer Research (</a:t>
+            </a:r>
+            <a:r>
+              <a:rPr lang="en-US" altLang="en-US" sz="1200" dirty="0">
                 <a:hlinkClick r:id="rId3"/>
               </a:rPr>
               <a:t>www.ccri.com</a:t>
             </a:r>
             <a:r>
-              <a:rPr lang="en-US" altLang="en-US" dirty="0" smtClean="0"/>
+              <a:rPr lang="en-US" altLang="en-US" sz="1200" dirty="0" smtClean="0"/>
               <a:t>)</a:t>
             </a:r>
+            <a:endParaRPr lang="en-US" altLang="en-US" sz="1200" dirty="0" smtClean="0"/>
           </a:p>
           <a:p>
             <a:pPr marL="285750" indent="-285750" eaLnBrk="1" hangingPunct="1">
@@ -14733,17 +15620,21 @@
               <a:buChar char="•"/>
             </a:pPr>
             <a:r>
-              <a:rPr lang="en-US" altLang="en-US" dirty="0" smtClean="0"/>
-              <a:t>Blue Canopy Federal (</a:t>
-            </a:r>
-            <a:r>
-              <a:rPr lang="en-US" altLang="en-US" dirty="0" smtClean="0">
+              <a:rPr lang="en-US" altLang="en-US" sz="1200" dirty="0" smtClean="0"/>
+              <a:t>Blue </a:t>
+            </a:r>
+            <a:r>
+              <a:rPr lang="en-US" altLang="en-US" sz="1200" dirty="0" smtClean="0"/>
+              <a:t>Canopy Federal (</a:t>
+            </a:r>
+            <a:r>
+              <a:rPr lang="en-US" altLang="en-US" sz="1200" dirty="0" smtClean="0">
                 <a:hlinkClick r:id="rId4"/>
               </a:rPr>
               <a:t>www.bluecanopy.com</a:t>
             </a:r>
             <a:r>
-              <a:rPr lang="en-US" altLang="en-US" dirty="0" smtClean="0"/>
+              <a:rPr lang="en-US" altLang="en-US" sz="1200" dirty="0" smtClean="0"/>
               <a:t>)</a:t>
             </a:r>
           </a:p>
@@ -14753,17 +15644,17 @@
               <a:buChar char="•"/>
             </a:pPr>
             <a:r>
-              <a:rPr lang="en-US" altLang="en-US" dirty="0" smtClean="0"/>
+              <a:rPr lang="en-US" altLang="en-US" sz="1200" dirty="0" smtClean="0"/>
               <a:t>TRA Holdings (</a:t>
             </a:r>
             <a:r>
-              <a:rPr lang="en-US" altLang="en-US" dirty="0" smtClean="0">
+              <a:rPr lang="en-US" altLang="en-US" sz="1200" dirty="0" smtClean="0">
                 <a:hlinkClick r:id="rId5"/>
               </a:rPr>
               <a:t>http://www.traholdings.com</a:t>
             </a:r>
             <a:r>
-              <a:rPr lang="en-US" altLang="en-US" dirty="0" smtClean="0"/>
+              <a:rPr lang="en-US" altLang="en-US" sz="1200" dirty="0" smtClean="0"/>
               <a:t>)</a:t>
             </a:r>
           </a:p>
@@ -14773,17 +15664,17 @@
               <a:buChar char="•"/>
             </a:pPr>
             <a:r>
-              <a:rPr lang="en-US" altLang="en-US" dirty="0" smtClean="0"/>
+              <a:rPr lang="en-US" altLang="en-US" sz="1200" dirty="0" smtClean="0"/>
               <a:t>Ponte Technologies (</a:t>
             </a:r>
             <a:r>
-              <a:rPr lang="en-US" altLang="en-US" dirty="0" smtClean="0">
+              <a:rPr lang="en-US" altLang="en-US" sz="1200" dirty="0" smtClean="0">
                 <a:hlinkClick r:id="rId6"/>
               </a:rPr>
               <a:t>http://www.pontetec.com</a:t>
             </a:r>
             <a:r>
-              <a:rPr lang="en-US" altLang="en-US" dirty="0" smtClean="0"/>
+              <a:rPr lang="en-US" altLang="en-US" sz="1200" dirty="0" smtClean="0"/>
               <a:t>)</a:t>
             </a:r>
           </a:p>
@@ -14793,24 +15684,23 @@
               <a:buChar char="•"/>
             </a:pPr>
             <a:r>
-              <a:rPr lang="en-US" altLang="en-US" dirty="0" err="1" smtClean="0"/>
+              <a:rPr lang="en-US" altLang="en-US" sz="1200" dirty="0" err="1" smtClean="0"/>
               <a:t>Ikanow</a:t>
             </a:r>
             <a:r>
-              <a:rPr lang="en-US" altLang="en-US" dirty="0" smtClean="0"/>
+              <a:rPr lang="en-US" altLang="en-US" sz="1200" dirty="0" smtClean="0"/>
               <a:t> (</a:t>
             </a:r>
             <a:r>
-              <a:rPr lang="en-US" altLang="en-US" dirty="0" smtClean="0">
+              <a:rPr lang="en-US" altLang="en-US" sz="1200" dirty="0" smtClean="0">
                 <a:hlinkClick r:id="rId7"/>
               </a:rPr>
               <a:t>www.ikanow.com</a:t>
             </a:r>
             <a:r>
-              <a:rPr lang="en-US" altLang="en-US" dirty="0" smtClean="0"/>
+              <a:rPr lang="en-US" altLang="en-US" sz="1200" dirty="0" smtClean="0"/>
               <a:t>)</a:t>
             </a:r>
-            <a:endParaRPr lang="en-US" altLang="en-US" dirty="0"/>
           </a:p>
         </p:txBody>
       </p:sp>
@@ -14982,7 +15872,11 @@
             </a:pPr>
             <a:r>
               <a:rPr lang="en-US" altLang="en-US" dirty="0" smtClean="0"/>
-              <a:t>Currently focused on identifying “best of breed” capabilities in OSS space</a:t>
+              <a:t>Currently </a:t>
+            </a:r>
+            <a:r>
+              <a:rPr lang="en-US" altLang="en-US" dirty="0" smtClean="0"/>
+              <a:t>focused on identifying “best of breed” capabilities in OSS space</a:t>
             </a:r>
           </a:p>
           <a:p>
@@ -15002,7 +15896,15 @@
             </a:pPr>
             <a:r>
               <a:rPr lang="en-US" altLang="en-US" dirty="0" smtClean="0"/>
-              <a:t>Current focus is on unstructured text, entity extraction and resolution using a property graph data store</a:t>
+              <a:t>Current focus is on unstructured text, entity extraction and resolution using </a:t>
+            </a:r>
+            <a:r>
+              <a:rPr lang="en-US" altLang="en-US" dirty="0" smtClean="0"/>
+              <a:t>document &amp; property </a:t>
+            </a:r>
+            <a:r>
+              <a:rPr lang="en-US" altLang="en-US" dirty="0" smtClean="0"/>
+              <a:t>graph data store</a:t>
             </a:r>
           </a:p>
         </p:txBody>
@@ -15443,6 +16345,348 @@
               <a:t> or 843-270-0794</a:t>
             </a:r>
             <a:endParaRPr lang="en-US" altLang="en-US" sz="1400" dirty="0"/>
+          </a:p>
+        </p:txBody>
+      </p:sp>
+      <p:sp>
+        <p:nvSpPr>
+          <p:cNvPr id="14" name="Text Box 12"/>
+          <p:cNvSpPr txBox="1">
+            <a:spLocks noChangeArrowheads="1"/>
+          </p:cNvSpPr>
+          <p:nvPr/>
+        </p:nvSpPr>
+        <p:spPr bwMode="auto">
+          <a:xfrm>
+            <a:off x="4749800" y="1336734"/>
+            <a:ext cx="4064000" cy="2400657"/>
+          </a:xfrm>
+          <a:prstGeom prst="rect">
+            <a:avLst/>
+          </a:prstGeom>
+          <a:noFill/>
+          <a:ln>
+            <a:noFill/>
+          </a:ln>
+          <a:extLst>
+            <a:ext uri="{909E8E84-426E-40DD-AFC4-6F175D3DCCD1}">
+              <a14:hiddenFill xmlns:a14="http://schemas.microsoft.com/office/drawing/2010/main">
+                <a:solidFill>
+                  <a:srgbClr val="FFFFFF"/>
+                </a:solidFill>
+              </a14:hiddenFill>
+            </a:ext>
+            <a:ext uri="{91240B29-F687-4F45-9708-019B960494DF}">
+              <a14:hiddenLine xmlns:a14="http://schemas.microsoft.com/office/drawing/2010/main" w="9525">
+                <a:solidFill>
+                  <a:srgbClr val="000000"/>
+                </a:solidFill>
+                <a:miter lim="800000"/>
+                <a:headEnd/>
+                <a:tailEnd/>
+              </a14:hiddenLine>
+            </a:ext>
+          </a:extLst>
+        </p:spPr>
+        <p:txBody>
+          <a:bodyPr>
+            <a:spAutoFit/>
+          </a:bodyPr>
+          <a:lstStyle>
+            <a:lvl1pPr eaLnBrk="0" hangingPunct="0">
+              <a:defRPr sz="1600">
+                <a:solidFill>
+                  <a:schemeClr val="tx1"/>
+                </a:solidFill>
+                <a:latin typeface="Arial" panose="020B0604020202020204" pitchFamily="34" charset="0"/>
+                <a:ea typeface="MS PGothic" panose="020B0600070205080204" pitchFamily="34" charset="-128"/>
+              </a:defRPr>
+            </a:lvl1pPr>
+            <a:lvl2pPr marL="742950" indent="-285750" eaLnBrk="0" hangingPunct="0">
+              <a:defRPr sz="1600">
+                <a:solidFill>
+                  <a:schemeClr val="tx1"/>
+                </a:solidFill>
+                <a:latin typeface="Arial" panose="020B0604020202020204" pitchFamily="34" charset="0"/>
+                <a:ea typeface="MS PGothic" panose="020B0600070205080204" pitchFamily="34" charset="-128"/>
+              </a:defRPr>
+            </a:lvl2pPr>
+            <a:lvl3pPr marL="1143000" indent="-228600" eaLnBrk="0" hangingPunct="0">
+              <a:defRPr sz="1600">
+                <a:solidFill>
+                  <a:schemeClr val="tx1"/>
+                </a:solidFill>
+                <a:latin typeface="Arial" panose="020B0604020202020204" pitchFamily="34" charset="0"/>
+                <a:ea typeface="MS PGothic" panose="020B0600070205080204" pitchFamily="34" charset="-128"/>
+              </a:defRPr>
+            </a:lvl3pPr>
+            <a:lvl4pPr marL="1600200" indent="-228600" eaLnBrk="0" hangingPunct="0">
+              <a:defRPr sz="1600">
+                <a:solidFill>
+                  <a:schemeClr val="tx1"/>
+                </a:solidFill>
+                <a:latin typeface="Arial" panose="020B0604020202020204" pitchFamily="34" charset="0"/>
+                <a:ea typeface="MS PGothic" panose="020B0600070205080204" pitchFamily="34" charset="-128"/>
+              </a:defRPr>
+            </a:lvl4pPr>
+            <a:lvl5pPr marL="2057400" indent="-228600" eaLnBrk="0" hangingPunct="0">
+              <a:defRPr sz="1600">
+                <a:solidFill>
+                  <a:schemeClr val="tx1"/>
+                </a:solidFill>
+                <a:latin typeface="Arial" panose="020B0604020202020204" pitchFamily="34" charset="0"/>
+                <a:ea typeface="MS PGothic" panose="020B0600070205080204" pitchFamily="34" charset="-128"/>
+              </a:defRPr>
+            </a:lvl5pPr>
+            <a:lvl6pPr marL="2514600" indent="-228600" eaLnBrk="0" fontAlgn="base" hangingPunct="0">
+              <a:spcBef>
+                <a:spcPct val="0"/>
+              </a:spcBef>
+              <a:spcAft>
+                <a:spcPct val="0"/>
+              </a:spcAft>
+              <a:defRPr sz="1600">
+                <a:solidFill>
+                  <a:schemeClr val="tx1"/>
+                </a:solidFill>
+                <a:latin typeface="Arial" panose="020B0604020202020204" pitchFamily="34" charset="0"/>
+                <a:ea typeface="MS PGothic" panose="020B0600070205080204" pitchFamily="34" charset="-128"/>
+              </a:defRPr>
+            </a:lvl6pPr>
+            <a:lvl7pPr marL="2971800" indent="-228600" eaLnBrk="0" fontAlgn="base" hangingPunct="0">
+              <a:spcBef>
+                <a:spcPct val="0"/>
+              </a:spcBef>
+              <a:spcAft>
+                <a:spcPct val="0"/>
+              </a:spcAft>
+              <a:defRPr sz="1600">
+                <a:solidFill>
+                  <a:schemeClr val="tx1"/>
+                </a:solidFill>
+                <a:latin typeface="Arial" panose="020B0604020202020204" pitchFamily="34" charset="0"/>
+                <a:ea typeface="MS PGothic" panose="020B0600070205080204" pitchFamily="34" charset="-128"/>
+              </a:defRPr>
+            </a:lvl7pPr>
+            <a:lvl8pPr marL="3429000" indent="-228600" eaLnBrk="0" fontAlgn="base" hangingPunct="0">
+              <a:spcBef>
+                <a:spcPct val="0"/>
+              </a:spcBef>
+              <a:spcAft>
+                <a:spcPct val="0"/>
+              </a:spcAft>
+              <a:defRPr sz="1600">
+                <a:solidFill>
+                  <a:schemeClr val="tx1"/>
+                </a:solidFill>
+                <a:latin typeface="Arial" panose="020B0604020202020204" pitchFamily="34" charset="0"/>
+                <a:ea typeface="MS PGothic" panose="020B0600070205080204" pitchFamily="34" charset="-128"/>
+              </a:defRPr>
+            </a:lvl8pPr>
+            <a:lvl9pPr marL="3886200" indent="-228600" eaLnBrk="0" fontAlgn="base" hangingPunct="0">
+              <a:spcBef>
+                <a:spcPct val="0"/>
+              </a:spcBef>
+              <a:spcAft>
+                <a:spcPct val="0"/>
+              </a:spcAft>
+              <a:defRPr sz="1600">
+                <a:solidFill>
+                  <a:schemeClr val="tx1"/>
+                </a:solidFill>
+                <a:latin typeface="Arial" panose="020B0604020202020204" pitchFamily="34" charset="0"/>
+                <a:ea typeface="MS PGothic" panose="020B0600070205080204" pitchFamily="34" charset="-128"/>
+              </a:defRPr>
+            </a:lvl9pPr>
+          </a:lstStyle>
+          <a:p>
+            <a:pPr lvl="0"/>
+            <a:r>
+              <a:rPr lang="en-US" sz="1000" dirty="0"/>
+              <a:t>Collaboration Layer, Visualization Layer</a:t>
+            </a:r>
+          </a:p>
+          <a:p>
+            <a:pPr lvl="1"/>
+            <a:r>
+              <a:rPr lang="en-US" sz="1000" dirty="0" err="1"/>
+              <a:t>Liferay</a:t>
+            </a:r>
+            <a:r>
+              <a:rPr lang="en-US" sz="1000" dirty="0"/>
+              <a:t> Portal</a:t>
+            </a:r>
+          </a:p>
+          <a:p>
+            <a:pPr lvl="1"/>
+            <a:r>
+              <a:rPr lang="en-US" sz="1000" dirty="0"/>
+              <a:t>Widget Framework (</a:t>
+            </a:r>
+            <a:r>
+              <a:rPr lang="en-US" sz="1000" dirty="0" err="1"/>
+              <a:t>Ikanow</a:t>
+            </a:r>
+            <a:r>
+              <a:rPr lang="en-US" sz="1000" dirty="0"/>
+              <a:t>)</a:t>
+            </a:r>
+          </a:p>
+          <a:p>
+            <a:pPr lvl="0"/>
+            <a:r>
+              <a:rPr lang="en-US" sz="1000" dirty="0"/>
+              <a:t>Data Access Layer, Common Access Layer</a:t>
+            </a:r>
+          </a:p>
+          <a:p>
+            <a:pPr lvl="1"/>
+            <a:r>
+              <a:rPr lang="en-US" sz="1000" dirty="0" err="1"/>
+              <a:t>OrientDB</a:t>
+            </a:r>
+            <a:r>
+              <a:rPr lang="en-US" sz="1000" dirty="0"/>
+              <a:t> Native Java, JDBC and </a:t>
+            </a:r>
+            <a:r>
+              <a:rPr lang="en-US" sz="1000" dirty="0" err="1"/>
+              <a:t>Javascript</a:t>
+            </a:r>
+            <a:r>
+              <a:rPr lang="en-US" sz="1000" dirty="0"/>
+              <a:t> API</a:t>
+            </a:r>
+          </a:p>
+          <a:p>
+            <a:pPr lvl="1"/>
+            <a:r>
+              <a:rPr lang="en-US" sz="1000" dirty="0" err="1"/>
+              <a:t>Lucene</a:t>
+            </a:r>
+            <a:r>
+              <a:rPr lang="en-US" sz="1000" dirty="0"/>
+              <a:t>, </a:t>
+            </a:r>
+            <a:r>
+              <a:rPr lang="en-US" sz="1000" dirty="0" err="1"/>
+              <a:t>ElasticSearch</a:t>
+            </a:r>
+            <a:r>
+              <a:rPr lang="en-US" sz="1000" dirty="0"/>
+              <a:t> (</a:t>
+            </a:r>
+            <a:r>
+              <a:rPr lang="en-US" sz="1000" dirty="0" err="1"/>
+              <a:t>Ikanow</a:t>
+            </a:r>
+            <a:r>
+              <a:rPr lang="en-US" sz="1000" dirty="0"/>
+              <a:t>)</a:t>
+            </a:r>
+          </a:p>
+          <a:p>
+            <a:pPr lvl="0"/>
+            <a:r>
+              <a:rPr lang="en-US" sz="1000" dirty="0"/>
+              <a:t>Enrichment Engine, Processing Engine</a:t>
+            </a:r>
+          </a:p>
+          <a:p>
+            <a:pPr lvl="1"/>
+            <a:r>
+              <a:rPr lang="en-US" sz="1000" dirty="0"/>
+              <a:t>Source Pipeline (</a:t>
+            </a:r>
+            <a:r>
+              <a:rPr lang="en-US" sz="1000" dirty="0" err="1"/>
+              <a:t>Ikanow</a:t>
+            </a:r>
+            <a:r>
+              <a:rPr lang="en-US" sz="1000" dirty="0"/>
+              <a:t>)</a:t>
+            </a:r>
+          </a:p>
+          <a:p>
+            <a:pPr lvl="1"/>
+            <a:r>
+              <a:rPr lang="en-US" sz="1000" dirty="0"/>
+              <a:t>Duke Link Analysis</a:t>
+            </a:r>
+          </a:p>
+          <a:p>
+            <a:pPr lvl="1"/>
+            <a:r>
+              <a:rPr lang="en-US" sz="1000" dirty="0"/>
+              <a:t>Open System for Entity Resolution (</a:t>
+            </a:r>
+            <a:r>
+              <a:rPr lang="en-US" sz="1000" dirty="0" err="1"/>
+              <a:t>OySTER</a:t>
+            </a:r>
+            <a:r>
+              <a:rPr lang="en-US" sz="1000" dirty="0"/>
+              <a:t>)</a:t>
+            </a:r>
+          </a:p>
+          <a:p>
+            <a:pPr lvl="0"/>
+            <a:r>
+              <a:rPr lang="en-US" sz="1000" dirty="0"/>
+              <a:t>Analysis Engine</a:t>
+            </a:r>
+          </a:p>
+          <a:p>
+            <a:pPr lvl="1"/>
+            <a:r>
+              <a:rPr lang="en-US" sz="1000" dirty="0"/>
+              <a:t>Apache Mahout (</a:t>
+            </a:r>
+            <a:r>
+              <a:rPr lang="en-US" sz="1000" dirty="0" err="1"/>
+              <a:t>Ikanow</a:t>
+            </a:r>
+            <a:r>
+              <a:rPr lang="en-US" sz="1000" dirty="0"/>
+              <a:t>)</a:t>
+            </a:r>
+          </a:p>
+          <a:p>
+            <a:pPr lvl="0"/>
+            <a:r>
+              <a:rPr lang="en-US" sz="1000" dirty="0"/>
+              <a:t>Data Stores</a:t>
+            </a:r>
+          </a:p>
+          <a:p>
+            <a:pPr lvl="1"/>
+            <a:r>
+              <a:rPr lang="en-US" sz="1000" dirty="0" err="1"/>
+              <a:t>OrientDB</a:t>
+            </a:r>
+            <a:r>
+              <a:rPr lang="en-US" sz="1000" dirty="0"/>
+              <a:t> (Graph)</a:t>
+            </a:r>
+          </a:p>
+          <a:p>
+            <a:pPr lvl="1"/>
+            <a:r>
+              <a:rPr lang="en-US" sz="1000" dirty="0" err="1"/>
+              <a:t>MongoDB</a:t>
+            </a:r>
+            <a:r>
+              <a:rPr lang="en-US" sz="1000" dirty="0"/>
+              <a:t> (</a:t>
+            </a:r>
+            <a:r>
+              <a:rPr lang="en-US" sz="1000" dirty="0" err="1"/>
+              <a:t>Ikanow</a:t>
+            </a:r>
+            <a:r>
+              <a:rPr lang="en-US" sz="1000" dirty="0"/>
+              <a:t>)</a:t>
+            </a:r>
           </a:p>
         </p:txBody>
       </p:sp>

--- a/src/docs/Entity Resolution Short Brief.pptx
+++ b/src/docs/Entity Resolution Short Brief.pptx
@@ -4508,8 +4508,9 @@
             <a:pPr algn="ctr"/>
             <a:r>
               <a:rPr lang="en-US" dirty="0" smtClean="0"/>
-              <a:t>Infrastructure</a:t>
-            </a:r>
+              <a:t>Infrastructure (On-premise, Hosted, Cloud)</a:t>
+            </a:r>
+            <a:endParaRPr lang="en-US" dirty="0" smtClean="0"/>
           </a:p>
         </p:txBody>
       </p:sp>
@@ -4801,7 +4802,11 @@
             <a:pPr algn="ctr"/>
             <a:r>
               <a:rPr lang="en-US" sz="1600" dirty="0" smtClean="0"/>
-              <a:t>Graph Database</a:t>
+              <a:t>Document/Graph </a:t>
+            </a:r>
+            <a:r>
+              <a:rPr lang="en-US" sz="1600" dirty="0" smtClean="0"/>
+              <a:t>Database</a:t>
             </a:r>
             <a:endParaRPr lang="en-US" sz="1600" dirty="0"/>
           </a:p>
@@ -4968,55 +4973,10 @@
           <a:p>
             <a:pPr algn="ctr"/>
             <a:r>
-              <a:rPr lang="en-US" sz="800" dirty="0" smtClean="0"/>
+              <a:rPr lang="en-US" sz="1000" dirty="0" smtClean="0"/>
               <a:t>Collaboration Layer</a:t>
             </a:r>
-            <a:endParaRPr lang="en-US" sz="800" dirty="0"/>
-          </a:p>
-        </p:txBody>
-      </p:sp>
-      <p:sp>
-        <p:nvSpPr>
-          <p:cNvPr id="29" name="Smiley Face 28"/>
-          <p:cNvSpPr/>
-          <p:nvPr/>
-        </p:nvSpPr>
-        <p:spPr>
-          <a:xfrm>
-            <a:off x="8341554" y="3279829"/>
-            <a:ext cx="631881" cy="687476"/>
-          </a:xfrm>
-          <a:prstGeom prst="smileyFace">
-            <a:avLst/>
-          </a:prstGeom>
-          <a:ln>
-            <a:solidFill>
-              <a:schemeClr val="tx1">
-                <a:lumMod val="95000"/>
-              </a:schemeClr>
-            </a:solidFill>
-          </a:ln>
-        </p:spPr>
-        <p:style>
-          <a:lnRef idx="1">
-            <a:schemeClr val="accent1"/>
-          </a:lnRef>
-          <a:fillRef idx="1001">
-            <a:schemeClr val="dk2"/>
-          </a:fillRef>
-          <a:effectRef idx="2">
-            <a:schemeClr val="accent1"/>
-          </a:effectRef>
-          <a:fontRef idx="minor">
-            <a:schemeClr val="lt1"/>
-          </a:fontRef>
-        </p:style>
-        <p:txBody>
-          <a:bodyPr rtlCol="0" anchor="ctr"/>
-          <a:lstStyle/>
-          <a:p>
-            <a:pPr algn="ctr"/>
-            <a:endParaRPr lang="en-US" sz="1200"/>
+            <a:endParaRPr lang="en-US" sz="1000" dirty="0"/>
           </a:p>
         </p:txBody>
       </p:sp>
@@ -5028,8 +4988,8 @@
         </p:nvGrpSpPr>
         <p:grpSpPr>
           <a:xfrm>
-            <a:off x="4307814" y="1499489"/>
-            <a:ext cx="1911787" cy="248749"/>
+            <a:off x="4525387" y="1470458"/>
+            <a:ext cx="1694213" cy="274320"/>
             <a:chOff x="3993668" y="1532455"/>
             <a:chExt cx="2387859" cy="215784"/>
           </a:xfrm>
@@ -5111,8 +5071,8 @@
         </p:nvGrpSpPr>
         <p:grpSpPr>
           <a:xfrm>
-            <a:off x="4707274" y="1385377"/>
-            <a:ext cx="2269422" cy="362862"/>
+            <a:off x="4537417" y="1377196"/>
+            <a:ext cx="2439279" cy="365760"/>
             <a:chOff x="3993668" y="1532455"/>
             <a:chExt cx="2387859" cy="215784"/>
           </a:xfrm>
@@ -5194,8 +5154,8 @@
         </p:nvGrpSpPr>
         <p:grpSpPr>
           <a:xfrm>
-            <a:off x="5080000" y="1299308"/>
-            <a:ext cx="2696308" cy="448932"/>
+            <a:off x="4537417" y="1299308"/>
+            <a:ext cx="3238891" cy="448932"/>
             <a:chOff x="3993668" y="1532455"/>
             <a:chExt cx="2387859" cy="215784"/>
           </a:xfrm>
@@ -5278,7 +5238,7 @@
         <p:grpSpPr>
           <a:xfrm>
             <a:off x="3035332" y="1470458"/>
-            <a:ext cx="1566392" cy="282142"/>
+            <a:ext cx="1512588" cy="274320"/>
             <a:chOff x="3993668" y="1532455"/>
             <a:chExt cx="2387859" cy="215784"/>
           </a:xfrm>
@@ -5360,8 +5320,8 @@
         </p:nvGrpSpPr>
         <p:grpSpPr>
           <a:xfrm>
-            <a:off x="1485729" y="1299308"/>
-            <a:ext cx="2269422" cy="435294"/>
+            <a:off x="1485728" y="1299308"/>
+            <a:ext cx="3055446" cy="435294"/>
             <a:chOff x="3993668" y="1532455"/>
             <a:chExt cx="2387859" cy="215784"/>
           </a:xfrm>
@@ -5663,8 +5623,8 @@
         </p:nvGrpSpPr>
         <p:grpSpPr>
           <a:xfrm>
-            <a:off x="2362040" y="1377196"/>
-            <a:ext cx="1850486" cy="362862"/>
+            <a:off x="2362039" y="1377196"/>
+            <a:ext cx="2179135" cy="365760"/>
             <a:chOff x="3993668" y="1532455"/>
             <a:chExt cx="2387859" cy="215784"/>
           </a:xfrm>
@@ -5874,6 +5834,36 @@
           </a:fontRef>
         </p:style>
       </p:cxnSp>
+      <p:pic>
+        <p:nvPicPr>
+          <p:cNvPr id="2" name="Picture 1"/>
+          <p:cNvPicPr>
+            <a:picLocks noChangeAspect="1"/>
+          </p:cNvPicPr>
+          <p:nvPr/>
+        </p:nvPicPr>
+        <p:blipFill>
+          <a:blip r:embed="rId2">
+            <a:extLst>
+              <a:ext uri="{28A0092B-C50C-407E-A947-70E740481C1C}">
+                <a14:useLocalDpi xmlns:a14="http://schemas.microsoft.com/office/drawing/2010/main" val="0"/>
+              </a:ext>
+            </a:extLst>
+          </a:blip>
+          <a:stretch>
+            <a:fillRect/>
+          </a:stretch>
+        </p:blipFill>
+        <p:spPr>
+          <a:xfrm>
+            <a:off x="8365371" y="3303866"/>
+            <a:ext cx="642858" cy="647721"/>
+          </a:xfrm>
+          <a:prstGeom prst="rect">
+            <a:avLst/>
+          </a:prstGeom>
+        </p:spPr>
+      </p:pic>
     </p:spTree>
     <p:extLst>
       <p:ext uri="{BB962C8B-B14F-4D97-AF65-F5344CB8AC3E}">
@@ -5911,6 +5901,48 @@
           <a:chExt cx="0" cy="0"/>
         </a:xfrm>
       </p:grpSpPr>
+      <p:cxnSp>
+        <p:nvCxnSpPr>
+          <p:cNvPr id="357" name="Straight Arrow Connector 356"/>
+          <p:cNvCxnSpPr>
+            <a:stCxn id="344" idx="3"/>
+          </p:cNvCxnSpPr>
+          <p:nvPr/>
+        </p:nvCxnSpPr>
+        <p:spPr>
+          <a:xfrm flipH="1">
+            <a:off x="3292136" y="4354039"/>
+            <a:ext cx="164943" cy="665610"/>
+          </a:xfrm>
+          <a:prstGeom prst="straightConnector1">
+            <a:avLst/>
+          </a:prstGeom>
+          <a:solidFill>
+            <a:schemeClr val="accent2">
+              <a:lumMod val="60000"/>
+              <a:lumOff val="40000"/>
+            </a:schemeClr>
+          </a:solidFill>
+          <a:ln w="12700">
+            <a:headEnd type="arrow"/>
+            <a:tailEnd type="arrow"/>
+          </a:ln>
+        </p:spPr>
+        <p:style>
+          <a:lnRef idx="2">
+            <a:schemeClr val="accent1"/>
+          </a:lnRef>
+          <a:fillRef idx="0">
+            <a:schemeClr val="accent1"/>
+          </a:fillRef>
+          <a:effectRef idx="1">
+            <a:schemeClr val="accent1"/>
+          </a:effectRef>
+          <a:fontRef idx="minor">
+            <a:schemeClr val="tx1"/>
+          </a:fontRef>
+        </p:style>
+      </p:cxnSp>
       <p:sp>
         <p:nvSpPr>
           <p:cNvPr id="15361" name="Rectangle 2"/>
@@ -9177,9 +9209,9 @@
         <p:grpSpPr>
           <a:xfrm>
             <a:off x="236116" y="3727644"/>
-            <a:ext cx="4224528" cy="2693397"/>
+            <a:ext cx="4224528" cy="2693396"/>
             <a:chOff x="236116" y="3727644"/>
-            <a:chExt cx="4224528" cy="2693397"/>
+            <a:chExt cx="4224528" cy="2693396"/>
           </a:xfrm>
         </p:grpSpPr>
         <p:sp>
@@ -9220,10 +9252,10 @@
           </p:nvGrpSpPr>
           <p:grpSpPr>
             <a:xfrm>
-              <a:off x="265912" y="4100968"/>
-              <a:ext cx="4113880" cy="2320073"/>
-              <a:chOff x="303275" y="1936601"/>
-              <a:chExt cx="8544233" cy="4794623"/>
+              <a:off x="265912" y="4119088"/>
+              <a:ext cx="4113880" cy="2301952"/>
+              <a:chOff x="303275" y="1974049"/>
+              <a:chExt cx="8544233" cy="4757175"/>
             </a:xfrm>
           </p:grpSpPr>
           <p:grpSp>
@@ -9234,10 +9266,10 @@
             </p:nvGrpSpPr>
             <p:grpSpPr>
               <a:xfrm>
-                <a:off x="303275" y="1936601"/>
-                <a:ext cx="6765510" cy="3560468"/>
-                <a:chOff x="303275" y="2167513"/>
-                <a:chExt cx="6765510" cy="3560468"/>
+                <a:off x="303275" y="1974049"/>
+                <a:ext cx="6869868" cy="3513333"/>
+                <a:chOff x="303275" y="2204961"/>
+                <a:chExt cx="6869868" cy="3513333"/>
               </a:xfrm>
             </p:grpSpPr>
             <p:grpSp>
@@ -10207,6 +10239,9 @@
                   <a:lin ang="16200000" scaled="1"/>
                   <a:tileRect/>
                 </a:gradFill>
+                <a:ln>
+                  <a:noFill/>
+                </a:ln>
               </p:spPr>
               <p:style>
                 <a:lnRef idx="1">
@@ -10287,6 +10322,10 @@
                     <a:lin ang="16200000" scaled="1"/>
                     <a:tileRect/>
                   </a:gradFill>
+                  <a:ln>
+                    <a:headEnd type="arrow"/>
+                    <a:tailEnd type="arrow"/>
+                  </a:ln>
                 </p:spPr>
                 <p:style>
                   <a:lnRef idx="1">
@@ -10327,7 +10366,7 @@
                   <a:p>
                     <a:r>
                       <a:rPr lang="en-US" sz="600" dirty="0" err="1" smtClean="0"/>
-                      <a:t>DerivedFrom</a:t>
+                      <a:t>SameAs</a:t>
                     </a:r>
                     <a:endParaRPr lang="en-US" sz="600" dirty="0"/>
                   </a:p>
@@ -10371,6 +10410,10 @@
                   <a:lin ang="16200000" scaled="1"/>
                   <a:tileRect/>
                 </a:gradFill>
+                <a:ln>
+                  <a:headEnd type="arrow"/>
+                  <a:tailEnd type="arrow"/>
+                </a:ln>
               </p:spPr>
               <p:style>
                 <a:lnRef idx="1">
@@ -10395,8 +10438,8 @@
               </p:nvSpPr>
               <p:spPr>
                 <a:xfrm>
-                  <a:off x="5140607" y="2167513"/>
-                  <a:ext cx="1397960" cy="381628"/>
+                  <a:off x="5211174" y="2366864"/>
+                  <a:ext cx="1397959" cy="381628"/>
                 </a:xfrm>
                 <a:prstGeom prst="rect">
                   <a:avLst/>
@@ -10411,7 +10454,7 @@
                 <a:p>
                   <a:r>
                     <a:rPr lang="en-US" sz="600" dirty="0" err="1" smtClean="0"/>
-                    <a:t>DerivedFrom</a:t>
+                    <a:t>SameAs</a:t>
                   </a:r>
                   <a:endParaRPr lang="en-US" sz="600" dirty="0"/>
                 </a:p>
@@ -10421,14 +10464,15 @@
               <p:nvCxnSpPr>
                 <p:cNvPr id="205" name="Straight Arrow Connector 204"/>
                 <p:cNvCxnSpPr>
+                  <a:stCxn id="345" idx="2"/>
                   <a:endCxn id="207" idx="6"/>
                 </p:cNvCxnSpPr>
                 <p:nvPr/>
               </p:nvCxnSpPr>
               <p:spPr>
                 <a:xfrm flipH="1" flipV="1">
-                  <a:off x="5634870" y="3479353"/>
-                  <a:ext cx="1433915" cy="38953"/>
+                  <a:off x="5634872" y="3479353"/>
+                  <a:ext cx="1498844" cy="205232"/>
                 </a:xfrm>
                 <a:prstGeom prst="straightConnector1">
                   <a:avLst/>
@@ -10454,6 +10498,10 @@
                   <a:lin ang="16200000" scaled="1"/>
                   <a:tileRect/>
                 </a:gradFill>
+                <a:ln>
+                  <a:headEnd type="arrow"/>
+                  <a:tailEnd type="arrow"/>
+                </a:ln>
               </p:spPr>
               <p:style>
                 <a:lnRef idx="1">
@@ -10478,8 +10526,8 @@
               </p:nvSpPr>
               <p:spPr>
                 <a:xfrm>
-                  <a:off x="5809122" y="3478654"/>
-                  <a:ext cx="1164313" cy="572441"/>
+                  <a:off x="5801101" y="3208572"/>
+                  <a:ext cx="1372042" cy="381628"/>
                 </a:xfrm>
                 <a:prstGeom prst="rect">
                   <a:avLst/>
@@ -10493,8 +10541,8 @@
                 <a:lstStyle/>
                 <a:p>
                   <a:r>
-                    <a:rPr lang="en-US" sz="600" dirty="0" smtClean="0"/>
-                    <a:t>Derived From</a:t>
+                    <a:rPr lang="en-US" sz="600" dirty="0" err="1" smtClean="0"/>
+                    <a:t>SameAs</a:t>
                   </a:r>
                   <a:endParaRPr lang="en-US" sz="600" dirty="0"/>
                 </a:p>
@@ -10535,6 +10583,9 @@
                   <a:lin ang="16200000" scaled="1"/>
                   <a:tileRect/>
                 </a:gradFill>
+                <a:ln>
+                  <a:noFill/>
+                </a:ln>
               </p:spPr>
               <p:style>
                 <a:lnRef idx="1">
@@ -10571,8 +10622,8 @@
               </p:nvSpPr>
               <p:spPr>
                 <a:xfrm>
-                  <a:off x="3454999" y="3598365"/>
-                  <a:ext cx="1164313" cy="572441"/>
+                  <a:off x="3034766" y="3224346"/>
+                  <a:ext cx="1164314" cy="381628"/>
                 </a:xfrm>
                 <a:prstGeom prst="rect">
                   <a:avLst/>
@@ -10586,8 +10637,8 @@
                 <a:lstStyle/>
                 <a:p>
                   <a:r>
-                    <a:rPr lang="en-US" sz="600" dirty="0" smtClean="0"/>
-                    <a:t>Derived From</a:t>
+                    <a:rPr lang="en-US" sz="600" dirty="0" err="1" smtClean="0"/>
+                    <a:t>SameAs</a:t>
                   </a:r>
                   <a:endParaRPr lang="en-US" sz="600" dirty="0"/>
                 </a:p>
@@ -10596,16 +10647,13 @@
             <p:cxnSp>
               <p:nvCxnSpPr>
                 <p:cNvPr id="209" name="Straight Arrow Connector 208"/>
-                <p:cNvCxnSpPr>
-                  <a:stCxn id="207" idx="2"/>
-                  <a:endCxn id="237" idx="6"/>
-                </p:cNvCxnSpPr>
+                <p:cNvCxnSpPr/>
                 <p:nvPr/>
               </p:nvCxnSpPr>
               <p:spPr>
                 <a:xfrm flipH="1">
-                  <a:off x="3261191" y="3479354"/>
-                  <a:ext cx="978896" cy="191352"/>
+                  <a:off x="3231989" y="3491320"/>
+                  <a:ext cx="978896" cy="191351"/>
                 </a:xfrm>
                 <a:prstGeom prst="straightConnector1">
                   <a:avLst/>
@@ -10631,6 +10679,10 @@
                   <a:lin ang="16200000" scaled="1"/>
                   <a:tileRect/>
                 </a:gradFill>
+                <a:ln>
+                  <a:headEnd type="arrow"/>
+                  <a:tailEnd type="arrow"/>
+                </a:ln>
               </p:spPr>
               <p:style>
                 <a:lnRef idx="1">
@@ -10682,6 +10734,9 @@
                   <a:lin ang="16200000" scaled="1"/>
                   <a:tileRect/>
                 </a:gradFill>
+                <a:ln>
+                  <a:noFill/>
+                </a:ln>
               </p:spPr>
               <p:style>
                 <a:lnRef idx="1">
@@ -10719,7 +10774,7 @@
               <p:spPr>
                 <a:xfrm>
                   <a:off x="5069192" y="5119548"/>
-                  <a:ext cx="1164313" cy="572441"/>
+                  <a:ext cx="1164314" cy="381628"/>
                 </a:xfrm>
                 <a:prstGeom prst="rect">
                   <a:avLst/>
@@ -10733,8 +10788,8 @@
                 <a:lstStyle/>
                 <a:p>
                   <a:r>
-                    <a:rPr lang="en-US" sz="600" dirty="0" smtClean="0"/>
-                    <a:t>Derived From</a:t>
+                    <a:rPr lang="en-US" sz="600" dirty="0" err="1" smtClean="0"/>
+                    <a:t>SameAs</a:t>
                   </a:r>
                   <a:endParaRPr lang="en-US" sz="600" dirty="0"/>
                 </a:p>
@@ -10744,14 +10799,15 @@
               <p:nvCxnSpPr>
                 <p:cNvPr id="212" name="Straight Arrow Connector 211"/>
                 <p:cNvCxnSpPr>
+                  <a:stCxn id="351" idx="2"/>
                   <a:endCxn id="210" idx="5"/>
                 </p:cNvCxnSpPr>
                 <p:nvPr/>
               </p:nvCxnSpPr>
               <p:spPr>
                 <a:xfrm flipH="1" flipV="1">
-                  <a:off x="5107198" y="4893240"/>
-                  <a:ext cx="1365870" cy="509221"/>
+                  <a:off x="5107198" y="4893238"/>
+                  <a:ext cx="1598288" cy="657328"/>
                 </a:xfrm>
                 <a:prstGeom prst="straightConnector1">
                   <a:avLst/>
@@ -10777,6 +10833,10 @@
                   <a:lin ang="16200000" scaled="1"/>
                   <a:tileRect/>
                 </a:gradFill>
+                <a:ln>
+                  <a:headEnd type="arrow"/>
+                  <a:tailEnd type="arrow"/>
+                </a:ln>
               </p:spPr>
               <p:style>
                 <a:lnRef idx="1">
@@ -10802,7 +10862,7 @@
               <p:spPr>
                 <a:xfrm>
                   <a:off x="3195132" y="5155540"/>
-                  <a:ext cx="1164313" cy="572441"/>
+                  <a:ext cx="1164314" cy="381628"/>
                 </a:xfrm>
                 <a:prstGeom prst="rect">
                   <a:avLst/>
@@ -10816,8 +10876,8 @@
                 <a:lstStyle/>
                 <a:p>
                   <a:r>
-                    <a:rPr lang="en-US" sz="600" dirty="0" smtClean="0"/>
-                    <a:t>Derived From</a:t>
+                    <a:rPr lang="en-US" sz="600" dirty="0" err="1" smtClean="0"/>
+                    <a:t>SameAs</a:t>
                   </a:r>
                   <a:endParaRPr lang="en-US" sz="600" dirty="0"/>
                 </a:p>
@@ -10860,6 +10920,10 @@
                   <a:lin ang="16200000" scaled="1"/>
                   <a:tileRect/>
                 </a:gradFill>
+                <a:ln>
+                  <a:headEnd type="arrow"/>
+                  <a:tailEnd type="arrow"/>
+                </a:ln>
               </p:spPr>
               <p:style>
                 <a:lnRef idx="1">
@@ -10908,2646 +10972,6 @@
             </p:txBody>
           </p:sp>
         </p:grpSp>
-      </p:grpSp>
-      <p:grpSp>
-        <p:nvGrpSpPr>
-          <p:cNvPr id="264" name="Group 263"/>
-          <p:cNvGrpSpPr/>
-          <p:nvPr/>
-        </p:nvGrpSpPr>
-        <p:grpSpPr>
-          <a:xfrm>
-            <a:off x="4689966" y="3799002"/>
-            <a:ext cx="4224528" cy="2623711"/>
-            <a:chOff x="303275" y="1301544"/>
-            <a:chExt cx="8544233" cy="5284744"/>
-          </a:xfrm>
-        </p:grpSpPr>
-        <p:sp>
-          <p:nvSpPr>
-            <p:cNvPr id="265" name="TextBox 264"/>
-            <p:cNvSpPr txBox="1"/>
-            <p:nvPr/>
-          </p:nvSpPr>
-          <p:spPr>
-            <a:xfrm>
-              <a:off x="472302" y="1301544"/>
-              <a:ext cx="8375204" cy="433953"/>
-            </a:xfrm>
-            <a:prstGeom prst="rect">
-              <a:avLst/>
-            </a:prstGeom>
-            <a:noFill/>
-          </p:spPr>
-          <p:txBody>
-            <a:bodyPr wrap="square" rtlCol="0">
-              <a:spAutoFit/>
-            </a:bodyPr>
-            <a:lstStyle/>
-            <a:p>
-              <a:r>
-                <a:rPr lang="en-US" sz="800" dirty="0" smtClean="0"/>
-                <a:t>Phase 4, Knowledge Enrichment, through Model Application</a:t>
-              </a:r>
-              <a:endParaRPr lang="en-US" sz="800" dirty="0"/>
-            </a:p>
-          </p:txBody>
-        </p:sp>
-        <p:grpSp>
-          <p:nvGrpSpPr>
-            <p:cNvPr id="266" name="Group 265"/>
-            <p:cNvGrpSpPr/>
-            <p:nvPr/>
-          </p:nvGrpSpPr>
-          <p:grpSpPr>
-            <a:xfrm>
-              <a:off x="303275" y="1936601"/>
-              <a:ext cx="8441911" cy="3595353"/>
-              <a:chOff x="303275" y="2167513"/>
-              <a:chExt cx="8441911" cy="3595353"/>
-            </a:xfrm>
-          </p:grpSpPr>
-          <p:grpSp>
-            <p:nvGrpSpPr>
-              <p:cNvPr id="274" name="Group 273"/>
-              <p:cNvGrpSpPr/>
-              <p:nvPr/>
-            </p:nvGrpSpPr>
-            <p:grpSpPr>
-              <a:xfrm>
-                <a:off x="5634870" y="2204961"/>
-                <a:ext cx="3110316" cy="3208533"/>
-                <a:chOff x="5844770" y="2229356"/>
-                <a:chExt cx="3110316" cy="3208533"/>
-              </a:xfrm>
-              <a:solidFill>
-                <a:schemeClr val="accent2">
-                  <a:lumMod val="60000"/>
-                  <a:lumOff val="40000"/>
-                </a:schemeClr>
-              </a:solidFill>
-            </p:grpSpPr>
-            <p:grpSp>
-              <p:nvGrpSpPr>
-                <p:cNvPr id="319" name="Group 318"/>
-                <p:cNvGrpSpPr/>
-                <p:nvPr/>
-              </p:nvGrpSpPr>
-              <p:grpSpPr>
-                <a:xfrm>
-                  <a:off x="6612236" y="2229356"/>
-                  <a:ext cx="1469774" cy="648552"/>
-                  <a:chOff x="6917036" y="2458752"/>
-                  <a:chExt cx="1469774" cy="648552"/>
-                </a:xfrm>
-                <a:grpFill/>
-              </p:grpSpPr>
-              <p:sp>
-                <p:nvSpPr>
-                  <p:cNvPr id="338" name="Oval 337"/>
-                  <p:cNvSpPr/>
-                  <p:nvPr/>
-                </p:nvSpPr>
-                <p:spPr>
-                  <a:xfrm>
-                    <a:off x="6917036" y="2458752"/>
-                    <a:ext cx="1164974" cy="343752"/>
-                  </a:xfrm>
-                  <a:prstGeom prst="ellipse">
-                    <a:avLst/>
-                  </a:prstGeom>
-                  <a:grpFill/>
-                </p:spPr>
-                <p:style>
-                  <a:lnRef idx="1">
-                    <a:schemeClr val="accent1"/>
-                  </a:lnRef>
-                  <a:fillRef idx="3">
-                    <a:schemeClr val="accent1"/>
-                  </a:fillRef>
-                  <a:effectRef idx="2">
-                    <a:schemeClr val="accent1"/>
-                  </a:effectRef>
-                  <a:fontRef idx="minor">
-                    <a:schemeClr val="lt1"/>
-                  </a:fontRef>
-                </p:style>
-                <p:txBody>
-                  <a:bodyPr rtlCol="0" anchor="ctr"/>
-                  <a:lstStyle/>
-                  <a:p>
-                    <a:pPr algn="ctr"/>
-                    <a:r>
-                      <a:rPr lang="en-US" sz="800" dirty="0" smtClean="0"/>
-                      <a:t>Name</a:t>
-                    </a:r>
-                    <a:endParaRPr lang="en-US" sz="800" dirty="0"/>
-                  </a:p>
-                </p:txBody>
-              </p:sp>
-              <p:sp>
-                <p:nvSpPr>
-                  <p:cNvPr id="339" name="Oval 338"/>
-                  <p:cNvSpPr/>
-                  <p:nvPr/>
-                </p:nvSpPr>
-                <p:spPr>
-                  <a:xfrm>
-                    <a:off x="7069436" y="2611152"/>
-                    <a:ext cx="1164974" cy="343752"/>
-                  </a:xfrm>
-                  <a:prstGeom prst="ellipse">
-                    <a:avLst/>
-                  </a:prstGeom>
-                  <a:grpFill/>
-                </p:spPr>
-                <p:style>
-                  <a:lnRef idx="1">
-                    <a:schemeClr val="accent1"/>
-                  </a:lnRef>
-                  <a:fillRef idx="3">
-                    <a:schemeClr val="accent1"/>
-                  </a:fillRef>
-                  <a:effectRef idx="2">
-                    <a:schemeClr val="accent1"/>
-                  </a:effectRef>
-                  <a:fontRef idx="minor">
-                    <a:schemeClr val="lt1"/>
-                  </a:fontRef>
-                </p:style>
-                <p:txBody>
-                  <a:bodyPr rtlCol="0" anchor="ctr"/>
-                  <a:lstStyle/>
-                  <a:p>
-                    <a:pPr algn="ctr"/>
-                    <a:r>
-                      <a:rPr lang="en-US" sz="800" dirty="0" smtClean="0"/>
-                      <a:t>Name</a:t>
-                    </a:r>
-                    <a:endParaRPr lang="en-US" sz="800" dirty="0"/>
-                  </a:p>
-                </p:txBody>
-              </p:sp>
-              <p:sp>
-                <p:nvSpPr>
-                  <p:cNvPr id="340" name="Oval 339"/>
-                  <p:cNvSpPr/>
-                  <p:nvPr/>
-                </p:nvSpPr>
-                <p:spPr>
-                  <a:xfrm>
-                    <a:off x="7221836" y="2763552"/>
-                    <a:ext cx="1164974" cy="343752"/>
-                  </a:xfrm>
-                  <a:prstGeom prst="ellipse">
-                    <a:avLst/>
-                  </a:prstGeom>
-                  <a:grpFill/>
-                </p:spPr>
-                <p:style>
-                  <a:lnRef idx="1">
-                    <a:schemeClr val="accent1"/>
-                  </a:lnRef>
-                  <a:fillRef idx="3">
-                    <a:schemeClr val="accent1"/>
-                  </a:fillRef>
-                  <a:effectRef idx="2">
-                    <a:schemeClr val="accent1"/>
-                  </a:effectRef>
-                  <a:fontRef idx="minor">
-                    <a:schemeClr val="lt1"/>
-                  </a:fontRef>
-                </p:style>
-                <p:txBody>
-                  <a:bodyPr rtlCol="0" anchor="ctr"/>
-                  <a:lstStyle/>
-                  <a:p>
-                    <a:pPr algn="ctr"/>
-                    <a:r>
-                      <a:rPr lang="en-US" sz="800" dirty="0" smtClean="0"/>
-                      <a:t>Name</a:t>
-                    </a:r>
-                    <a:endParaRPr lang="en-US" sz="800" dirty="0"/>
-                  </a:p>
-                </p:txBody>
-              </p:sp>
-            </p:grpSp>
-            <p:grpSp>
-              <p:nvGrpSpPr>
-                <p:cNvPr id="320" name="Group 319"/>
-                <p:cNvGrpSpPr/>
-                <p:nvPr/>
-              </p:nvGrpSpPr>
-              <p:grpSpPr>
-                <a:xfrm>
-                  <a:off x="7278686" y="3370825"/>
-                  <a:ext cx="1676400" cy="648552"/>
-                  <a:chOff x="7583486" y="3600221"/>
-                  <a:chExt cx="1676400" cy="648552"/>
-                </a:xfrm>
-                <a:grpFill/>
-              </p:grpSpPr>
-              <p:sp>
-                <p:nvSpPr>
-                  <p:cNvPr id="335" name="Oval 334"/>
-                  <p:cNvSpPr/>
-                  <p:nvPr/>
-                </p:nvSpPr>
-                <p:spPr>
-                  <a:xfrm>
-                    <a:off x="7583486" y="3600221"/>
-                    <a:ext cx="1371600" cy="343752"/>
-                  </a:xfrm>
-                  <a:prstGeom prst="ellipse">
-                    <a:avLst/>
-                  </a:prstGeom>
-                  <a:grpFill/>
-                </p:spPr>
-                <p:style>
-                  <a:lnRef idx="1">
-                    <a:schemeClr val="accent1"/>
-                  </a:lnRef>
-                  <a:fillRef idx="3">
-                    <a:schemeClr val="accent1"/>
-                  </a:fillRef>
-                  <a:effectRef idx="2">
-                    <a:schemeClr val="accent1"/>
-                  </a:effectRef>
-                  <a:fontRef idx="minor">
-                    <a:schemeClr val="lt1"/>
-                  </a:fontRef>
-                </p:style>
-                <p:txBody>
-                  <a:bodyPr rtlCol="0" anchor="ctr"/>
-                  <a:lstStyle/>
-                  <a:p>
-                    <a:pPr algn="ctr"/>
-                    <a:r>
-                      <a:rPr lang="en-US" sz="800" dirty="0" smtClean="0"/>
-                      <a:t>Address</a:t>
-                    </a:r>
-                    <a:endParaRPr lang="en-US" sz="800" dirty="0"/>
-                  </a:p>
-                </p:txBody>
-              </p:sp>
-              <p:sp>
-                <p:nvSpPr>
-                  <p:cNvPr id="336" name="Oval 335"/>
-                  <p:cNvSpPr/>
-                  <p:nvPr/>
-                </p:nvSpPr>
-                <p:spPr>
-                  <a:xfrm>
-                    <a:off x="7735886" y="3752621"/>
-                    <a:ext cx="1371600" cy="343752"/>
-                  </a:xfrm>
-                  <a:prstGeom prst="ellipse">
-                    <a:avLst/>
-                  </a:prstGeom>
-                  <a:grpFill/>
-                </p:spPr>
-                <p:style>
-                  <a:lnRef idx="1">
-                    <a:schemeClr val="accent1"/>
-                  </a:lnRef>
-                  <a:fillRef idx="3">
-                    <a:schemeClr val="accent1"/>
-                  </a:fillRef>
-                  <a:effectRef idx="2">
-                    <a:schemeClr val="accent1"/>
-                  </a:effectRef>
-                  <a:fontRef idx="minor">
-                    <a:schemeClr val="lt1"/>
-                  </a:fontRef>
-                </p:style>
-                <p:txBody>
-                  <a:bodyPr rtlCol="0" anchor="ctr"/>
-                  <a:lstStyle/>
-                  <a:p>
-                    <a:pPr algn="ctr"/>
-                    <a:r>
-                      <a:rPr lang="en-US" sz="800" dirty="0" smtClean="0"/>
-                      <a:t>Address</a:t>
-                    </a:r>
-                    <a:endParaRPr lang="en-US" sz="800" dirty="0"/>
-                  </a:p>
-                </p:txBody>
-              </p:sp>
-              <p:sp>
-                <p:nvSpPr>
-                  <p:cNvPr id="337" name="Oval 336"/>
-                  <p:cNvSpPr/>
-                  <p:nvPr/>
-                </p:nvSpPr>
-                <p:spPr>
-                  <a:xfrm>
-                    <a:off x="7888286" y="3905021"/>
-                    <a:ext cx="1371600" cy="343752"/>
-                  </a:xfrm>
-                  <a:prstGeom prst="ellipse">
-                    <a:avLst/>
-                  </a:prstGeom>
-                  <a:grpFill/>
-                </p:spPr>
-                <p:style>
-                  <a:lnRef idx="1">
-                    <a:schemeClr val="accent1"/>
-                  </a:lnRef>
-                  <a:fillRef idx="3">
-                    <a:schemeClr val="accent1"/>
-                  </a:fillRef>
-                  <a:effectRef idx="2">
-                    <a:schemeClr val="accent1"/>
-                  </a:effectRef>
-                  <a:fontRef idx="minor">
-                    <a:schemeClr val="lt1"/>
-                  </a:fontRef>
-                </p:style>
-                <p:txBody>
-                  <a:bodyPr rtlCol="0" anchor="ctr"/>
-                  <a:lstStyle/>
-                  <a:p>
-                    <a:pPr algn="ctr"/>
-                    <a:r>
-                      <a:rPr lang="en-US" sz="800" dirty="0" smtClean="0"/>
-                      <a:t>Address</a:t>
-                    </a:r>
-                    <a:endParaRPr lang="en-US" sz="800" dirty="0"/>
-                  </a:p>
-                </p:txBody>
-              </p:sp>
-            </p:grpSp>
-            <p:grpSp>
-              <p:nvGrpSpPr>
-                <p:cNvPr id="321" name="Group 320"/>
-                <p:cNvGrpSpPr/>
-                <p:nvPr/>
-              </p:nvGrpSpPr>
-              <p:grpSpPr>
-                <a:xfrm>
-                  <a:off x="5844770" y="3975672"/>
-                  <a:ext cx="1676400" cy="648552"/>
-                  <a:chOff x="6149570" y="4205068"/>
-                  <a:chExt cx="1676400" cy="648552"/>
-                </a:xfrm>
-                <a:grpFill/>
-              </p:grpSpPr>
-              <p:sp>
-                <p:nvSpPr>
-                  <p:cNvPr id="332" name="Oval 331"/>
-                  <p:cNvSpPr/>
-                  <p:nvPr/>
-                </p:nvSpPr>
-                <p:spPr>
-                  <a:xfrm>
-                    <a:off x="6149570" y="4205068"/>
-                    <a:ext cx="1371600" cy="343752"/>
-                  </a:xfrm>
-                  <a:prstGeom prst="ellipse">
-                    <a:avLst/>
-                  </a:prstGeom>
-                  <a:grpFill/>
-                </p:spPr>
-                <p:style>
-                  <a:lnRef idx="1">
-                    <a:schemeClr val="accent1"/>
-                  </a:lnRef>
-                  <a:fillRef idx="3">
-                    <a:schemeClr val="accent1"/>
-                  </a:fillRef>
-                  <a:effectRef idx="2">
-                    <a:schemeClr val="accent1"/>
-                  </a:effectRef>
-                  <a:fontRef idx="minor">
-                    <a:schemeClr val="lt1"/>
-                  </a:fontRef>
-                </p:style>
-                <p:txBody>
-                  <a:bodyPr rtlCol="0" anchor="ctr"/>
-                  <a:lstStyle/>
-                  <a:p>
-                    <a:pPr algn="ctr"/>
-                    <a:r>
-                      <a:rPr lang="en-US" sz="800" dirty="0" smtClean="0"/>
-                      <a:t>Account</a:t>
-                    </a:r>
-                    <a:endParaRPr lang="en-US" sz="800" dirty="0"/>
-                  </a:p>
-                </p:txBody>
-              </p:sp>
-              <p:sp>
-                <p:nvSpPr>
-                  <p:cNvPr id="333" name="Oval 332"/>
-                  <p:cNvSpPr/>
-                  <p:nvPr/>
-                </p:nvSpPr>
-                <p:spPr>
-                  <a:xfrm>
-                    <a:off x="6301970" y="4357468"/>
-                    <a:ext cx="1371600" cy="343752"/>
-                  </a:xfrm>
-                  <a:prstGeom prst="ellipse">
-                    <a:avLst/>
-                  </a:prstGeom>
-                  <a:grpFill/>
-                </p:spPr>
-                <p:style>
-                  <a:lnRef idx="1">
-                    <a:schemeClr val="accent1"/>
-                  </a:lnRef>
-                  <a:fillRef idx="3">
-                    <a:schemeClr val="accent1"/>
-                  </a:fillRef>
-                  <a:effectRef idx="2">
-                    <a:schemeClr val="accent1"/>
-                  </a:effectRef>
-                  <a:fontRef idx="minor">
-                    <a:schemeClr val="lt1"/>
-                  </a:fontRef>
-                </p:style>
-                <p:txBody>
-                  <a:bodyPr rtlCol="0" anchor="ctr"/>
-                  <a:lstStyle/>
-                  <a:p>
-                    <a:pPr algn="ctr"/>
-                    <a:r>
-                      <a:rPr lang="en-US" sz="800" dirty="0" smtClean="0"/>
-                      <a:t>Account</a:t>
-                    </a:r>
-                    <a:endParaRPr lang="en-US" sz="800" dirty="0"/>
-                  </a:p>
-                </p:txBody>
-              </p:sp>
-              <p:sp>
-                <p:nvSpPr>
-                  <p:cNvPr id="334" name="Oval 333"/>
-                  <p:cNvSpPr/>
-                  <p:nvPr/>
-                </p:nvSpPr>
-                <p:spPr>
-                  <a:xfrm>
-                    <a:off x="6454370" y="4509868"/>
-                    <a:ext cx="1371600" cy="343752"/>
-                  </a:xfrm>
-                  <a:prstGeom prst="ellipse">
-                    <a:avLst/>
-                  </a:prstGeom>
-                  <a:grpFill/>
-                </p:spPr>
-                <p:style>
-                  <a:lnRef idx="1">
-                    <a:schemeClr val="accent1"/>
-                  </a:lnRef>
-                  <a:fillRef idx="3">
-                    <a:schemeClr val="accent1"/>
-                  </a:fillRef>
-                  <a:effectRef idx="2">
-                    <a:schemeClr val="accent1"/>
-                  </a:effectRef>
-                  <a:fontRef idx="minor">
-                    <a:schemeClr val="lt1"/>
-                  </a:fontRef>
-                </p:style>
-                <p:txBody>
-                  <a:bodyPr rtlCol="0" anchor="ctr"/>
-                  <a:lstStyle/>
-                  <a:p>
-                    <a:pPr algn="ctr"/>
-                    <a:r>
-                      <a:rPr lang="en-US" sz="800" dirty="0" smtClean="0"/>
-                      <a:t>Affiliate</a:t>
-                    </a:r>
-                    <a:endParaRPr lang="en-US" sz="800" dirty="0"/>
-                  </a:p>
-                </p:txBody>
-              </p:sp>
-            </p:grpSp>
-            <p:sp>
-              <p:nvSpPr>
-                <p:cNvPr id="322" name="Oval 321"/>
-                <p:cNvSpPr/>
-                <p:nvPr/>
-              </p:nvSpPr>
-              <p:spPr>
-                <a:xfrm>
-                  <a:off x="6530568" y="5094137"/>
-                  <a:ext cx="2023067" cy="343752"/>
-                </a:xfrm>
-                <a:prstGeom prst="ellipse">
-                  <a:avLst/>
-                </a:prstGeom>
-                <a:grpFill/>
-              </p:spPr>
-              <p:style>
-                <a:lnRef idx="1">
-                  <a:schemeClr val="accent1"/>
-                </a:lnRef>
-                <a:fillRef idx="3">
-                  <a:schemeClr val="accent1"/>
-                </a:fillRef>
-                <a:effectRef idx="2">
-                  <a:schemeClr val="accent1"/>
-                </a:effectRef>
-                <a:fontRef idx="minor">
-                  <a:schemeClr val="lt1"/>
-                </a:fontRef>
-              </p:style>
-              <p:txBody>
-                <a:bodyPr rtlCol="0" anchor="ctr"/>
-                <a:lstStyle/>
-                <a:p>
-                  <a:pPr algn="ctr"/>
-                  <a:r>
-                    <a:rPr lang="en-US" sz="800" dirty="0" smtClean="0"/>
-                    <a:t>Organization</a:t>
-                  </a:r>
-                  <a:endParaRPr lang="en-US" sz="800" dirty="0"/>
-                </a:p>
-              </p:txBody>
-            </p:sp>
-            <p:grpSp>
-              <p:nvGrpSpPr>
-                <p:cNvPr id="323" name="Group 322"/>
-                <p:cNvGrpSpPr/>
-                <p:nvPr/>
-              </p:nvGrpSpPr>
-              <p:grpSpPr>
-                <a:xfrm>
-                  <a:off x="7641220" y="2877908"/>
-                  <a:ext cx="568276" cy="703619"/>
-                  <a:chOff x="7641220" y="2877908"/>
-                  <a:chExt cx="568276" cy="703619"/>
-                </a:xfrm>
-                <a:grpFill/>
-              </p:grpSpPr>
-              <p:cxnSp>
-                <p:nvCxnSpPr>
-                  <p:cNvPr id="330" name="Straight Arrow Connector 329"/>
-                  <p:cNvCxnSpPr>
-                    <a:endCxn id="335" idx="0"/>
-                  </p:cNvCxnSpPr>
-                  <p:nvPr/>
-                </p:nvCxnSpPr>
-                <p:spPr>
-                  <a:xfrm>
-                    <a:off x="7777210" y="2877908"/>
-                    <a:ext cx="187276" cy="492917"/>
-                  </a:xfrm>
-                  <a:prstGeom prst="straightConnector1">
-                    <a:avLst/>
-                  </a:prstGeom>
-                  <a:grpFill/>
-                  <a:ln>
-                    <a:solidFill>
-                      <a:schemeClr val="accent2">
-                        <a:lumMod val="60000"/>
-                        <a:lumOff val="40000"/>
-                      </a:schemeClr>
-                    </a:solidFill>
-                    <a:headEnd type="arrow"/>
-                    <a:tailEnd type="arrow"/>
-                  </a:ln>
-                </p:spPr>
-                <p:style>
-                  <a:lnRef idx="2">
-                    <a:schemeClr val="accent1"/>
-                  </a:lnRef>
-                  <a:fillRef idx="0">
-                    <a:schemeClr val="accent1"/>
-                  </a:fillRef>
-                  <a:effectRef idx="1">
-                    <a:schemeClr val="accent1"/>
-                  </a:effectRef>
-                  <a:fontRef idx="minor">
-                    <a:schemeClr val="tx1"/>
-                  </a:fontRef>
-                </p:style>
-              </p:cxnSp>
-              <p:sp>
-                <p:nvSpPr>
-                  <p:cNvPr id="331" name="TextBox 330"/>
-                  <p:cNvSpPr txBox="1"/>
-                  <p:nvPr/>
-                </p:nvSpPr>
-                <p:spPr>
-                  <a:xfrm>
-                    <a:off x="7641220" y="2899603"/>
-                    <a:ext cx="568276" cy="681924"/>
-                  </a:xfrm>
-                  <a:prstGeom prst="rect">
-                    <a:avLst/>
-                  </a:prstGeom>
-                  <a:noFill/>
-                </p:spPr>
-                <p:txBody>
-                  <a:bodyPr wrap="square" rtlCol="0">
-                    <a:spAutoFit/>
-                  </a:bodyPr>
-                  <a:lstStyle/>
-                  <a:p>
-                    <a:r>
-                      <a:rPr lang="en-US" sz="800" dirty="0" smtClean="0"/>
-                      <a:t>Has</a:t>
-                    </a:r>
-                    <a:endParaRPr lang="en-US" sz="800" dirty="0"/>
-                  </a:p>
-                </p:txBody>
-              </p:sp>
-            </p:grpSp>
-            <p:cxnSp>
-              <p:nvCxnSpPr>
-                <p:cNvPr id="324" name="Straight Arrow Connector 323"/>
-                <p:cNvCxnSpPr/>
-                <p:nvPr/>
-              </p:nvCxnSpPr>
-              <p:spPr>
-                <a:xfrm flipH="1">
-                  <a:off x="7777210" y="4019377"/>
-                  <a:ext cx="304800" cy="1074760"/>
-                </a:xfrm>
-                <a:prstGeom prst="straightConnector1">
-                  <a:avLst/>
-                </a:prstGeom>
-                <a:grpFill/>
-                <a:ln>
-                  <a:solidFill>
-                    <a:schemeClr val="accent2">
-                      <a:lumMod val="60000"/>
-                      <a:lumOff val="40000"/>
-                    </a:schemeClr>
-                  </a:solidFill>
-                  <a:headEnd type="arrow"/>
-                  <a:tailEnd type="arrow"/>
-                </a:ln>
-              </p:spPr>
-              <p:style>
-                <a:lnRef idx="2">
-                  <a:schemeClr val="accent1"/>
-                </a:lnRef>
-                <a:fillRef idx="0">
-                  <a:schemeClr val="accent1"/>
-                </a:fillRef>
-                <a:effectRef idx="1">
-                  <a:schemeClr val="accent1"/>
-                </a:effectRef>
-                <a:fontRef idx="minor">
-                  <a:schemeClr val="tx1"/>
-                </a:fontRef>
-              </p:style>
-            </p:cxnSp>
-            <p:sp>
-              <p:nvSpPr>
-                <p:cNvPr id="325" name="TextBox 324"/>
-                <p:cNvSpPr txBox="1"/>
-                <p:nvPr/>
-              </p:nvSpPr>
-              <p:spPr>
-                <a:xfrm>
-                  <a:off x="7662211" y="4378064"/>
-                  <a:ext cx="568276" cy="681924"/>
-                </a:xfrm>
-                <a:prstGeom prst="rect">
-                  <a:avLst/>
-                </a:prstGeom>
-                <a:noFill/>
-              </p:spPr>
-              <p:txBody>
-                <a:bodyPr wrap="square" rtlCol="0">
-                  <a:spAutoFit/>
-                </a:bodyPr>
-                <a:lstStyle/>
-                <a:p>
-                  <a:r>
-                    <a:rPr lang="en-US" sz="800" dirty="0" smtClean="0"/>
-                    <a:t>Has</a:t>
-                  </a:r>
-                  <a:endParaRPr lang="en-US" sz="800" dirty="0"/>
-                </a:p>
-              </p:txBody>
-            </p:sp>
-            <p:cxnSp>
-              <p:nvCxnSpPr>
-                <p:cNvPr id="326" name="Straight Arrow Connector 325"/>
-                <p:cNvCxnSpPr/>
-                <p:nvPr/>
-              </p:nvCxnSpPr>
-              <p:spPr>
-                <a:xfrm>
-                  <a:off x="6855922" y="4656490"/>
-                  <a:ext cx="280420" cy="469913"/>
-                </a:xfrm>
-                <a:prstGeom prst="straightConnector1">
-                  <a:avLst/>
-                </a:prstGeom>
-                <a:grpFill/>
-                <a:ln>
-                  <a:solidFill>
-                    <a:schemeClr val="accent2">
-                      <a:lumMod val="60000"/>
-                      <a:lumOff val="40000"/>
-                    </a:schemeClr>
-                  </a:solidFill>
-                  <a:headEnd type="arrow"/>
-                  <a:tailEnd type="arrow"/>
-                </a:ln>
-              </p:spPr>
-              <p:style>
-                <a:lnRef idx="2">
-                  <a:schemeClr val="accent1"/>
-                </a:lnRef>
-                <a:fillRef idx="0">
-                  <a:schemeClr val="accent1"/>
-                </a:fillRef>
-                <a:effectRef idx="1">
-                  <a:schemeClr val="accent1"/>
-                </a:effectRef>
-                <a:fontRef idx="minor">
-                  <a:schemeClr val="tx1"/>
-                </a:fontRef>
-              </p:style>
-            </p:cxnSp>
-            <p:sp>
-              <p:nvSpPr>
-                <p:cNvPr id="327" name="TextBox 326"/>
-                <p:cNvSpPr txBox="1"/>
-                <p:nvPr/>
-              </p:nvSpPr>
-              <p:spPr>
-                <a:xfrm>
-                  <a:off x="6707445" y="4702629"/>
-                  <a:ext cx="568276" cy="681924"/>
-                </a:xfrm>
-                <a:prstGeom prst="rect">
-                  <a:avLst/>
-                </a:prstGeom>
-                <a:noFill/>
-              </p:spPr>
-              <p:txBody>
-                <a:bodyPr wrap="square" rtlCol="0">
-                  <a:spAutoFit/>
-                </a:bodyPr>
-                <a:lstStyle/>
-                <a:p>
-                  <a:r>
-                    <a:rPr lang="en-US" sz="800" dirty="0" smtClean="0"/>
-                    <a:t>Has</a:t>
-                  </a:r>
-                  <a:endParaRPr lang="en-US" sz="800" dirty="0"/>
-                </a:p>
-              </p:txBody>
-            </p:sp>
-            <p:cxnSp>
-              <p:nvCxnSpPr>
-                <p:cNvPr id="328" name="Straight Arrow Connector 327"/>
-                <p:cNvCxnSpPr>
-                  <a:stCxn id="340" idx="3"/>
-                </p:cNvCxnSpPr>
-                <p:nvPr/>
-              </p:nvCxnSpPr>
-              <p:spPr>
-                <a:xfrm flipH="1">
-                  <a:off x="6764636" y="2827567"/>
-                  <a:ext cx="323006" cy="1148105"/>
-                </a:xfrm>
-                <a:prstGeom prst="straightConnector1">
-                  <a:avLst/>
-                </a:prstGeom>
-                <a:grpFill/>
-                <a:ln>
-                  <a:solidFill>
-                    <a:schemeClr val="accent2">
-                      <a:lumMod val="60000"/>
-                      <a:lumOff val="40000"/>
-                    </a:schemeClr>
-                  </a:solidFill>
-                  <a:headEnd type="arrow"/>
-                  <a:tailEnd type="arrow"/>
-                </a:ln>
-              </p:spPr>
-              <p:style>
-                <a:lnRef idx="2">
-                  <a:schemeClr val="accent1"/>
-                </a:lnRef>
-                <a:fillRef idx="0">
-                  <a:schemeClr val="accent1"/>
-                </a:fillRef>
-                <a:effectRef idx="1">
-                  <a:schemeClr val="accent1"/>
-                </a:effectRef>
-                <a:fontRef idx="minor">
-                  <a:schemeClr val="tx1"/>
-                </a:fontRef>
-              </p:style>
-            </p:cxnSp>
-            <p:sp>
-              <p:nvSpPr>
-                <p:cNvPr id="329" name="TextBox 328"/>
-                <p:cNvSpPr txBox="1"/>
-                <p:nvPr/>
-              </p:nvSpPr>
-              <p:spPr>
-                <a:xfrm>
-                  <a:off x="6682419" y="3039101"/>
-                  <a:ext cx="568276" cy="681924"/>
-                </a:xfrm>
-                <a:prstGeom prst="rect">
-                  <a:avLst/>
-                </a:prstGeom>
-                <a:noFill/>
-              </p:spPr>
-              <p:txBody>
-                <a:bodyPr wrap="square" rtlCol="0">
-                  <a:spAutoFit/>
-                </a:bodyPr>
-                <a:lstStyle/>
-                <a:p>
-                  <a:r>
-                    <a:rPr lang="en-US" sz="800" dirty="0" smtClean="0"/>
-                    <a:t>Has</a:t>
-                  </a:r>
-                  <a:endParaRPr lang="en-US" sz="800" dirty="0"/>
-                </a:p>
-              </p:txBody>
-            </p:sp>
-          </p:grpSp>
-          <p:sp>
-            <p:nvSpPr>
-              <p:cNvPr id="275" name="Oval 274"/>
-              <p:cNvSpPr/>
-              <p:nvPr/>
-            </p:nvSpPr>
-            <p:spPr>
-              <a:xfrm>
-                <a:off x="6473068" y="5230585"/>
-                <a:ext cx="2023067" cy="343752"/>
-              </a:xfrm>
-              <a:prstGeom prst="ellipse">
-                <a:avLst/>
-              </a:prstGeom>
-              <a:solidFill>
-                <a:schemeClr val="accent2">
-                  <a:lumMod val="60000"/>
-                  <a:lumOff val="40000"/>
-                </a:schemeClr>
-              </a:solidFill>
-            </p:spPr>
-            <p:style>
-              <a:lnRef idx="1">
-                <a:schemeClr val="accent1"/>
-              </a:lnRef>
-              <a:fillRef idx="3">
-                <a:schemeClr val="accent1"/>
-              </a:fillRef>
-              <a:effectRef idx="2">
-                <a:schemeClr val="accent1"/>
-              </a:effectRef>
-              <a:fontRef idx="minor">
-                <a:schemeClr val="lt1"/>
-              </a:fontRef>
-            </p:style>
-            <p:txBody>
-              <a:bodyPr rtlCol="0" anchor="ctr"/>
-              <a:lstStyle/>
-              <a:p>
-                <a:pPr algn="ctr"/>
-                <a:r>
-                  <a:rPr lang="en-US" sz="800" dirty="0" smtClean="0"/>
-                  <a:t>Organization</a:t>
-                </a:r>
-                <a:endParaRPr lang="en-US" sz="800" dirty="0"/>
-              </a:p>
-            </p:txBody>
-          </p:sp>
-          <p:sp>
-            <p:nvSpPr>
-              <p:cNvPr id="276" name="Oval 275"/>
-              <p:cNvSpPr/>
-              <p:nvPr/>
-            </p:nvSpPr>
-            <p:spPr>
-              <a:xfrm>
-                <a:off x="6625468" y="5382985"/>
-                <a:ext cx="2023067" cy="343752"/>
-              </a:xfrm>
-              <a:prstGeom prst="ellipse">
-                <a:avLst/>
-              </a:prstGeom>
-              <a:solidFill>
-                <a:schemeClr val="accent2">
-                  <a:lumMod val="60000"/>
-                  <a:lumOff val="40000"/>
-                </a:schemeClr>
-              </a:solidFill>
-            </p:spPr>
-            <p:style>
-              <a:lnRef idx="1">
-                <a:schemeClr val="accent1"/>
-              </a:lnRef>
-              <a:fillRef idx="3">
-                <a:schemeClr val="accent1"/>
-              </a:fillRef>
-              <a:effectRef idx="2">
-                <a:schemeClr val="accent1"/>
-              </a:effectRef>
-              <a:fontRef idx="minor">
-                <a:schemeClr val="lt1"/>
-              </a:fontRef>
-            </p:style>
-            <p:txBody>
-              <a:bodyPr rtlCol="0" anchor="ctr"/>
-              <a:lstStyle/>
-              <a:p>
-                <a:pPr algn="ctr"/>
-                <a:r>
-                  <a:rPr lang="en-US" sz="800" dirty="0" smtClean="0"/>
-                  <a:t>Organization</a:t>
-                </a:r>
-                <a:endParaRPr lang="en-US" sz="800" dirty="0"/>
-              </a:p>
-            </p:txBody>
-          </p:sp>
-          <p:grpSp>
-            <p:nvGrpSpPr>
-              <p:cNvPr id="277" name="Group 276"/>
-              <p:cNvGrpSpPr/>
-              <p:nvPr/>
-            </p:nvGrpSpPr>
-            <p:grpSpPr>
-              <a:xfrm>
-                <a:off x="303275" y="2204961"/>
-                <a:ext cx="3110316" cy="3513333"/>
-                <a:chOff x="5844770" y="2229356"/>
-                <a:chExt cx="3110316" cy="3513333"/>
-              </a:xfrm>
-            </p:grpSpPr>
-            <p:grpSp>
-              <p:nvGrpSpPr>
-                <p:cNvPr id="294" name="Group 293"/>
-                <p:cNvGrpSpPr/>
-                <p:nvPr/>
-              </p:nvGrpSpPr>
-              <p:grpSpPr>
-                <a:xfrm>
-                  <a:off x="6612236" y="2229356"/>
-                  <a:ext cx="1469774" cy="648552"/>
-                  <a:chOff x="6917036" y="2458752"/>
-                  <a:chExt cx="1469774" cy="648552"/>
-                </a:xfrm>
-              </p:grpSpPr>
-              <p:sp>
-                <p:nvSpPr>
-                  <p:cNvPr id="316" name="Oval 315"/>
-                  <p:cNvSpPr/>
-                  <p:nvPr/>
-                </p:nvSpPr>
-                <p:spPr>
-                  <a:xfrm>
-                    <a:off x="6917036" y="2458752"/>
-                    <a:ext cx="1164974" cy="343752"/>
-                  </a:xfrm>
-                  <a:prstGeom prst="ellipse">
-                    <a:avLst/>
-                  </a:prstGeom>
-                </p:spPr>
-                <p:style>
-                  <a:lnRef idx="1">
-                    <a:schemeClr val="accent1"/>
-                  </a:lnRef>
-                  <a:fillRef idx="3">
-                    <a:schemeClr val="accent1"/>
-                  </a:fillRef>
-                  <a:effectRef idx="2">
-                    <a:schemeClr val="accent1"/>
-                  </a:effectRef>
-                  <a:fontRef idx="minor">
-                    <a:schemeClr val="lt1"/>
-                  </a:fontRef>
-                </p:style>
-                <p:txBody>
-                  <a:bodyPr rtlCol="0" anchor="ctr"/>
-                  <a:lstStyle/>
-                  <a:p>
-                    <a:pPr algn="ctr"/>
-                    <a:r>
-                      <a:rPr lang="en-US" sz="800" dirty="0" smtClean="0"/>
-                      <a:t>Name</a:t>
-                    </a:r>
-                    <a:endParaRPr lang="en-US" sz="800" dirty="0"/>
-                  </a:p>
-                </p:txBody>
-              </p:sp>
-              <p:sp>
-                <p:nvSpPr>
-                  <p:cNvPr id="317" name="Oval 316"/>
-                  <p:cNvSpPr/>
-                  <p:nvPr/>
-                </p:nvSpPr>
-                <p:spPr>
-                  <a:xfrm>
-                    <a:off x="7069436" y="2611152"/>
-                    <a:ext cx="1164974" cy="343752"/>
-                  </a:xfrm>
-                  <a:prstGeom prst="ellipse">
-                    <a:avLst/>
-                  </a:prstGeom>
-                </p:spPr>
-                <p:style>
-                  <a:lnRef idx="1">
-                    <a:schemeClr val="accent1"/>
-                  </a:lnRef>
-                  <a:fillRef idx="3">
-                    <a:schemeClr val="accent1"/>
-                  </a:fillRef>
-                  <a:effectRef idx="2">
-                    <a:schemeClr val="accent1"/>
-                  </a:effectRef>
-                  <a:fontRef idx="minor">
-                    <a:schemeClr val="lt1"/>
-                  </a:fontRef>
-                </p:style>
-                <p:txBody>
-                  <a:bodyPr rtlCol="0" anchor="ctr"/>
-                  <a:lstStyle/>
-                  <a:p>
-                    <a:pPr algn="ctr"/>
-                    <a:r>
-                      <a:rPr lang="en-US" sz="800" dirty="0" smtClean="0"/>
-                      <a:t>Name</a:t>
-                    </a:r>
-                    <a:endParaRPr lang="en-US" sz="800" dirty="0"/>
-                  </a:p>
-                </p:txBody>
-              </p:sp>
-              <p:sp>
-                <p:nvSpPr>
-                  <p:cNvPr id="318" name="Oval 317"/>
-                  <p:cNvSpPr/>
-                  <p:nvPr/>
-                </p:nvSpPr>
-                <p:spPr>
-                  <a:xfrm>
-                    <a:off x="7221836" y="2763552"/>
-                    <a:ext cx="1164974" cy="343752"/>
-                  </a:xfrm>
-                  <a:prstGeom prst="ellipse">
-                    <a:avLst/>
-                  </a:prstGeom>
-                </p:spPr>
-                <p:style>
-                  <a:lnRef idx="1">
-                    <a:schemeClr val="accent1"/>
-                  </a:lnRef>
-                  <a:fillRef idx="3">
-                    <a:schemeClr val="accent1"/>
-                  </a:fillRef>
-                  <a:effectRef idx="2">
-                    <a:schemeClr val="accent1"/>
-                  </a:effectRef>
-                  <a:fontRef idx="minor">
-                    <a:schemeClr val="lt1"/>
-                  </a:fontRef>
-                </p:style>
-                <p:txBody>
-                  <a:bodyPr rtlCol="0" anchor="ctr"/>
-                  <a:lstStyle/>
-                  <a:p>
-                    <a:pPr algn="ctr"/>
-                    <a:r>
-                      <a:rPr lang="en-US" sz="800" dirty="0" smtClean="0"/>
-                      <a:t>Name</a:t>
-                    </a:r>
-                    <a:endParaRPr lang="en-US" sz="800" dirty="0"/>
-                  </a:p>
-                </p:txBody>
-              </p:sp>
-            </p:grpSp>
-            <p:grpSp>
-              <p:nvGrpSpPr>
-                <p:cNvPr id="295" name="Group 294"/>
-                <p:cNvGrpSpPr/>
-                <p:nvPr/>
-              </p:nvGrpSpPr>
-              <p:grpSpPr>
-                <a:xfrm>
-                  <a:off x="7278686" y="3370825"/>
-                  <a:ext cx="1676400" cy="648552"/>
-                  <a:chOff x="7583486" y="3600221"/>
-                  <a:chExt cx="1676400" cy="648552"/>
-                </a:xfrm>
-              </p:grpSpPr>
-              <p:sp>
-                <p:nvSpPr>
-                  <p:cNvPr id="313" name="Oval 312"/>
-                  <p:cNvSpPr/>
-                  <p:nvPr/>
-                </p:nvSpPr>
-                <p:spPr>
-                  <a:xfrm>
-                    <a:off x="7583486" y="3600221"/>
-                    <a:ext cx="1371600" cy="343752"/>
-                  </a:xfrm>
-                  <a:prstGeom prst="ellipse">
-                    <a:avLst/>
-                  </a:prstGeom>
-                </p:spPr>
-                <p:style>
-                  <a:lnRef idx="1">
-                    <a:schemeClr val="accent1"/>
-                  </a:lnRef>
-                  <a:fillRef idx="3">
-                    <a:schemeClr val="accent1"/>
-                  </a:fillRef>
-                  <a:effectRef idx="2">
-                    <a:schemeClr val="accent1"/>
-                  </a:effectRef>
-                  <a:fontRef idx="minor">
-                    <a:schemeClr val="lt1"/>
-                  </a:fontRef>
-                </p:style>
-                <p:txBody>
-                  <a:bodyPr rtlCol="0" anchor="ctr"/>
-                  <a:lstStyle/>
-                  <a:p>
-                    <a:pPr algn="ctr"/>
-                    <a:r>
-                      <a:rPr lang="en-US" sz="800" dirty="0" smtClean="0"/>
-                      <a:t>Address</a:t>
-                    </a:r>
-                    <a:endParaRPr lang="en-US" sz="800" dirty="0"/>
-                  </a:p>
-                </p:txBody>
-              </p:sp>
-              <p:sp>
-                <p:nvSpPr>
-                  <p:cNvPr id="314" name="Oval 313"/>
-                  <p:cNvSpPr/>
-                  <p:nvPr/>
-                </p:nvSpPr>
-                <p:spPr>
-                  <a:xfrm>
-                    <a:off x="7735886" y="3752621"/>
-                    <a:ext cx="1371600" cy="343752"/>
-                  </a:xfrm>
-                  <a:prstGeom prst="ellipse">
-                    <a:avLst/>
-                  </a:prstGeom>
-                </p:spPr>
-                <p:style>
-                  <a:lnRef idx="1">
-                    <a:schemeClr val="accent1"/>
-                  </a:lnRef>
-                  <a:fillRef idx="3">
-                    <a:schemeClr val="accent1"/>
-                  </a:fillRef>
-                  <a:effectRef idx="2">
-                    <a:schemeClr val="accent1"/>
-                  </a:effectRef>
-                  <a:fontRef idx="minor">
-                    <a:schemeClr val="lt1"/>
-                  </a:fontRef>
-                </p:style>
-                <p:txBody>
-                  <a:bodyPr rtlCol="0" anchor="ctr"/>
-                  <a:lstStyle/>
-                  <a:p>
-                    <a:pPr algn="ctr"/>
-                    <a:r>
-                      <a:rPr lang="en-US" sz="800" dirty="0" smtClean="0"/>
-                      <a:t>Address</a:t>
-                    </a:r>
-                    <a:endParaRPr lang="en-US" sz="800" dirty="0"/>
-                  </a:p>
-                </p:txBody>
-              </p:sp>
-              <p:sp>
-                <p:nvSpPr>
-                  <p:cNvPr id="315" name="Oval 314"/>
-                  <p:cNvSpPr/>
-                  <p:nvPr/>
-                </p:nvSpPr>
-                <p:spPr>
-                  <a:xfrm>
-                    <a:off x="7888286" y="3905021"/>
-                    <a:ext cx="1371600" cy="343752"/>
-                  </a:xfrm>
-                  <a:prstGeom prst="ellipse">
-                    <a:avLst/>
-                  </a:prstGeom>
-                </p:spPr>
-                <p:style>
-                  <a:lnRef idx="1">
-                    <a:schemeClr val="accent1"/>
-                  </a:lnRef>
-                  <a:fillRef idx="3">
-                    <a:schemeClr val="accent1"/>
-                  </a:fillRef>
-                  <a:effectRef idx="2">
-                    <a:schemeClr val="accent1"/>
-                  </a:effectRef>
-                  <a:fontRef idx="minor">
-                    <a:schemeClr val="lt1"/>
-                  </a:fontRef>
-                </p:style>
-                <p:txBody>
-                  <a:bodyPr rtlCol="0" anchor="ctr"/>
-                  <a:lstStyle/>
-                  <a:p>
-                    <a:pPr algn="ctr"/>
-                    <a:r>
-                      <a:rPr lang="en-US" sz="800" dirty="0" smtClean="0"/>
-                      <a:t>Address</a:t>
-                    </a:r>
-                    <a:endParaRPr lang="en-US" sz="800" dirty="0"/>
-                  </a:p>
-                </p:txBody>
-              </p:sp>
-            </p:grpSp>
-            <p:grpSp>
-              <p:nvGrpSpPr>
-                <p:cNvPr id="296" name="Group 295"/>
-                <p:cNvGrpSpPr/>
-                <p:nvPr/>
-              </p:nvGrpSpPr>
-              <p:grpSpPr>
-                <a:xfrm>
-                  <a:off x="5844770" y="3975672"/>
-                  <a:ext cx="1676400" cy="648552"/>
-                  <a:chOff x="6149570" y="4205068"/>
-                  <a:chExt cx="1676400" cy="648552"/>
-                </a:xfrm>
-              </p:grpSpPr>
-              <p:sp>
-                <p:nvSpPr>
-                  <p:cNvPr id="310" name="Oval 309"/>
-                  <p:cNvSpPr/>
-                  <p:nvPr/>
-                </p:nvSpPr>
-                <p:spPr>
-                  <a:xfrm>
-                    <a:off x="6149570" y="4205068"/>
-                    <a:ext cx="1371600" cy="343752"/>
-                  </a:xfrm>
-                  <a:prstGeom prst="ellipse">
-                    <a:avLst/>
-                  </a:prstGeom>
-                </p:spPr>
-                <p:style>
-                  <a:lnRef idx="1">
-                    <a:schemeClr val="accent1"/>
-                  </a:lnRef>
-                  <a:fillRef idx="3">
-                    <a:schemeClr val="accent1"/>
-                  </a:fillRef>
-                  <a:effectRef idx="2">
-                    <a:schemeClr val="accent1"/>
-                  </a:effectRef>
-                  <a:fontRef idx="minor">
-                    <a:schemeClr val="lt1"/>
-                  </a:fontRef>
-                </p:style>
-                <p:txBody>
-                  <a:bodyPr rtlCol="0" anchor="ctr"/>
-                  <a:lstStyle/>
-                  <a:p>
-                    <a:pPr algn="ctr"/>
-                    <a:r>
-                      <a:rPr lang="en-US" sz="800" dirty="0" smtClean="0"/>
-                      <a:t>Account</a:t>
-                    </a:r>
-                    <a:endParaRPr lang="en-US" sz="800" dirty="0"/>
-                  </a:p>
-                </p:txBody>
-              </p:sp>
-              <p:sp>
-                <p:nvSpPr>
-                  <p:cNvPr id="311" name="Oval 310"/>
-                  <p:cNvSpPr/>
-                  <p:nvPr/>
-                </p:nvSpPr>
-                <p:spPr>
-                  <a:xfrm>
-                    <a:off x="6301970" y="4357468"/>
-                    <a:ext cx="1371600" cy="343752"/>
-                  </a:xfrm>
-                  <a:prstGeom prst="ellipse">
-                    <a:avLst/>
-                  </a:prstGeom>
-                </p:spPr>
-                <p:style>
-                  <a:lnRef idx="1">
-                    <a:schemeClr val="accent1"/>
-                  </a:lnRef>
-                  <a:fillRef idx="3">
-                    <a:schemeClr val="accent1"/>
-                  </a:fillRef>
-                  <a:effectRef idx="2">
-                    <a:schemeClr val="accent1"/>
-                  </a:effectRef>
-                  <a:fontRef idx="minor">
-                    <a:schemeClr val="lt1"/>
-                  </a:fontRef>
-                </p:style>
-                <p:txBody>
-                  <a:bodyPr rtlCol="0" anchor="ctr"/>
-                  <a:lstStyle/>
-                  <a:p>
-                    <a:pPr algn="ctr"/>
-                    <a:r>
-                      <a:rPr lang="en-US" sz="800" dirty="0" smtClean="0"/>
-                      <a:t>Account</a:t>
-                    </a:r>
-                    <a:endParaRPr lang="en-US" sz="800" dirty="0"/>
-                  </a:p>
-                </p:txBody>
-              </p:sp>
-              <p:sp>
-                <p:nvSpPr>
-                  <p:cNvPr id="312" name="Oval 311"/>
-                  <p:cNvSpPr/>
-                  <p:nvPr/>
-                </p:nvSpPr>
-                <p:spPr>
-                  <a:xfrm>
-                    <a:off x="6454370" y="4509868"/>
-                    <a:ext cx="1371600" cy="343752"/>
-                  </a:xfrm>
-                  <a:prstGeom prst="ellipse">
-                    <a:avLst/>
-                  </a:prstGeom>
-                </p:spPr>
-                <p:style>
-                  <a:lnRef idx="1">
-                    <a:schemeClr val="accent1"/>
-                  </a:lnRef>
-                  <a:fillRef idx="3">
-                    <a:schemeClr val="accent1"/>
-                  </a:fillRef>
-                  <a:effectRef idx="2">
-                    <a:schemeClr val="accent1"/>
-                  </a:effectRef>
-                  <a:fontRef idx="minor">
-                    <a:schemeClr val="lt1"/>
-                  </a:fontRef>
-                </p:style>
-                <p:txBody>
-                  <a:bodyPr rtlCol="0" anchor="ctr"/>
-                  <a:lstStyle/>
-                  <a:p>
-                    <a:pPr algn="ctr"/>
-                    <a:r>
-                      <a:rPr lang="en-US" sz="800" dirty="0" smtClean="0"/>
-                      <a:t>Account</a:t>
-                    </a:r>
-                    <a:endParaRPr lang="en-US" sz="800" dirty="0"/>
-                  </a:p>
-                </p:txBody>
-              </p:sp>
-            </p:grpSp>
-            <p:grpSp>
-              <p:nvGrpSpPr>
-                <p:cNvPr id="297" name="Group 296"/>
-                <p:cNvGrpSpPr/>
-                <p:nvPr/>
-              </p:nvGrpSpPr>
-              <p:grpSpPr>
-                <a:xfrm>
-                  <a:off x="6530569" y="5094137"/>
-                  <a:ext cx="2002081" cy="648552"/>
-                  <a:chOff x="6835369" y="5323533"/>
-                  <a:chExt cx="2002081" cy="648552"/>
-                </a:xfrm>
-              </p:grpSpPr>
-              <p:sp>
-                <p:nvSpPr>
-                  <p:cNvPr id="307" name="Oval 306"/>
-                  <p:cNvSpPr/>
-                  <p:nvPr/>
-                </p:nvSpPr>
-                <p:spPr>
-                  <a:xfrm>
-                    <a:off x="6835369" y="5323533"/>
-                    <a:ext cx="1697281" cy="343752"/>
-                  </a:xfrm>
-                  <a:prstGeom prst="ellipse">
-                    <a:avLst/>
-                  </a:prstGeom>
-                </p:spPr>
-                <p:style>
-                  <a:lnRef idx="1">
-                    <a:schemeClr val="accent1"/>
-                  </a:lnRef>
-                  <a:fillRef idx="3">
-                    <a:schemeClr val="accent1"/>
-                  </a:fillRef>
-                  <a:effectRef idx="2">
-                    <a:schemeClr val="accent1"/>
-                  </a:effectRef>
-                  <a:fontRef idx="minor">
-                    <a:schemeClr val="lt1"/>
-                  </a:fontRef>
-                </p:style>
-                <p:txBody>
-                  <a:bodyPr rtlCol="0" anchor="ctr"/>
-                  <a:lstStyle/>
-                  <a:p>
-                    <a:pPr algn="ctr"/>
-                    <a:r>
-                      <a:rPr lang="en-US" sz="800" dirty="0" smtClean="0"/>
-                      <a:t>Institution</a:t>
-                    </a:r>
-                    <a:endParaRPr lang="en-US" sz="800" dirty="0"/>
-                  </a:p>
-                </p:txBody>
-              </p:sp>
-              <p:sp>
-                <p:nvSpPr>
-                  <p:cNvPr id="308" name="Oval 307"/>
-                  <p:cNvSpPr/>
-                  <p:nvPr/>
-                </p:nvSpPr>
-                <p:spPr>
-                  <a:xfrm>
-                    <a:off x="6987769" y="5475933"/>
-                    <a:ext cx="1697281" cy="343752"/>
-                  </a:xfrm>
-                  <a:prstGeom prst="ellipse">
-                    <a:avLst/>
-                  </a:prstGeom>
-                </p:spPr>
-                <p:style>
-                  <a:lnRef idx="1">
-                    <a:schemeClr val="accent1"/>
-                  </a:lnRef>
-                  <a:fillRef idx="3">
-                    <a:schemeClr val="accent1"/>
-                  </a:fillRef>
-                  <a:effectRef idx="2">
-                    <a:schemeClr val="accent1"/>
-                  </a:effectRef>
-                  <a:fontRef idx="minor">
-                    <a:schemeClr val="lt1"/>
-                  </a:fontRef>
-                </p:style>
-                <p:txBody>
-                  <a:bodyPr rtlCol="0" anchor="ctr"/>
-                  <a:lstStyle/>
-                  <a:p>
-                    <a:pPr algn="ctr"/>
-                    <a:r>
-                      <a:rPr lang="en-US" sz="800" dirty="0" smtClean="0"/>
-                      <a:t>Institution</a:t>
-                    </a:r>
-                    <a:endParaRPr lang="en-US" sz="800" dirty="0"/>
-                  </a:p>
-                </p:txBody>
-              </p:sp>
-              <p:sp>
-                <p:nvSpPr>
-                  <p:cNvPr id="309" name="Oval 308"/>
-                  <p:cNvSpPr/>
-                  <p:nvPr/>
-                </p:nvSpPr>
-                <p:spPr>
-                  <a:xfrm>
-                    <a:off x="7140169" y="5628333"/>
-                    <a:ext cx="1697281" cy="343752"/>
-                  </a:xfrm>
-                  <a:prstGeom prst="ellipse">
-                    <a:avLst/>
-                  </a:prstGeom>
-                </p:spPr>
-                <p:style>
-                  <a:lnRef idx="1">
-                    <a:schemeClr val="accent1"/>
-                  </a:lnRef>
-                  <a:fillRef idx="3">
-                    <a:schemeClr val="accent1"/>
-                  </a:fillRef>
-                  <a:effectRef idx="2">
-                    <a:schemeClr val="accent1"/>
-                  </a:effectRef>
-                  <a:fontRef idx="minor">
-                    <a:schemeClr val="lt1"/>
-                  </a:fontRef>
-                </p:style>
-                <p:txBody>
-                  <a:bodyPr rtlCol="0" anchor="ctr"/>
-                  <a:lstStyle/>
-                  <a:p>
-                    <a:pPr algn="ctr"/>
-                    <a:r>
-                      <a:rPr lang="en-US" sz="800" dirty="0" smtClean="0"/>
-                      <a:t>Institution</a:t>
-                    </a:r>
-                    <a:endParaRPr lang="en-US" sz="800" dirty="0"/>
-                  </a:p>
-                </p:txBody>
-              </p:sp>
-            </p:grpSp>
-            <p:grpSp>
-              <p:nvGrpSpPr>
-                <p:cNvPr id="298" name="Group 297"/>
-                <p:cNvGrpSpPr/>
-                <p:nvPr/>
-              </p:nvGrpSpPr>
-              <p:grpSpPr>
-                <a:xfrm>
-                  <a:off x="7777210" y="2877908"/>
-                  <a:ext cx="652681" cy="703619"/>
-                  <a:chOff x="7777210" y="2877908"/>
-                  <a:chExt cx="652681" cy="703619"/>
-                </a:xfrm>
-              </p:grpSpPr>
-              <p:cxnSp>
-                <p:nvCxnSpPr>
-                  <p:cNvPr id="305" name="Straight Arrow Connector 304"/>
-                  <p:cNvCxnSpPr>
-                    <a:endCxn id="313" idx="0"/>
-                  </p:cNvCxnSpPr>
-                  <p:nvPr/>
-                </p:nvCxnSpPr>
-                <p:spPr>
-                  <a:xfrm>
-                    <a:off x="7777210" y="2877908"/>
-                    <a:ext cx="187276" cy="492917"/>
-                  </a:xfrm>
-                  <a:prstGeom prst="straightConnector1">
-                    <a:avLst/>
-                  </a:prstGeom>
-                  <a:ln>
-                    <a:headEnd type="arrow"/>
-                    <a:tailEnd type="arrow"/>
-                  </a:ln>
-                </p:spPr>
-                <p:style>
-                  <a:lnRef idx="2">
-                    <a:schemeClr val="accent1"/>
-                  </a:lnRef>
-                  <a:fillRef idx="0">
-                    <a:schemeClr val="accent1"/>
-                  </a:fillRef>
-                  <a:effectRef idx="1">
-                    <a:schemeClr val="accent1"/>
-                  </a:effectRef>
-                  <a:fontRef idx="minor">
-                    <a:schemeClr val="tx1"/>
-                  </a:fontRef>
-                </p:style>
-              </p:cxnSp>
-              <p:sp>
-                <p:nvSpPr>
-                  <p:cNvPr id="306" name="TextBox 305"/>
-                  <p:cNvSpPr txBox="1"/>
-                  <p:nvPr/>
-                </p:nvSpPr>
-                <p:spPr>
-                  <a:xfrm>
-                    <a:off x="7861614" y="2899603"/>
-                    <a:ext cx="568277" cy="681924"/>
-                  </a:xfrm>
-                  <a:prstGeom prst="rect">
-                    <a:avLst/>
-                  </a:prstGeom>
-                  <a:noFill/>
-                </p:spPr>
-                <p:txBody>
-                  <a:bodyPr wrap="square" rtlCol="0">
-                    <a:spAutoFit/>
-                  </a:bodyPr>
-                  <a:lstStyle/>
-                  <a:p>
-                    <a:r>
-                      <a:rPr lang="en-US" sz="800" dirty="0" smtClean="0"/>
-                      <a:t>Has</a:t>
-                    </a:r>
-                    <a:endParaRPr lang="en-US" sz="800" dirty="0"/>
-                  </a:p>
-                </p:txBody>
-              </p:sp>
-            </p:grpSp>
-            <p:cxnSp>
-              <p:nvCxnSpPr>
-                <p:cNvPr id="299" name="Straight Arrow Connector 298"/>
-                <p:cNvCxnSpPr/>
-                <p:nvPr/>
-              </p:nvCxnSpPr>
-              <p:spPr>
-                <a:xfrm flipH="1">
-                  <a:off x="7777210" y="4019377"/>
-                  <a:ext cx="304800" cy="1074760"/>
-                </a:xfrm>
-                <a:prstGeom prst="straightConnector1">
-                  <a:avLst/>
-                </a:prstGeom>
-                <a:ln>
-                  <a:headEnd type="arrow"/>
-                  <a:tailEnd type="arrow"/>
-                </a:ln>
-              </p:spPr>
-              <p:style>
-                <a:lnRef idx="2">
-                  <a:schemeClr val="accent1"/>
-                </a:lnRef>
-                <a:fillRef idx="0">
-                  <a:schemeClr val="accent1"/>
-                </a:fillRef>
-                <a:effectRef idx="1">
-                  <a:schemeClr val="accent1"/>
-                </a:effectRef>
-                <a:fontRef idx="minor">
-                  <a:schemeClr val="tx1"/>
-                </a:fontRef>
-              </p:style>
-            </p:cxnSp>
-            <p:sp>
-              <p:nvSpPr>
-                <p:cNvPr id="300" name="TextBox 299"/>
-                <p:cNvSpPr txBox="1"/>
-                <p:nvPr/>
-              </p:nvSpPr>
-              <p:spPr>
-                <a:xfrm>
-                  <a:off x="7893100" y="4378064"/>
-                  <a:ext cx="568276" cy="681924"/>
-                </a:xfrm>
-                <a:prstGeom prst="rect">
-                  <a:avLst/>
-                </a:prstGeom>
-                <a:noFill/>
-              </p:spPr>
-              <p:txBody>
-                <a:bodyPr wrap="square" rtlCol="0">
-                  <a:spAutoFit/>
-                </a:bodyPr>
-                <a:lstStyle/>
-                <a:p>
-                  <a:r>
-                    <a:rPr lang="en-US" sz="800" dirty="0" smtClean="0"/>
-                    <a:t>Has</a:t>
-                  </a:r>
-                  <a:endParaRPr lang="en-US" sz="800" dirty="0"/>
-                </a:p>
-              </p:txBody>
-            </p:sp>
-            <p:cxnSp>
-              <p:nvCxnSpPr>
-                <p:cNvPr id="301" name="Straight Arrow Connector 300"/>
-                <p:cNvCxnSpPr/>
-                <p:nvPr/>
-              </p:nvCxnSpPr>
-              <p:spPr>
-                <a:xfrm>
-                  <a:off x="6855922" y="4656490"/>
-                  <a:ext cx="280420" cy="469913"/>
-                </a:xfrm>
-                <a:prstGeom prst="straightConnector1">
-                  <a:avLst/>
-                </a:prstGeom>
-                <a:ln>
-                  <a:headEnd type="arrow"/>
-                  <a:tailEnd type="arrow"/>
-                </a:ln>
-              </p:spPr>
-              <p:style>
-                <a:lnRef idx="2">
-                  <a:schemeClr val="accent1"/>
-                </a:lnRef>
-                <a:fillRef idx="0">
-                  <a:schemeClr val="accent1"/>
-                </a:fillRef>
-                <a:effectRef idx="1">
-                  <a:schemeClr val="accent1"/>
-                </a:effectRef>
-                <a:fontRef idx="minor">
-                  <a:schemeClr val="tx1"/>
-                </a:fontRef>
-              </p:style>
-            </p:cxnSp>
-            <p:sp>
-              <p:nvSpPr>
-                <p:cNvPr id="302" name="TextBox 301"/>
-                <p:cNvSpPr txBox="1"/>
-                <p:nvPr/>
-              </p:nvSpPr>
-              <p:spPr>
-                <a:xfrm>
-                  <a:off x="6476555" y="4702628"/>
-                  <a:ext cx="568276" cy="681924"/>
-                </a:xfrm>
-                <a:prstGeom prst="rect">
-                  <a:avLst/>
-                </a:prstGeom>
-                <a:noFill/>
-              </p:spPr>
-              <p:txBody>
-                <a:bodyPr wrap="square" rtlCol="0">
-                  <a:spAutoFit/>
-                </a:bodyPr>
-                <a:lstStyle/>
-                <a:p>
-                  <a:r>
-                    <a:rPr lang="en-US" sz="800" dirty="0" smtClean="0"/>
-                    <a:t>Has</a:t>
-                  </a:r>
-                  <a:endParaRPr lang="en-US" sz="800" dirty="0"/>
-                </a:p>
-              </p:txBody>
-            </p:sp>
-            <p:cxnSp>
-              <p:nvCxnSpPr>
-                <p:cNvPr id="303" name="Straight Arrow Connector 302"/>
-                <p:cNvCxnSpPr>
-                  <a:stCxn id="318" idx="3"/>
-                </p:cNvCxnSpPr>
-                <p:nvPr/>
-              </p:nvCxnSpPr>
-              <p:spPr>
-                <a:xfrm flipH="1">
-                  <a:off x="6764636" y="2827567"/>
-                  <a:ext cx="323006" cy="1148105"/>
-                </a:xfrm>
-                <a:prstGeom prst="straightConnector1">
-                  <a:avLst/>
-                </a:prstGeom>
-                <a:ln>
-                  <a:headEnd type="arrow"/>
-                  <a:tailEnd type="arrow"/>
-                </a:ln>
-              </p:spPr>
-              <p:style>
-                <a:lnRef idx="2">
-                  <a:schemeClr val="accent1"/>
-                </a:lnRef>
-                <a:fillRef idx="0">
-                  <a:schemeClr val="accent1"/>
-                </a:fillRef>
-                <a:effectRef idx="1">
-                  <a:schemeClr val="accent1"/>
-                </a:effectRef>
-                <a:fontRef idx="minor">
-                  <a:schemeClr val="tx1"/>
-                </a:fontRef>
-              </p:style>
-            </p:cxnSp>
-            <p:sp>
-              <p:nvSpPr>
-                <p:cNvPr id="304" name="TextBox 303"/>
-                <p:cNvSpPr txBox="1"/>
-                <p:nvPr/>
-              </p:nvSpPr>
-              <p:spPr>
-                <a:xfrm>
-                  <a:off x="6441034" y="3165054"/>
-                  <a:ext cx="568276" cy="681924"/>
-                </a:xfrm>
-                <a:prstGeom prst="rect">
-                  <a:avLst/>
-                </a:prstGeom>
-                <a:noFill/>
-              </p:spPr>
-              <p:txBody>
-                <a:bodyPr wrap="square" rtlCol="0">
-                  <a:spAutoFit/>
-                </a:bodyPr>
-                <a:lstStyle/>
-                <a:p>
-                  <a:r>
-                    <a:rPr lang="en-US" sz="800" dirty="0" smtClean="0"/>
-                    <a:t>Has</a:t>
-                  </a:r>
-                  <a:endParaRPr lang="en-US" sz="800" dirty="0"/>
-                </a:p>
-              </p:txBody>
-            </p:sp>
-          </p:grpSp>
-          <p:sp>
-            <p:nvSpPr>
-              <p:cNvPr id="278" name="Oval 277"/>
-              <p:cNvSpPr/>
-              <p:nvPr/>
-            </p:nvSpPr>
-            <p:spPr>
-              <a:xfrm>
-                <a:off x="3825525" y="2222252"/>
-                <a:ext cx="1164974" cy="343752"/>
-              </a:xfrm>
-              <a:prstGeom prst="ellipse">
-                <a:avLst/>
-              </a:prstGeom>
-              <a:solidFill>
-                <a:schemeClr val="bg2">
-                  <a:lumMod val="50000"/>
-                </a:schemeClr>
-              </a:solidFill>
-            </p:spPr>
-            <p:style>
-              <a:lnRef idx="1">
-                <a:schemeClr val="accent1"/>
-              </a:lnRef>
-              <a:fillRef idx="3">
-                <a:schemeClr val="accent1"/>
-              </a:fillRef>
-              <a:effectRef idx="2">
-                <a:schemeClr val="accent1"/>
-              </a:effectRef>
-              <a:fontRef idx="minor">
-                <a:schemeClr val="lt1"/>
-              </a:fontRef>
-            </p:style>
-            <p:txBody>
-              <a:bodyPr rtlCol="0" anchor="ctr"/>
-              <a:lstStyle/>
-              <a:p>
-                <a:pPr algn="ctr"/>
-                <a:r>
-                  <a:rPr lang="en-US" sz="800" dirty="0" smtClean="0"/>
-                  <a:t>Name</a:t>
-                </a:r>
-                <a:endParaRPr lang="en-US" sz="800" dirty="0"/>
-              </a:p>
-            </p:txBody>
-          </p:sp>
-          <p:grpSp>
-            <p:nvGrpSpPr>
-              <p:cNvPr id="279" name="Group 278"/>
-              <p:cNvGrpSpPr/>
-              <p:nvPr/>
-            </p:nvGrpSpPr>
-            <p:grpSpPr>
-              <a:xfrm>
-                <a:off x="2540515" y="2355872"/>
-                <a:ext cx="1285010" cy="681925"/>
-                <a:chOff x="2540515" y="2355872"/>
-                <a:chExt cx="1285010" cy="681925"/>
-              </a:xfrm>
-            </p:grpSpPr>
-            <p:cxnSp>
-              <p:nvCxnSpPr>
-                <p:cNvPr id="292" name="Straight Arrow Connector 291"/>
-                <p:cNvCxnSpPr>
-                  <a:stCxn id="278" idx="2"/>
-                  <a:endCxn id="318" idx="6"/>
-                </p:cNvCxnSpPr>
-                <p:nvPr/>
-              </p:nvCxnSpPr>
-              <p:spPr>
-                <a:xfrm flipH="1">
-                  <a:off x="2540515" y="2394128"/>
-                  <a:ext cx="1285010" cy="287509"/>
-                </a:xfrm>
-                <a:prstGeom prst="straightConnector1">
-                  <a:avLst/>
-                </a:prstGeom>
-                <a:ln>
-                  <a:solidFill>
-                    <a:schemeClr val="accent3">
-                      <a:lumMod val="75000"/>
-                    </a:schemeClr>
-                  </a:solidFill>
-                  <a:headEnd type="arrow"/>
-                  <a:tailEnd type="arrow"/>
-                </a:ln>
-              </p:spPr>
-              <p:style>
-                <a:lnRef idx="2">
-                  <a:schemeClr val="accent1"/>
-                </a:lnRef>
-                <a:fillRef idx="0">
-                  <a:schemeClr val="accent1"/>
-                </a:fillRef>
-                <a:effectRef idx="1">
-                  <a:schemeClr val="accent1"/>
-                </a:effectRef>
-                <a:fontRef idx="minor">
-                  <a:schemeClr val="tx1"/>
-                </a:fontRef>
-              </p:style>
-            </p:cxnSp>
-            <p:sp>
-              <p:nvSpPr>
-                <p:cNvPr id="293" name="TextBox 292"/>
-                <p:cNvSpPr txBox="1"/>
-                <p:nvPr/>
-              </p:nvSpPr>
-              <p:spPr>
-                <a:xfrm>
-                  <a:off x="2645464" y="2355872"/>
-                  <a:ext cx="1164314" cy="681925"/>
-                </a:xfrm>
-                <a:prstGeom prst="rect">
-                  <a:avLst/>
-                </a:prstGeom>
-                <a:noFill/>
-              </p:spPr>
-              <p:txBody>
-                <a:bodyPr wrap="square" rtlCol="0">
-                  <a:spAutoFit/>
-                </a:bodyPr>
-                <a:lstStyle/>
-                <a:p>
-                  <a:r>
-                    <a:rPr lang="en-US" sz="800" dirty="0" err="1" smtClean="0"/>
-                    <a:t>DerivedFrom</a:t>
-                  </a:r>
-                  <a:endParaRPr lang="en-US" sz="800" dirty="0"/>
-                </a:p>
-              </p:txBody>
-            </p:sp>
-          </p:grpSp>
-          <p:cxnSp>
-            <p:nvCxnSpPr>
-              <p:cNvPr id="280" name="Straight Arrow Connector 279"/>
-              <p:cNvCxnSpPr>
-                <a:stCxn id="338" idx="2"/>
-                <a:endCxn id="278" idx="6"/>
-              </p:cNvCxnSpPr>
-              <p:nvPr/>
-            </p:nvCxnSpPr>
-            <p:spPr>
-              <a:xfrm flipH="1">
-                <a:off x="4990499" y="2376837"/>
-                <a:ext cx="1411837" cy="17291"/>
-              </a:xfrm>
-              <a:prstGeom prst="straightConnector1">
-                <a:avLst/>
-              </a:prstGeom>
-              <a:ln>
-                <a:solidFill>
-                  <a:schemeClr val="accent3">
-                    <a:lumMod val="75000"/>
-                  </a:schemeClr>
-                </a:solidFill>
-                <a:headEnd type="arrow"/>
-                <a:tailEnd type="arrow"/>
-              </a:ln>
-            </p:spPr>
-            <p:style>
-              <a:lnRef idx="2">
-                <a:schemeClr val="accent1"/>
-              </a:lnRef>
-              <a:fillRef idx="0">
-                <a:schemeClr val="accent1"/>
-              </a:fillRef>
-              <a:effectRef idx="1">
-                <a:schemeClr val="accent1"/>
-              </a:effectRef>
-              <a:fontRef idx="minor">
-                <a:schemeClr val="tx1"/>
-              </a:fontRef>
-            </p:style>
-          </p:cxnSp>
-          <p:sp>
-            <p:nvSpPr>
-              <p:cNvPr id="281" name="TextBox 280"/>
-              <p:cNvSpPr txBox="1"/>
-              <p:nvPr/>
-            </p:nvSpPr>
-            <p:spPr>
-              <a:xfrm>
-                <a:off x="5140608" y="2167513"/>
-                <a:ext cx="1164314" cy="681924"/>
-              </a:xfrm>
-              <a:prstGeom prst="rect">
-                <a:avLst/>
-              </a:prstGeom>
-              <a:noFill/>
-            </p:spPr>
-            <p:txBody>
-              <a:bodyPr wrap="square" rtlCol="0">
-                <a:spAutoFit/>
-              </a:bodyPr>
-              <a:lstStyle/>
-              <a:p>
-                <a:r>
-                  <a:rPr lang="en-US" sz="800" dirty="0" err="1" smtClean="0"/>
-                  <a:t>DerivedFrom</a:t>
-                </a:r>
-                <a:endParaRPr lang="en-US" sz="800" dirty="0"/>
-              </a:p>
-            </p:txBody>
-          </p:sp>
-          <p:cxnSp>
-            <p:nvCxnSpPr>
-              <p:cNvPr id="282" name="Straight Arrow Connector 281"/>
-              <p:cNvCxnSpPr>
-                <a:stCxn id="337" idx="2"/>
-                <a:endCxn id="284" idx="6"/>
-              </p:cNvCxnSpPr>
-              <p:nvPr/>
-            </p:nvCxnSpPr>
-            <p:spPr>
-              <a:xfrm flipH="1" flipV="1">
-                <a:off x="5705264" y="3479354"/>
-                <a:ext cx="1668322" cy="343752"/>
-              </a:xfrm>
-              <a:prstGeom prst="straightConnector1">
-                <a:avLst/>
-              </a:prstGeom>
-              <a:ln>
-                <a:solidFill>
-                  <a:schemeClr val="accent3">
-                    <a:lumMod val="75000"/>
-                  </a:schemeClr>
-                </a:solidFill>
-                <a:headEnd type="arrow"/>
-                <a:tailEnd type="arrow"/>
-              </a:ln>
-            </p:spPr>
-            <p:style>
-              <a:lnRef idx="2">
-                <a:schemeClr val="accent1"/>
-              </a:lnRef>
-              <a:fillRef idx="0">
-                <a:schemeClr val="accent1"/>
-              </a:fillRef>
-              <a:effectRef idx="1">
-                <a:schemeClr val="accent1"/>
-              </a:effectRef>
-              <a:fontRef idx="minor">
-                <a:schemeClr val="tx1"/>
-              </a:fontRef>
-            </p:style>
-          </p:cxnSp>
-          <p:sp>
-            <p:nvSpPr>
-              <p:cNvPr id="283" name="TextBox 282"/>
-              <p:cNvSpPr txBox="1"/>
-              <p:nvPr/>
-            </p:nvSpPr>
-            <p:spPr>
-              <a:xfrm>
-                <a:off x="5809122" y="3478655"/>
-                <a:ext cx="1164314" cy="681924"/>
-              </a:xfrm>
-              <a:prstGeom prst="rect">
-                <a:avLst/>
-              </a:prstGeom>
-              <a:noFill/>
-            </p:spPr>
-            <p:txBody>
-              <a:bodyPr wrap="square" rtlCol="0">
-                <a:spAutoFit/>
-              </a:bodyPr>
-              <a:lstStyle/>
-              <a:p>
-                <a:r>
-                  <a:rPr lang="en-US" sz="800" dirty="0" smtClean="0"/>
-                  <a:t>Derived From</a:t>
-                </a:r>
-                <a:endParaRPr lang="en-US" sz="800" dirty="0"/>
-              </a:p>
-            </p:txBody>
-          </p:sp>
-          <p:sp>
-            <p:nvSpPr>
-              <p:cNvPr id="284" name="Oval 283"/>
-              <p:cNvSpPr/>
-              <p:nvPr/>
-            </p:nvSpPr>
-            <p:spPr>
-              <a:xfrm>
-                <a:off x="4240087" y="3307478"/>
-                <a:ext cx="1465177" cy="343752"/>
-              </a:xfrm>
-              <a:prstGeom prst="ellipse">
-                <a:avLst/>
-              </a:prstGeom>
-              <a:solidFill>
-                <a:schemeClr val="bg2">
-                  <a:lumMod val="50000"/>
-                </a:schemeClr>
-              </a:solidFill>
-            </p:spPr>
-            <p:style>
-              <a:lnRef idx="1">
-                <a:schemeClr val="accent1"/>
-              </a:lnRef>
-              <a:fillRef idx="3">
-                <a:schemeClr val="accent1"/>
-              </a:fillRef>
-              <a:effectRef idx="2">
-                <a:schemeClr val="accent1"/>
-              </a:effectRef>
-              <a:fontRef idx="minor">
-                <a:schemeClr val="lt1"/>
-              </a:fontRef>
-            </p:style>
-            <p:txBody>
-              <a:bodyPr rtlCol="0" anchor="ctr"/>
-              <a:lstStyle/>
-              <a:p>
-                <a:pPr algn="ctr"/>
-                <a:r>
-                  <a:rPr lang="en-US" sz="800" dirty="0" smtClean="0"/>
-                  <a:t>Address</a:t>
-                </a:r>
-                <a:endParaRPr lang="en-US" sz="800" dirty="0"/>
-              </a:p>
-            </p:txBody>
-          </p:sp>
-          <p:sp>
-            <p:nvSpPr>
-              <p:cNvPr id="285" name="TextBox 284"/>
-              <p:cNvSpPr txBox="1"/>
-              <p:nvPr/>
-            </p:nvSpPr>
-            <p:spPr>
-              <a:xfrm>
-                <a:off x="3227622" y="3384038"/>
-                <a:ext cx="1164314" cy="681924"/>
-              </a:xfrm>
-              <a:prstGeom prst="rect">
-                <a:avLst/>
-              </a:prstGeom>
-              <a:noFill/>
-            </p:spPr>
-            <p:txBody>
-              <a:bodyPr wrap="square" rtlCol="0">
-                <a:spAutoFit/>
-              </a:bodyPr>
-              <a:lstStyle/>
-              <a:p>
-                <a:r>
-                  <a:rPr lang="en-US" sz="800" dirty="0" smtClean="0"/>
-                  <a:t>Derived From</a:t>
-                </a:r>
-                <a:endParaRPr lang="en-US" sz="800" dirty="0"/>
-              </a:p>
-            </p:txBody>
-          </p:sp>
-          <p:cxnSp>
-            <p:nvCxnSpPr>
-              <p:cNvPr id="286" name="Straight Arrow Connector 285"/>
-              <p:cNvCxnSpPr>
-                <a:stCxn id="284" idx="2"/>
-                <a:endCxn id="314" idx="6"/>
-              </p:cNvCxnSpPr>
-              <p:nvPr/>
-            </p:nvCxnSpPr>
-            <p:spPr>
-              <a:xfrm flipH="1">
-                <a:off x="3261191" y="3479354"/>
-                <a:ext cx="978896" cy="191352"/>
-              </a:xfrm>
-              <a:prstGeom prst="straightConnector1">
-                <a:avLst/>
-              </a:prstGeom>
-              <a:ln>
-                <a:solidFill>
-                  <a:schemeClr val="accent3">
-                    <a:lumMod val="75000"/>
-                  </a:schemeClr>
-                </a:solidFill>
-                <a:headEnd type="arrow"/>
-                <a:tailEnd type="arrow"/>
-              </a:ln>
-            </p:spPr>
-            <p:style>
-              <a:lnRef idx="2">
-                <a:schemeClr val="accent1"/>
-              </a:lnRef>
-              <a:fillRef idx="0">
-                <a:schemeClr val="accent1"/>
-              </a:fillRef>
-              <a:effectRef idx="1">
-                <a:schemeClr val="accent1"/>
-              </a:effectRef>
-              <a:fontRef idx="minor">
-                <a:schemeClr val="tx1"/>
-              </a:fontRef>
-            </p:style>
-          </p:cxnSp>
-          <p:sp>
-            <p:nvSpPr>
-              <p:cNvPr id="287" name="Oval 286"/>
-              <p:cNvSpPr/>
-              <p:nvPr/>
-            </p:nvSpPr>
-            <p:spPr>
-              <a:xfrm>
-                <a:off x="3380402" y="4599829"/>
-                <a:ext cx="2023067" cy="343752"/>
-              </a:xfrm>
-              <a:prstGeom prst="ellipse">
-                <a:avLst/>
-              </a:prstGeom>
-              <a:solidFill>
-                <a:schemeClr val="bg2">
-                  <a:lumMod val="50000"/>
-                </a:schemeClr>
-              </a:solidFill>
-            </p:spPr>
-            <p:style>
-              <a:lnRef idx="1">
-                <a:schemeClr val="accent1"/>
-              </a:lnRef>
-              <a:fillRef idx="3">
-                <a:schemeClr val="accent1"/>
-              </a:fillRef>
-              <a:effectRef idx="2">
-                <a:schemeClr val="accent1"/>
-              </a:effectRef>
-              <a:fontRef idx="minor">
-                <a:schemeClr val="lt1"/>
-              </a:fontRef>
-            </p:style>
-            <p:txBody>
-              <a:bodyPr rtlCol="0" anchor="ctr"/>
-              <a:lstStyle/>
-              <a:p>
-                <a:pPr algn="ctr"/>
-                <a:r>
-                  <a:rPr lang="en-US" sz="800" dirty="0" smtClean="0"/>
-                  <a:t>Organization</a:t>
-                </a:r>
-                <a:endParaRPr lang="en-US" sz="800" dirty="0"/>
-              </a:p>
-            </p:txBody>
-          </p:sp>
-          <p:sp>
-            <p:nvSpPr>
-              <p:cNvPr id="288" name="TextBox 287"/>
-              <p:cNvSpPr txBox="1"/>
-              <p:nvPr/>
-            </p:nvSpPr>
-            <p:spPr>
-              <a:xfrm>
-                <a:off x="5107197" y="4950368"/>
-                <a:ext cx="1164314" cy="681924"/>
-              </a:xfrm>
-              <a:prstGeom prst="rect">
-                <a:avLst/>
-              </a:prstGeom>
-              <a:noFill/>
-            </p:spPr>
-            <p:txBody>
-              <a:bodyPr wrap="square" rtlCol="0">
-                <a:spAutoFit/>
-              </a:bodyPr>
-              <a:lstStyle/>
-              <a:p>
-                <a:r>
-                  <a:rPr lang="en-US" sz="800" dirty="0" smtClean="0"/>
-                  <a:t>Derived From</a:t>
-                </a:r>
-                <a:endParaRPr lang="en-US" sz="800" dirty="0"/>
-              </a:p>
-            </p:txBody>
-          </p:sp>
-          <p:cxnSp>
-            <p:nvCxnSpPr>
-              <p:cNvPr id="289" name="Straight Arrow Connector 288"/>
-              <p:cNvCxnSpPr>
-                <a:stCxn id="275" idx="2"/>
-                <a:endCxn id="287" idx="5"/>
-              </p:cNvCxnSpPr>
-              <p:nvPr/>
-            </p:nvCxnSpPr>
-            <p:spPr>
-              <a:xfrm flipH="1" flipV="1">
-                <a:off x="5107198" y="4893240"/>
-                <a:ext cx="1365870" cy="509221"/>
-              </a:xfrm>
-              <a:prstGeom prst="straightConnector1">
-                <a:avLst/>
-              </a:prstGeom>
-              <a:ln>
-                <a:solidFill>
-                  <a:schemeClr val="accent3">
-                    <a:lumMod val="75000"/>
-                  </a:schemeClr>
-                </a:solidFill>
-                <a:headEnd type="arrow"/>
-                <a:tailEnd type="arrow"/>
-              </a:ln>
-            </p:spPr>
-            <p:style>
-              <a:lnRef idx="2">
-                <a:schemeClr val="accent1"/>
-              </a:lnRef>
-              <a:fillRef idx="0">
-                <a:schemeClr val="accent1"/>
-              </a:fillRef>
-              <a:effectRef idx="1">
-                <a:schemeClr val="accent1"/>
-              </a:effectRef>
-              <a:fontRef idx="minor">
-                <a:schemeClr val="tx1"/>
-              </a:fontRef>
-            </p:style>
-          </p:cxnSp>
-          <p:sp>
-            <p:nvSpPr>
-              <p:cNvPr id="290" name="TextBox 289"/>
-              <p:cNvSpPr txBox="1"/>
-              <p:nvPr/>
-            </p:nvSpPr>
-            <p:spPr>
-              <a:xfrm>
-                <a:off x="2788907" y="5080942"/>
-                <a:ext cx="1164314" cy="681924"/>
-              </a:xfrm>
-              <a:prstGeom prst="rect">
-                <a:avLst/>
-              </a:prstGeom>
-              <a:noFill/>
-            </p:spPr>
-            <p:txBody>
-              <a:bodyPr wrap="square" rtlCol="0">
-                <a:spAutoFit/>
-              </a:bodyPr>
-              <a:lstStyle/>
-              <a:p>
-                <a:r>
-                  <a:rPr lang="en-US" sz="800" dirty="0" smtClean="0"/>
-                  <a:t>Derived From</a:t>
-                </a:r>
-                <a:endParaRPr lang="en-US" sz="800" dirty="0"/>
-              </a:p>
-            </p:txBody>
-          </p:sp>
-          <p:cxnSp>
-            <p:nvCxnSpPr>
-              <p:cNvPr id="291" name="Straight Arrow Connector 290"/>
-              <p:cNvCxnSpPr>
-                <a:endCxn id="309" idx="6"/>
-              </p:cNvCxnSpPr>
-              <p:nvPr/>
-            </p:nvCxnSpPr>
-            <p:spPr>
-              <a:xfrm flipH="1">
-                <a:off x="2991155" y="4893240"/>
-                <a:ext cx="556246" cy="653178"/>
-              </a:xfrm>
-              <a:prstGeom prst="straightConnector1">
-                <a:avLst/>
-              </a:prstGeom>
-              <a:ln>
-                <a:solidFill>
-                  <a:schemeClr val="accent3">
-                    <a:lumMod val="75000"/>
-                  </a:schemeClr>
-                </a:solidFill>
-                <a:headEnd type="arrow"/>
-                <a:tailEnd type="arrow"/>
-              </a:ln>
-            </p:spPr>
-            <p:style>
-              <a:lnRef idx="2">
-                <a:schemeClr val="accent1"/>
-              </a:lnRef>
-              <a:fillRef idx="0">
-                <a:schemeClr val="accent1"/>
-              </a:fillRef>
-              <a:effectRef idx="1">
-                <a:schemeClr val="accent1"/>
-              </a:effectRef>
-              <a:fontRef idx="minor">
-                <a:schemeClr val="tx1"/>
-              </a:fontRef>
-            </p:style>
-          </p:cxnSp>
-        </p:grpSp>
-        <p:sp>
-          <p:nvSpPr>
-            <p:cNvPr id="267" name="TextBox 266"/>
-            <p:cNvSpPr txBox="1"/>
-            <p:nvPr/>
-          </p:nvSpPr>
-          <p:spPr>
-            <a:xfrm>
-              <a:off x="303275" y="5904364"/>
-              <a:ext cx="8544233" cy="681924"/>
-            </a:xfrm>
-            <a:prstGeom prst="rect">
-              <a:avLst/>
-            </a:prstGeom>
-            <a:noFill/>
-          </p:spPr>
-          <p:txBody>
-            <a:bodyPr wrap="square" rtlCol="0">
-              <a:spAutoFit/>
-            </a:bodyPr>
-            <a:lstStyle/>
-            <a:p>
-              <a:r>
-                <a:rPr lang="en-US" sz="800" dirty="0" smtClean="0"/>
-                <a:t>Enriched data (as well as all other) retains attributes related to confidence and/or assumptions made in establishing the assertions being raised</a:t>
-              </a:r>
-              <a:endParaRPr lang="en-US" sz="800" dirty="0"/>
-            </a:p>
-          </p:txBody>
-        </p:sp>
-        <p:cxnSp>
-          <p:nvCxnSpPr>
-            <p:cNvPr id="268" name="Straight Arrow Connector 267"/>
-            <p:cNvCxnSpPr/>
-            <p:nvPr/>
-          </p:nvCxnSpPr>
-          <p:spPr>
-            <a:xfrm flipH="1">
-              <a:off x="4240087" y="3459270"/>
-              <a:ext cx="500933" cy="909647"/>
-            </a:xfrm>
-            <a:prstGeom prst="straightConnector1">
-              <a:avLst/>
-            </a:prstGeom>
-            <a:ln>
-              <a:solidFill>
-                <a:schemeClr val="accent6">
-                  <a:lumMod val="75000"/>
-                </a:schemeClr>
-              </a:solidFill>
-              <a:headEnd type="arrow"/>
-              <a:tailEnd type="arrow"/>
-            </a:ln>
-          </p:spPr>
-          <p:style>
-            <a:lnRef idx="2">
-              <a:schemeClr val="accent1"/>
-            </a:lnRef>
-            <a:fillRef idx="0">
-              <a:schemeClr val="accent1"/>
-            </a:fillRef>
-            <a:effectRef idx="1">
-              <a:schemeClr val="accent1"/>
-            </a:effectRef>
-            <a:fontRef idx="minor">
-              <a:schemeClr val="tx1"/>
-            </a:fontRef>
-          </p:style>
-        </p:cxnSp>
-        <p:cxnSp>
-          <p:nvCxnSpPr>
-            <p:cNvPr id="269" name="Straight Arrow Connector 268"/>
-            <p:cNvCxnSpPr>
-              <a:stCxn id="278" idx="4"/>
-            </p:cNvCxnSpPr>
-            <p:nvPr/>
-          </p:nvCxnSpPr>
-          <p:spPr>
-            <a:xfrm>
-              <a:off x="4408012" y="2335092"/>
-              <a:ext cx="333008" cy="741474"/>
-            </a:xfrm>
-            <a:prstGeom prst="straightConnector1">
-              <a:avLst/>
-            </a:prstGeom>
-            <a:ln>
-              <a:solidFill>
-                <a:schemeClr val="accent6">
-                  <a:lumMod val="75000"/>
-                </a:schemeClr>
-              </a:solidFill>
-              <a:headEnd type="arrow"/>
-              <a:tailEnd type="arrow"/>
-            </a:ln>
-          </p:spPr>
-          <p:style>
-            <a:lnRef idx="2">
-              <a:schemeClr val="accent1"/>
-            </a:lnRef>
-            <a:fillRef idx="0">
-              <a:schemeClr val="accent1"/>
-            </a:fillRef>
-            <a:effectRef idx="1">
-              <a:schemeClr val="accent1"/>
-            </a:effectRef>
-            <a:fontRef idx="minor">
-              <a:schemeClr val="tx1"/>
-            </a:fontRef>
-          </p:style>
-        </p:cxnSp>
-        <p:cxnSp>
-          <p:nvCxnSpPr>
-            <p:cNvPr id="270" name="Straight Arrow Connector 269"/>
-            <p:cNvCxnSpPr/>
-            <p:nvPr/>
-          </p:nvCxnSpPr>
-          <p:spPr>
-            <a:xfrm flipH="1">
-              <a:off x="3825525" y="2335092"/>
-              <a:ext cx="309610" cy="2033825"/>
-            </a:xfrm>
-            <a:prstGeom prst="straightConnector1">
-              <a:avLst/>
-            </a:prstGeom>
-            <a:ln>
-              <a:solidFill>
-                <a:schemeClr val="accent6">
-                  <a:lumMod val="75000"/>
-                </a:schemeClr>
-              </a:solidFill>
-              <a:headEnd type="arrow"/>
-              <a:tailEnd type="arrow"/>
-            </a:ln>
-          </p:spPr>
-          <p:style>
-            <a:lnRef idx="2">
-              <a:schemeClr val="accent1"/>
-            </a:lnRef>
-            <a:fillRef idx="0">
-              <a:schemeClr val="accent1"/>
-            </a:fillRef>
-            <a:effectRef idx="1">
-              <a:schemeClr val="accent1"/>
-            </a:effectRef>
-            <a:fontRef idx="minor">
-              <a:schemeClr val="tx1"/>
-            </a:fontRef>
-          </p:style>
-        </p:cxnSp>
-        <p:sp>
-          <p:nvSpPr>
-            <p:cNvPr id="271" name="TextBox 270"/>
-            <p:cNvSpPr txBox="1"/>
-            <p:nvPr/>
-          </p:nvSpPr>
-          <p:spPr>
-            <a:xfrm>
-              <a:off x="4540950" y="2572260"/>
-              <a:ext cx="1164314" cy="681924"/>
-            </a:xfrm>
-            <a:prstGeom prst="rect">
-              <a:avLst/>
-            </a:prstGeom>
-            <a:noFill/>
-          </p:spPr>
-          <p:txBody>
-            <a:bodyPr wrap="square" rtlCol="0">
-              <a:spAutoFit/>
-            </a:bodyPr>
-            <a:lstStyle/>
-            <a:p>
-              <a:r>
-                <a:rPr lang="en-US" sz="800" dirty="0" smtClean="0"/>
-                <a:t>Works At</a:t>
-              </a:r>
-              <a:endParaRPr lang="en-US" sz="800" dirty="0"/>
-            </a:p>
-          </p:txBody>
-        </p:sp>
-        <p:sp>
-          <p:nvSpPr>
-            <p:cNvPr id="272" name="TextBox 271"/>
-            <p:cNvSpPr txBox="1"/>
-            <p:nvPr/>
-          </p:nvSpPr>
-          <p:spPr>
-            <a:xfrm>
-              <a:off x="4443007" y="3814980"/>
-              <a:ext cx="1164314" cy="433953"/>
-            </a:xfrm>
-            <a:prstGeom prst="rect">
-              <a:avLst/>
-            </a:prstGeom>
-            <a:noFill/>
-          </p:spPr>
-          <p:txBody>
-            <a:bodyPr wrap="square" rtlCol="0">
-              <a:spAutoFit/>
-            </a:bodyPr>
-            <a:lstStyle/>
-            <a:p>
-              <a:r>
-                <a:rPr lang="en-US" sz="800" dirty="0" smtClean="0"/>
-                <a:t>Owns</a:t>
-              </a:r>
-              <a:endParaRPr lang="en-US" sz="800" dirty="0"/>
-            </a:p>
-          </p:txBody>
-        </p:sp>
-        <p:sp>
-          <p:nvSpPr>
-            <p:cNvPr id="273" name="TextBox 272"/>
-            <p:cNvSpPr txBox="1"/>
-            <p:nvPr/>
-          </p:nvSpPr>
-          <p:spPr>
-            <a:xfrm>
-              <a:off x="3413590" y="3717387"/>
-              <a:ext cx="994421" cy="681924"/>
-            </a:xfrm>
-            <a:prstGeom prst="rect">
-              <a:avLst/>
-            </a:prstGeom>
-            <a:noFill/>
-          </p:spPr>
-          <p:txBody>
-            <a:bodyPr wrap="square" rtlCol="0">
-              <a:spAutoFit/>
-            </a:bodyPr>
-            <a:lstStyle/>
-            <a:p>
-              <a:pPr algn="ctr"/>
-              <a:r>
-                <a:rPr lang="en-US" sz="800" dirty="0" smtClean="0"/>
-                <a:t>Works For</a:t>
-              </a:r>
-              <a:endParaRPr lang="en-US" sz="800" dirty="0"/>
-            </a:p>
-          </p:txBody>
-        </p:sp>
       </p:grpSp>
       <p:sp>
         <p:nvSpPr>
@@ -14343,48 +11767,6 @@
           </a:p>
         </p:txBody>
       </p:sp>
-      <p:cxnSp>
-        <p:nvCxnSpPr>
-          <p:cNvPr id="357" name="Straight Arrow Connector 356"/>
-          <p:cNvCxnSpPr>
-            <a:stCxn id="344" idx="3"/>
-          </p:cNvCxnSpPr>
-          <p:nvPr/>
-        </p:nvCxnSpPr>
-        <p:spPr>
-          <a:xfrm flipH="1">
-            <a:off x="3292136" y="4354039"/>
-            <a:ext cx="164943" cy="665610"/>
-          </a:xfrm>
-          <a:prstGeom prst="straightConnector1">
-            <a:avLst/>
-          </a:prstGeom>
-          <a:solidFill>
-            <a:schemeClr val="accent2">
-              <a:lumMod val="60000"/>
-              <a:lumOff val="40000"/>
-            </a:schemeClr>
-          </a:solidFill>
-          <a:ln w="12700">
-            <a:headEnd type="arrow"/>
-            <a:tailEnd type="arrow"/>
-          </a:ln>
-        </p:spPr>
-        <p:style>
-          <a:lnRef idx="2">
-            <a:schemeClr val="accent1"/>
-          </a:lnRef>
-          <a:fillRef idx="0">
-            <a:schemeClr val="accent1"/>
-          </a:fillRef>
-          <a:effectRef idx="1">
-            <a:schemeClr val="accent1"/>
-          </a:effectRef>
-          <a:fontRef idx="minor">
-            <a:schemeClr val="tx1"/>
-          </a:fontRef>
-        </p:style>
-      </p:cxnSp>
       <p:sp>
         <p:nvSpPr>
           <p:cNvPr id="358" name="TextBox 357"/>
@@ -14393,7 +11775,7 @@
         </p:nvSpPr>
         <p:spPr>
           <a:xfrm>
-            <a:off x="3149932" y="4471630"/>
+            <a:off x="3351645" y="4491459"/>
             <a:ext cx="362601" cy="184666"/>
           </a:xfrm>
           <a:prstGeom prst="rect">
@@ -14549,14 +11931,15 @@
         <p:nvCxnSpPr>
           <p:cNvPr id="361" name="Straight Arrow Connector 360"/>
           <p:cNvCxnSpPr>
+            <a:stCxn id="350" idx="4"/>
             <a:endCxn id="351" idx="1"/>
           </p:cNvCxnSpPr>
           <p:nvPr/>
         </p:nvCxnSpPr>
         <p:spPr>
           <a:xfrm>
-            <a:off x="3353681" y="5474798"/>
-            <a:ext cx="146059" cy="181448"/>
+            <a:off x="3328256" y="5401769"/>
+            <a:ext cx="171484" cy="254477"/>
           </a:xfrm>
           <a:prstGeom prst="straightConnector1">
             <a:avLst/>
@@ -14617,6 +12000,3448 @@
           </a:p>
         </p:txBody>
       </p:sp>
+      <p:grpSp>
+        <p:nvGrpSpPr>
+          <p:cNvPr id="10" name="Group 9"/>
+          <p:cNvGrpSpPr/>
+          <p:nvPr/>
+        </p:nvGrpSpPr>
+        <p:grpSpPr>
+          <a:xfrm>
+            <a:off x="4719900" y="3747692"/>
+            <a:ext cx="4301053" cy="2847284"/>
+            <a:chOff x="4719900" y="3747692"/>
+            <a:chExt cx="4301053" cy="2847284"/>
+          </a:xfrm>
+        </p:grpSpPr>
+        <p:cxnSp>
+          <p:nvCxnSpPr>
+            <p:cNvPr id="430" name="Straight Arrow Connector 429"/>
+            <p:cNvCxnSpPr>
+              <a:stCxn id="480" idx="3"/>
+            </p:cNvCxnSpPr>
+            <p:nvPr/>
+          </p:nvCxnSpPr>
+          <p:spPr>
+            <a:xfrm flipH="1">
+              <a:off x="7775920" y="4374087"/>
+              <a:ext cx="164943" cy="665610"/>
+            </a:xfrm>
+            <a:prstGeom prst="straightConnector1">
+              <a:avLst/>
+            </a:prstGeom>
+            <a:solidFill>
+              <a:schemeClr val="accent2">
+                <a:lumMod val="60000"/>
+                <a:lumOff val="40000"/>
+              </a:schemeClr>
+            </a:solidFill>
+            <a:ln w="12700">
+              <a:headEnd type="arrow"/>
+              <a:tailEnd type="arrow"/>
+            </a:ln>
+          </p:spPr>
+          <p:style>
+            <a:lnRef idx="2">
+              <a:schemeClr val="accent1"/>
+            </a:lnRef>
+            <a:fillRef idx="0">
+              <a:schemeClr val="accent1"/>
+            </a:fillRef>
+            <a:effectRef idx="1">
+              <a:schemeClr val="accent1"/>
+            </a:effectRef>
+            <a:fontRef idx="minor">
+              <a:schemeClr val="tx1"/>
+            </a:fontRef>
+          </p:style>
+        </p:cxnSp>
+        <p:grpSp>
+          <p:nvGrpSpPr>
+            <p:cNvPr id="431" name="Group 430"/>
+            <p:cNvGrpSpPr/>
+            <p:nvPr/>
+          </p:nvGrpSpPr>
+          <p:grpSpPr>
+            <a:xfrm>
+              <a:off x="4719900" y="3747692"/>
+              <a:ext cx="4224528" cy="2847284"/>
+              <a:chOff x="236116" y="3727644"/>
+              <a:chExt cx="4224528" cy="2847284"/>
+            </a:xfrm>
+          </p:grpSpPr>
+          <p:sp>
+            <p:nvSpPr>
+              <p:cNvPr id="432" name="TextBox 431"/>
+              <p:cNvSpPr txBox="1"/>
+              <p:nvPr/>
+            </p:nvSpPr>
+            <p:spPr>
+              <a:xfrm>
+                <a:off x="236116" y="3727644"/>
+                <a:ext cx="4224528" cy="246221"/>
+              </a:xfrm>
+              <a:prstGeom prst="rect">
+                <a:avLst/>
+              </a:prstGeom>
+              <a:noFill/>
+            </p:spPr>
+            <p:txBody>
+              <a:bodyPr wrap="square" rtlCol="0">
+                <a:spAutoFit/>
+              </a:bodyPr>
+              <a:lstStyle/>
+              <a:p>
+                <a:r>
+                  <a:rPr lang="en-US" sz="1000" dirty="0"/>
+                  <a:t>Phase 4, Knowledge Enrichment, through Model Application</a:t>
+                </a:r>
+                <a:endParaRPr lang="en-US" sz="1000" dirty="0"/>
+              </a:p>
+            </p:txBody>
+          </p:sp>
+          <p:grpSp>
+            <p:nvGrpSpPr>
+              <p:cNvPr id="433" name="Group 432"/>
+              <p:cNvGrpSpPr/>
+              <p:nvPr/>
+            </p:nvGrpSpPr>
+            <p:grpSpPr>
+              <a:xfrm>
+                <a:off x="265912" y="4119088"/>
+                <a:ext cx="4113880" cy="2455840"/>
+                <a:chOff x="303275" y="1974049"/>
+                <a:chExt cx="8544233" cy="5075197"/>
+              </a:xfrm>
+            </p:grpSpPr>
+            <p:grpSp>
+              <p:nvGrpSpPr>
+                <p:cNvPr id="434" name="Group 433"/>
+                <p:cNvGrpSpPr/>
+                <p:nvPr/>
+              </p:nvGrpSpPr>
+              <p:grpSpPr>
+                <a:xfrm>
+                  <a:off x="303275" y="1974049"/>
+                  <a:ext cx="6869868" cy="3513333"/>
+                  <a:chOff x="303275" y="2204961"/>
+                  <a:chExt cx="6869868" cy="3513333"/>
+                </a:xfrm>
+              </p:grpSpPr>
+              <p:grpSp>
+                <p:nvGrpSpPr>
+                  <p:cNvPr id="436" name="Group 435"/>
+                  <p:cNvGrpSpPr/>
+                  <p:nvPr/>
+                </p:nvGrpSpPr>
+                <p:grpSpPr>
+                  <a:xfrm>
+                    <a:off x="303275" y="2204961"/>
+                    <a:ext cx="3110316" cy="3513333"/>
+                    <a:chOff x="5844770" y="2229356"/>
+                    <a:chExt cx="3110316" cy="3513333"/>
+                  </a:xfrm>
+                </p:grpSpPr>
+                <p:grpSp>
+                  <p:nvGrpSpPr>
+                    <p:cNvPr id="453" name="Group 452"/>
+                    <p:cNvGrpSpPr/>
+                    <p:nvPr/>
+                  </p:nvGrpSpPr>
+                  <p:grpSpPr>
+                    <a:xfrm>
+                      <a:off x="6612236" y="2229356"/>
+                      <a:ext cx="1469774" cy="648552"/>
+                      <a:chOff x="6917036" y="2458752"/>
+                      <a:chExt cx="1469774" cy="648552"/>
+                    </a:xfrm>
+                  </p:grpSpPr>
+                  <p:sp>
+                    <p:nvSpPr>
+                      <p:cNvPr id="475" name="Oval 474"/>
+                      <p:cNvSpPr/>
+                      <p:nvPr/>
+                    </p:nvSpPr>
+                    <p:spPr>
+                      <a:xfrm>
+                        <a:off x="6917036" y="2458752"/>
+                        <a:ext cx="1164974" cy="343752"/>
+                      </a:xfrm>
+                      <a:prstGeom prst="ellipse">
+                        <a:avLst/>
+                      </a:prstGeom>
+                      <a:ln>
+                        <a:solidFill>
+                          <a:srgbClr val="851212"/>
+                        </a:solidFill>
+                      </a:ln>
+                    </p:spPr>
+                    <p:style>
+                      <a:lnRef idx="1">
+                        <a:schemeClr val="accent1"/>
+                      </a:lnRef>
+                      <a:fillRef idx="3">
+                        <a:schemeClr val="accent1"/>
+                      </a:fillRef>
+                      <a:effectRef idx="2">
+                        <a:schemeClr val="accent1"/>
+                      </a:effectRef>
+                      <a:fontRef idx="minor">
+                        <a:schemeClr val="lt1"/>
+                      </a:fontRef>
+                    </p:style>
+                    <p:txBody>
+                      <a:bodyPr rtlCol="0" anchor="ctr"/>
+                      <a:lstStyle/>
+                      <a:p>
+                        <a:pPr algn="ctr"/>
+                        <a:r>
+                          <a:rPr lang="en-US" sz="600" dirty="0"/>
+                          <a:t>Name</a:t>
+                        </a:r>
+                        <a:endParaRPr lang="en-US" sz="600" dirty="0"/>
+                      </a:p>
+                    </p:txBody>
+                  </p:sp>
+                  <p:sp>
+                    <p:nvSpPr>
+                      <p:cNvPr id="476" name="Oval 475"/>
+                      <p:cNvSpPr/>
+                      <p:nvPr/>
+                    </p:nvSpPr>
+                    <p:spPr>
+                      <a:xfrm>
+                        <a:off x="7069436" y="2611152"/>
+                        <a:ext cx="1164974" cy="343752"/>
+                      </a:xfrm>
+                      <a:prstGeom prst="ellipse">
+                        <a:avLst/>
+                      </a:prstGeom>
+                      <a:ln>
+                        <a:solidFill>
+                          <a:srgbClr val="851212"/>
+                        </a:solidFill>
+                      </a:ln>
+                    </p:spPr>
+                    <p:style>
+                      <a:lnRef idx="1">
+                        <a:schemeClr val="accent1"/>
+                      </a:lnRef>
+                      <a:fillRef idx="3">
+                        <a:schemeClr val="accent1"/>
+                      </a:fillRef>
+                      <a:effectRef idx="2">
+                        <a:schemeClr val="accent1"/>
+                      </a:effectRef>
+                      <a:fontRef idx="minor">
+                        <a:schemeClr val="lt1"/>
+                      </a:fontRef>
+                    </p:style>
+                    <p:txBody>
+                      <a:bodyPr rtlCol="0" anchor="ctr"/>
+                      <a:lstStyle/>
+                      <a:p>
+                        <a:pPr algn="ctr"/>
+                        <a:r>
+                          <a:rPr lang="en-US" sz="600" dirty="0"/>
+                          <a:t>Name</a:t>
+                        </a:r>
+                        <a:endParaRPr lang="en-US" sz="600" dirty="0"/>
+                      </a:p>
+                    </p:txBody>
+                  </p:sp>
+                  <p:sp>
+                    <p:nvSpPr>
+                      <p:cNvPr id="477" name="Oval 476"/>
+                      <p:cNvSpPr/>
+                      <p:nvPr/>
+                    </p:nvSpPr>
+                    <p:spPr>
+                      <a:xfrm>
+                        <a:off x="7221836" y="2763552"/>
+                        <a:ext cx="1164974" cy="343752"/>
+                      </a:xfrm>
+                      <a:prstGeom prst="ellipse">
+                        <a:avLst/>
+                      </a:prstGeom>
+                      <a:ln>
+                        <a:solidFill>
+                          <a:srgbClr val="851212"/>
+                        </a:solidFill>
+                      </a:ln>
+                    </p:spPr>
+                    <p:style>
+                      <a:lnRef idx="1">
+                        <a:schemeClr val="accent1"/>
+                      </a:lnRef>
+                      <a:fillRef idx="3">
+                        <a:schemeClr val="accent1"/>
+                      </a:fillRef>
+                      <a:effectRef idx="2">
+                        <a:schemeClr val="accent1"/>
+                      </a:effectRef>
+                      <a:fontRef idx="minor">
+                        <a:schemeClr val="lt1"/>
+                      </a:fontRef>
+                    </p:style>
+                    <p:txBody>
+                      <a:bodyPr rtlCol="0" anchor="ctr"/>
+                      <a:lstStyle/>
+                      <a:p>
+                        <a:pPr algn="ctr"/>
+                        <a:r>
+                          <a:rPr lang="en-US" sz="600" dirty="0" smtClean="0"/>
+                          <a:t>Name</a:t>
+                        </a:r>
+                        <a:endParaRPr lang="en-US" sz="600" dirty="0"/>
+                      </a:p>
+                    </p:txBody>
+                  </p:sp>
+                </p:grpSp>
+                <p:grpSp>
+                  <p:nvGrpSpPr>
+                    <p:cNvPr id="454" name="Group 453"/>
+                    <p:cNvGrpSpPr/>
+                    <p:nvPr/>
+                  </p:nvGrpSpPr>
+                  <p:grpSpPr>
+                    <a:xfrm>
+                      <a:off x="7278686" y="3370825"/>
+                      <a:ext cx="1676400" cy="648552"/>
+                      <a:chOff x="7583486" y="3600221"/>
+                      <a:chExt cx="1676400" cy="648552"/>
+                    </a:xfrm>
+                  </p:grpSpPr>
+                  <p:sp>
+                    <p:nvSpPr>
+                      <p:cNvPr id="472" name="Oval 471"/>
+                      <p:cNvSpPr/>
+                      <p:nvPr/>
+                    </p:nvSpPr>
+                    <p:spPr>
+                      <a:xfrm>
+                        <a:off x="7583486" y="3600221"/>
+                        <a:ext cx="1371600" cy="343752"/>
+                      </a:xfrm>
+                      <a:prstGeom prst="ellipse">
+                        <a:avLst/>
+                      </a:prstGeom>
+                      <a:ln>
+                        <a:solidFill>
+                          <a:srgbClr val="851212"/>
+                        </a:solidFill>
+                      </a:ln>
+                    </p:spPr>
+                    <p:style>
+                      <a:lnRef idx="1">
+                        <a:schemeClr val="accent1"/>
+                      </a:lnRef>
+                      <a:fillRef idx="3">
+                        <a:schemeClr val="accent1"/>
+                      </a:fillRef>
+                      <a:effectRef idx="2">
+                        <a:schemeClr val="accent1"/>
+                      </a:effectRef>
+                      <a:fontRef idx="minor">
+                        <a:schemeClr val="lt1"/>
+                      </a:fontRef>
+                    </p:style>
+                    <p:txBody>
+                      <a:bodyPr rtlCol="0" anchor="ctr"/>
+                      <a:lstStyle/>
+                      <a:p>
+                        <a:pPr algn="ctr"/>
+                        <a:r>
+                          <a:rPr lang="en-US" sz="600" dirty="0"/>
+                          <a:t>Address</a:t>
+                        </a:r>
+                        <a:endParaRPr lang="en-US" sz="600" dirty="0"/>
+                      </a:p>
+                    </p:txBody>
+                  </p:sp>
+                  <p:sp>
+                    <p:nvSpPr>
+                      <p:cNvPr id="473" name="Oval 472"/>
+                      <p:cNvSpPr/>
+                      <p:nvPr/>
+                    </p:nvSpPr>
+                    <p:spPr>
+                      <a:xfrm>
+                        <a:off x="7735886" y="3752621"/>
+                        <a:ext cx="1371600" cy="343752"/>
+                      </a:xfrm>
+                      <a:prstGeom prst="ellipse">
+                        <a:avLst/>
+                      </a:prstGeom>
+                      <a:ln>
+                        <a:solidFill>
+                          <a:srgbClr val="851212"/>
+                        </a:solidFill>
+                      </a:ln>
+                    </p:spPr>
+                    <p:style>
+                      <a:lnRef idx="1">
+                        <a:schemeClr val="accent1"/>
+                      </a:lnRef>
+                      <a:fillRef idx="3">
+                        <a:schemeClr val="accent1"/>
+                      </a:fillRef>
+                      <a:effectRef idx="2">
+                        <a:schemeClr val="accent1"/>
+                      </a:effectRef>
+                      <a:fontRef idx="minor">
+                        <a:schemeClr val="lt1"/>
+                      </a:fontRef>
+                    </p:style>
+                    <p:txBody>
+                      <a:bodyPr rtlCol="0" anchor="ctr"/>
+                      <a:lstStyle/>
+                      <a:p>
+                        <a:pPr algn="ctr"/>
+                        <a:r>
+                          <a:rPr lang="en-US" sz="600" dirty="0"/>
+                          <a:t>Address</a:t>
+                        </a:r>
+                        <a:endParaRPr lang="en-US" sz="600" dirty="0"/>
+                      </a:p>
+                    </p:txBody>
+                  </p:sp>
+                  <p:sp>
+                    <p:nvSpPr>
+                      <p:cNvPr id="474" name="Oval 473"/>
+                      <p:cNvSpPr/>
+                      <p:nvPr/>
+                    </p:nvSpPr>
+                    <p:spPr>
+                      <a:xfrm>
+                        <a:off x="7888286" y="3905021"/>
+                        <a:ext cx="1371600" cy="343752"/>
+                      </a:xfrm>
+                      <a:prstGeom prst="ellipse">
+                        <a:avLst/>
+                      </a:prstGeom>
+                      <a:ln>
+                        <a:solidFill>
+                          <a:srgbClr val="851212"/>
+                        </a:solidFill>
+                      </a:ln>
+                    </p:spPr>
+                    <p:style>
+                      <a:lnRef idx="1">
+                        <a:schemeClr val="accent1"/>
+                      </a:lnRef>
+                      <a:fillRef idx="3">
+                        <a:schemeClr val="accent1"/>
+                      </a:fillRef>
+                      <a:effectRef idx="2">
+                        <a:schemeClr val="accent1"/>
+                      </a:effectRef>
+                      <a:fontRef idx="minor">
+                        <a:schemeClr val="lt1"/>
+                      </a:fontRef>
+                    </p:style>
+                    <p:txBody>
+                      <a:bodyPr rtlCol="0" anchor="ctr"/>
+                      <a:lstStyle/>
+                      <a:p>
+                        <a:pPr algn="ctr"/>
+                        <a:r>
+                          <a:rPr lang="en-US" sz="600" dirty="0"/>
+                          <a:t>Address</a:t>
+                        </a:r>
+                        <a:endParaRPr lang="en-US" sz="600" dirty="0"/>
+                      </a:p>
+                    </p:txBody>
+                  </p:sp>
+                </p:grpSp>
+                <p:grpSp>
+                  <p:nvGrpSpPr>
+                    <p:cNvPr id="455" name="Group 454"/>
+                    <p:cNvGrpSpPr/>
+                    <p:nvPr/>
+                  </p:nvGrpSpPr>
+                  <p:grpSpPr>
+                    <a:xfrm>
+                      <a:off x="5844770" y="3975672"/>
+                      <a:ext cx="1676400" cy="648552"/>
+                      <a:chOff x="6149570" y="4205068"/>
+                      <a:chExt cx="1676400" cy="648552"/>
+                    </a:xfrm>
+                  </p:grpSpPr>
+                  <p:sp>
+                    <p:nvSpPr>
+                      <p:cNvPr id="469" name="Oval 468"/>
+                      <p:cNvSpPr/>
+                      <p:nvPr/>
+                    </p:nvSpPr>
+                    <p:spPr>
+                      <a:xfrm>
+                        <a:off x="6149570" y="4205068"/>
+                        <a:ext cx="1371600" cy="343752"/>
+                      </a:xfrm>
+                      <a:prstGeom prst="ellipse">
+                        <a:avLst/>
+                      </a:prstGeom>
+                      <a:ln>
+                        <a:solidFill>
+                          <a:srgbClr val="851212"/>
+                        </a:solidFill>
+                      </a:ln>
+                    </p:spPr>
+                    <p:style>
+                      <a:lnRef idx="1">
+                        <a:schemeClr val="accent1"/>
+                      </a:lnRef>
+                      <a:fillRef idx="3">
+                        <a:schemeClr val="accent1"/>
+                      </a:fillRef>
+                      <a:effectRef idx="2">
+                        <a:schemeClr val="accent1"/>
+                      </a:effectRef>
+                      <a:fontRef idx="minor">
+                        <a:schemeClr val="lt1"/>
+                      </a:fontRef>
+                    </p:style>
+                    <p:txBody>
+                      <a:bodyPr rtlCol="0" anchor="ctr"/>
+                      <a:lstStyle/>
+                      <a:p>
+                        <a:pPr algn="ctr"/>
+                        <a:r>
+                          <a:rPr lang="en-US" sz="600" dirty="0"/>
+                          <a:t>Account</a:t>
+                        </a:r>
+                        <a:endParaRPr lang="en-US" sz="600" dirty="0"/>
+                      </a:p>
+                    </p:txBody>
+                  </p:sp>
+                  <p:sp>
+                    <p:nvSpPr>
+                      <p:cNvPr id="470" name="Oval 469"/>
+                      <p:cNvSpPr/>
+                      <p:nvPr/>
+                    </p:nvSpPr>
+                    <p:spPr>
+                      <a:xfrm>
+                        <a:off x="6301970" y="4357468"/>
+                        <a:ext cx="1371600" cy="343752"/>
+                      </a:xfrm>
+                      <a:prstGeom prst="ellipse">
+                        <a:avLst/>
+                      </a:prstGeom>
+                      <a:ln>
+                        <a:solidFill>
+                          <a:srgbClr val="851212"/>
+                        </a:solidFill>
+                      </a:ln>
+                    </p:spPr>
+                    <p:style>
+                      <a:lnRef idx="1">
+                        <a:schemeClr val="accent1"/>
+                      </a:lnRef>
+                      <a:fillRef idx="3">
+                        <a:schemeClr val="accent1"/>
+                      </a:fillRef>
+                      <a:effectRef idx="2">
+                        <a:schemeClr val="accent1"/>
+                      </a:effectRef>
+                      <a:fontRef idx="minor">
+                        <a:schemeClr val="lt1"/>
+                      </a:fontRef>
+                    </p:style>
+                    <p:txBody>
+                      <a:bodyPr rtlCol="0" anchor="ctr"/>
+                      <a:lstStyle/>
+                      <a:p>
+                        <a:pPr algn="ctr"/>
+                        <a:r>
+                          <a:rPr lang="en-US" sz="600" dirty="0"/>
+                          <a:t>Account</a:t>
+                        </a:r>
+                        <a:endParaRPr lang="en-US" sz="600" dirty="0"/>
+                      </a:p>
+                    </p:txBody>
+                  </p:sp>
+                  <p:sp>
+                    <p:nvSpPr>
+                      <p:cNvPr id="471" name="Oval 470"/>
+                      <p:cNvSpPr/>
+                      <p:nvPr/>
+                    </p:nvSpPr>
+                    <p:spPr>
+                      <a:xfrm>
+                        <a:off x="6454370" y="4509868"/>
+                        <a:ext cx="1371600" cy="343752"/>
+                      </a:xfrm>
+                      <a:prstGeom prst="ellipse">
+                        <a:avLst/>
+                      </a:prstGeom>
+                      <a:ln>
+                        <a:solidFill>
+                          <a:srgbClr val="851212"/>
+                        </a:solidFill>
+                      </a:ln>
+                    </p:spPr>
+                    <p:style>
+                      <a:lnRef idx="1">
+                        <a:schemeClr val="accent1"/>
+                      </a:lnRef>
+                      <a:fillRef idx="3">
+                        <a:schemeClr val="accent1"/>
+                      </a:fillRef>
+                      <a:effectRef idx="2">
+                        <a:schemeClr val="accent1"/>
+                      </a:effectRef>
+                      <a:fontRef idx="minor">
+                        <a:schemeClr val="lt1"/>
+                      </a:fontRef>
+                    </p:style>
+                    <p:txBody>
+                      <a:bodyPr rtlCol="0" anchor="ctr"/>
+                      <a:lstStyle/>
+                      <a:p>
+                        <a:pPr algn="ctr"/>
+                        <a:r>
+                          <a:rPr lang="en-US" sz="600" dirty="0"/>
+                          <a:t>Account</a:t>
+                        </a:r>
+                        <a:endParaRPr lang="en-US" sz="600" dirty="0"/>
+                      </a:p>
+                    </p:txBody>
+                  </p:sp>
+                </p:grpSp>
+                <p:grpSp>
+                  <p:nvGrpSpPr>
+                    <p:cNvPr id="456" name="Group 455"/>
+                    <p:cNvGrpSpPr/>
+                    <p:nvPr/>
+                  </p:nvGrpSpPr>
+                  <p:grpSpPr>
+                    <a:xfrm>
+                      <a:off x="6530569" y="5094137"/>
+                      <a:ext cx="2002081" cy="648552"/>
+                      <a:chOff x="6835369" y="5323533"/>
+                      <a:chExt cx="2002081" cy="648552"/>
+                    </a:xfrm>
+                  </p:grpSpPr>
+                  <p:sp>
+                    <p:nvSpPr>
+                      <p:cNvPr id="466" name="Oval 465"/>
+                      <p:cNvSpPr/>
+                      <p:nvPr/>
+                    </p:nvSpPr>
+                    <p:spPr>
+                      <a:xfrm>
+                        <a:off x="6835369" y="5323533"/>
+                        <a:ext cx="1697281" cy="343752"/>
+                      </a:xfrm>
+                      <a:prstGeom prst="ellipse">
+                        <a:avLst/>
+                      </a:prstGeom>
+                      <a:ln>
+                        <a:solidFill>
+                          <a:srgbClr val="851212"/>
+                        </a:solidFill>
+                      </a:ln>
+                    </p:spPr>
+                    <p:style>
+                      <a:lnRef idx="1">
+                        <a:schemeClr val="accent1"/>
+                      </a:lnRef>
+                      <a:fillRef idx="3">
+                        <a:schemeClr val="accent1"/>
+                      </a:fillRef>
+                      <a:effectRef idx="2">
+                        <a:schemeClr val="accent1"/>
+                      </a:effectRef>
+                      <a:fontRef idx="minor">
+                        <a:schemeClr val="lt1"/>
+                      </a:fontRef>
+                    </p:style>
+                    <p:txBody>
+                      <a:bodyPr rtlCol="0" anchor="ctr"/>
+                      <a:lstStyle/>
+                      <a:p>
+                        <a:pPr algn="ctr"/>
+                        <a:r>
+                          <a:rPr lang="en-US" sz="600" dirty="0"/>
+                          <a:t>Institution</a:t>
+                        </a:r>
+                        <a:endParaRPr lang="en-US" sz="600" dirty="0"/>
+                      </a:p>
+                    </p:txBody>
+                  </p:sp>
+                  <p:sp>
+                    <p:nvSpPr>
+                      <p:cNvPr id="467" name="Oval 466"/>
+                      <p:cNvSpPr/>
+                      <p:nvPr/>
+                    </p:nvSpPr>
+                    <p:spPr>
+                      <a:xfrm>
+                        <a:off x="6987769" y="5475933"/>
+                        <a:ext cx="1697281" cy="343752"/>
+                      </a:xfrm>
+                      <a:prstGeom prst="ellipse">
+                        <a:avLst/>
+                      </a:prstGeom>
+                      <a:ln>
+                        <a:solidFill>
+                          <a:srgbClr val="851212"/>
+                        </a:solidFill>
+                      </a:ln>
+                    </p:spPr>
+                    <p:style>
+                      <a:lnRef idx="1">
+                        <a:schemeClr val="accent1"/>
+                      </a:lnRef>
+                      <a:fillRef idx="3">
+                        <a:schemeClr val="accent1"/>
+                      </a:fillRef>
+                      <a:effectRef idx="2">
+                        <a:schemeClr val="accent1"/>
+                      </a:effectRef>
+                      <a:fontRef idx="minor">
+                        <a:schemeClr val="lt1"/>
+                      </a:fontRef>
+                    </p:style>
+                    <p:txBody>
+                      <a:bodyPr rtlCol="0" anchor="ctr"/>
+                      <a:lstStyle/>
+                      <a:p>
+                        <a:pPr algn="ctr"/>
+                        <a:r>
+                          <a:rPr lang="en-US" sz="600" dirty="0"/>
+                          <a:t>Institution</a:t>
+                        </a:r>
+                        <a:endParaRPr lang="en-US" sz="600" dirty="0"/>
+                      </a:p>
+                    </p:txBody>
+                  </p:sp>
+                  <p:sp>
+                    <p:nvSpPr>
+                      <p:cNvPr id="468" name="Oval 467"/>
+                      <p:cNvSpPr/>
+                      <p:nvPr/>
+                    </p:nvSpPr>
+                    <p:spPr>
+                      <a:xfrm>
+                        <a:off x="7140169" y="5628333"/>
+                        <a:ext cx="1697281" cy="343752"/>
+                      </a:xfrm>
+                      <a:prstGeom prst="ellipse">
+                        <a:avLst/>
+                      </a:prstGeom>
+                      <a:ln>
+                        <a:solidFill>
+                          <a:srgbClr val="851212"/>
+                        </a:solidFill>
+                      </a:ln>
+                    </p:spPr>
+                    <p:style>
+                      <a:lnRef idx="1">
+                        <a:schemeClr val="accent1"/>
+                      </a:lnRef>
+                      <a:fillRef idx="3">
+                        <a:schemeClr val="accent1"/>
+                      </a:fillRef>
+                      <a:effectRef idx="2">
+                        <a:schemeClr val="accent1"/>
+                      </a:effectRef>
+                      <a:fontRef idx="minor">
+                        <a:schemeClr val="lt1"/>
+                      </a:fontRef>
+                    </p:style>
+                    <p:txBody>
+                      <a:bodyPr rtlCol="0" anchor="ctr"/>
+                      <a:lstStyle/>
+                      <a:p>
+                        <a:pPr algn="ctr"/>
+                        <a:r>
+                          <a:rPr lang="en-US" sz="600" dirty="0"/>
+                          <a:t>Institution</a:t>
+                        </a:r>
+                        <a:endParaRPr lang="en-US" sz="600" dirty="0"/>
+                      </a:p>
+                    </p:txBody>
+                  </p:sp>
+                </p:grpSp>
+                <p:grpSp>
+                  <p:nvGrpSpPr>
+                    <p:cNvPr id="457" name="Group 456"/>
+                    <p:cNvGrpSpPr/>
+                    <p:nvPr/>
+                  </p:nvGrpSpPr>
+                  <p:grpSpPr>
+                    <a:xfrm>
+                      <a:off x="7777210" y="2877908"/>
+                      <a:ext cx="771024" cy="492917"/>
+                      <a:chOff x="7777210" y="2877908"/>
+                      <a:chExt cx="771024" cy="492917"/>
+                    </a:xfrm>
+                  </p:grpSpPr>
+                  <p:cxnSp>
+                    <p:nvCxnSpPr>
+                      <p:cNvPr id="464" name="Straight Arrow Connector 463"/>
+                      <p:cNvCxnSpPr>
+                        <a:endCxn id="472" idx="0"/>
+                      </p:cNvCxnSpPr>
+                      <p:nvPr/>
+                    </p:nvCxnSpPr>
+                    <p:spPr>
+                      <a:xfrm>
+                        <a:off x="7777210" y="2877908"/>
+                        <a:ext cx="187276" cy="492917"/>
+                      </a:xfrm>
+                      <a:prstGeom prst="straightConnector1">
+                        <a:avLst/>
+                      </a:prstGeom>
+                      <a:ln w="12700">
+                        <a:headEnd type="arrow"/>
+                        <a:tailEnd type="arrow"/>
+                      </a:ln>
+                    </p:spPr>
+                    <p:style>
+                      <a:lnRef idx="2">
+                        <a:schemeClr val="accent1"/>
+                      </a:lnRef>
+                      <a:fillRef idx="0">
+                        <a:schemeClr val="accent1"/>
+                      </a:fillRef>
+                      <a:effectRef idx="1">
+                        <a:schemeClr val="accent1"/>
+                      </a:effectRef>
+                      <a:fontRef idx="minor">
+                        <a:schemeClr val="tx1"/>
+                      </a:fontRef>
+                    </p:style>
+                  </p:cxnSp>
+                  <p:sp>
+                    <p:nvSpPr>
+                      <p:cNvPr id="465" name="TextBox 464"/>
+                      <p:cNvSpPr txBox="1"/>
+                      <p:nvPr/>
+                    </p:nvSpPr>
+                    <p:spPr>
+                      <a:xfrm>
+                        <a:off x="7861612" y="2899603"/>
+                        <a:ext cx="686622" cy="381627"/>
+                      </a:xfrm>
+                      <a:prstGeom prst="rect">
+                        <a:avLst/>
+                      </a:prstGeom>
+                      <a:noFill/>
+                    </p:spPr>
+                    <p:txBody>
+                      <a:bodyPr wrap="square" rtlCol="0">
+                        <a:spAutoFit/>
+                      </a:bodyPr>
+                      <a:lstStyle/>
+                      <a:p>
+                        <a:r>
+                          <a:rPr lang="en-US" sz="600" dirty="0" smtClean="0"/>
+                          <a:t>Has</a:t>
+                        </a:r>
+                        <a:endParaRPr lang="en-US" sz="600" dirty="0"/>
+                      </a:p>
+                    </p:txBody>
+                  </p:sp>
+                </p:grpSp>
+                <p:cxnSp>
+                  <p:nvCxnSpPr>
+                    <p:cNvPr id="458" name="Straight Arrow Connector 457"/>
+                    <p:cNvCxnSpPr/>
+                    <p:nvPr/>
+                  </p:nvCxnSpPr>
+                  <p:spPr>
+                    <a:xfrm flipH="1">
+                      <a:off x="7777210" y="4019377"/>
+                      <a:ext cx="304800" cy="1074760"/>
+                    </a:xfrm>
+                    <a:prstGeom prst="straightConnector1">
+                      <a:avLst/>
+                    </a:prstGeom>
+                    <a:ln w="12700">
+                      <a:headEnd type="arrow"/>
+                      <a:tailEnd type="arrow"/>
+                    </a:ln>
+                  </p:spPr>
+                  <p:style>
+                    <a:lnRef idx="2">
+                      <a:schemeClr val="accent1"/>
+                    </a:lnRef>
+                    <a:fillRef idx="0">
+                      <a:schemeClr val="accent1"/>
+                    </a:fillRef>
+                    <a:effectRef idx="1">
+                      <a:schemeClr val="accent1"/>
+                    </a:effectRef>
+                    <a:fontRef idx="minor">
+                      <a:schemeClr val="tx1"/>
+                    </a:fontRef>
+                  </p:style>
+                </p:cxnSp>
+                <p:sp>
+                  <p:nvSpPr>
+                    <p:cNvPr id="459" name="TextBox 458"/>
+                    <p:cNvSpPr txBox="1"/>
+                    <p:nvPr/>
+                  </p:nvSpPr>
+                  <p:spPr>
+                    <a:xfrm>
+                      <a:off x="7893101" y="4378065"/>
+                      <a:ext cx="710571" cy="381628"/>
+                    </a:xfrm>
+                    <a:prstGeom prst="rect">
+                      <a:avLst/>
+                    </a:prstGeom>
+                    <a:noFill/>
+                  </p:spPr>
+                  <p:txBody>
+                    <a:bodyPr wrap="square" rtlCol="0">
+                      <a:spAutoFit/>
+                    </a:bodyPr>
+                    <a:lstStyle/>
+                    <a:p>
+                      <a:r>
+                        <a:rPr lang="en-US" sz="600" dirty="0" smtClean="0"/>
+                        <a:t>Has</a:t>
+                      </a:r>
+                      <a:endParaRPr lang="en-US" sz="600" dirty="0"/>
+                    </a:p>
+                  </p:txBody>
+                </p:sp>
+                <p:cxnSp>
+                  <p:nvCxnSpPr>
+                    <p:cNvPr id="460" name="Straight Arrow Connector 459"/>
+                    <p:cNvCxnSpPr/>
+                    <p:nvPr/>
+                  </p:nvCxnSpPr>
+                  <p:spPr>
+                    <a:xfrm>
+                      <a:off x="6855922" y="4656490"/>
+                      <a:ext cx="280420" cy="469913"/>
+                    </a:xfrm>
+                    <a:prstGeom prst="straightConnector1">
+                      <a:avLst/>
+                    </a:prstGeom>
+                    <a:ln w="12700">
+                      <a:headEnd type="arrow"/>
+                      <a:tailEnd type="arrow"/>
+                    </a:ln>
+                  </p:spPr>
+                  <p:style>
+                    <a:lnRef idx="2">
+                      <a:schemeClr val="accent1"/>
+                    </a:lnRef>
+                    <a:fillRef idx="0">
+                      <a:schemeClr val="accent1"/>
+                    </a:fillRef>
+                    <a:effectRef idx="1">
+                      <a:schemeClr val="accent1"/>
+                    </a:effectRef>
+                    <a:fontRef idx="minor">
+                      <a:schemeClr val="tx1"/>
+                    </a:fontRef>
+                  </p:style>
+                </p:cxnSp>
+                <p:sp>
+                  <p:nvSpPr>
+                    <p:cNvPr id="461" name="TextBox 460"/>
+                    <p:cNvSpPr txBox="1"/>
+                    <p:nvPr/>
+                  </p:nvSpPr>
+                  <p:spPr>
+                    <a:xfrm>
+                      <a:off x="6380804" y="4702628"/>
+                      <a:ext cx="664029" cy="381628"/>
+                    </a:xfrm>
+                    <a:prstGeom prst="rect">
+                      <a:avLst/>
+                    </a:prstGeom>
+                    <a:ln w="12700">
+                      <a:noFill/>
+                      <a:headEnd type="arrow"/>
+                      <a:tailEnd type="arrow"/>
+                    </a:ln>
+                  </p:spPr>
+                  <p:style>
+                    <a:lnRef idx="2">
+                      <a:schemeClr val="accent1"/>
+                    </a:lnRef>
+                    <a:fillRef idx="0">
+                      <a:schemeClr val="accent1"/>
+                    </a:fillRef>
+                    <a:effectRef idx="1">
+                      <a:schemeClr val="accent1"/>
+                    </a:effectRef>
+                    <a:fontRef idx="minor">
+                      <a:schemeClr val="tx1"/>
+                    </a:fontRef>
+                  </p:style>
+                  <p:txBody>
+                    <a:bodyPr wrap="square" rtlCol="0">
+                      <a:spAutoFit/>
+                    </a:bodyPr>
+                    <a:lstStyle/>
+                    <a:p>
+                      <a:r>
+                        <a:rPr lang="en-US" sz="600" dirty="0" smtClean="0"/>
+                        <a:t>Has</a:t>
+                      </a:r>
+                      <a:endParaRPr lang="en-US" sz="600" dirty="0"/>
+                    </a:p>
+                  </p:txBody>
+                </p:sp>
+                <p:cxnSp>
+                  <p:nvCxnSpPr>
+                    <p:cNvPr id="462" name="Straight Arrow Connector 461"/>
+                    <p:cNvCxnSpPr>
+                      <a:stCxn id="477" idx="3"/>
+                    </p:cNvCxnSpPr>
+                    <p:nvPr/>
+                  </p:nvCxnSpPr>
+                  <p:spPr>
+                    <a:xfrm flipH="1">
+                      <a:off x="6764636" y="2827567"/>
+                      <a:ext cx="323006" cy="1148105"/>
+                    </a:xfrm>
+                    <a:prstGeom prst="straightConnector1">
+                      <a:avLst/>
+                    </a:prstGeom>
+                    <a:ln w="12700">
+                      <a:headEnd type="arrow"/>
+                      <a:tailEnd type="arrow"/>
+                    </a:ln>
+                  </p:spPr>
+                  <p:style>
+                    <a:lnRef idx="2">
+                      <a:schemeClr val="accent1"/>
+                    </a:lnRef>
+                    <a:fillRef idx="0">
+                      <a:schemeClr val="accent1"/>
+                    </a:fillRef>
+                    <a:effectRef idx="1">
+                      <a:schemeClr val="accent1"/>
+                    </a:effectRef>
+                    <a:fontRef idx="minor">
+                      <a:schemeClr val="tx1"/>
+                    </a:fontRef>
+                  </p:style>
+                </p:cxnSp>
+                <p:sp>
+                  <p:nvSpPr>
+                    <p:cNvPr id="463" name="TextBox 462"/>
+                    <p:cNvSpPr txBox="1"/>
+                    <p:nvPr/>
+                  </p:nvSpPr>
+                  <p:spPr>
+                    <a:xfrm>
+                      <a:off x="6346057" y="3165053"/>
+                      <a:ext cx="663252" cy="381628"/>
+                    </a:xfrm>
+                    <a:prstGeom prst="rect">
+                      <a:avLst/>
+                    </a:prstGeom>
+                    <a:noFill/>
+                  </p:spPr>
+                  <p:txBody>
+                    <a:bodyPr wrap="square" rtlCol="0">
+                      <a:spAutoFit/>
+                    </a:bodyPr>
+                    <a:lstStyle/>
+                    <a:p>
+                      <a:r>
+                        <a:rPr lang="en-US" sz="600" dirty="0" smtClean="0"/>
+                        <a:t>Has</a:t>
+                      </a:r>
+                      <a:endParaRPr lang="en-US" sz="600" dirty="0"/>
+                    </a:p>
+                  </p:txBody>
+                </p:sp>
+              </p:grpSp>
+              <p:sp>
+                <p:nvSpPr>
+                  <p:cNvPr id="437" name="Oval 436"/>
+                  <p:cNvSpPr/>
+                  <p:nvPr/>
+                </p:nvSpPr>
+                <p:spPr>
+                  <a:xfrm>
+                    <a:off x="3825525" y="2222252"/>
+                    <a:ext cx="1164974" cy="343752"/>
+                  </a:xfrm>
+                  <a:prstGeom prst="ellipse">
+                    <a:avLst/>
+                  </a:prstGeom>
+                  <a:gradFill flip="none" rotWithShape="1">
+                    <a:gsLst>
+                      <a:gs pos="26000">
+                        <a:schemeClr val="accent4"/>
+                      </a:gs>
+                      <a:gs pos="71000">
+                        <a:schemeClr val="accent1">
+                          <a:lumMod val="97000"/>
+                          <a:lumOff val="3000"/>
+                        </a:schemeClr>
+                      </a:gs>
+                      <a:gs pos="100000">
+                        <a:schemeClr val="accent1">
+                          <a:lumMod val="60000"/>
+                          <a:lumOff val="40000"/>
+                        </a:schemeClr>
+                      </a:gs>
+                    </a:gsLst>
+                    <a:lin ang="16200000" scaled="1"/>
+                    <a:tileRect/>
+                  </a:gradFill>
+                  <a:ln>
+                    <a:noFill/>
+                  </a:ln>
+                </p:spPr>
+                <p:style>
+                  <a:lnRef idx="1">
+                    <a:schemeClr val="accent1"/>
+                  </a:lnRef>
+                  <a:fillRef idx="3">
+                    <a:schemeClr val="accent1"/>
+                  </a:fillRef>
+                  <a:effectRef idx="2">
+                    <a:schemeClr val="accent1"/>
+                  </a:effectRef>
+                  <a:fontRef idx="minor">
+                    <a:schemeClr val="lt1"/>
+                  </a:fontRef>
+                </p:style>
+                <p:txBody>
+                  <a:bodyPr rtlCol="0" anchor="ctr"/>
+                  <a:lstStyle/>
+                  <a:p>
+                    <a:pPr algn="ctr"/>
+                    <a:r>
+                      <a:rPr lang="en-US" sz="600" dirty="0"/>
+                      <a:t>Name</a:t>
+                    </a:r>
+                    <a:endParaRPr lang="en-US" sz="600" dirty="0"/>
+                  </a:p>
+                </p:txBody>
+              </p:sp>
+              <p:grpSp>
+                <p:nvGrpSpPr>
+                  <p:cNvPr id="438" name="Group 437"/>
+                  <p:cNvGrpSpPr/>
+                  <p:nvPr/>
+                </p:nvGrpSpPr>
+                <p:grpSpPr>
+                  <a:xfrm>
+                    <a:off x="2540515" y="2394128"/>
+                    <a:ext cx="1504163" cy="560659"/>
+                    <a:chOff x="2540515" y="2394128"/>
+                    <a:chExt cx="1504163" cy="560659"/>
+                  </a:xfrm>
+                </p:grpSpPr>
+                <p:cxnSp>
+                  <p:nvCxnSpPr>
+                    <p:cNvPr id="451" name="Straight Arrow Connector 450"/>
+                    <p:cNvCxnSpPr>
+                      <a:stCxn id="437" idx="2"/>
+                      <a:endCxn id="477" idx="6"/>
+                    </p:cNvCxnSpPr>
+                    <p:nvPr/>
+                  </p:nvCxnSpPr>
+                  <p:spPr>
+                    <a:xfrm flipH="1">
+                      <a:off x="2540515" y="2394128"/>
+                      <a:ext cx="1285010" cy="287509"/>
+                    </a:xfrm>
+                    <a:prstGeom prst="straightConnector1">
+                      <a:avLst/>
+                    </a:prstGeom>
+                    <a:gradFill flip="none" rotWithShape="1">
+                      <a:gsLst>
+                        <a:gs pos="26000">
+                          <a:schemeClr val="accent4"/>
+                        </a:gs>
+                        <a:gs pos="71000">
+                          <a:schemeClr val="accent1">
+                            <a:lumMod val="97000"/>
+                            <a:lumOff val="3000"/>
+                          </a:schemeClr>
+                        </a:gs>
+                        <a:gs pos="100000">
+                          <a:schemeClr val="accent1">
+                            <a:lumMod val="60000"/>
+                            <a:lumOff val="40000"/>
+                          </a:schemeClr>
+                        </a:gs>
+                      </a:gsLst>
+                      <a:lin ang="16200000" scaled="1"/>
+                      <a:tileRect/>
+                    </a:gradFill>
+                    <a:ln>
+                      <a:headEnd type="arrow"/>
+                      <a:tailEnd type="arrow"/>
+                    </a:ln>
+                  </p:spPr>
+                  <p:style>
+                    <a:lnRef idx="1">
+                      <a:schemeClr val="accent1"/>
+                    </a:lnRef>
+                    <a:fillRef idx="3">
+                      <a:schemeClr val="accent1"/>
+                    </a:fillRef>
+                    <a:effectRef idx="2">
+                      <a:schemeClr val="accent1"/>
+                    </a:effectRef>
+                    <a:fontRef idx="minor">
+                      <a:schemeClr val="lt1"/>
+                    </a:fontRef>
+                  </p:style>
+                </p:cxnSp>
+                <p:sp>
+                  <p:nvSpPr>
+                    <p:cNvPr id="452" name="TextBox 451"/>
+                    <p:cNvSpPr txBox="1"/>
+                    <p:nvPr/>
+                  </p:nvSpPr>
+                  <p:spPr>
+                    <a:xfrm>
+                      <a:off x="2767203" y="2573159"/>
+                      <a:ext cx="1277475" cy="381628"/>
+                    </a:xfrm>
+                    <a:prstGeom prst="rect">
+                      <a:avLst/>
+                    </a:prstGeom>
+                    <a:noFill/>
+                  </p:spPr>
+                  <p:txBody>
+                    <a:bodyPr wrap="square" rtlCol="0">
+                      <a:spAutoFit/>
+                    </a:bodyPr>
+                    <a:lstStyle/>
+                    <a:p>
+                      <a:r>
+                        <a:rPr lang="en-US" sz="600" dirty="0" err="1" smtClean="0"/>
+                        <a:t>SameAs</a:t>
+                      </a:r>
+                      <a:endParaRPr lang="en-US" sz="600" dirty="0"/>
+                    </a:p>
+                  </p:txBody>
+                </p:sp>
+              </p:grpSp>
+              <p:cxnSp>
+                <p:nvCxnSpPr>
+                  <p:cNvPr id="439" name="Straight Arrow Connector 438"/>
+                  <p:cNvCxnSpPr>
+                    <a:endCxn id="437" idx="6"/>
+                  </p:cNvCxnSpPr>
+                  <p:nvPr/>
+                </p:nvCxnSpPr>
+                <p:spPr>
+                  <a:xfrm flipH="1">
+                    <a:off x="4990499" y="2376837"/>
+                    <a:ext cx="1411837" cy="17291"/>
+                  </a:xfrm>
+                  <a:prstGeom prst="straightConnector1">
+                    <a:avLst/>
+                  </a:prstGeom>
+                  <a:gradFill flip="none" rotWithShape="1">
+                    <a:gsLst>
+                      <a:gs pos="26000">
+                        <a:schemeClr val="accent4"/>
+                      </a:gs>
+                      <a:gs pos="71000">
+                        <a:schemeClr val="accent1">
+                          <a:lumMod val="97000"/>
+                          <a:lumOff val="3000"/>
+                        </a:schemeClr>
+                      </a:gs>
+                      <a:gs pos="100000">
+                        <a:schemeClr val="accent1">
+                          <a:lumMod val="60000"/>
+                          <a:lumOff val="40000"/>
+                        </a:schemeClr>
+                      </a:gs>
+                    </a:gsLst>
+                    <a:lin ang="16200000" scaled="1"/>
+                    <a:tileRect/>
+                  </a:gradFill>
+                  <a:ln>
+                    <a:headEnd type="arrow"/>
+                    <a:tailEnd type="arrow"/>
+                  </a:ln>
+                </p:spPr>
+                <p:style>
+                  <a:lnRef idx="1">
+                    <a:schemeClr val="accent1"/>
+                  </a:lnRef>
+                  <a:fillRef idx="3">
+                    <a:schemeClr val="accent1"/>
+                  </a:fillRef>
+                  <a:effectRef idx="2">
+                    <a:schemeClr val="accent1"/>
+                  </a:effectRef>
+                  <a:fontRef idx="minor">
+                    <a:schemeClr val="lt1"/>
+                  </a:fontRef>
+                </p:style>
+              </p:cxnSp>
+              <p:sp>
+                <p:nvSpPr>
+                  <p:cNvPr id="440" name="TextBox 439"/>
+                  <p:cNvSpPr txBox="1"/>
+                  <p:nvPr/>
+                </p:nvSpPr>
+                <p:spPr>
+                  <a:xfrm>
+                    <a:off x="5211174" y="2366864"/>
+                    <a:ext cx="1397959" cy="381628"/>
+                  </a:xfrm>
+                  <a:prstGeom prst="rect">
+                    <a:avLst/>
+                  </a:prstGeom>
+                  <a:noFill/>
+                </p:spPr>
+                <p:txBody>
+                  <a:bodyPr wrap="square" rtlCol="0">
+                    <a:spAutoFit/>
+                  </a:bodyPr>
+                  <a:lstStyle/>
+                  <a:p>
+                    <a:r>
+                      <a:rPr lang="en-US" sz="600" dirty="0" err="1" smtClean="0"/>
+                      <a:t>SameAs</a:t>
+                    </a:r>
+                    <a:endParaRPr lang="en-US" sz="600" dirty="0"/>
+                  </a:p>
+                </p:txBody>
+              </p:sp>
+              <p:cxnSp>
+                <p:nvCxnSpPr>
+                  <p:cNvPr id="441" name="Straight Arrow Connector 440"/>
+                  <p:cNvCxnSpPr>
+                    <a:stCxn id="481" idx="2"/>
+                    <a:endCxn id="443" idx="6"/>
+                  </p:cNvCxnSpPr>
+                  <p:nvPr/>
+                </p:nvCxnSpPr>
+                <p:spPr>
+                  <a:xfrm flipH="1" flipV="1">
+                    <a:off x="5634870" y="3479354"/>
+                    <a:ext cx="1498846" cy="205232"/>
+                  </a:xfrm>
+                  <a:prstGeom prst="straightConnector1">
+                    <a:avLst/>
+                  </a:prstGeom>
+                  <a:gradFill flip="none" rotWithShape="1">
+                    <a:gsLst>
+                      <a:gs pos="26000">
+                        <a:schemeClr val="accent4"/>
+                      </a:gs>
+                      <a:gs pos="71000">
+                        <a:schemeClr val="accent1">
+                          <a:lumMod val="97000"/>
+                          <a:lumOff val="3000"/>
+                        </a:schemeClr>
+                      </a:gs>
+                      <a:gs pos="100000">
+                        <a:schemeClr val="accent1">
+                          <a:lumMod val="60000"/>
+                          <a:lumOff val="40000"/>
+                        </a:schemeClr>
+                      </a:gs>
+                    </a:gsLst>
+                    <a:lin ang="16200000" scaled="1"/>
+                    <a:tileRect/>
+                  </a:gradFill>
+                  <a:ln>
+                    <a:headEnd type="arrow"/>
+                    <a:tailEnd type="arrow"/>
+                  </a:ln>
+                </p:spPr>
+                <p:style>
+                  <a:lnRef idx="1">
+                    <a:schemeClr val="accent1"/>
+                  </a:lnRef>
+                  <a:fillRef idx="3">
+                    <a:schemeClr val="accent1"/>
+                  </a:fillRef>
+                  <a:effectRef idx="2">
+                    <a:schemeClr val="accent1"/>
+                  </a:effectRef>
+                  <a:fontRef idx="minor">
+                    <a:schemeClr val="lt1"/>
+                  </a:fontRef>
+                </p:style>
+              </p:cxnSp>
+              <p:sp>
+                <p:nvSpPr>
+                  <p:cNvPr id="442" name="TextBox 441"/>
+                  <p:cNvSpPr txBox="1"/>
+                  <p:nvPr/>
+                </p:nvSpPr>
+                <p:spPr>
+                  <a:xfrm>
+                    <a:off x="5801101" y="3208572"/>
+                    <a:ext cx="1372042" cy="381628"/>
+                  </a:xfrm>
+                  <a:prstGeom prst="rect">
+                    <a:avLst/>
+                  </a:prstGeom>
+                  <a:noFill/>
+                </p:spPr>
+                <p:txBody>
+                  <a:bodyPr wrap="square" rtlCol="0">
+                    <a:spAutoFit/>
+                  </a:bodyPr>
+                  <a:lstStyle/>
+                  <a:p>
+                    <a:r>
+                      <a:rPr lang="en-US" sz="600" dirty="0" err="1" smtClean="0"/>
+                      <a:t>SameAs</a:t>
+                    </a:r>
+                    <a:endParaRPr lang="en-US" sz="600" dirty="0"/>
+                  </a:p>
+                </p:txBody>
+              </p:sp>
+              <p:sp>
+                <p:nvSpPr>
+                  <p:cNvPr id="443" name="Oval 442"/>
+                  <p:cNvSpPr/>
+                  <p:nvPr/>
+                </p:nvSpPr>
+                <p:spPr>
+                  <a:xfrm>
+                    <a:off x="4240087" y="3307478"/>
+                    <a:ext cx="1394783" cy="343752"/>
+                  </a:xfrm>
+                  <a:prstGeom prst="ellipse">
+                    <a:avLst/>
+                  </a:prstGeom>
+                  <a:gradFill flip="none" rotWithShape="1">
+                    <a:gsLst>
+                      <a:gs pos="26000">
+                        <a:schemeClr val="accent4"/>
+                      </a:gs>
+                      <a:gs pos="71000">
+                        <a:schemeClr val="accent1">
+                          <a:lumMod val="97000"/>
+                          <a:lumOff val="3000"/>
+                        </a:schemeClr>
+                      </a:gs>
+                      <a:gs pos="100000">
+                        <a:schemeClr val="accent1">
+                          <a:lumMod val="60000"/>
+                          <a:lumOff val="40000"/>
+                        </a:schemeClr>
+                      </a:gs>
+                    </a:gsLst>
+                    <a:lin ang="16200000" scaled="1"/>
+                    <a:tileRect/>
+                  </a:gradFill>
+                  <a:ln>
+                    <a:noFill/>
+                  </a:ln>
+                </p:spPr>
+                <p:style>
+                  <a:lnRef idx="1">
+                    <a:schemeClr val="accent1"/>
+                  </a:lnRef>
+                  <a:fillRef idx="3">
+                    <a:schemeClr val="accent1"/>
+                  </a:fillRef>
+                  <a:effectRef idx="2">
+                    <a:schemeClr val="accent1"/>
+                  </a:effectRef>
+                  <a:fontRef idx="minor">
+                    <a:schemeClr val="lt1"/>
+                  </a:fontRef>
+                </p:style>
+                <p:txBody>
+                  <a:bodyPr rtlCol="0" anchor="ctr"/>
+                  <a:lstStyle/>
+                  <a:p>
+                    <a:pPr algn="ctr"/>
+                    <a:r>
+                      <a:rPr lang="en-US" sz="600" dirty="0"/>
+                      <a:t>Address</a:t>
+                    </a:r>
+                    <a:endParaRPr lang="en-US" sz="600" dirty="0"/>
+                  </a:p>
+                </p:txBody>
+              </p:sp>
+              <p:sp>
+                <p:nvSpPr>
+                  <p:cNvPr id="444" name="TextBox 443"/>
+                  <p:cNvSpPr txBox="1"/>
+                  <p:nvPr/>
+                </p:nvSpPr>
+                <p:spPr>
+                  <a:xfrm>
+                    <a:off x="3454999" y="3598365"/>
+                    <a:ext cx="1164314" cy="381628"/>
+                  </a:xfrm>
+                  <a:prstGeom prst="rect">
+                    <a:avLst/>
+                  </a:prstGeom>
+                  <a:noFill/>
+                </p:spPr>
+                <p:txBody>
+                  <a:bodyPr wrap="square" rtlCol="0">
+                    <a:spAutoFit/>
+                  </a:bodyPr>
+                  <a:lstStyle/>
+                  <a:p>
+                    <a:r>
+                      <a:rPr lang="en-US" sz="600" dirty="0" err="1" smtClean="0"/>
+                      <a:t>SameAs</a:t>
+                    </a:r>
+                    <a:endParaRPr lang="en-US" sz="600" dirty="0"/>
+                  </a:p>
+                </p:txBody>
+              </p:sp>
+              <p:cxnSp>
+                <p:nvCxnSpPr>
+                  <p:cNvPr id="445" name="Straight Arrow Connector 444"/>
+                  <p:cNvCxnSpPr/>
+                  <p:nvPr/>
+                </p:nvCxnSpPr>
+                <p:spPr>
+                  <a:xfrm flipH="1">
+                    <a:off x="3231989" y="3491320"/>
+                    <a:ext cx="978896" cy="191351"/>
+                  </a:xfrm>
+                  <a:prstGeom prst="straightConnector1">
+                    <a:avLst/>
+                  </a:prstGeom>
+                  <a:gradFill flip="none" rotWithShape="1">
+                    <a:gsLst>
+                      <a:gs pos="26000">
+                        <a:schemeClr val="accent4"/>
+                      </a:gs>
+                      <a:gs pos="71000">
+                        <a:schemeClr val="accent1">
+                          <a:lumMod val="97000"/>
+                          <a:lumOff val="3000"/>
+                        </a:schemeClr>
+                      </a:gs>
+                      <a:gs pos="100000">
+                        <a:schemeClr val="accent1">
+                          <a:lumMod val="60000"/>
+                          <a:lumOff val="40000"/>
+                        </a:schemeClr>
+                      </a:gs>
+                    </a:gsLst>
+                    <a:lin ang="16200000" scaled="1"/>
+                    <a:tileRect/>
+                  </a:gradFill>
+                  <a:ln>
+                    <a:headEnd type="arrow"/>
+                    <a:tailEnd type="arrow"/>
+                  </a:ln>
+                </p:spPr>
+                <p:style>
+                  <a:lnRef idx="1">
+                    <a:schemeClr val="accent1"/>
+                  </a:lnRef>
+                  <a:fillRef idx="3">
+                    <a:schemeClr val="accent1"/>
+                  </a:fillRef>
+                  <a:effectRef idx="2">
+                    <a:schemeClr val="accent1"/>
+                  </a:effectRef>
+                  <a:fontRef idx="minor">
+                    <a:schemeClr val="lt1"/>
+                  </a:fontRef>
+                </p:style>
+              </p:cxnSp>
+              <p:sp>
+                <p:nvSpPr>
+                  <p:cNvPr id="446" name="Oval 445"/>
+                  <p:cNvSpPr/>
+                  <p:nvPr/>
+                </p:nvSpPr>
+                <p:spPr>
+                  <a:xfrm>
+                    <a:off x="3380402" y="4599829"/>
+                    <a:ext cx="2023067" cy="343752"/>
+                  </a:xfrm>
+                  <a:prstGeom prst="ellipse">
+                    <a:avLst/>
+                  </a:prstGeom>
+                  <a:gradFill flip="none" rotWithShape="1">
+                    <a:gsLst>
+                      <a:gs pos="26000">
+                        <a:schemeClr val="accent4"/>
+                      </a:gs>
+                      <a:gs pos="71000">
+                        <a:schemeClr val="accent1">
+                          <a:lumMod val="97000"/>
+                          <a:lumOff val="3000"/>
+                        </a:schemeClr>
+                      </a:gs>
+                      <a:gs pos="100000">
+                        <a:schemeClr val="accent1">
+                          <a:lumMod val="60000"/>
+                          <a:lumOff val="40000"/>
+                        </a:schemeClr>
+                      </a:gs>
+                    </a:gsLst>
+                    <a:lin ang="16200000" scaled="1"/>
+                    <a:tileRect/>
+                  </a:gradFill>
+                  <a:ln>
+                    <a:noFill/>
+                  </a:ln>
+                </p:spPr>
+                <p:style>
+                  <a:lnRef idx="1">
+                    <a:schemeClr val="accent1"/>
+                  </a:lnRef>
+                  <a:fillRef idx="3">
+                    <a:schemeClr val="accent1"/>
+                  </a:fillRef>
+                  <a:effectRef idx="2">
+                    <a:schemeClr val="accent1"/>
+                  </a:effectRef>
+                  <a:fontRef idx="minor">
+                    <a:schemeClr val="lt1"/>
+                  </a:fontRef>
+                </p:style>
+                <p:txBody>
+                  <a:bodyPr rtlCol="0" anchor="ctr"/>
+                  <a:lstStyle/>
+                  <a:p>
+                    <a:pPr algn="ctr"/>
+                    <a:r>
+                      <a:rPr lang="en-US" sz="600" dirty="0" smtClean="0"/>
+                      <a:t>Organization</a:t>
+                    </a:r>
+                    <a:endParaRPr lang="en-US" sz="600" dirty="0"/>
+                  </a:p>
+                </p:txBody>
+              </p:sp>
+              <p:sp>
+                <p:nvSpPr>
+                  <p:cNvPr id="447" name="TextBox 446"/>
+                  <p:cNvSpPr txBox="1"/>
+                  <p:nvPr/>
+                </p:nvSpPr>
+                <p:spPr>
+                  <a:xfrm>
+                    <a:off x="5069192" y="5119548"/>
+                    <a:ext cx="1164314" cy="381628"/>
+                  </a:xfrm>
+                  <a:prstGeom prst="rect">
+                    <a:avLst/>
+                  </a:prstGeom>
+                  <a:noFill/>
+                </p:spPr>
+                <p:txBody>
+                  <a:bodyPr wrap="square" rtlCol="0">
+                    <a:spAutoFit/>
+                  </a:bodyPr>
+                  <a:lstStyle/>
+                  <a:p>
+                    <a:r>
+                      <a:rPr lang="en-US" sz="600" dirty="0" err="1" smtClean="0"/>
+                      <a:t>SameAs</a:t>
+                    </a:r>
+                    <a:endParaRPr lang="en-US" sz="600" dirty="0"/>
+                  </a:p>
+                </p:txBody>
+              </p:sp>
+              <p:cxnSp>
+                <p:nvCxnSpPr>
+                  <p:cNvPr id="448" name="Straight Arrow Connector 447"/>
+                  <p:cNvCxnSpPr>
+                    <a:stCxn id="487" idx="2"/>
+                    <a:endCxn id="446" idx="5"/>
+                  </p:cNvCxnSpPr>
+                  <p:nvPr/>
+                </p:nvCxnSpPr>
+                <p:spPr>
+                  <a:xfrm flipH="1" flipV="1">
+                    <a:off x="5107198" y="4893238"/>
+                    <a:ext cx="1598288" cy="657328"/>
+                  </a:xfrm>
+                  <a:prstGeom prst="straightConnector1">
+                    <a:avLst/>
+                  </a:prstGeom>
+                  <a:gradFill flip="none" rotWithShape="1">
+                    <a:gsLst>
+                      <a:gs pos="26000">
+                        <a:schemeClr val="accent4"/>
+                      </a:gs>
+                      <a:gs pos="71000">
+                        <a:schemeClr val="accent1">
+                          <a:lumMod val="97000"/>
+                          <a:lumOff val="3000"/>
+                        </a:schemeClr>
+                      </a:gs>
+                      <a:gs pos="100000">
+                        <a:schemeClr val="accent1">
+                          <a:lumMod val="60000"/>
+                          <a:lumOff val="40000"/>
+                        </a:schemeClr>
+                      </a:gs>
+                    </a:gsLst>
+                    <a:lin ang="16200000" scaled="1"/>
+                    <a:tileRect/>
+                  </a:gradFill>
+                  <a:ln>
+                    <a:headEnd type="arrow"/>
+                    <a:tailEnd type="arrow"/>
+                  </a:ln>
+                </p:spPr>
+                <p:style>
+                  <a:lnRef idx="1">
+                    <a:schemeClr val="accent1"/>
+                  </a:lnRef>
+                  <a:fillRef idx="3">
+                    <a:schemeClr val="accent1"/>
+                  </a:fillRef>
+                  <a:effectRef idx="2">
+                    <a:schemeClr val="accent1"/>
+                  </a:effectRef>
+                  <a:fontRef idx="minor">
+                    <a:schemeClr val="lt1"/>
+                  </a:fontRef>
+                </p:style>
+              </p:cxnSp>
+              <p:sp>
+                <p:nvSpPr>
+                  <p:cNvPr id="449" name="TextBox 448"/>
+                  <p:cNvSpPr txBox="1"/>
+                  <p:nvPr/>
+                </p:nvSpPr>
+                <p:spPr>
+                  <a:xfrm>
+                    <a:off x="3195132" y="5155540"/>
+                    <a:ext cx="1164314" cy="381628"/>
+                  </a:xfrm>
+                  <a:prstGeom prst="rect">
+                    <a:avLst/>
+                  </a:prstGeom>
+                  <a:noFill/>
+                </p:spPr>
+                <p:txBody>
+                  <a:bodyPr wrap="square" rtlCol="0">
+                    <a:spAutoFit/>
+                  </a:bodyPr>
+                  <a:lstStyle/>
+                  <a:p>
+                    <a:r>
+                      <a:rPr lang="en-US" sz="600" dirty="0" err="1" smtClean="0"/>
+                      <a:t>SameAs</a:t>
+                    </a:r>
+                    <a:endParaRPr lang="en-US" sz="600" dirty="0"/>
+                  </a:p>
+                </p:txBody>
+              </p:sp>
+              <p:cxnSp>
+                <p:nvCxnSpPr>
+                  <p:cNvPr id="450" name="Straight Arrow Connector 449"/>
+                  <p:cNvCxnSpPr>
+                    <a:endCxn id="468" idx="6"/>
+                  </p:cNvCxnSpPr>
+                  <p:nvPr/>
+                </p:nvCxnSpPr>
+                <p:spPr>
+                  <a:xfrm flipH="1">
+                    <a:off x="2991155" y="4893240"/>
+                    <a:ext cx="556246" cy="653178"/>
+                  </a:xfrm>
+                  <a:prstGeom prst="straightConnector1">
+                    <a:avLst/>
+                  </a:prstGeom>
+                  <a:gradFill flip="none" rotWithShape="1">
+                    <a:gsLst>
+                      <a:gs pos="26000">
+                        <a:schemeClr val="accent4"/>
+                      </a:gs>
+                      <a:gs pos="71000">
+                        <a:schemeClr val="accent1">
+                          <a:lumMod val="97000"/>
+                          <a:lumOff val="3000"/>
+                        </a:schemeClr>
+                      </a:gs>
+                      <a:gs pos="100000">
+                        <a:schemeClr val="accent1">
+                          <a:lumMod val="60000"/>
+                          <a:lumOff val="40000"/>
+                        </a:schemeClr>
+                      </a:gs>
+                    </a:gsLst>
+                    <a:lin ang="16200000" scaled="1"/>
+                    <a:tileRect/>
+                  </a:gradFill>
+                  <a:ln>
+                    <a:headEnd type="arrow"/>
+                    <a:tailEnd type="arrow"/>
+                  </a:ln>
+                </p:spPr>
+                <p:style>
+                  <a:lnRef idx="1">
+                    <a:schemeClr val="accent1"/>
+                  </a:lnRef>
+                  <a:fillRef idx="3">
+                    <a:schemeClr val="accent1"/>
+                  </a:fillRef>
+                  <a:effectRef idx="2">
+                    <a:schemeClr val="accent1"/>
+                  </a:effectRef>
+                  <a:fontRef idx="minor">
+                    <a:schemeClr val="lt1"/>
+                  </a:fontRef>
+                </p:style>
+              </p:cxnSp>
+            </p:grpSp>
+            <p:sp>
+              <p:nvSpPr>
+                <p:cNvPr id="435" name="TextBox 434"/>
+                <p:cNvSpPr txBox="1"/>
+                <p:nvPr/>
+              </p:nvSpPr>
+              <p:spPr>
+                <a:xfrm>
+                  <a:off x="303275" y="5904363"/>
+                  <a:ext cx="8544233" cy="1144883"/>
+                </a:xfrm>
+                <a:prstGeom prst="rect">
+                  <a:avLst/>
+                </a:prstGeom>
+                <a:noFill/>
+              </p:spPr>
+              <p:txBody>
+                <a:bodyPr wrap="square" rtlCol="0">
+                  <a:spAutoFit/>
+                </a:bodyPr>
+                <a:lstStyle/>
+                <a:p>
+                  <a:r>
+                    <a:rPr lang="en-US" sz="1000" dirty="0"/>
+                    <a:t>Enriched data (as well as all other) retains attributes related to confidence and/or assumptions made in establishing the assertions being raised</a:t>
+                  </a:r>
+                  <a:endParaRPr lang="en-US" sz="1000" dirty="0"/>
+                </a:p>
+              </p:txBody>
+            </p:sp>
+          </p:grpSp>
+        </p:grpSp>
+        <p:sp>
+          <p:nvSpPr>
+            <p:cNvPr id="478" name="Oval 477"/>
+            <p:cNvSpPr/>
+            <p:nvPr/>
+          </p:nvSpPr>
+          <p:spPr>
+            <a:xfrm>
+              <a:off x="7698098" y="4052092"/>
+              <a:ext cx="594891" cy="231220"/>
+            </a:xfrm>
+            <a:prstGeom prst="ellipse">
+              <a:avLst/>
+            </a:prstGeom>
+            <a:gradFill flip="none" rotWithShape="1">
+              <a:gsLst>
+                <a:gs pos="0">
+                  <a:schemeClr val="accent4">
+                    <a:lumMod val="67000"/>
+                  </a:schemeClr>
+                </a:gs>
+                <a:gs pos="48000">
+                  <a:schemeClr val="accent4">
+                    <a:lumMod val="97000"/>
+                    <a:lumOff val="3000"/>
+                  </a:schemeClr>
+                </a:gs>
+                <a:gs pos="100000">
+                  <a:schemeClr val="accent4">
+                    <a:lumMod val="60000"/>
+                    <a:lumOff val="40000"/>
+                  </a:schemeClr>
+                </a:gs>
+              </a:gsLst>
+              <a:lin ang="16200000" scaled="1"/>
+              <a:tileRect/>
+            </a:gradFill>
+          </p:spPr>
+          <p:style>
+            <a:lnRef idx="1">
+              <a:schemeClr val="accent1"/>
+            </a:lnRef>
+            <a:fillRef idx="3">
+              <a:schemeClr val="accent1"/>
+            </a:fillRef>
+            <a:effectRef idx="2">
+              <a:schemeClr val="accent1"/>
+            </a:effectRef>
+            <a:fontRef idx="minor">
+              <a:schemeClr val="lt1"/>
+            </a:fontRef>
+          </p:style>
+          <p:txBody>
+            <a:bodyPr rtlCol="0" anchor="ctr"/>
+            <a:lstStyle/>
+            <a:p>
+              <a:pPr algn="ctr"/>
+              <a:r>
+                <a:rPr lang="en-US" sz="600" dirty="0"/>
+                <a:t>Name</a:t>
+              </a:r>
+              <a:endParaRPr lang="en-US" sz="600" dirty="0"/>
+            </a:p>
+          </p:txBody>
+        </p:sp>
+        <p:sp>
+          <p:nvSpPr>
+            <p:cNvPr id="479" name="Oval 478"/>
+            <p:cNvSpPr/>
+            <p:nvPr/>
+          </p:nvSpPr>
+          <p:spPr>
+            <a:xfrm>
+              <a:off x="7775921" y="4104362"/>
+              <a:ext cx="594891" cy="231220"/>
+            </a:xfrm>
+            <a:prstGeom prst="ellipse">
+              <a:avLst/>
+            </a:prstGeom>
+            <a:gradFill flip="none" rotWithShape="1">
+              <a:gsLst>
+                <a:gs pos="0">
+                  <a:schemeClr val="accent4">
+                    <a:lumMod val="67000"/>
+                  </a:schemeClr>
+                </a:gs>
+                <a:gs pos="48000">
+                  <a:schemeClr val="accent4">
+                    <a:lumMod val="97000"/>
+                    <a:lumOff val="3000"/>
+                  </a:schemeClr>
+                </a:gs>
+                <a:gs pos="100000">
+                  <a:schemeClr val="accent4">
+                    <a:lumMod val="60000"/>
+                    <a:lumOff val="40000"/>
+                  </a:schemeClr>
+                </a:gs>
+              </a:gsLst>
+              <a:lin ang="16200000" scaled="1"/>
+              <a:tileRect/>
+            </a:gradFill>
+          </p:spPr>
+          <p:style>
+            <a:lnRef idx="1">
+              <a:schemeClr val="accent1"/>
+            </a:lnRef>
+            <a:fillRef idx="3">
+              <a:schemeClr val="accent1"/>
+            </a:fillRef>
+            <a:effectRef idx="2">
+              <a:schemeClr val="accent1"/>
+            </a:effectRef>
+            <a:fontRef idx="minor">
+              <a:schemeClr val="lt1"/>
+            </a:fontRef>
+          </p:style>
+          <p:txBody>
+            <a:bodyPr rtlCol="0" anchor="ctr"/>
+            <a:lstStyle/>
+            <a:p>
+              <a:pPr algn="ctr"/>
+              <a:r>
+                <a:rPr lang="en-US" sz="600" dirty="0"/>
+                <a:t>Name</a:t>
+              </a:r>
+              <a:endParaRPr lang="en-US" sz="600" dirty="0"/>
+            </a:p>
+          </p:txBody>
+        </p:sp>
+        <p:sp>
+          <p:nvSpPr>
+            <p:cNvPr id="480" name="Oval 479"/>
+            <p:cNvSpPr/>
+            <p:nvPr/>
+          </p:nvSpPr>
+          <p:spPr>
+            <a:xfrm>
+              <a:off x="7853743" y="4176728"/>
+              <a:ext cx="594891" cy="231220"/>
+            </a:xfrm>
+            <a:prstGeom prst="ellipse">
+              <a:avLst/>
+            </a:prstGeom>
+            <a:gradFill flip="none" rotWithShape="1">
+              <a:gsLst>
+                <a:gs pos="0">
+                  <a:schemeClr val="accent4">
+                    <a:lumMod val="67000"/>
+                  </a:schemeClr>
+                </a:gs>
+                <a:gs pos="48000">
+                  <a:schemeClr val="accent4">
+                    <a:lumMod val="97000"/>
+                    <a:lumOff val="3000"/>
+                  </a:schemeClr>
+                </a:gs>
+                <a:gs pos="100000">
+                  <a:schemeClr val="accent4">
+                    <a:lumMod val="60000"/>
+                    <a:lumOff val="40000"/>
+                  </a:schemeClr>
+                </a:gs>
+              </a:gsLst>
+              <a:lin ang="16200000" scaled="1"/>
+              <a:tileRect/>
+            </a:gradFill>
+          </p:spPr>
+          <p:style>
+            <a:lnRef idx="1">
+              <a:schemeClr val="accent1"/>
+            </a:lnRef>
+            <a:fillRef idx="3">
+              <a:schemeClr val="accent1"/>
+            </a:fillRef>
+            <a:effectRef idx="2">
+              <a:schemeClr val="accent1"/>
+            </a:effectRef>
+            <a:fontRef idx="minor">
+              <a:schemeClr val="lt1"/>
+            </a:fontRef>
+          </p:style>
+          <p:txBody>
+            <a:bodyPr rtlCol="0" anchor="ctr"/>
+            <a:lstStyle/>
+            <a:p>
+              <a:pPr algn="ctr"/>
+              <a:r>
+                <a:rPr lang="en-US" sz="600" dirty="0"/>
+                <a:t>Name</a:t>
+              </a:r>
+              <a:endParaRPr lang="en-US" sz="600" dirty="0"/>
+            </a:p>
+          </p:txBody>
+        </p:sp>
+        <p:sp>
+          <p:nvSpPr>
+            <p:cNvPr id="481" name="Oval 480"/>
+            <p:cNvSpPr/>
+            <p:nvPr/>
+          </p:nvSpPr>
+          <p:spPr>
+            <a:xfrm>
+              <a:off x="8038419" y="4739503"/>
+              <a:ext cx="700404" cy="231220"/>
+            </a:xfrm>
+            <a:prstGeom prst="ellipse">
+              <a:avLst/>
+            </a:prstGeom>
+            <a:gradFill flip="none" rotWithShape="1">
+              <a:gsLst>
+                <a:gs pos="0">
+                  <a:schemeClr val="accent4">
+                    <a:lumMod val="67000"/>
+                  </a:schemeClr>
+                </a:gs>
+                <a:gs pos="48000">
+                  <a:schemeClr val="accent4">
+                    <a:lumMod val="97000"/>
+                    <a:lumOff val="3000"/>
+                  </a:schemeClr>
+                </a:gs>
+                <a:gs pos="100000">
+                  <a:schemeClr val="accent4">
+                    <a:lumMod val="60000"/>
+                    <a:lumOff val="40000"/>
+                  </a:schemeClr>
+                </a:gs>
+              </a:gsLst>
+              <a:lin ang="16200000" scaled="1"/>
+              <a:tileRect/>
+            </a:gradFill>
+          </p:spPr>
+          <p:style>
+            <a:lnRef idx="1">
+              <a:schemeClr val="accent1"/>
+            </a:lnRef>
+            <a:fillRef idx="3">
+              <a:schemeClr val="accent1"/>
+            </a:fillRef>
+            <a:effectRef idx="2">
+              <a:schemeClr val="accent1"/>
+            </a:effectRef>
+            <a:fontRef idx="minor">
+              <a:schemeClr val="lt1"/>
+            </a:fontRef>
+          </p:style>
+          <p:txBody>
+            <a:bodyPr rtlCol="0" anchor="ctr"/>
+            <a:lstStyle/>
+            <a:p>
+              <a:pPr algn="ctr"/>
+              <a:r>
+                <a:rPr lang="en-US" sz="600" dirty="0"/>
+                <a:t>Address</a:t>
+              </a:r>
+              <a:endParaRPr lang="en-US" sz="600" dirty="0"/>
+            </a:p>
+          </p:txBody>
+        </p:sp>
+        <p:sp>
+          <p:nvSpPr>
+            <p:cNvPr id="482" name="Oval 481"/>
+            <p:cNvSpPr/>
+            <p:nvPr/>
+          </p:nvSpPr>
+          <p:spPr>
+            <a:xfrm>
+              <a:off x="8116242" y="4816893"/>
+              <a:ext cx="700404" cy="231220"/>
+            </a:xfrm>
+            <a:prstGeom prst="ellipse">
+              <a:avLst/>
+            </a:prstGeom>
+            <a:gradFill flip="none" rotWithShape="1">
+              <a:gsLst>
+                <a:gs pos="0">
+                  <a:schemeClr val="accent4">
+                    <a:lumMod val="67000"/>
+                  </a:schemeClr>
+                </a:gs>
+                <a:gs pos="48000">
+                  <a:schemeClr val="accent4">
+                    <a:lumMod val="97000"/>
+                    <a:lumOff val="3000"/>
+                  </a:schemeClr>
+                </a:gs>
+                <a:gs pos="100000">
+                  <a:schemeClr val="accent4">
+                    <a:lumMod val="60000"/>
+                    <a:lumOff val="40000"/>
+                  </a:schemeClr>
+                </a:gs>
+              </a:gsLst>
+              <a:lin ang="16200000" scaled="1"/>
+              <a:tileRect/>
+            </a:gradFill>
+          </p:spPr>
+          <p:style>
+            <a:lnRef idx="1">
+              <a:schemeClr val="accent1"/>
+            </a:lnRef>
+            <a:fillRef idx="3">
+              <a:schemeClr val="accent1"/>
+            </a:fillRef>
+            <a:effectRef idx="2">
+              <a:schemeClr val="accent1"/>
+            </a:effectRef>
+            <a:fontRef idx="minor">
+              <a:schemeClr val="lt1"/>
+            </a:fontRef>
+          </p:style>
+          <p:txBody>
+            <a:bodyPr rtlCol="0" anchor="ctr"/>
+            <a:lstStyle/>
+            <a:p>
+              <a:pPr algn="ctr"/>
+              <a:r>
+                <a:rPr lang="en-US" sz="600" dirty="0"/>
+                <a:t>Address</a:t>
+              </a:r>
+              <a:endParaRPr lang="en-US" sz="600" dirty="0"/>
+            </a:p>
+          </p:txBody>
+        </p:sp>
+        <p:sp>
+          <p:nvSpPr>
+            <p:cNvPr id="483" name="Oval 482"/>
+            <p:cNvSpPr/>
+            <p:nvPr/>
+          </p:nvSpPr>
+          <p:spPr>
+            <a:xfrm>
+              <a:off x="8194064" y="4894283"/>
+              <a:ext cx="700404" cy="231220"/>
+            </a:xfrm>
+            <a:prstGeom prst="ellipse">
+              <a:avLst/>
+            </a:prstGeom>
+            <a:gradFill flip="none" rotWithShape="1">
+              <a:gsLst>
+                <a:gs pos="0">
+                  <a:schemeClr val="accent4">
+                    <a:lumMod val="67000"/>
+                  </a:schemeClr>
+                </a:gs>
+                <a:gs pos="48000">
+                  <a:schemeClr val="accent4">
+                    <a:lumMod val="97000"/>
+                    <a:lumOff val="3000"/>
+                  </a:schemeClr>
+                </a:gs>
+                <a:gs pos="100000">
+                  <a:schemeClr val="accent4">
+                    <a:lumMod val="60000"/>
+                    <a:lumOff val="40000"/>
+                  </a:schemeClr>
+                </a:gs>
+              </a:gsLst>
+              <a:lin ang="16200000" scaled="1"/>
+              <a:tileRect/>
+            </a:gradFill>
+          </p:spPr>
+          <p:style>
+            <a:lnRef idx="1">
+              <a:schemeClr val="accent1"/>
+            </a:lnRef>
+            <a:fillRef idx="3">
+              <a:schemeClr val="accent1"/>
+            </a:fillRef>
+            <a:effectRef idx="2">
+              <a:schemeClr val="accent1"/>
+            </a:effectRef>
+            <a:fontRef idx="minor">
+              <a:schemeClr val="lt1"/>
+            </a:fontRef>
+          </p:style>
+          <p:txBody>
+            <a:bodyPr rtlCol="0" anchor="ctr"/>
+            <a:lstStyle/>
+            <a:p>
+              <a:pPr algn="ctr"/>
+              <a:r>
+                <a:rPr lang="en-US" sz="600" dirty="0"/>
+                <a:t>Address</a:t>
+              </a:r>
+              <a:endParaRPr lang="en-US" sz="600" dirty="0"/>
+            </a:p>
+          </p:txBody>
+        </p:sp>
+        <p:sp>
+          <p:nvSpPr>
+            <p:cNvPr id="484" name="Oval 483"/>
+            <p:cNvSpPr/>
+            <p:nvPr/>
+          </p:nvSpPr>
+          <p:spPr>
+            <a:xfrm>
+              <a:off x="7306193" y="5040841"/>
+              <a:ext cx="700404" cy="231220"/>
+            </a:xfrm>
+            <a:prstGeom prst="ellipse">
+              <a:avLst/>
+            </a:prstGeom>
+            <a:gradFill flip="none" rotWithShape="1">
+              <a:gsLst>
+                <a:gs pos="0">
+                  <a:schemeClr val="accent4">
+                    <a:lumMod val="67000"/>
+                  </a:schemeClr>
+                </a:gs>
+                <a:gs pos="48000">
+                  <a:schemeClr val="accent4">
+                    <a:lumMod val="97000"/>
+                    <a:lumOff val="3000"/>
+                  </a:schemeClr>
+                </a:gs>
+                <a:gs pos="100000">
+                  <a:schemeClr val="accent4">
+                    <a:lumMod val="60000"/>
+                    <a:lumOff val="40000"/>
+                  </a:schemeClr>
+                </a:gs>
+              </a:gsLst>
+              <a:lin ang="16200000" scaled="1"/>
+              <a:tileRect/>
+            </a:gradFill>
+          </p:spPr>
+          <p:style>
+            <a:lnRef idx="1">
+              <a:schemeClr val="accent1"/>
+            </a:lnRef>
+            <a:fillRef idx="3">
+              <a:schemeClr val="accent1"/>
+            </a:fillRef>
+            <a:effectRef idx="2">
+              <a:schemeClr val="accent1"/>
+            </a:effectRef>
+            <a:fontRef idx="minor">
+              <a:schemeClr val="lt1"/>
+            </a:fontRef>
+          </p:style>
+          <p:txBody>
+            <a:bodyPr rtlCol="0" anchor="ctr"/>
+            <a:lstStyle/>
+            <a:p>
+              <a:pPr algn="ctr"/>
+              <a:r>
+                <a:rPr lang="en-US" sz="600" dirty="0"/>
+                <a:t>Affiliate</a:t>
+              </a:r>
+              <a:endParaRPr lang="en-US" sz="600" dirty="0"/>
+            </a:p>
+          </p:txBody>
+        </p:sp>
+        <p:sp>
+          <p:nvSpPr>
+            <p:cNvPr id="485" name="Oval 484"/>
+            <p:cNvSpPr/>
+            <p:nvPr/>
+          </p:nvSpPr>
+          <p:spPr>
+            <a:xfrm>
+              <a:off x="7384016" y="5115719"/>
+              <a:ext cx="700404" cy="231220"/>
+            </a:xfrm>
+            <a:prstGeom prst="ellipse">
+              <a:avLst/>
+            </a:prstGeom>
+            <a:gradFill flip="none" rotWithShape="1">
+              <a:gsLst>
+                <a:gs pos="0">
+                  <a:schemeClr val="accent4">
+                    <a:lumMod val="67000"/>
+                  </a:schemeClr>
+                </a:gs>
+                <a:gs pos="48000">
+                  <a:schemeClr val="accent4">
+                    <a:lumMod val="97000"/>
+                    <a:lumOff val="3000"/>
+                  </a:schemeClr>
+                </a:gs>
+                <a:gs pos="100000">
+                  <a:schemeClr val="accent4">
+                    <a:lumMod val="60000"/>
+                    <a:lumOff val="40000"/>
+                  </a:schemeClr>
+                </a:gs>
+              </a:gsLst>
+              <a:lin ang="16200000" scaled="1"/>
+              <a:tileRect/>
+            </a:gradFill>
+          </p:spPr>
+          <p:style>
+            <a:lnRef idx="1">
+              <a:schemeClr val="accent1"/>
+            </a:lnRef>
+            <a:fillRef idx="3">
+              <a:schemeClr val="accent1"/>
+            </a:fillRef>
+            <a:effectRef idx="2">
+              <a:schemeClr val="accent1"/>
+            </a:effectRef>
+            <a:fontRef idx="minor">
+              <a:schemeClr val="lt1"/>
+            </a:fontRef>
+          </p:style>
+          <p:txBody>
+            <a:bodyPr rtlCol="0" anchor="ctr"/>
+            <a:lstStyle/>
+            <a:p>
+              <a:pPr algn="ctr"/>
+              <a:r>
+                <a:rPr lang="en-US" sz="600" dirty="0"/>
+                <a:t>Affiliate</a:t>
+              </a:r>
+              <a:endParaRPr lang="en-US" sz="600" dirty="0"/>
+            </a:p>
+          </p:txBody>
+        </p:sp>
+        <p:sp>
+          <p:nvSpPr>
+            <p:cNvPr id="486" name="Oval 485"/>
+            <p:cNvSpPr/>
+            <p:nvPr/>
+          </p:nvSpPr>
+          <p:spPr>
+            <a:xfrm>
+              <a:off x="7461838" y="5190597"/>
+              <a:ext cx="700404" cy="231220"/>
+            </a:xfrm>
+            <a:prstGeom prst="ellipse">
+              <a:avLst/>
+            </a:prstGeom>
+            <a:gradFill flip="none" rotWithShape="1">
+              <a:gsLst>
+                <a:gs pos="0">
+                  <a:schemeClr val="accent4">
+                    <a:lumMod val="67000"/>
+                  </a:schemeClr>
+                </a:gs>
+                <a:gs pos="48000">
+                  <a:schemeClr val="accent4">
+                    <a:lumMod val="97000"/>
+                    <a:lumOff val="3000"/>
+                  </a:schemeClr>
+                </a:gs>
+                <a:gs pos="100000">
+                  <a:schemeClr val="accent4">
+                    <a:lumMod val="60000"/>
+                    <a:lumOff val="40000"/>
+                  </a:schemeClr>
+                </a:gs>
+              </a:gsLst>
+              <a:lin ang="16200000" scaled="1"/>
+              <a:tileRect/>
+            </a:gradFill>
+          </p:spPr>
+          <p:style>
+            <a:lnRef idx="1">
+              <a:schemeClr val="accent1"/>
+            </a:lnRef>
+            <a:fillRef idx="3">
+              <a:schemeClr val="accent1"/>
+            </a:fillRef>
+            <a:effectRef idx="2">
+              <a:schemeClr val="accent1"/>
+            </a:effectRef>
+            <a:fontRef idx="minor">
+              <a:schemeClr val="lt1"/>
+            </a:fontRef>
+          </p:style>
+          <p:txBody>
+            <a:bodyPr rtlCol="0" anchor="ctr"/>
+            <a:lstStyle/>
+            <a:p>
+              <a:pPr algn="ctr"/>
+              <a:r>
+                <a:rPr lang="en-US" sz="600" dirty="0"/>
+                <a:t>Affiliate</a:t>
+              </a:r>
+              <a:endParaRPr lang="en-US" sz="600" dirty="0"/>
+            </a:p>
+          </p:txBody>
+        </p:sp>
+        <p:sp>
+          <p:nvSpPr>
+            <p:cNvPr id="487" name="Oval 486"/>
+            <p:cNvSpPr/>
+            <p:nvPr/>
+          </p:nvSpPr>
+          <p:spPr>
+            <a:xfrm>
+              <a:off x="7832234" y="5642433"/>
+              <a:ext cx="1033074" cy="231220"/>
+            </a:xfrm>
+            <a:prstGeom prst="ellipse">
+              <a:avLst/>
+            </a:prstGeom>
+            <a:gradFill flip="none" rotWithShape="1">
+              <a:gsLst>
+                <a:gs pos="0">
+                  <a:schemeClr val="accent4">
+                    <a:lumMod val="67000"/>
+                  </a:schemeClr>
+                </a:gs>
+                <a:gs pos="48000">
+                  <a:schemeClr val="accent4">
+                    <a:lumMod val="97000"/>
+                    <a:lumOff val="3000"/>
+                  </a:schemeClr>
+                </a:gs>
+                <a:gs pos="100000">
+                  <a:schemeClr val="accent4">
+                    <a:lumMod val="60000"/>
+                    <a:lumOff val="40000"/>
+                  </a:schemeClr>
+                </a:gs>
+              </a:gsLst>
+              <a:lin ang="16200000" scaled="1"/>
+              <a:tileRect/>
+            </a:gradFill>
+          </p:spPr>
+          <p:style>
+            <a:lnRef idx="1">
+              <a:schemeClr val="accent1"/>
+            </a:lnRef>
+            <a:fillRef idx="3">
+              <a:schemeClr val="accent1"/>
+            </a:fillRef>
+            <a:effectRef idx="2">
+              <a:schemeClr val="accent1"/>
+            </a:effectRef>
+            <a:fontRef idx="minor">
+              <a:schemeClr val="lt1"/>
+            </a:fontRef>
+          </p:style>
+          <p:txBody>
+            <a:bodyPr rtlCol="0" anchor="ctr"/>
+            <a:lstStyle/>
+            <a:p>
+              <a:pPr algn="ctr"/>
+              <a:r>
+                <a:rPr lang="en-US" sz="600" dirty="0"/>
+                <a:t>Organization</a:t>
+              </a:r>
+              <a:endParaRPr lang="en-US" sz="600" dirty="0"/>
+            </a:p>
+          </p:txBody>
+        </p:sp>
+        <p:cxnSp>
+          <p:nvCxnSpPr>
+            <p:cNvPr id="488" name="Straight Arrow Connector 487"/>
+            <p:cNvCxnSpPr>
+              <a:endCxn id="481" idx="0"/>
+            </p:cNvCxnSpPr>
+            <p:nvPr/>
+          </p:nvCxnSpPr>
+          <p:spPr>
+            <a:xfrm>
+              <a:off x="8292989" y="4407948"/>
+              <a:ext cx="95632" cy="331554"/>
+            </a:xfrm>
+            <a:prstGeom prst="straightConnector1">
+              <a:avLst/>
+            </a:prstGeom>
+            <a:solidFill>
+              <a:schemeClr val="accent2">
+                <a:lumMod val="60000"/>
+                <a:lumOff val="40000"/>
+              </a:schemeClr>
+            </a:solidFill>
+            <a:ln w="12700">
+              <a:headEnd type="arrow"/>
+              <a:tailEnd type="arrow"/>
+            </a:ln>
+          </p:spPr>
+          <p:style>
+            <a:lnRef idx="2">
+              <a:schemeClr val="accent1"/>
+            </a:lnRef>
+            <a:fillRef idx="0">
+              <a:schemeClr val="accent1"/>
+            </a:fillRef>
+            <a:effectRef idx="1">
+              <a:schemeClr val="accent1"/>
+            </a:effectRef>
+            <a:fontRef idx="minor">
+              <a:schemeClr val="tx1"/>
+            </a:fontRef>
+          </p:style>
+        </p:cxnSp>
+        <p:sp>
+          <p:nvSpPr>
+            <p:cNvPr id="489" name="TextBox 488"/>
+            <p:cNvSpPr txBox="1"/>
+            <p:nvPr/>
+          </p:nvSpPr>
+          <p:spPr>
+            <a:xfrm>
+              <a:off x="8336090" y="4422542"/>
+              <a:ext cx="383435" cy="184666"/>
+            </a:xfrm>
+            <a:prstGeom prst="rect">
+              <a:avLst/>
+            </a:prstGeom>
+            <a:noFill/>
+          </p:spPr>
+          <p:txBody>
+            <a:bodyPr wrap="square" rtlCol="0">
+              <a:spAutoFit/>
+            </a:bodyPr>
+            <a:lstStyle/>
+            <a:p>
+              <a:r>
+                <a:rPr lang="en-US" sz="600" dirty="0" smtClean="0"/>
+                <a:t>Has</a:t>
+              </a:r>
+              <a:endParaRPr lang="en-US" sz="600" dirty="0"/>
+            </a:p>
+          </p:txBody>
+        </p:sp>
+        <p:cxnSp>
+          <p:nvCxnSpPr>
+            <p:cNvPr id="490" name="Straight Arrow Connector 489"/>
+            <p:cNvCxnSpPr>
+              <a:endCxn id="487" idx="0"/>
+            </p:cNvCxnSpPr>
+            <p:nvPr/>
+          </p:nvCxnSpPr>
+          <p:spPr>
+            <a:xfrm flipH="1">
+              <a:off x="8348771" y="5175743"/>
+              <a:ext cx="99864" cy="466690"/>
+            </a:xfrm>
+            <a:prstGeom prst="straightConnector1">
+              <a:avLst/>
+            </a:prstGeom>
+            <a:solidFill>
+              <a:schemeClr val="accent2">
+                <a:lumMod val="60000"/>
+                <a:lumOff val="40000"/>
+              </a:schemeClr>
+            </a:solidFill>
+            <a:ln w="12700">
+              <a:headEnd type="arrow"/>
+              <a:tailEnd type="arrow"/>
+            </a:ln>
+          </p:spPr>
+          <p:style>
+            <a:lnRef idx="2">
+              <a:schemeClr val="accent1"/>
+            </a:lnRef>
+            <a:fillRef idx="0">
+              <a:schemeClr val="accent1"/>
+            </a:fillRef>
+            <a:effectRef idx="1">
+              <a:schemeClr val="accent1"/>
+            </a:effectRef>
+            <a:fontRef idx="minor">
+              <a:schemeClr val="tx1"/>
+            </a:fontRef>
+          </p:style>
+        </p:cxnSp>
+        <p:sp>
+          <p:nvSpPr>
+            <p:cNvPr id="491" name="TextBox 490"/>
+            <p:cNvSpPr txBox="1"/>
+            <p:nvPr/>
+          </p:nvSpPr>
+          <p:spPr>
+            <a:xfrm>
+              <a:off x="8352168" y="5417009"/>
+              <a:ext cx="354162" cy="184666"/>
+            </a:xfrm>
+            <a:prstGeom prst="rect">
+              <a:avLst/>
+            </a:prstGeom>
+            <a:noFill/>
+          </p:spPr>
+          <p:txBody>
+            <a:bodyPr wrap="square" rtlCol="0">
+              <a:spAutoFit/>
+            </a:bodyPr>
+            <a:lstStyle/>
+            <a:p>
+              <a:r>
+                <a:rPr lang="en-US" sz="600" dirty="0" smtClean="0"/>
+                <a:t>Has</a:t>
+              </a:r>
+              <a:endParaRPr lang="en-US" sz="600" dirty="0"/>
+            </a:p>
+          </p:txBody>
+        </p:sp>
+        <p:sp>
+          <p:nvSpPr>
+            <p:cNvPr id="492" name="TextBox 491"/>
+            <p:cNvSpPr txBox="1"/>
+            <p:nvPr/>
+          </p:nvSpPr>
+          <p:spPr>
+            <a:xfrm>
+              <a:off x="7835429" y="4511507"/>
+              <a:ext cx="362601" cy="184666"/>
+            </a:xfrm>
+            <a:prstGeom prst="rect">
+              <a:avLst/>
+            </a:prstGeom>
+            <a:noFill/>
+          </p:spPr>
+          <p:txBody>
+            <a:bodyPr wrap="square" rtlCol="0">
+              <a:spAutoFit/>
+            </a:bodyPr>
+            <a:lstStyle/>
+            <a:p>
+              <a:r>
+                <a:rPr lang="en-US" sz="600" dirty="0" smtClean="0"/>
+                <a:t>Has</a:t>
+              </a:r>
+              <a:endParaRPr lang="en-US" sz="600" dirty="0"/>
+            </a:p>
+          </p:txBody>
+        </p:sp>
+        <p:sp>
+          <p:nvSpPr>
+            <p:cNvPr id="493" name="Oval 492"/>
+            <p:cNvSpPr/>
+            <p:nvPr/>
+          </p:nvSpPr>
+          <p:spPr>
+            <a:xfrm>
+              <a:off x="7910056" y="5719823"/>
+              <a:ext cx="1033074" cy="231220"/>
+            </a:xfrm>
+            <a:prstGeom prst="ellipse">
+              <a:avLst/>
+            </a:prstGeom>
+            <a:gradFill flip="none" rotWithShape="1">
+              <a:gsLst>
+                <a:gs pos="0">
+                  <a:schemeClr val="accent4">
+                    <a:lumMod val="67000"/>
+                  </a:schemeClr>
+                </a:gs>
+                <a:gs pos="48000">
+                  <a:schemeClr val="accent4">
+                    <a:lumMod val="97000"/>
+                    <a:lumOff val="3000"/>
+                  </a:schemeClr>
+                </a:gs>
+                <a:gs pos="100000">
+                  <a:schemeClr val="accent4">
+                    <a:lumMod val="60000"/>
+                    <a:lumOff val="40000"/>
+                  </a:schemeClr>
+                </a:gs>
+              </a:gsLst>
+              <a:lin ang="16200000" scaled="1"/>
+              <a:tileRect/>
+            </a:gradFill>
+          </p:spPr>
+          <p:style>
+            <a:lnRef idx="1">
+              <a:schemeClr val="accent1"/>
+            </a:lnRef>
+            <a:fillRef idx="3">
+              <a:schemeClr val="accent1"/>
+            </a:fillRef>
+            <a:effectRef idx="2">
+              <a:schemeClr val="accent1"/>
+            </a:effectRef>
+            <a:fontRef idx="minor">
+              <a:schemeClr val="lt1"/>
+            </a:fontRef>
+          </p:style>
+          <p:txBody>
+            <a:bodyPr rtlCol="0" anchor="ctr"/>
+            <a:lstStyle/>
+            <a:p>
+              <a:pPr algn="ctr"/>
+              <a:r>
+                <a:rPr lang="en-US" sz="600" dirty="0"/>
+                <a:t>Organization</a:t>
+              </a:r>
+              <a:endParaRPr lang="en-US" sz="600" dirty="0"/>
+            </a:p>
+          </p:txBody>
+        </p:sp>
+        <p:sp>
+          <p:nvSpPr>
+            <p:cNvPr id="494" name="Oval 493"/>
+            <p:cNvSpPr/>
+            <p:nvPr/>
+          </p:nvSpPr>
+          <p:spPr>
+            <a:xfrm>
+              <a:off x="7987879" y="5797213"/>
+              <a:ext cx="1033074" cy="231220"/>
+            </a:xfrm>
+            <a:prstGeom prst="ellipse">
+              <a:avLst/>
+            </a:prstGeom>
+            <a:gradFill flip="none" rotWithShape="1">
+              <a:gsLst>
+                <a:gs pos="0">
+                  <a:schemeClr val="accent4">
+                    <a:lumMod val="67000"/>
+                  </a:schemeClr>
+                </a:gs>
+                <a:gs pos="48000">
+                  <a:schemeClr val="accent4">
+                    <a:lumMod val="97000"/>
+                    <a:lumOff val="3000"/>
+                  </a:schemeClr>
+                </a:gs>
+                <a:gs pos="100000">
+                  <a:schemeClr val="accent4">
+                    <a:lumMod val="60000"/>
+                    <a:lumOff val="40000"/>
+                  </a:schemeClr>
+                </a:gs>
+              </a:gsLst>
+              <a:lin ang="16200000" scaled="1"/>
+              <a:tileRect/>
+            </a:gradFill>
+          </p:spPr>
+          <p:style>
+            <a:lnRef idx="1">
+              <a:schemeClr val="accent1"/>
+            </a:lnRef>
+            <a:fillRef idx="3">
+              <a:schemeClr val="accent1"/>
+            </a:fillRef>
+            <a:effectRef idx="2">
+              <a:schemeClr val="accent1"/>
+            </a:effectRef>
+            <a:fontRef idx="minor">
+              <a:schemeClr val="lt1"/>
+            </a:fontRef>
+          </p:style>
+          <p:txBody>
+            <a:bodyPr rtlCol="0" anchor="ctr"/>
+            <a:lstStyle/>
+            <a:p>
+              <a:pPr algn="ctr"/>
+              <a:r>
+                <a:rPr lang="en-US" sz="600" dirty="0"/>
+                <a:t>Organization</a:t>
+              </a:r>
+              <a:endParaRPr lang="en-US" sz="600" dirty="0"/>
+            </a:p>
+          </p:txBody>
+        </p:sp>
+        <p:cxnSp>
+          <p:nvCxnSpPr>
+            <p:cNvPr id="495" name="Straight Arrow Connector 494"/>
+            <p:cNvCxnSpPr>
+              <a:stCxn id="486" idx="4"/>
+              <a:endCxn id="487" idx="1"/>
+            </p:cNvCxnSpPr>
+            <p:nvPr/>
+          </p:nvCxnSpPr>
+          <p:spPr>
+            <a:xfrm>
+              <a:off x="7812040" y="5421817"/>
+              <a:ext cx="171484" cy="254477"/>
+            </a:xfrm>
+            <a:prstGeom prst="straightConnector1">
+              <a:avLst/>
+            </a:prstGeom>
+            <a:solidFill>
+              <a:schemeClr val="accent2">
+                <a:lumMod val="60000"/>
+                <a:lumOff val="40000"/>
+              </a:schemeClr>
+            </a:solidFill>
+            <a:ln w="12700">
+              <a:headEnd type="arrow"/>
+              <a:tailEnd type="arrow"/>
+            </a:ln>
+          </p:spPr>
+          <p:style>
+            <a:lnRef idx="2">
+              <a:schemeClr val="accent1"/>
+            </a:lnRef>
+            <a:fillRef idx="0">
+              <a:schemeClr val="accent1"/>
+            </a:fillRef>
+            <a:effectRef idx="1">
+              <a:schemeClr val="accent1"/>
+            </a:effectRef>
+            <a:fontRef idx="minor">
+              <a:schemeClr val="tx1"/>
+            </a:fontRef>
+          </p:style>
+        </p:cxnSp>
+        <p:sp>
+          <p:nvSpPr>
+            <p:cNvPr id="496" name="TextBox 495"/>
+            <p:cNvSpPr txBox="1"/>
+            <p:nvPr/>
+          </p:nvSpPr>
+          <p:spPr>
+            <a:xfrm>
+              <a:off x="7900662" y="5464224"/>
+              <a:ext cx="383435" cy="184666"/>
+            </a:xfrm>
+            <a:prstGeom prst="rect">
+              <a:avLst/>
+            </a:prstGeom>
+            <a:noFill/>
+          </p:spPr>
+          <p:txBody>
+            <a:bodyPr wrap="square" rtlCol="0">
+              <a:spAutoFit/>
+            </a:bodyPr>
+            <a:lstStyle/>
+            <a:p>
+              <a:r>
+                <a:rPr lang="en-US" sz="600" dirty="0" smtClean="0"/>
+                <a:t>Has</a:t>
+              </a:r>
+              <a:endParaRPr lang="en-US" sz="600" dirty="0"/>
+            </a:p>
+          </p:txBody>
+        </p:sp>
+      </p:grpSp>
+      <p:cxnSp>
+        <p:nvCxnSpPr>
+          <p:cNvPr id="497" name="Straight Arrow Connector 496"/>
+          <p:cNvCxnSpPr>
+            <a:stCxn id="437" idx="3"/>
+            <a:endCxn id="473" idx="7"/>
+          </p:cNvCxnSpPr>
+          <p:nvPr/>
+        </p:nvCxnSpPr>
+        <p:spPr>
+          <a:xfrm flipH="1">
+            <a:off x="6077162" y="4289481"/>
+            <a:ext cx="450572" cy="500106"/>
+          </a:xfrm>
+          <a:prstGeom prst="straightConnector1">
+            <a:avLst/>
+          </a:prstGeom>
+          <a:gradFill flip="none" rotWithShape="1">
+            <a:gsLst>
+              <a:gs pos="26000">
+                <a:schemeClr val="accent4"/>
+              </a:gs>
+              <a:gs pos="71000">
+                <a:schemeClr val="accent1">
+                  <a:lumMod val="97000"/>
+                  <a:lumOff val="3000"/>
+                </a:schemeClr>
+              </a:gs>
+              <a:gs pos="100000">
+                <a:schemeClr val="accent1">
+                  <a:lumMod val="60000"/>
+                  <a:lumOff val="40000"/>
+                </a:schemeClr>
+              </a:gs>
+            </a:gsLst>
+            <a:lin ang="16200000" scaled="1"/>
+            <a:tileRect/>
+          </a:gradFill>
+          <a:ln>
+            <a:headEnd type="arrow"/>
+            <a:tailEnd type="arrow"/>
+          </a:ln>
+        </p:spPr>
+        <p:style>
+          <a:lnRef idx="1">
+            <a:schemeClr val="accent1"/>
+          </a:lnRef>
+          <a:fillRef idx="3">
+            <a:schemeClr val="accent1"/>
+          </a:fillRef>
+          <a:effectRef idx="2">
+            <a:schemeClr val="accent1"/>
+          </a:effectRef>
+          <a:fontRef idx="minor">
+            <a:schemeClr val="lt1"/>
+          </a:fontRef>
+        </p:style>
+      </p:cxnSp>
+      <p:sp>
+        <p:nvSpPr>
+          <p:cNvPr id="498" name="TextBox 497"/>
+          <p:cNvSpPr txBox="1"/>
+          <p:nvPr/>
+        </p:nvSpPr>
+        <p:spPr>
+          <a:xfrm>
+            <a:off x="6072337" y="4484329"/>
+            <a:ext cx="615079" cy="184666"/>
+          </a:xfrm>
+          <a:prstGeom prst="rect">
+            <a:avLst/>
+          </a:prstGeom>
+          <a:noFill/>
+        </p:spPr>
+        <p:txBody>
+          <a:bodyPr wrap="square" rtlCol="0">
+            <a:spAutoFit/>
+          </a:bodyPr>
+          <a:lstStyle/>
+          <a:p>
+            <a:r>
+              <a:rPr lang="en-US" sz="600" dirty="0" err="1" smtClean="0"/>
+              <a:t>WorksAt</a:t>
+            </a:r>
+            <a:r>
+              <a:rPr lang="en-US" sz="600" dirty="0" smtClean="0"/>
+              <a:t>?</a:t>
+            </a:r>
+            <a:endParaRPr lang="en-US" sz="600" dirty="0"/>
+          </a:p>
+        </p:txBody>
+      </p:sp>
+      <p:cxnSp>
+        <p:nvCxnSpPr>
+          <p:cNvPr id="499" name="Straight Arrow Connector 498"/>
+          <p:cNvCxnSpPr>
+            <a:stCxn id="437" idx="5"/>
+            <a:endCxn id="481" idx="2"/>
+          </p:cNvCxnSpPr>
+          <p:nvPr/>
+        </p:nvCxnSpPr>
+        <p:spPr>
+          <a:xfrm>
+            <a:off x="6924358" y="4289481"/>
+            <a:ext cx="1114061" cy="565632"/>
+          </a:xfrm>
+          <a:prstGeom prst="straightConnector1">
+            <a:avLst/>
+          </a:prstGeom>
+          <a:gradFill flip="none" rotWithShape="1">
+            <a:gsLst>
+              <a:gs pos="26000">
+                <a:schemeClr val="accent4"/>
+              </a:gs>
+              <a:gs pos="71000">
+                <a:schemeClr val="accent1">
+                  <a:lumMod val="97000"/>
+                  <a:lumOff val="3000"/>
+                </a:schemeClr>
+              </a:gs>
+              <a:gs pos="100000">
+                <a:schemeClr val="accent1">
+                  <a:lumMod val="60000"/>
+                  <a:lumOff val="40000"/>
+                </a:schemeClr>
+              </a:gs>
+            </a:gsLst>
+            <a:lin ang="16200000" scaled="1"/>
+            <a:tileRect/>
+          </a:gradFill>
+          <a:ln>
+            <a:headEnd type="arrow"/>
+            <a:tailEnd type="arrow"/>
+          </a:ln>
+        </p:spPr>
+        <p:style>
+          <a:lnRef idx="1">
+            <a:schemeClr val="accent1"/>
+          </a:lnRef>
+          <a:fillRef idx="3">
+            <a:schemeClr val="accent1"/>
+          </a:fillRef>
+          <a:effectRef idx="2">
+            <a:schemeClr val="accent1"/>
+          </a:effectRef>
+          <a:fontRef idx="minor">
+            <a:schemeClr val="lt1"/>
+          </a:fontRef>
+        </p:style>
+      </p:cxnSp>
+      <p:sp>
+        <p:nvSpPr>
+          <p:cNvPr id="500" name="TextBox 499"/>
+          <p:cNvSpPr txBox="1"/>
+          <p:nvPr/>
+        </p:nvSpPr>
+        <p:spPr>
+          <a:xfrm>
+            <a:off x="7043601" y="4470226"/>
+            <a:ext cx="615079" cy="184666"/>
+          </a:xfrm>
+          <a:prstGeom prst="rect">
+            <a:avLst/>
+          </a:prstGeom>
+          <a:noFill/>
+        </p:spPr>
+        <p:txBody>
+          <a:bodyPr wrap="square" rtlCol="0">
+            <a:spAutoFit/>
+          </a:bodyPr>
+          <a:lstStyle/>
+          <a:p>
+            <a:r>
+              <a:rPr lang="en-US" sz="600" dirty="0" err="1" smtClean="0"/>
+              <a:t>LivesAt</a:t>
+            </a:r>
+            <a:r>
+              <a:rPr lang="en-US" sz="600" dirty="0" smtClean="0"/>
+              <a:t>?</a:t>
+            </a:r>
+            <a:endParaRPr lang="en-US" sz="600" dirty="0"/>
+          </a:p>
+        </p:txBody>
+      </p:sp>
+      <p:cxnSp>
+        <p:nvCxnSpPr>
+          <p:cNvPr id="501" name="Straight Arrow Connector 500"/>
+          <p:cNvCxnSpPr>
+            <a:stCxn id="437" idx="4"/>
+            <a:endCxn id="467" idx="7"/>
+          </p:cNvCxnSpPr>
+          <p:nvPr/>
+        </p:nvCxnSpPr>
+        <p:spPr>
+          <a:xfrm flipH="1">
+            <a:off x="5850804" y="4313841"/>
+            <a:ext cx="875242" cy="1309641"/>
+          </a:xfrm>
+          <a:prstGeom prst="straightConnector1">
+            <a:avLst/>
+          </a:prstGeom>
+          <a:gradFill flip="none" rotWithShape="1">
+            <a:gsLst>
+              <a:gs pos="26000">
+                <a:schemeClr val="accent4"/>
+              </a:gs>
+              <a:gs pos="71000">
+                <a:schemeClr val="accent1">
+                  <a:lumMod val="97000"/>
+                  <a:lumOff val="3000"/>
+                </a:schemeClr>
+              </a:gs>
+              <a:gs pos="100000">
+                <a:schemeClr val="accent1">
+                  <a:lumMod val="60000"/>
+                  <a:lumOff val="40000"/>
+                </a:schemeClr>
+              </a:gs>
+            </a:gsLst>
+            <a:lin ang="16200000" scaled="1"/>
+            <a:tileRect/>
+          </a:gradFill>
+          <a:ln>
+            <a:headEnd type="arrow"/>
+            <a:tailEnd type="arrow"/>
+          </a:ln>
+        </p:spPr>
+        <p:style>
+          <a:lnRef idx="1">
+            <a:schemeClr val="accent1"/>
+          </a:lnRef>
+          <a:fillRef idx="3">
+            <a:schemeClr val="accent1"/>
+          </a:fillRef>
+          <a:effectRef idx="2">
+            <a:schemeClr val="accent1"/>
+          </a:effectRef>
+          <a:fontRef idx="minor">
+            <a:schemeClr val="lt1"/>
+          </a:fontRef>
+        </p:style>
+      </p:cxnSp>
+      <p:sp>
+        <p:nvSpPr>
+          <p:cNvPr id="503" name="TextBox 502"/>
+          <p:cNvSpPr txBox="1"/>
+          <p:nvPr/>
+        </p:nvSpPr>
+        <p:spPr>
+          <a:xfrm>
+            <a:off x="5994908" y="5078216"/>
+            <a:ext cx="615079" cy="184666"/>
+          </a:xfrm>
+          <a:prstGeom prst="rect">
+            <a:avLst/>
+          </a:prstGeom>
+          <a:noFill/>
+        </p:spPr>
+        <p:txBody>
+          <a:bodyPr wrap="square" rtlCol="0">
+            <a:spAutoFit/>
+          </a:bodyPr>
+          <a:lstStyle/>
+          <a:p>
+            <a:r>
+              <a:rPr lang="en-US" sz="600" dirty="0" err="1" smtClean="0"/>
+              <a:t>WorksFor</a:t>
+            </a:r>
+            <a:r>
+              <a:rPr lang="en-US" sz="600" dirty="0" smtClean="0"/>
+              <a:t>?</a:t>
+            </a:r>
+            <a:endParaRPr lang="en-US" sz="600" dirty="0"/>
+          </a:p>
+        </p:txBody>
+      </p:sp>
+      <p:grpSp>
+        <p:nvGrpSpPr>
+          <p:cNvPr id="508" name="Group 507"/>
+          <p:cNvGrpSpPr/>
+          <p:nvPr/>
+        </p:nvGrpSpPr>
+        <p:grpSpPr>
+          <a:xfrm>
+            <a:off x="2242262" y="4293793"/>
+            <a:ext cx="453754" cy="358793"/>
+            <a:chOff x="2242262" y="4293793"/>
+            <a:chExt cx="453754" cy="358793"/>
+          </a:xfrm>
+        </p:grpSpPr>
+        <p:cxnSp>
+          <p:nvCxnSpPr>
+            <p:cNvPr id="504" name="Straight Arrow Connector 503"/>
+            <p:cNvCxnSpPr>
+              <a:stCxn id="207" idx="0"/>
+              <a:endCxn id="201" idx="4"/>
+            </p:cNvCxnSpPr>
+            <p:nvPr/>
+          </p:nvCxnSpPr>
+          <p:spPr>
+            <a:xfrm flipH="1" flipV="1">
+              <a:off x="2242262" y="4293793"/>
+              <a:ext cx="254928" cy="358793"/>
+            </a:xfrm>
+            <a:prstGeom prst="straightConnector1">
+              <a:avLst/>
+            </a:prstGeom>
+            <a:gradFill flip="none" rotWithShape="1">
+              <a:gsLst>
+                <a:gs pos="26000">
+                  <a:schemeClr val="accent4"/>
+                </a:gs>
+                <a:gs pos="71000">
+                  <a:schemeClr val="accent1">
+                    <a:lumMod val="97000"/>
+                    <a:lumOff val="3000"/>
+                  </a:schemeClr>
+                </a:gs>
+                <a:gs pos="100000">
+                  <a:schemeClr val="accent1">
+                    <a:lumMod val="60000"/>
+                    <a:lumOff val="40000"/>
+                  </a:schemeClr>
+                </a:gs>
+              </a:gsLst>
+              <a:lin ang="16200000" scaled="1"/>
+              <a:tileRect/>
+            </a:gradFill>
+            <a:ln>
+              <a:headEnd type="arrow"/>
+              <a:tailEnd type="arrow"/>
+            </a:ln>
+          </p:spPr>
+          <p:style>
+            <a:lnRef idx="1">
+              <a:schemeClr val="accent1"/>
+            </a:lnRef>
+            <a:fillRef idx="3">
+              <a:schemeClr val="accent1"/>
+            </a:fillRef>
+            <a:effectRef idx="2">
+              <a:schemeClr val="accent1"/>
+            </a:effectRef>
+            <a:fontRef idx="minor">
+              <a:schemeClr val="lt1"/>
+            </a:fontRef>
+          </p:style>
+        </p:cxnSp>
+        <p:sp>
+          <p:nvSpPr>
+            <p:cNvPr id="507" name="TextBox 506"/>
+            <p:cNvSpPr txBox="1"/>
+            <p:nvPr/>
+          </p:nvSpPr>
+          <p:spPr>
+            <a:xfrm>
+              <a:off x="2333415" y="4377580"/>
+              <a:ext cx="362601" cy="184666"/>
+            </a:xfrm>
+            <a:prstGeom prst="rect">
+              <a:avLst/>
+            </a:prstGeom>
+            <a:noFill/>
+          </p:spPr>
+          <p:txBody>
+            <a:bodyPr wrap="square" rtlCol="0">
+              <a:spAutoFit/>
+            </a:bodyPr>
+            <a:lstStyle/>
+            <a:p>
+              <a:r>
+                <a:rPr lang="en-US" sz="600" dirty="0" smtClean="0"/>
+                <a:t>Has</a:t>
+              </a:r>
+              <a:endParaRPr lang="en-US" sz="600" dirty="0"/>
+            </a:p>
+          </p:txBody>
+        </p:sp>
+      </p:grpSp>
+      <p:grpSp>
+        <p:nvGrpSpPr>
+          <p:cNvPr id="509" name="Group 508"/>
+          <p:cNvGrpSpPr/>
+          <p:nvPr/>
+        </p:nvGrpSpPr>
+        <p:grpSpPr>
+          <a:xfrm>
+            <a:off x="2234522" y="4818924"/>
+            <a:ext cx="449070" cy="459018"/>
+            <a:chOff x="2082122" y="4264590"/>
+            <a:chExt cx="449070" cy="459018"/>
+          </a:xfrm>
+        </p:grpSpPr>
+        <p:cxnSp>
+          <p:nvCxnSpPr>
+            <p:cNvPr id="510" name="Straight Arrow Connector 509"/>
+            <p:cNvCxnSpPr>
+              <a:stCxn id="210" idx="0"/>
+              <a:endCxn id="207" idx="4"/>
+            </p:cNvCxnSpPr>
+            <p:nvPr/>
+          </p:nvCxnSpPr>
+          <p:spPr>
+            <a:xfrm flipV="1">
+              <a:off x="2082122" y="4264590"/>
+              <a:ext cx="262668" cy="459018"/>
+            </a:xfrm>
+            <a:prstGeom prst="straightConnector1">
+              <a:avLst/>
+            </a:prstGeom>
+            <a:gradFill flip="none" rotWithShape="1">
+              <a:gsLst>
+                <a:gs pos="26000">
+                  <a:schemeClr val="accent4"/>
+                </a:gs>
+                <a:gs pos="71000">
+                  <a:schemeClr val="accent1">
+                    <a:lumMod val="97000"/>
+                    <a:lumOff val="3000"/>
+                  </a:schemeClr>
+                </a:gs>
+                <a:gs pos="100000">
+                  <a:schemeClr val="accent1">
+                    <a:lumMod val="60000"/>
+                    <a:lumOff val="40000"/>
+                  </a:schemeClr>
+                </a:gs>
+              </a:gsLst>
+              <a:lin ang="16200000" scaled="1"/>
+              <a:tileRect/>
+            </a:gradFill>
+            <a:ln>
+              <a:headEnd type="arrow"/>
+              <a:tailEnd type="arrow"/>
+            </a:ln>
+          </p:spPr>
+          <p:style>
+            <a:lnRef idx="1">
+              <a:schemeClr val="accent1"/>
+            </a:lnRef>
+            <a:fillRef idx="3">
+              <a:schemeClr val="accent1"/>
+            </a:fillRef>
+            <a:effectRef idx="2">
+              <a:schemeClr val="accent1"/>
+            </a:effectRef>
+            <a:fontRef idx="minor">
+              <a:schemeClr val="lt1"/>
+            </a:fontRef>
+          </p:style>
+        </p:cxnSp>
+        <p:sp>
+          <p:nvSpPr>
+            <p:cNvPr id="511" name="TextBox 510"/>
+            <p:cNvSpPr txBox="1"/>
+            <p:nvPr/>
+          </p:nvSpPr>
+          <p:spPr>
+            <a:xfrm>
+              <a:off x="2168591" y="4447775"/>
+              <a:ext cx="362601" cy="184666"/>
+            </a:xfrm>
+            <a:prstGeom prst="rect">
+              <a:avLst/>
+            </a:prstGeom>
+            <a:noFill/>
+          </p:spPr>
+          <p:txBody>
+            <a:bodyPr wrap="square" rtlCol="0">
+              <a:spAutoFit/>
+            </a:bodyPr>
+            <a:lstStyle/>
+            <a:p>
+              <a:r>
+                <a:rPr lang="en-US" sz="600" dirty="0" smtClean="0"/>
+                <a:t>Has</a:t>
+              </a:r>
+              <a:endParaRPr lang="en-US" sz="600" dirty="0"/>
+            </a:p>
+          </p:txBody>
+        </p:sp>
+      </p:grpSp>
+      <p:grpSp>
+        <p:nvGrpSpPr>
+          <p:cNvPr id="512" name="Group 511"/>
+          <p:cNvGrpSpPr/>
+          <p:nvPr/>
+        </p:nvGrpSpPr>
+        <p:grpSpPr>
+          <a:xfrm>
+            <a:off x="1866692" y="4269433"/>
+            <a:ext cx="362601" cy="1032869"/>
+            <a:chOff x="2307507" y="3688991"/>
+            <a:chExt cx="362601" cy="1032869"/>
+          </a:xfrm>
+        </p:grpSpPr>
+        <p:cxnSp>
+          <p:nvCxnSpPr>
+            <p:cNvPr id="513" name="Straight Arrow Connector 512"/>
+            <p:cNvCxnSpPr>
+              <a:stCxn id="210" idx="1"/>
+              <a:endCxn id="201" idx="3"/>
+            </p:cNvCxnSpPr>
+            <p:nvPr/>
+          </p:nvCxnSpPr>
+          <p:spPr>
+            <a:xfrm flipV="1">
+              <a:off x="2330952" y="3688991"/>
+              <a:ext cx="153813" cy="1032869"/>
+            </a:xfrm>
+            <a:prstGeom prst="straightConnector1">
+              <a:avLst/>
+            </a:prstGeom>
+            <a:gradFill flip="none" rotWithShape="1">
+              <a:gsLst>
+                <a:gs pos="26000">
+                  <a:schemeClr val="accent4"/>
+                </a:gs>
+                <a:gs pos="71000">
+                  <a:schemeClr val="accent1">
+                    <a:lumMod val="97000"/>
+                    <a:lumOff val="3000"/>
+                  </a:schemeClr>
+                </a:gs>
+                <a:gs pos="100000">
+                  <a:schemeClr val="accent1">
+                    <a:lumMod val="60000"/>
+                    <a:lumOff val="40000"/>
+                  </a:schemeClr>
+                </a:gs>
+              </a:gsLst>
+              <a:lin ang="16200000" scaled="1"/>
+              <a:tileRect/>
+            </a:gradFill>
+            <a:ln>
+              <a:headEnd type="arrow"/>
+              <a:tailEnd type="arrow"/>
+            </a:ln>
+          </p:spPr>
+          <p:style>
+            <a:lnRef idx="1">
+              <a:schemeClr val="accent1"/>
+            </a:lnRef>
+            <a:fillRef idx="3">
+              <a:schemeClr val="accent1"/>
+            </a:fillRef>
+            <a:effectRef idx="2">
+              <a:schemeClr val="accent1"/>
+            </a:effectRef>
+            <a:fontRef idx="minor">
+              <a:schemeClr val="lt1"/>
+            </a:fontRef>
+          </p:style>
+        </p:cxnSp>
+        <p:sp>
+          <p:nvSpPr>
+            <p:cNvPr id="514" name="TextBox 513"/>
+            <p:cNvSpPr txBox="1"/>
+            <p:nvPr/>
+          </p:nvSpPr>
+          <p:spPr>
+            <a:xfrm>
+              <a:off x="2307507" y="4411948"/>
+              <a:ext cx="362601" cy="184666"/>
+            </a:xfrm>
+            <a:prstGeom prst="rect">
+              <a:avLst/>
+            </a:prstGeom>
+            <a:noFill/>
+          </p:spPr>
+          <p:txBody>
+            <a:bodyPr wrap="square" rtlCol="0">
+              <a:spAutoFit/>
+            </a:bodyPr>
+            <a:lstStyle/>
+            <a:p>
+              <a:r>
+                <a:rPr lang="en-US" sz="600" dirty="0" smtClean="0"/>
+                <a:t>Has</a:t>
+              </a:r>
+              <a:endParaRPr lang="en-US" sz="600" dirty="0"/>
+            </a:p>
+          </p:txBody>
+        </p:sp>
+      </p:grpSp>
     </p:spTree>
     <p:extLst>
       <p:ext uri="{BB962C8B-B14F-4D97-AF65-F5344CB8AC3E}">
